--- a/MiscFiles/Final Presentation V2.pptx
+++ b/MiscFiles/Final Presentation V2.pptx
@@ -1,30 +1,125 @@
 
 <file path=ppt/presentation.xml><?xml version="1.0" encoding="utf-8"?>
-<p:presentation xmlns:a="http://schemas.openxmlformats.org/drawingml/2006/main" xmlns:p="http://schemas.openxmlformats.org/presentationml/2006/main" xmlns:r="http://schemas.openxmlformats.org/officeDocument/2006/relationships" xmlns:p14="http://schemas.microsoft.com/office/powerpoint/2010/main" xmlns:p15="http://schemas.microsoft.com/office/powerpoint/2012/main" xmlns:mc="http://schemas.openxmlformats.org/markup-compatibility/2006">
+<p:presentation xmlns:a="http://schemas.openxmlformats.org/drawingml/2006/main" xmlns:r="http://schemas.openxmlformats.org/officeDocument/2006/relationships" xmlns:p="http://schemas.openxmlformats.org/presentationml/2006/main">
   <p:sldMasterIdLst>
-    <p:sldMasterId id="2147483648" r:id="rId2"/>
-    <p:sldMasterId id="2147483661" r:id="rId3"/>
+    <p:sldMasterId id="2147483648" r:id="rId1"/>
+    <p:sldMasterId id="2147483661" r:id="rId2"/>
   </p:sldMasterIdLst>
   <p:sldIdLst>
-    <p:sldId id="256" r:id="rId4"/>
-    <p:sldId id="257" r:id="rId5"/>
-    <p:sldId id="258" r:id="rId6"/>
-    <p:sldId id="259" r:id="rId7"/>
-    <p:sldId id="260" r:id="rId8"/>
-    <p:sldId id="261" r:id="rId9"/>
-    <p:sldId id="262" r:id="rId10"/>
-    <p:sldId id="263" r:id="rId11"/>
-    <p:sldId id="264" r:id="rId12"/>
-    <p:sldId id="265" r:id="rId13"/>
-    <p:sldId id="266" r:id="rId14"/>
+    <p:sldId id="256" r:id="rId3"/>
+    <p:sldId id="257" r:id="rId4"/>
+    <p:sldId id="258" r:id="rId5"/>
+    <p:sldId id="259" r:id="rId6"/>
+    <p:sldId id="260" r:id="rId7"/>
+    <p:sldId id="261" r:id="rId8"/>
+    <p:sldId id="262" r:id="rId9"/>
+    <p:sldId id="263" r:id="rId10"/>
+    <p:sldId id="264" r:id="rId11"/>
+    <p:sldId id="265" r:id="rId12"/>
+    <p:sldId id="266" r:id="rId13"/>
   </p:sldIdLst>
   <p:sldSz cx="10080625" cy="7559675"/>
-  <p:notesSz cx="7559675" cy="10691812"/>
+  <p:notesSz cx="7559675" cy="10691813"/>
+  <p:defaultTextStyle>
+    <a:defPPr>
+      <a:defRPr lang="en-US"/>
+    </a:defPPr>
+    <a:lvl1pPr marL="0" algn="l" defTabSz="914400" rtl="0" eaLnBrk="1" latinLnBrk="0" hangingPunct="1">
+      <a:defRPr sz="1800" kern="1200">
+        <a:solidFill>
+          <a:schemeClr val="tx1"/>
+        </a:solidFill>
+        <a:latin typeface="+mn-lt"/>
+        <a:ea typeface="+mn-ea"/>
+        <a:cs typeface="+mn-cs"/>
+      </a:defRPr>
+    </a:lvl1pPr>
+    <a:lvl2pPr marL="457200" algn="l" defTabSz="914400" rtl="0" eaLnBrk="1" latinLnBrk="0" hangingPunct="1">
+      <a:defRPr sz="1800" kern="1200">
+        <a:solidFill>
+          <a:schemeClr val="tx1"/>
+        </a:solidFill>
+        <a:latin typeface="+mn-lt"/>
+        <a:ea typeface="+mn-ea"/>
+        <a:cs typeface="+mn-cs"/>
+      </a:defRPr>
+    </a:lvl2pPr>
+    <a:lvl3pPr marL="914400" algn="l" defTabSz="914400" rtl="0" eaLnBrk="1" latinLnBrk="0" hangingPunct="1">
+      <a:defRPr sz="1800" kern="1200">
+        <a:solidFill>
+          <a:schemeClr val="tx1"/>
+        </a:solidFill>
+        <a:latin typeface="+mn-lt"/>
+        <a:ea typeface="+mn-ea"/>
+        <a:cs typeface="+mn-cs"/>
+      </a:defRPr>
+    </a:lvl3pPr>
+    <a:lvl4pPr marL="1371600" algn="l" defTabSz="914400" rtl="0" eaLnBrk="1" latinLnBrk="0" hangingPunct="1">
+      <a:defRPr sz="1800" kern="1200">
+        <a:solidFill>
+          <a:schemeClr val="tx1"/>
+        </a:solidFill>
+        <a:latin typeface="+mn-lt"/>
+        <a:ea typeface="+mn-ea"/>
+        <a:cs typeface="+mn-cs"/>
+      </a:defRPr>
+    </a:lvl4pPr>
+    <a:lvl5pPr marL="1828800" algn="l" defTabSz="914400" rtl="0" eaLnBrk="1" latinLnBrk="0" hangingPunct="1">
+      <a:defRPr sz="1800" kern="1200">
+        <a:solidFill>
+          <a:schemeClr val="tx1"/>
+        </a:solidFill>
+        <a:latin typeface="+mn-lt"/>
+        <a:ea typeface="+mn-ea"/>
+        <a:cs typeface="+mn-cs"/>
+      </a:defRPr>
+    </a:lvl5pPr>
+    <a:lvl6pPr marL="2286000" algn="l" defTabSz="914400" rtl="0" eaLnBrk="1" latinLnBrk="0" hangingPunct="1">
+      <a:defRPr sz="1800" kern="1200">
+        <a:solidFill>
+          <a:schemeClr val="tx1"/>
+        </a:solidFill>
+        <a:latin typeface="+mn-lt"/>
+        <a:ea typeface="+mn-ea"/>
+        <a:cs typeface="+mn-cs"/>
+      </a:defRPr>
+    </a:lvl6pPr>
+    <a:lvl7pPr marL="2743200" algn="l" defTabSz="914400" rtl="0" eaLnBrk="1" latinLnBrk="0" hangingPunct="1">
+      <a:defRPr sz="1800" kern="1200">
+        <a:solidFill>
+          <a:schemeClr val="tx1"/>
+        </a:solidFill>
+        <a:latin typeface="+mn-lt"/>
+        <a:ea typeface="+mn-ea"/>
+        <a:cs typeface="+mn-cs"/>
+      </a:defRPr>
+    </a:lvl7pPr>
+    <a:lvl8pPr marL="3200400" algn="l" defTabSz="914400" rtl="0" eaLnBrk="1" latinLnBrk="0" hangingPunct="1">
+      <a:defRPr sz="1800" kern="1200">
+        <a:solidFill>
+          <a:schemeClr val="tx1"/>
+        </a:solidFill>
+        <a:latin typeface="+mn-lt"/>
+        <a:ea typeface="+mn-ea"/>
+        <a:cs typeface="+mn-cs"/>
+      </a:defRPr>
+    </a:lvl8pPr>
+    <a:lvl9pPr marL="3657600" algn="l" defTabSz="914400" rtl="0" eaLnBrk="1" latinLnBrk="0" hangingPunct="1">
+      <a:defRPr sz="1800" kern="1200">
+        <a:solidFill>
+          <a:schemeClr val="tx1"/>
+        </a:solidFill>
+        <a:latin typeface="+mn-lt"/>
+        <a:ea typeface="+mn-ea"/>
+        <a:cs typeface="+mn-cs"/>
+      </a:defRPr>
+    </a:lvl9pPr>
+  </p:defaultTextStyle>
 </p:presentation>
 </file>
 
 <file path=ppt/slideLayouts/slideLayout1.xml><?xml version="1.0" encoding="utf-8"?>
-<p:sldLayout xmlns:a="http://schemas.openxmlformats.org/drawingml/2006/main" xmlns:p="http://schemas.openxmlformats.org/presentationml/2006/main" xmlns:r="http://schemas.openxmlformats.org/officeDocument/2006/relationships" xmlns:p14="http://schemas.microsoft.com/office/powerpoint/2010/main" xmlns:p15="http://schemas.microsoft.com/office/powerpoint/2012/main" xmlns:mc="http://schemas.openxmlformats.org/markup-compatibility/2006" type="blank" preserve="1">
+<p:sldLayout xmlns:a="http://schemas.openxmlformats.org/drawingml/2006/main" xmlns:r="http://schemas.openxmlformats.org/officeDocument/2006/relationships" xmlns:p="http://schemas.openxmlformats.org/presentationml/2006/main" type="blank" preserve="1">
   <p:cSld name="Blank Slide">
     <p:spTree>
       <p:nvGrpSpPr>
@@ -42,11 +137,14 @@
       </p:grpSpPr>
     </p:spTree>
   </p:cSld>
+  <p:clrMapOvr>
+    <a:masterClrMapping/>
+  </p:clrMapOvr>
 </p:sldLayout>
 </file>
 
 <file path=ppt/slideLayouts/slideLayout10.xml><?xml version="1.0" encoding="utf-8"?>
-<p:sldLayout xmlns:a="http://schemas.openxmlformats.org/drawingml/2006/main" xmlns:p="http://schemas.openxmlformats.org/presentationml/2006/main" xmlns:r="http://schemas.openxmlformats.org/officeDocument/2006/relationships" xmlns:p14="http://schemas.microsoft.com/office/powerpoint/2010/main" xmlns:p15="http://schemas.microsoft.com/office/powerpoint/2012/main" xmlns:mc="http://schemas.openxmlformats.org/markup-compatibility/2006" type="objOverTx" preserve="1">
+<p:sldLayout xmlns:a="http://schemas.openxmlformats.org/drawingml/2006/main" xmlns:r="http://schemas.openxmlformats.org/officeDocument/2006/relationships" xmlns:p="http://schemas.openxmlformats.org/presentationml/2006/main" type="objOverTx" preserve="1">
   <p:cSld name="Title, Content over Content">
     <p:spTree>
       <p:nvGrpSpPr>
@@ -82,14 +180,15 @@
           </a:prstGeom>
         </p:spPr>
         <p:txBody>
-          <a:bodyPr lIns="0" rIns="0" tIns="0" bIns="0" anchor="ctr">
+          <a:bodyPr lIns="0" tIns="0" rIns="0" bIns="0" anchor="ctr">
             <a:spAutoFit/>
           </a:bodyPr>
+          <a:lstStyle/>
           <a:p>
             <a:pPr algn="ctr"/>
-            <a:endParaRPr b="0" lang="en-US" sz="4400" spc="-1" strike="noStrike">
-              <a:solidFill>
-                <a:srgbClr val="ffffff"/>
+            <a:endParaRPr lang="en-US" sz="4400" b="0" strike="noStrike" spc="-1">
+              <a:solidFill>
+                <a:srgbClr val="FFFFFF"/>
               </a:solidFill>
               <a:latin typeface="Arial"/>
             </a:endParaRPr>
@@ -116,13 +215,14 @@
           </a:prstGeom>
         </p:spPr>
         <p:txBody>
-          <a:bodyPr lIns="0" rIns="0" tIns="0" bIns="0">
+          <a:bodyPr lIns="0" tIns="0" rIns="0" bIns="0">
             <a:noAutofit/>
           </a:bodyPr>
-          <a:p>
-            <a:endParaRPr b="0" lang="en-US" sz="3200" spc="-1" strike="noStrike">
-              <a:solidFill>
-                <a:srgbClr val="0066cc"/>
+          <a:lstStyle/>
+          <a:p>
+            <a:endParaRPr lang="en-US" sz="3200" b="0" strike="noStrike" spc="-1">
+              <a:solidFill>
+                <a:srgbClr val="0066CC"/>
               </a:solidFill>
               <a:latin typeface="Arial"/>
             </a:endParaRPr>
@@ -149,13 +249,14 @@
           </a:prstGeom>
         </p:spPr>
         <p:txBody>
-          <a:bodyPr lIns="0" rIns="0" tIns="0" bIns="0">
+          <a:bodyPr lIns="0" tIns="0" rIns="0" bIns="0">
             <a:noAutofit/>
           </a:bodyPr>
-          <a:p>
-            <a:endParaRPr b="0" lang="en-US" sz="3200" spc="-1" strike="noStrike">
-              <a:solidFill>
-                <a:srgbClr val="0066cc"/>
+          <a:lstStyle/>
+          <a:p>
+            <a:endParaRPr lang="en-US" sz="3200" b="0" strike="noStrike" spc="-1">
+              <a:solidFill>
+                <a:srgbClr val="0066CC"/>
               </a:solidFill>
               <a:latin typeface="Arial"/>
             </a:endParaRPr>
@@ -164,11 +265,14 @@
       </p:sp>
     </p:spTree>
   </p:cSld>
+  <p:clrMapOvr>
+    <a:masterClrMapping/>
+  </p:clrMapOvr>
 </p:sldLayout>
 </file>
 
 <file path=ppt/slideLayouts/slideLayout11.xml><?xml version="1.0" encoding="utf-8"?>
-<p:sldLayout xmlns:a="http://schemas.openxmlformats.org/drawingml/2006/main" xmlns:p="http://schemas.openxmlformats.org/presentationml/2006/main" xmlns:r="http://schemas.openxmlformats.org/officeDocument/2006/relationships" xmlns:p14="http://schemas.microsoft.com/office/powerpoint/2010/main" xmlns:p15="http://schemas.microsoft.com/office/powerpoint/2012/main" xmlns:mc="http://schemas.openxmlformats.org/markup-compatibility/2006" type="fourObj" preserve="1">
+<p:sldLayout xmlns:a="http://schemas.openxmlformats.org/drawingml/2006/main" xmlns:r="http://schemas.openxmlformats.org/officeDocument/2006/relationships" xmlns:p="http://schemas.openxmlformats.org/presentationml/2006/main" type="fourObj" preserve="1">
   <p:cSld name="Title, 4 Content">
     <p:spTree>
       <p:nvGrpSpPr>
@@ -204,14 +308,15 @@
           </a:prstGeom>
         </p:spPr>
         <p:txBody>
-          <a:bodyPr lIns="0" rIns="0" tIns="0" bIns="0" anchor="ctr">
+          <a:bodyPr lIns="0" tIns="0" rIns="0" bIns="0" anchor="ctr">
             <a:spAutoFit/>
           </a:bodyPr>
+          <a:lstStyle/>
           <a:p>
             <a:pPr algn="ctr"/>
-            <a:endParaRPr b="0" lang="en-US" sz="4400" spc="-1" strike="noStrike">
-              <a:solidFill>
-                <a:srgbClr val="ffffff"/>
+            <a:endParaRPr lang="en-US" sz="4400" b="0" strike="noStrike" spc="-1">
+              <a:solidFill>
+                <a:srgbClr val="FFFFFF"/>
               </a:solidFill>
               <a:latin typeface="Arial"/>
             </a:endParaRPr>
@@ -238,13 +343,14 @@
           </a:prstGeom>
         </p:spPr>
         <p:txBody>
-          <a:bodyPr lIns="0" rIns="0" tIns="0" bIns="0">
+          <a:bodyPr lIns="0" tIns="0" rIns="0" bIns="0">
             <a:noAutofit/>
           </a:bodyPr>
-          <a:p>
-            <a:endParaRPr b="0" lang="en-US" sz="3200" spc="-1" strike="noStrike">
-              <a:solidFill>
-                <a:srgbClr val="0066cc"/>
+          <a:lstStyle/>
+          <a:p>
+            <a:endParaRPr lang="en-US" sz="3200" b="0" strike="noStrike" spc="-1">
+              <a:solidFill>
+                <a:srgbClr val="0066CC"/>
               </a:solidFill>
               <a:latin typeface="Arial"/>
             </a:endParaRPr>
@@ -271,13 +377,14 @@
           </a:prstGeom>
         </p:spPr>
         <p:txBody>
-          <a:bodyPr lIns="0" rIns="0" tIns="0" bIns="0">
+          <a:bodyPr lIns="0" tIns="0" rIns="0" bIns="0">
             <a:noAutofit/>
           </a:bodyPr>
-          <a:p>
-            <a:endParaRPr b="0" lang="en-US" sz="3200" spc="-1" strike="noStrike">
-              <a:solidFill>
-                <a:srgbClr val="0066cc"/>
+          <a:lstStyle/>
+          <a:p>
+            <a:endParaRPr lang="en-US" sz="3200" b="0" strike="noStrike" spc="-1">
+              <a:solidFill>
+                <a:srgbClr val="0066CC"/>
               </a:solidFill>
               <a:latin typeface="Arial"/>
             </a:endParaRPr>
@@ -304,13 +411,14 @@
           </a:prstGeom>
         </p:spPr>
         <p:txBody>
-          <a:bodyPr lIns="0" rIns="0" tIns="0" bIns="0">
+          <a:bodyPr lIns="0" tIns="0" rIns="0" bIns="0">
             <a:noAutofit/>
           </a:bodyPr>
-          <a:p>
-            <a:endParaRPr b="0" lang="en-US" sz="3200" spc="-1" strike="noStrike">
-              <a:solidFill>
-                <a:srgbClr val="0066cc"/>
+          <a:lstStyle/>
+          <a:p>
+            <a:endParaRPr lang="en-US" sz="3200" b="0" strike="noStrike" spc="-1">
+              <a:solidFill>
+                <a:srgbClr val="0066CC"/>
               </a:solidFill>
               <a:latin typeface="Arial"/>
             </a:endParaRPr>
@@ -337,13 +445,14 @@
           </a:prstGeom>
         </p:spPr>
         <p:txBody>
-          <a:bodyPr lIns="0" rIns="0" tIns="0" bIns="0">
+          <a:bodyPr lIns="0" tIns="0" rIns="0" bIns="0">
             <a:noAutofit/>
           </a:bodyPr>
-          <a:p>
-            <a:endParaRPr b="0" lang="en-US" sz="3200" spc="-1" strike="noStrike">
-              <a:solidFill>
-                <a:srgbClr val="0066cc"/>
+          <a:lstStyle/>
+          <a:p>
+            <a:endParaRPr lang="en-US" sz="3200" b="0" strike="noStrike" spc="-1">
+              <a:solidFill>
+                <a:srgbClr val="0066CC"/>
               </a:solidFill>
               <a:latin typeface="Arial"/>
             </a:endParaRPr>
@@ -352,11 +461,14 @@
       </p:sp>
     </p:spTree>
   </p:cSld>
+  <p:clrMapOvr>
+    <a:masterClrMapping/>
+  </p:clrMapOvr>
 </p:sldLayout>
 </file>
 
 <file path=ppt/slideLayouts/slideLayout12.xml><?xml version="1.0" encoding="utf-8"?>
-<p:sldLayout xmlns:a="http://schemas.openxmlformats.org/drawingml/2006/main" xmlns:p="http://schemas.openxmlformats.org/presentationml/2006/main" xmlns:r="http://schemas.openxmlformats.org/officeDocument/2006/relationships" xmlns:p14="http://schemas.microsoft.com/office/powerpoint/2010/main" xmlns:p15="http://schemas.microsoft.com/office/powerpoint/2012/main" xmlns:mc="http://schemas.openxmlformats.org/markup-compatibility/2006" type="blank" preserve="1">
+<p:sldLayout xmlns:a="http://schemas.openxmlformats.org/drawingml/2006/main" xmlns:r="http://schemas.openxmlformats.org/officeDocument/2006/relationships" xmlns:p="http://schemas.openxmlformats.org/presentationml/2006/main" type="blank" preserve="1">
   <p:cSld name="Title, 6 Content">
     <p:spTree>
       <p:nvGrpSpPr>
@@ -392,14 +504,15 @@
           </a:prstGeom>
         </p:spPr>
         <p:txBody>
-          <a:bodyPr lIns="0" rIns="0" tIns="0" bIns="0" anchor="ctr">
+          <a:bodyPr lIns="0" tIns="0" rIns="0" bIns="0" anchor="ctr">
             <a:spAutoFit/>
           </a:bodyPr>
+          <a:lstStyle/>
           <a:p>
             <a:pPr algn="ctr"/>
-            <a:endParaRPr b="0" lang="en-US" sz="4400" spc="-1" strike="noStrike">
-              <a:solidFill>
-                <a:srgbClr val="ffffff"/>
+            <a:endParaRPr lang="en-US" sz="4400" b="0" strike="noStrike" spc="-1">
+              <a:solidFill>
+                <a:srgbClr val="FFFFFF"/>
               </a:solidFill>
               <a:latin typeface="Arial"/>
             </a:endParaRPr>
@@ -426,13 +539,14 @@
           </a:prstGeom>
         </p:spPr>
         <p:txBody>
-          <a:bodyPr lIns="0" rIns="0" tIns="0" bIns="0">
+          <a:bodyPr lIns="0" tIns="0" rIns="0" bIns="0">
             <a:noAutofit/>
           </a:bodyPr>
-          <a:p>
-            <a:endParaRPr b="0" lang="en-US" sz="3200" spc="-1" strike="noStrike">
-              <a:solidFill>
-                <a:srgbClr val="0066cc"/>
+          <a:lstStyle/>
+          <a:p>
+            <a:endParaRPr lang="en-US" sz="3200" b="0" strike="noStrike" spc="-1">
+              <a:solidFill>
+                <a:srgbClr val="0066CC"/>
               </a:solidFill>
               <a:latin typeface="Arial"/>
             </a:endParaRPr>
@@ -459,13 +573,14 @@
           </a:prstGeom>
         </p:spPr>
         <p:txBody>
-          <a:bodyPr lIns="0" rIns="0" tIns="0" bIns="0">
+          <a:bodyPr lIns="0" tIns="0" rIns="0" bIns="0">
             <a:noAutofit/>
           </a:bodyPr>
-          <a:p>
-            <a:endParaRPr b="0" lang="en-US" sz="3200" spc="-1" strike="noStrike">
-              <a:solidFill>
-                <a:srgbClr val="0066cc"/>
+          <a:lstStyle/>
+          <a:p>
+            <a:endParaRPr lang="en-US" sz="3200" b="0" strike="noStrike" spc="-1">
+              <a:solidFill>
+                <a:srgbClr val="0066CC"/>
               </a:solidFill>
               <a:latin typeface="Arial"/>
             </a:endParaRPr>
@@ -492,13 +607,14 @@
           </a:prstGeom>
         </p:spPr>
         <p:txBody>
-          <a:bodyPr lIns="0" rIns="0" tIns="0" bIns="0">
+          <a:bodyPr lIns="0" tIns="0" rIns="0" bIns="0">
             <a:noAutofit/>
           </a:bodyPr>
-          <a:p>
-            <a:endParaRPr b="0" lang="en-US" sz="3200" spc="-1" strike="noStrike">
-              <a:solidFill>
-                <a:srgbClr val="0066cc"/>
+          <a:lstStyle/>
+          <a:p>
+            <a:endParaRPr lang="en-US" sz="3200" b="0" strike="noStrike" spc="-1">
+              <a:solidFill>
+                <a:srgbClr val="0066CC"/>
               </a:solidFill>
               <a:latin typeface="Arial"/>
             </a:endParaRPr>
@@ -525,13 +641,14 @@
           </a:prstGeom>
         </p:spPr>
         <p:txBody>
-          <a:bodyPr lIns="0" rIns="0" tIns="0" bIns="0">
+          <a:bodyPr lIns="0" tIns="0" rIns="0" bIns="0">
             <a:noAutofit/>
           </a:bodyPr>
-          <a:p>
-            <a:endParaRPr b="0" lang="en-US" sz="3200" spc="-1" strike="noStrike">
-              <a:solidFill>
-                <a:srgbClr val="0066cc"/>
+          <a:lstStyle/>
+          <a:p>
+            <a:endParaRPr lang="en-US" sz="3200" b="0" strike="noStrike" spc="-1">
+              <a:solidFill>
+                <a:srgbClr val="0066CC"/>
               </a:solidFill>
               <a:latin typeface="Arial"/>
             </a:endParaRPr>
@@ -558,13 +675,14 @@
           </a:prstGeom>
         </p:spPr>
         <p:txBody>
-          <a:bodyPr lIns="0" rIns="0" tIns="0" bIns="0">
+          <a:bodyPr lIns="0" tIns="0" rIns="0" bIns="0">
             <a:noAutofit/>
           </a:bodyPr>
-          <a:p>
-            <a:endParaRPr b="0" lang="en-US" sz="3200" spc="-1" strike="noStrike">
-              <a:solidFill>
-                <a:srgbClr val="0066cc"/>
+          <a:lstStyle/>
+          <a:p>
+            <a:endParaRPr lang="en-US" sz="3200" b="0" strike="noStrike" spc="-1">
+              <a:solidFill>
+                <a:srgbClr val="0066CC"/>
               </a:solidFill>
               <a:latin typeface="Arial"/>
             </a:endParaRPr>
@@ -591,13 +709,14 @@
           </a:prstGeom>
         </p:spPr>
         <p:txBody>
-          <a:bodyPr lIns="0" rIns="0" tIns="0" bIns="0">
+          <a:bodyPr lIns="0" tIns="0" rIns="0" bIns="0">
             <a:noAutofit/>
           </a:bodyPr>
-          <a:p>
-            <a:endParaRPr b="0" lang="en-US" sz="3200" spc="-1" strike="noStrike">
-              <a:solidFill>
-                <a:srgbClr val="0066cc"/>
+          <a:lstStyle/>
+          <a:p>
+            <a:endParaRPr lang="en-US" sz="3200" b="0" strike="noStrike" spc="-1">
+              <a:solidFill>
+                <a:srgbClr val="0066CC"/>
               </a:solidFill>
               <a:latin typeface="Arial"/>
             </a:endParaRPr>
@@ -606,11 +725,14 @@
       </p:sp>
     </p:spTree>
   </p:cSld>
+  <p:clrMapOvr>
+    <a:masterClrMapping/>
+  </p:clrMapOvr>
 </p:sldLayout>
 </file>
 
 <file path=ppt/slideLayouts/slideLayout13.xml><?xml version="1.0" encoding="utf-8"?>
-<p:sldLayout xmlns:a="http://schemas.openxmlformats.org/drawingml/2006/main" xmlns:p="http://schemas.openxmlformats.org/presentationml/2006/main" xmlns:r="http://schemas.openxmlformats.org/officeDocument/2006/relationships" xmlns:p14="http://schemas.microsoft.com/office/powerpoint/2010/main" xmlns:p15="http://schemas.microsoft.com/office/powerpoint/2012/main" xmlns:mc="http://schemas.openxmlformats.org/markup-compatibility/2006" type="blank" preserve="1">
+<p:sldLayout xmlns:a="http://schemas.openxmlformats.org/drawingml/2006/main" xmlns:r="http://schemas.openxmlformats.org/officeDocument/2006/relationships" xmlns:p="http://schemas.openxmlformats.org/presentationml/2006/main" type="blank" preserve="1">
   <p:cSld name="Blank Slide">
     <p:spTree>
       <p:nvGrpSpPr>
@@ -628,11 +750,14 @@
       </p:grpSpPr>
     </p:spTree>
   </p:cSld>
+  <p:clrMapOvr>
+    <a:masterClrMapping/>
+  </p:clrMapOvr>
 </p:sldLayout>
 </file>
 
 <file path=ppt/slideLayouts/slideLayout14.xml><?xml version="1.0" encoding="utf-8"?>
-<p:sldLayout xmlns:a="http://schemas.openxmlformats.org/drawingml/2006/main" xmlns:p="http://schemas.openxmlformats.org/presentationml/2006/main" xmlns:r="http://schemas.openxmlformats.org/officeDocument/2006/relationships" xmlns:p14="http://schemas.microsoft.com/office/powerpoint/2010/main" xmlns:p15="http://schemas.microsoft.com/office/powerpoint/2012/main" xmlns:mc="http://schemas.openxmlformats.org/markup-compatibility/2006" type="tx" preserve="1">
+<p:sldLayout xmlns:a="http://schemas.openxmlformats.org/drawingml/2006/main" xmlns:r="http://schemas.openxmlformats.org/officeDocument/2006/relationships" xmlns:p="http://schemas.openxmlformats.org/presentationml/2006/main" type="tx" preserve="1">
   <p:cSld name="Title Slide">
     <p:spTree>
       <p:nvGrpSpPr>
@@ -668,14 +793,15 @@
           </a:prstGeom>
         </p:spPr>
         <p:txBody>
-          <a:bodyPr lIns="0" rIns="0" tIns="0" bIns="0" anchor="ctr">
+          <a:bodyPr lIns="0" tIns="0" rIns="0" bIns="0" anchor="ctr">
             <a:spAutoFit/>
           </a:bodyPr>
+          <a:lstStyle/>
           <a:p>
             <a:pPr algn="ctr"/>
-            <a:endParaRPr b="0" lang="en-US" sz="4400" spc="-1" strike="noStrike">
-              <a:solidFill>
-                <a:srgbClr val="ffffff"/>
+            <a:endParaRPr lang="en-US" sz="4400" b="0" strike="noStrike" spc="-1">
+              <a:solidFill>
+                <a:srgbClr val="FFFFFF"/>
               </a:solidFill>
               <a:latin typeface="Arial"/>
             </a:endParaRPr>
@@ -702,12 +828,13 @@
           </a:prstGeom>
         </p:spPr>
         <p:txBody>
-          <a:bodyPr lIns="0" rIns="0" tIns="0" bIns="0" anchor="ctr">
+          <a:bodyPr lIns="0" tIns="0" rIns="0" bIns="0" anchor="ctr">
             <a:spAutoFit/>
           </a:bodyPr>
+          <a:lstStyle/>
           <a:p>
             <a:pPr algn="ctr"/>
-            <a:endParaRPr b="0" lang="en-US" sz="3200" spc="-1" strike="noStrike">
+            <a:endParaRPr lang="en-US" sz="3200" b="0" strike="noStrike" spc="-1">
               <a:latin typeface="Arial"/>
             </a:endParaRPr>
           </a:p>
@@ -715,11 +842,14 @@
       </p:sp>
     </p:spTree>
   </p:cSld>
+  <p:clrMapOvr>
+    <a:masterClrMapping/>
+  </p:clrMapOvr>
 </p:sldLayout>
 </file>
 
 <file path=ppt/slideLayouts/slideLayout15.xml><?xml version="1.0" encoding="utf-8"?>
-<p:sldLayout xmlns:a="http://schemas.openxmlformats.org/drawingml/2006/main" xmlns:p="http://schemas.openxmlformats.org/presentationml/2006/main" xmlns:r="http://schemas.openxmlformats.org/officeDocument/2006/relationships" xmlns:p14="http://schemas.microsoft.com/office/powerpoint/2010/main" xmlns:p15="http://schemas.microsoft.com/office/powerpoint/2012/main" xmlns:mc="http://schemas.openxmlformats.org/markup-compatibility/2006" type="obj" preserve="1">
+<p:sldLayout xmlns:a="http://schemas.openxmlformats.org/drawingml/2006/main" xmlns:r="http://schemas.openxmlformats.org/officeDocument/2006/relationships" xmlns:p="http://schemas.openxmlformats.org/presentationml/2006/main" type="obj" preserve="1">
   <p:cSld name="Title, Content">
     <p:spTree>
       <p:nvGrpSpPr>
@@ -755,14 +885,15 @@
           </a:prstGeom>
         </p:spPr>
         <p:txBody>
-          <a:bodyPr lIns="0" rIns="0" tIns="0" bIns="0" anchor="ctr">
+          <a:bodyPr lIns="0" tIns="0" rIns="0" bIns="0" anchor="ctr">
             <a:spAutoFit/>
           </a:bodyPr>
+          <a:lstStyle/>
           <a:p>
             <a:pPr algn="ctr"/>
-            <a:endParaRPr b="0" lang="en-US" sz="4400" spc="-1" strike="noStrike">
-              <a:solidFill>
-                <a:srgbClr val="ffffff"/>
+            <a:endParaRPr lang="en-US" sz="4400" b="0" strike="noStrike" spc="-1">
+              <a:solidFill>
+                <a:srgbClr val="FFFFFF"/>
               </a:solidFill>
               <a:latin typeface="Arial"/>
             </a:endParaRPr>
@@ -789,13 +920,14 @@
           </a:prstGeom>
         </p:spPr>
         <p:txBody>
-          <a:bodyPr lIns="0" rIns="0" tIns="0" bIns="0">
+          <a:bodyPr lIns="0" tIns="0" rIns="0" bIns="0">
             <a:noAutofit/>
           </a:bodyPr>
-          <a:p>
-            <a:endParaRPr b="0" lang="en-US" sz="3200" spc="-1" strike="noStrike">
-              <a:solidFill>
-                <a:srgbClr val="0066cc"/>
+          <a:lstStyle/>
+          <a:p>
+            <a:endParaRPr lang="en-US" sz="3200" b="0" strike="noStrike" spc="-1">
+              <a:solidFill>
+                <a:srgbClr val="0066CC"/>
               </a:solidFill>
               <a:latin typeface="Arial"/>
             </a:endParaRPr>
@@ -804,11 +936,14 @@
       </p:sp>
     </p:spTree>
   </p:cSld>
+  <p:clrMapOvr>
+    <a:masterClrMapping/>
+  </p:clrMapOvr>
 </p:sldLayout>
 </file>
 
 <file path=ppt/slideLayouts/slideLayout16.xml><?xml version="1.0" encoding="utf-8"?>
-<p:sldLayout xmlns:a="http://schemas.openxmlformats.org/drawingml/2006/main" xmlns:p="http://schemas.openxmlformats.org/presentationml/2006/main" xmlns:r="http://schemas.openxmlformats.org/officeDocument/2006/relationships" xmlns:p14="http://schemas.microsoft.com/office/powerpoint/2010/main" xmlns:p15="http://schemas.microsoft.com/office/powerpoint/2012/main" xmlns:mc="http://schemas.openxmlformats.org/markup-compatibility/2006" type="twoObj" preserve="1">
+<p:sldLayout xmlns:a="http://schemas.openxmlformats.org/drawingml/2006/main" xmlns:r="http://schemas.openxmlformats.org/officeDocument/2006/relationships" xmlns:p="http://schemas.openxmlformats.org/presentationml/2006/main" type="twoObj" preserve="1">
   <p:cSld name="Title, 2 Content">
     <p:spTree>
       <p:nvGrpSpPr>
@@ -844,14 +979,15 @@
           </a:prstGeom>
         </p:spPr>
         <p:txBody>
-          <a:bodyPr lIns="0" rIns="0" tIns="0" bIns="0" anchor="ctr">
+          <a:bodyPr lIns="0" tIns="0" rIns="0" bIns="0" anchor="ctr">
             <a:spAutoFit/>
           </a:bodyPr>
+          <a:lstStyle/>
           <a:p>
             <a:pPr algn="ctr"/>
-            <a:endParaRPr b="0" lang="en-US" sz="4400" spc="-1" strike="noStrike">
-              <a:solidFill>
-                <a:srgbClr val="ffffff"/>
+            <a:endParaRPr lang="en-US" sz="4400" b="0" strike="noStrike" spc="-1">
+              <a:solidFill>
+                <a:srgbClr val="FFFFFF"/>
               </a:solidFill>
               <a:latin typeface="Arial"/>
             </a:endParaRPr>
@@ -878,13 +1014,14 @@
           </a:prstGeom>
         </p:spPr>
         <p:txBody>
-          <a:bodyPr lIns="0" rIns="0" tIns="0" bIns="0">
+          <a:bodyPr lIns="0" tIns="0" rIns="0" bIns="0">
             <a:noAutofit/>
           </a:bodyPr>
-          <a:p>
-            <a:endParaRPr b="0" lang="en-US" sz="3200" spc="-1" strike="noStrike">
-              <a:solidFill>
-                <a:srgbClr val="0066cc"/>
+          <a:lstStyle/>
+          <a:p>
+            <a:endParaRPr lang="en-US" sz="3200" b="0" strike="noStrike" spc="-1">
+              <a:solidFill>
+                <a:srgbClr val="0066CC"/>
               </a:solidFill>
               <a:latin typeface="Arial"/>
             </a:endParaRPr>
@@ -911,13 +1048,14 @@
           </a:prstGeom>
         </p:spPr>
         <p:txBody>
-          <a:bodyPr lIns="0" rIns="0" tIns="0" bIns="0">
+          <a:bodyPr lIns="0" tIns="0" rIns="0" bIns="0">
             <a:noAutofit/>
           </a:bodyPr>
-          <a:p>
-            <a:endParaRPr b="0" lang="en-US" sz="3200" spc="-1" strike="noStrike">
-              <a:solidFill>
-                <a:srgbClr val="0066cc"/>
+          <a:lstStyle/>
+          <a:p>
+            <a:endParaRPr lang="en-US" sz="3200" b="0" strike="noStrike" spc="-1">
+              <a:solidFill>
+                <a:srgbClr val="0066CC"/>
               </a:solidFill>
               <a:latin typeface="Arial"/>
             </a:endParaRPr>
@@ -926,11 +1064,14 @@
       </p:sp>
     </p:spTree>
   </p:cSld>
+  <p:clrMapOvr>
+    <a:masterClrMapping/>
+  </p:clrMapOvr>
 </p:sldLayout>
 </file>
 
 <file path=ppt/slideLayouts/slideLayout17.xml><?xml version="1.0" encoding="utf-8"?>
-<p:sldLayout xmlns:a="http://schemas.openxmlformats.org/drawingml/2006/main" xmlns:p="http://schemas.openxmlformats.org/presentationml/2006/main" xmlns:r="http://schemas.openxmlformats.org/officeDocument/2006/relationships" xmlns:p14="http://schemas.microsoft.com/office/powerpoint/2010/main" xmlns:p15="http://schemas.microsoft.com/office/powerpoint/2012/main" xmlns:mc="http://schemas.openxmlformats.org/markup-compatibility/2006" type="titleOnly" preserve="1">
+<p:sldLayout xmlns:a="http://schemas.openxmlformats.org/drawingml/2006/main" xmlns:r="http://schemas.openxmlformats.org/officeDocument/2006/relationships" xmlns:p="http://schemas.openxmlformats.org/presentationml/2006/main" type="titleOnly" preserve="1">
   <p:cSld name="Title Only">
     <p:spTree>
       <p:nvGrpSpPr>
@@ -966,14 +1107,15 @@
           </a:prstGeom>
         </p:spPr>
         <p:txBody>
-          <a:bodyPr lIns="0" rIns="0" tIns="0" bIns="0" anchor="ctr">
+          <a:bodyPr lIns="0" tIns="0" rIns="0" bIns="0" anchor="ctr">
             <a:spAutoFit/>
           </a:bodyPr>
+          <a:lstStyle/>
           <a:p>
             <a:pPr algn="ctr"/>
-            <a:endParaRPr b="0" lang="en-US" sz="4400" spc="-1" strike="noStrike">
-              <a:solidFill>
-                <a:srgbClr val="ffffff"/>
+            <a:endParaRPr lang="en-US" sz="4400" b="0" strike="noStrike" spc="-1">
+              <a:solidFill>
+                <a:srgbClr val="FFFFFF"/>
               </a:solidFill>
               <a:latin typeface="Arial"/>
             </a:endParaRPr>
@@ -982,11 +1124,14 @@
       </p:sp>
     </p:spTree>
   </p:cSld>
+  <p:clrMapOvr>
+    <a:masterClrMapping/>
+  </p:clrMapOvr>
 </p:sldLayout>
 </file>
 
 <file path=ppt/slideLayouts/slideLayout18.xml><?xml version="1.0" encoding="utf-8"?>
-<p:sldLayout xmlns:a="http://schemas.openxmlformats.org/drawingml/2006/main" xmlns:p="http://schemas.openxmlformats.org/presentationml/2006/main" xmlns:r="http://schemas.openxmlformats.org/officeDocument/2006/relationships" xmlns:p14="http://schemas.microsoft.com/office/powerpoint/2010/main" xmlns:p15="http://schemas.microsoft.com/office/powerpoint/2012/main" xmlns:mc="http://schemas.openxmlformats.org/markup-compatibility/2006" type="objOnly" preserve="1">
+<p:sldLayout xmlns:a="http://schemas.openxmlformats.org/drawingml/2006/main" xmlns:r="http://schemas.openxmlformats.org/officeDocument/2006/relationships" xmlns:p="http://schemas.openxmlformats.org/presentationml/2006/main" type="objOnly" preserve="1">
   <p:cSld name="Centered Text">
     <p:spTree>
       <p:nvGrpSpPr>
@@ -1022,12 +1167,13 @@
           </a:prstGeom>
         </p:spPr>
         <p:txBody>
-          <a:bodyPr lIns="0" rIns="0" tIns="0" bIns="0" anchor="ctr">
+          <a:bodyPr lIns="0" tIns="0" rIns="0" bIns="0" anchor="ctr">
             <a:spAutoFit/>
           </a:bodyPr>
+          <a:lstStyle/>
           <a:p>
             <a:pPr algn="ctr"/>
-            <a:endParaRPr b="0" lang="en-US" sz="3200" spc="-1" strike="noStrike">
+            <a:endParaRPr lang="en-US" sz="3200" b="0" strike="noStrike" spc="-1">
               <a:latin typeface="Arial"/>
             </a:endParaRPr>
           </a:p>
@@ -1035,11 +1181,14 @@
       </p:sp>
     </p:spTree>
   </p:cSld>
+  <p:clrMapOvr>
+    <a:masterClrMapping/>
+  </p:clrMapOvr>
 </p:sldLayout>
 </file>
 
 <file path=ppt/slideLayouts/slideLayout19.xml><?xml version="1.0" encoding="utf-8"?>
-<p:sldLayout xmlns:a="http://schemas.openxmlformats.org/drawingml/2006/main" xmlns:p="http://schemas.openxmlformats.org/presentationml/2006/main" xmlns:r="http://schemas.openxmlformats.org/officeDocument/2006/relationships" xmlns:p14="http://schemas.microsoft.com/office/powerpoint/2010/main" xmlns:p15="http://schemas.microsoft.com/office/powerpoint/2012/main" xmlns:mc="http://schemas.openxmlformats.org/markup-compatibility/2006" type="twoObjAndObj" preserve="1">
+<p:sldLayout xmlns:a="http://schemas.openxmlformats.org/drawingml/2006/main" xmlns:r="http://schemas.openxmlformats.org/officeDocument/2006/relationships" xmlns:p="http://schemas.openxmlformats.org/presentationml/2006/main" type="twoObjAndObj" preserve="1">
   <p:cSld name="Title, 2 Content and Content">
     <p:spTree>
       <p:nvGrpSpPr>
@@ -1075,14 +1224,15 @@
           </a:prstGeom>
         </p:spPr>
         <p:txBody>
-          <a:bodyPr lIns="0" rIns="0" tIns="0" bIns="0" anchor="ctr">
+          <a:bodyPr lIns="0" tIns="0" rIns="0" bIns="0" anchor="ctr">
             <a:spAutoFit/>
           </a:bodyPr>
+          <a:lstStyle/>
           <a:p>
             <a:pPr algn="ctr"/>
-            <a:endParaRPr b="0" lang="en-US" sz="4400" spc="-1" strike="noStrike">
-              <a:solidFill>
-                <a:srgbClr val="ffffff"/>
+            <a:endParaRPr lang="en-US" sz="4400" b="0" strike="noStrike" spc="-1">
+              <a:solidFill>
+                <a:srgbClr val="FFFFFF"/>
               </a:solidFill>
               <a:latin typeface="Arial"/>
             </a:endParaRPr>
@@ -1109,13 +1259,14 @@
           </a:prstGeom>
         </p:spPr>
         <p:txBody>
-          <a:bodyPr lIns="0" rIns="0" tIns="0" bIns="0">
+          <a:bodyPr lIns="0" tIns="0" rIns="0" bIns="0">
             <a:noAutofit/>
           </a:bodyPr>
-          <a:p>
-            <a:endParaRPr b="0" lang="en-US" sz="3200" spc="-1" strike="noStrike">
-              <a:solidFill>
-                <a:srgbClr val="0066cc"/>
+          <a:lstStyle/>
+          <a:p>
+            <a:endParaRPr lang="en-US" sz="3200" b="0" strike="noStrike" spc="-1">
+              <a:solidFill>
+                <a:srgbClr val="0066CC"/>
               </a:solidFill>
               <a:latin typeface="Arial"/>
             </a:endParaRPr>
@@ -1142,13 +1293,14 @@
           </a:prstGeom>
         </p:spPr>
         <p:txBody>
-          <a:bodyPr lIns="0" rIns="0" tIns="0" bIns="0">
+          <a:bodyPr lIns="0" tIns="0" rIns="0" bIns="0">
             <a:noAutofit/>
           </a:bodyPr>
-          <a:p>
-            <a:endParaRPr b="0" lang="en-US" sz="3200" spc="-1" strike="noStrike">
-              <a:solidFill>
-                <a:srgbClr val="0066cc"/>
+          <a:lstStyle/>
+          <a:p>
+            <a:endParaRPr lang="en-US" sz="3200" b="0" strike="noStrike" spc="-1">
+              <a:solidFill>
+                <a:srgbClr val="0066CC"/>
               </a:solidFill>
               <a:latin typeface="Arial"/>
             </a:endParaRPr>
@@ -1175,13 +1327,14 @@
           </a:prstGeom>
         </p:spPr>
         <p:txBody>
-          <a:bodyPr lIns="0" rIns="0" tIns="0" bIns="0">
+          <a:bodyPr lIns="0" tIns="0" rIns="0" bIns="0">
             <a:noAutofit/>
           </a:bodyPr>
-          <a:p>
-            <a:endParaRPr b="0" lang="en-US" sz="3200" spc="-1" strike="noStrike">
-              <a:solidFill>
-                <a:srgbClr val="0066cc"/>
+          <a:lstStyle/>
+          <a:p>
+            <a:endParaRPr lang="en-US" sz="3200" b="0" strike="noStrike" spc="-1">
+              <a:solidFill>
+                <a:srgbClr val="0066CC"/>
               </a:solidFill>
               <a:latin typeface="Arial"/>
             </a:endParaRPr>
@@ -1190,11 +1343,14 @@
       </p:sp>
     </p:spTree>
   </p:cSld>
+  <p:clrMapOvr>
+    <a:masterClrMapping/>
+  </p:clrMapOvr>
 </p:sldLayout>
 </file>
 
 <file path=ppt/slideLayouts/slideLayout2.xml><?xml version="1.0" encoding="utf-8"?>
-<p:sldLayout xmlns:a="http://schemas.openxmlformats.org/drawingml/2006/main" xmlns:p="http://schemas.openxmlformats.org/presentationml/2006/main" xmlns:r="http://schemas.openxmlformats.org/officeDocument/2006/relationships" xmlns:p14="http://schemas.microsoft.com/office/powerpoint/2010/main" xmlns:p15="http://schemas.microsoft.com/office/powerpoint/2012/main" xmlns:mc="http://schemas.openxmlformats.org/markup-compatibility/2006" type="tx" preserve="1">
+<p:sldLayout xmlns:a="http://schemas.openxmlformats.org/drawingml/2006/main" xmlns:r="http://schemas.openxmlformats.org/officeDocument/2006/relationships" xmlns:p="http://schemas.openxmlformats.org/presentationml/2006/main" type="tx" preserve="1">
   <p:cSld name="Title Slide">
     <p:spTree>
       <p:nvGrpSpPr>
@@ -1230,14 +1386,15 @@
           </a:prstGeom>
         </p:spPr>
         <p:txBody>
-          <a:bodyPr lIns="0" rIns="0" tIns="0" bIns="0" anchor="ctr">
+          <a:bodyPr lIns="0" tIns="0" rIns="0" bIns="0" anchor="ctr">
             <a:spAutoFit/>
           </a:bodyPr>
+          <a:lstStyle/>
           <a:p>
             <a:pPr algn="ctr"/>
-            <a:endParaRPr b="0" lang="en-US" sz="4400" spc="-1" strike="noStrike">
-              <a:solidFill>
-                <a:srgbClr val="ffffff"/>
+            <a:endParaRPr lang="en-US" sz="4400" b="0" strike="noStrike" spc="-1">
+              <a:solidFill>
+                <a:srgbClr val="FFFFFF"/>
               </a:solidFill>
               <a:latin typeface="Arial"/>
             </a:endParaRPr>
@@ -1264,12 +1421,13 @@
           </a:prstGeom>
         </p:spPr>
         <p:txBody>
-          <a:bodyPr lIns="0" rIns="0" tIns="0" bIns="0" anchor="ctr">
+          <a:bodyPr lIns="0" tIns="0" rIns="0" bIns="0" anchor="ctr">
             <a:spAutoFit/>
           </a:bodyPr>
+          <a:lstStyle/>
           <a:p>
             <a:pPr algn="ctr"/>
-            <a:endParaRPr b="0" lang="en-US" sz="3200" spc="-1" strike="noStrike">
+            <a:endParaRPr lang="en-US" sz="3200" b="0" strike="noStrike" spc="-1">
               <a:latin typeface="Arial"/>
             </a:endParaRPr>
           </a:p>
@@ -1277,11 +1435,14 @@
       </p:sp>
     </p:spTree>
   </p:cSld>
+  <p:clrMapOvr>
+    <a:masterClrMapping/>
+  </p:clrMapOvr>
 </p:sldLayout>
 </file>
 
 <file path=ppt/slideLayouts/slideLayout20.xml><?xml version="1.0" encoding="utf-8"?>
-<p:sldLayout xmlns:a="http://schemas.openxmlformats.org/drawingml/2006/main" xmlns:p="http://schemas.openxmlformats.org/presentationml/2006/main" xmlns:r="http://schemas.openxmlformats.org/officeDocument/2006/relationships" xmlns:p14="http://schemas.microsoft.com/office/powerpoint/2010/main" xmlns:p15="http://schemas.microsoft.com/office/powerpoint/2012/main" xmlns:mc="http://schemas.openxmlformats.org/markup-compatibility/2006" type="objAndTwoObj" preserve="1">
+<p:sldLayout xmlns:a="http://schemas.openxmlformats.org/drawingml/2006/main" xmlns:r="http://schemas.openxmlformats.org/officeDocument/2006/relationships" xmlns:p="http://schemas.openxmlformats.org/presentationml/2006/main" type="objAndTwoObj" preserve="1">
   <p:cSld name="Title Content and 2 Content">
     <p:spTree>
       <p:nvGrpSpPr>
@@ -1317,14 +1478,15 @@
           </a:prstGeom>
         </p:spPr>
         <p:txBody>
-          <a:bodyPr lIns="0" rIns="0" tIns="0" bIns="0" anchor="ctr">
+          <a:bodyPr lIns="0" tIns="0" rIns="0" bIns="0" anchor="ctr">
             <a:spAutoFit/>
           </a:bodyPr>
+          <a:lstStyle/>
           <a:p>
             <a:pPr algn="ctr"/>
-            <a:endParaRPr b="0" lang="en-US" sz="4400" spc="-1" strike="noStrike">
-              <a:solidFill>
-                <a:srgbClr val="ffffff"/>
+            <a:endParaRPr lang="en-US" sz="4400" b="0" strike="noStrike" spc="-1">
+              <a:solidFill>
+                <a:srgbClr val="FFFFFF"/>
               </a:solidFill>
               <a:latin typeface="Arial"/>
             </a:endParaRPr>
@@ -1351,13 +1513,14 @@
           </a:prstGeom>
         </p:spPr>
         <p:txBody>
-          <a:bodyPr lIns="0" rIns="0" tIns="0" bIns="0">
+          <a:bodyPr lIns="0" tIns="0" rIns="0" bIns="0">
             <a:noAutofit/>
           </a:bodyPr>
-          <a:p>
-            <a:endParaRPr b="0" lang="en-US" sz="3200" spc="-1" strike="noStrike">
-              <a:solidFill>
-                <a:srgbClr val="0066cc"/>
+          <a:lstStyle/>
+          <a:p>
+            <a:endParaRPr lang="en-US" sz="3200" b="0" strike="noStrike" spc="-1">
+              <a:solidFill>
+                <a:srgbClr val="0066CC"/>
               </a:solidFill>
               <a:latin typeface="Arial"/>
             </a:endParaRPr>
@@ -1384,13 +1547,14 @@
           </a:prstGeom>
         </p:spPr>
         <p:txBody>
-          <a:bodyPr lIns="0" rIns="0" tIns="0" bIns="0">
+          <a:bodyPr lIns="0" tIns="0" rIns="0" bIns="0">
             <a:noAutofit/>
           </a:bodyPr>
-          <a:p>
-            <a:endParaRPr b="0" lang="en-US" sz="3200" spc="-1" strike="noStrike">
-              <a:solidFill>
-                <a:srgbClr val="0066cc"/>
+          <a:lstStyle/>
+          <a:p>
+            <a:endParaRPr lang="en-US" sz="3200" b="0" strike="noStrike" spc="-1">
+              <a:solidFill>
+                <a:srgbClr val="0066CC"/>
               </a:solidFill>
               <a:latin typeface="Arial"/>
             </a:endParaRPr>
@@ -1417,13 +1581,14 @@
           </a:prstGeom>
         </p:spPr>
         <p:txBody>
-          <a:bodyPr lIns="0" rIns="0" tIns="0" bIns="0">
+          <a:bodyPr lIns="0" tIns="0" rIns="0" bIns="0">
             <a:noAutofit/>
           </a:bodyPr>
-          <a:p>
-            <a:endParaRPr b="0" lang="en-US" sz="3200" spc="-1" strike="noStrike">
-              <a:solidFill>
-                <a:srgbClr val="0066cc"/>
+          <a:lstStyle/>
+          <a:p>
+            <a:endParaRPr lang="en-US" sz="3200" b="0" strike="noStrike" spc="-1">
+              <a:solidFill>
+                <a:srgbClr val="0066CC"/>
               </a:solidFill>
               <a:latin typeface="Arial"/>
             </a:endParaRPr>
@@ -1432,11 +1597,14 @@
       </p:sp>
     </p:spTree>
   </p:cSld>
+  <p:clrMapOvr>
+    <a:masterClrMapping/>
+  </p:clrMapOvr>
 </p:sldLayout>
 </file>
 
 <file path=ppt/slideLayouts/slideLayout21.xml><?xml version="1.0" encoding="utf-8"?>
-<p:sldLayout xmlns:a="http://schemas.openxmlformats.org/drawingml/2006/main" xmlns:p="http://schemas.openxmlformats.org/presentationml/2006/main" xmlns:r="http://schemas.openxmlformats.org/officeDocument/2006/relationships" xmlns:p14="http://schemas.microsoft.com/office/powerpoint/2010/main" xmlns:p15="http://schemas.microsoft.com/office/powerpoint/2012/main" xmlns:mc="http://schemas.openxmlformats.org/markup-compatibility/2006" type="twoObjOverTx" preserve="1">
+<p:sldLayout xmlns:a="http://schemas.openxmlformats.org/drawingml/2006/main" xmlns:r="http://schemas.openxmlformats.org/officeDocument/2006/relationships" xmlns:p="http://schemas.openxmlformats.org/presentationml/2006/main" type="twoObjOverTx" preserve="1">
   <p:cSld name="Title, 2 Content over Content">
     <p:spTree>
       <p:nvGrpSpPr>
@@ -1472,14 +1640,15 @@
           </a:prstGeom>
         </p:spPr>
         <p:txBody>
-          <a:bodyPr lIns="0" rIns="0" tIns="0" bIns="0" anchor="ctr">
+          <a:bodyPr lIns="0" tIns="0" rIns="0" bIns="0" anchor="ctr">
             <a:spAutoFit/>
           </a:bodyPr>
+          <a:lstStyle/>
           <a:p>
             <a:pPr algn="ctr"/>
-            <a:endParaRPr b="0" lang="en-US" sz="4400" spc="-1" strike="noStrike">
-              <a:solidFill>
-                <a:srgbClr val="ffffff"/>
+            <a:endParaRPr lang="en-US" sz="4400" b="0" strike="noStrike" spc="-1">
+              <a:solidFill>
+                <a:srgbClr val="FFFFFF"/>
               </a:solidFill>
               <a:latin typeface="Arial"/>
             </a:endParaRPr>
@@ -1506,13 +1675,14 @@
           </a:prstGeom>
         </p:spPr>
         <p:txBody>
-          <a:bodyPr lIns="0" rIns="0" tIns="0" bIns="0">
+          <a:bodyPr lIns="0" tIns="0" rIns="0" bIns="0">
             <a:noAutofit/>
           </a:bodyPr>
-          <a:p>
-            <a:endParaRPr b="0" lang="en-US" sz="3200" spc="-1" strike="noStrike">
-              <a:solidFill>
-                <a:srgbClr val="0066cc"/>
+          <a:lstStyle/>
+          <a:p>
+            <a:endParaRPr lang="en-US" sz="3200" b="0" strike="noStrike" spc="-1">
+              <a:solidFill>
+                <a:srgbClr val="0066CC"/>
               </a:solidFill>
               <a:latin typeface="Arial"/>
             </a:endParaRPr>
@@ -1539,13 +1709,14 @@
           </a:prstGeom>
         </p:spPr>
         <p:txBody>
-          <a:bodyPr lIns="0" rIns="0" tIns="0" bIns="0">
+          <a:bodyPr lIns="0" tIns="0" rIns="0" bIns="0">
             <a:noAutofit/>
           </a:bodyPr>
-          <a:p>
-            <a:endParaRPr b="0" lang="en-US" sz="3200" spc="-1" strike="noStrike">
-              <a:solidFill>
-                <a:srgbClr val="0066cc"/>
+          <a:lstStyle/>
+          <a:p>
+            <a:endParaRPr lang="en-US" sz="3200" b="0" strike="noStrike" spc="-1">
+              <a:solidFill>
+                <a:srgbClr val="0066CC"/>
               </a:solidFill>
               <a:latin typeface="Arial"/>
             </a:endParaRPr>
@@ -1572,13 +1743,14 @@
           </a:prstGeom>
         </p:spPr>
         <p:txBody>
-          <a:bodyPr lIns="0" rIns="0" tIns="0" bIns="0">
+          <a:bodyPr lIns="0" tIns="0" rIns="0" bIns="0">
             <a:noAutofit/>
           </a:bodyPr>
-          <a:p>
-            <a:endParaRPr b="0" lang="en-US" sz="3200" spc="-1" strike="noStrike">
-              <a:solidFill>
-                <a:srgbClr val="0066cc"/>
+          <a:lstStyle/>
+          <a:p>
+            <a:endParaRPr lang="en-US" sz="3200" b="0" strike="noStrike" spc="-1">
+              <a:solidFill>
+                <a:srgbClr val="0066CC"/>
               </a:solidFill>
               <a:latin typeface="Arial"/>
             </a:endParaRPr>
@@ -1587,11 +1759,14 @@
       </p:sp>
     </p:spTree>
   </p:cSld>
+  <p:clrMapOvr>
+    <a:masterClrMapping/>
+  </p:clrMapOvr>
 </p:sldLayout>
 </file>
 
 <file path=ppt/slideLayouts/slideLayout22.xml><?xml version="1.0" encoding="utf-8"?>
-<p:sldLayout xmlns:a="http://schemas.openxmlformats.org/drawingml/2006/main" xmlns:p="http://schemas.openxmlformats.org/presentationml/2006/main" xmlns:r="http://schemas.openxmlformats.org/officeDocument/2006/relationships" xmlns:p14="http://schemas.microsoft.com/office/powerpoint/2010/main" xmlns:p15="http://schemas.microsoft.com/office/powerpoint/2012/main" xmlns:mc="http://schemas.openxmlformats.org/markup-compatibility/2006" type="objOverTx" preserve="1">
+<p:sldLayout xmlns:a="http://schemas.openxmlformats.org/drawingml/2006/main" xmlns:r="http://schemas.openxmlformats.org/officeDocument/2006/relationships" xmlns:p="http://schemas.openxmlformats.org/presentationml/2006/main" type="objOverTx" preserve="1">
   <p:cSld name="Title, Content over Content">
     <p:spTree>
       <p:nvGrpSpPr>
@@ -1627,14 +1802,15 @@
           </a:prstGeom>
         </p:spPr>
         <p:txBody>
-          <a:bodyPr lIns="0" rIns="0" tIns="0" bIns="0" anchor="ctr">
+          <a:bodyPr lIns="0" tIns="0" rIns="0" bIns="0" anchor="ctr">
             <a:spAutoFit/>
           </a:bodyPr>
+          <a:lstStyle/>
           <a:p>
             <a:pPr algn="ctr"/>
-            <a:endParaRPr b="0" lang="en-US" sz="4400" spc="-1" strike="noStrike">
-              <a:solidFill>
-                <a:srgbClr val="ffffff"/>
+            <a:endParaRPr lang="en-US" sz="4400" b="0" strike="noStrike" spc="-1">
+              <a:solidFill>
+                <a:srgbClr val="FFFFFF"/>
               </a:solidFill>
               <a:latin typeface="Arial"/>
             </a:endParaRPr>
@@ -1661,13 +1837,14 @@
           </a:prstGeom>
         </p:spPr>
         <p:txBody>
-          <a:bodyPr lIns="0" rIns="0" tIns="0" bIns="0">
+          <a:bodyPr lIns="0" tIns="0" rIns="0" bIns="0">
             <a:noAutofit/>
           </a:bodyPr>
-          <a:p>
-            <a:endParaRPr b="0" lang="en-US" sz="3200" spc="-1" strike="noStrike">
-              <a:solidFill>
-                <a:srgbClr val="0066cc"/>
+          <a:lstStyle/>
+          <a:p>
+            <a:endParaRPr lang="en-US" sz="3200" b="0" strike="noStrike" spc="-1">
+              <a:solidFill>
+                <a:srgbClr val="0066CC"/>
               </a:solidFill>
               <a:latin typeface="Arial"/>
             </a:endParaRPr>
@@ -1694,13 +1871,14 @@
           </a:prstGeom>
         </p:spPr>
         <p:txBody>
-          <a:bodyPr lIns="0" rIns="0" tIns="0" bIns="0">
+          <a:bodyPr lIns="0" tIns="0" rIns="0" bIns="0">
             <a:noAutofit/>
           </a:bodyPr>
-          <a:p>
-            <a:endParaRPr b="0" lang="en-US" sz="3200" spc="-1" strike="noStrike">
-              <a:solidFill>
-                <a:srgbClr val="0066cc"/>
+          <a:lstStyle/>
+          <a:p>
+            <a:endParaRPr lang="en-US" sz="3200" b="0" strike="noStrike" spc="-1">
+              <a:solidFill>
+                <a:srgbClr val="0066CC"/>
               </a:solidFill>
               <a:latin typeface="Arial"/>
             </a:endParaRPr>
@@ -1709,11 +1887,14 @@
       </p:sp>
     </p:spTree>
   </p:cSld>
+  <p:clrMapOvr>
+    <a:masterClrMapping/>
+  </p:clrMapOvr>
 </p:sldLayout>
 </file>
 
 <file path=ppt/slideLayouts/slideLayout23.xml><?xml version="1.0" encoding="utf-8"?>
-<p:sldLayout xmlns:a="http://schemas.openxmlformats.org/drawingml/2006/main" xmlns:p="http://schemas.openxmlformats.org/presentationml/2006/main" xmlns:r="http://schemas.openxmlformats.org/officeDocument/2006/relationships" xmlns:p14="http://schemas.microsoft.com/office/powerpoint/2010/main" xmlns:p15="http://schemas.microsoft.com/office/powerpoint/2012/main" xmlns:mc="http://schemas.openxmlformats.org/markup-compatibility/2006" type="fourObj" preserve="1">
+<p:sldLayout xmlns:a="http://schemas.openxmlformats.org/drawingml/2006/main" xmlns:r="http://schemas.openxmlformats.org/officeDocument/2006/relationships" xmlns:p="http://schemas.openxmlformats.org/presentationml/2006/main" type="fourObj" preserve="1">
   <p:cSld name="Title, 4 Content">
     <p:spTree>
       <p:nvGrpSpPr>
@@ -1749,14 +1930,15 @@
           </a:prstGeom>
         </p:spPr>
         <p:txBody>
-          <a:bodyPr lIns="0" rIns="0" tIns="0" bIns="0" anchor="ctr">
+          <a:bodyPr lIns="0" tIns="0" rIns="0" bIns="0" anchor="ctr">
             <a:spAutoFit/>
           </a:bodyPr>
+          <a:lstStyle/>
           <a:p>
             <a:pPr algn="ctr"/>
-            <a:endParaRPr b="0" lang="en-US" sz="4400" spc="-1" strike="noStrike">
-              <a:solidFill>
-                <a:srgbClr val="ffffff"/>
+            <a:endParaRPr lang="en-US" sz="4400" b="0" strike="noStrike" spc="-1">
+              <a:solidFill>
+                <a:srgbClr val="FFFFFF"/>
               </a:solidFill>
               <a:latin typeface="Arial"/>
             </a:endParaRPr>
@@ -1783,13 +1965,14 @@
           </a:prstGeom>
         </p:spPr>
         <p:txBody>
-          <a:bodyPr lIns="0" rIns="0" tIns="0" bIns="0">
+          <a:bodyPr lIns="0" tIns="0" rIns="0" bIns="0">
             <a:noAutofit/>
           </a:bodyPr>
-          <a:p>
-            <a:endParaRPr b="0" lang="en-US" sz="3200" spc="-1" strike="noStrike">
-              <a:solidFill>
-                <a:srgbClr val="0066cc"/>
+          <a:lstStyle/>
+          <a:p>
+            <a:endParaRPr lang="en-US" sz="3200" b="0" strike="noStrike" spc="-1">
+              <a:solidFill>
+                <a:srgbClr val="0066CC"/>
               </a:solidFill>
               <a:latin typeface="Arial"/>
             </a:endParaRPr>
@@ -1816,13 +1999,14 @@
           </a:prstGeom>
         </p:spPr>
         <p:txBody>
-          <a:bodyPr lIns="0" rIns="0" tIns="0" bIns="0">
+          <a:bodyPr lIns="0" tIns="0" rIns="0" bIns="0">
             <a:noAutofit/>
           </a:bodyPr>
-          <a:p>
-            <a:endParaRPr b="0" lang="en-US" sz="3200" spc="-1" strike="noStrike">
-              <a:solidFill>
-                <a:srgbClr val="0066cc"/>
+          <a:lstStyle/>
+          <a:p>
+            <a:endParaRPr lang="en-US" sz="3200" b="0" strike="noStrike" spc="-1">
+              <a:solidFill>
+                <a:srgbClr val="0066CC"/>
               </a:solidFill>
               <a:latin typeface="Arial"/>
             </a:endParaRPr>
@@ -1849,13 +2033,14 @@
           </a:prstGeom>
         </p:spPr>
         <p:txBody>
-          <a:bodyPr lIns="0" rIns="0" tIns="0" bIns="0">
+          <a:bodyPr lIns="0" tIns="0" rIns="0" bIns="0">
             <a:noAutofit/>
           </a:bodyPr>
-          <a:p>
-            <a:endParaRPr b="0" lang="en-US" sz="3200" spc="-1" strike="noStrike">
-              <a:solidFill>
-                <a:srgbClr val="0066cc"/>
+          <a:lstStyle/>
+          <a:p>
+            <a:endParaRPr lang="en-US" sz="3200" b="0" strike="noStrike" spc="-1">
+              <a:solidFill>
+                <a:srgbClr val="0066CC"/>
               </a:solidFill>
               <a:latin typeface="Arial"/>
             </a:endParaRPr>
@@ -1882,13 +2067,14 @@
           </a:prstGeom>
         </p:spPr>
         <p:txBody>
-          <a:bodyPr lIns="0" rIns="0" tIns="0" bIns="0">
+          <a:bodyPr lIns="0" tIns="0" rIns="0" bIns="0">
             <a:noAutofit/>
           </a:bodyPr>
-          <a:p>
-            <a:endParaRPr b="0" lang="en-US" sz="3200" spc="-1" strike="noStrike">
-              <a:solidFill>
-                <a:srgbClr val="0066cc"/>
+          <a:lstStyle/>
+          <a:p>
+            <a:endParaRPr lang="en-US" sz="3200" b="0" strike="noStrike" spc="-1">
+              <a:solidFill>
+                <a:srgbClr val="0066CC"/>
               </a:solidFill>
               <a:latin typeface="Arial"/>
             </a:endParaRPr>
@@ -1897,11 +2083,14 @@
       </p:sp>
     </p:spTree>
   </p:cSld>
+  <p:clrMapOvr>
+    <a:masterClrMapping/>
+  </p:clrMapOvr>
 </p:sldLayout>
 </file>
 
 <file path=ppt/slideLayouts/slideLayout24.xml><?xml version="1.0" encoding="utf-8"?>
-<p:sldLayout xmlns:a="http://schemas.openxmlformats.org/drawingml/2006/main" xmlns:p="http://schemas.openxmlformats.org/presentationml/2006/main" xmlns:r="http://schemas.openxmlformats.org/officeDocument/2006/relationships" xmlns:p14="http://schemas.microsoft.com/office/powerpoint/2010/main" xmlns:p15="http://schemas.microsoft.com/office/powerpoint/2012/main" xmlns:mc="http://schemas.openxmlformats.org/markup-compatibility/2006" type="blank" preserve="1">
+<p:sldLayout xmlns:a="http://schemas.openxmlformats.org/drawingml/2006/main" xmlns:r="http://schemas.openxmlformats.org/officeDocument/2006/relationships" xmlns:p="http://schemas.openxmlformats.org/presentationml/2006/main" type="blank" preserve="1">
   <p:cSld name="Title, 6 Content">
     <p:spTree>
       <p:nvGrpSpPr>
@@ -1937,14 +2126,15 @@
           </a:prstGeom>
         </p:spPr>
         <p:txBody>
-          <a:bodyPr lIns="0" rIns="0" tIns="0" bIns="0" anchor="ctr">
+          <a:bodyPr lIns="0" tIns="0" rIns="0" bIns="0" anchor="ctr">
             <a:spAutoFit/>
           </a:bodyPr>
+          <a:lstStyle/>
           <a:p>
             <a:pPr algn="ctr"/>
-            <a:endParaRPr b="0" lang="en-US" sz="4400" spc="-1" strike="noStrike">
-              <a:solidFill>
-                <a:srgbClr val="ffffff"/>
+            <a:endParaRPr lang="en-US" sz="4400" b="0" strike="noStrike" spc="-1">
+              <a:solidFill>
+                <a:srgbClr val="FFFFFF"/>
               </a:solidFill>
               <a:latin typeface="Arial"/>
             </a:endParaRPr>
@@ -1971,13 +2161,14 @@
           </a:prstGeom>
         </p:spPr>
         <p:txBody>
-          <a:bodyPr lIns="0" rIns="0" tIns="0" bIns="0">
+          <a:bodyPr lIns="0" tIns="0" rIns="0" bIns="0">
             <a:noAutofit/>
           </a:bodyPr>
-          <a:p>
-            <a:endParaRPr b="0" lang="en-US" sz="3200" spc="-1" strike="noStrike">
-              <a:solidFill>
-                <a:srgbClr val="0066cc"/>
+          <a:lstStyle/>
+          <a:p>
+            <a:endParaRPr lang="en-US" sz="3200" b="0" strike="noStrike" spc="-1">
+              <a:solidFill>
+                <a:srgbClr val="0066CC"/>
               </a:solidFill>
               <a:latin typeface="Arial"/>
             </a:endParaRPr>
@@ -2004,13 +2195,14 @@
           </a:prstGeom>
         </p:spPr>
         <p:txBody>
-          <a:bodyPr lIns="0" rIns="0" tIns="0" bIns="0">
+          <a:bodyPr lIns="0" tIns="0" rIns="0" bIns="0">
             <a:noAutofit/>
           </a:bodyPr>
-          <a:p>
-            <a:endParaRPr b="0" lang="en-US" sz="3200" spc="-1" strike="noStrike">
-              <a:solidFill>
-                <a:srgbClr val="0066cc"/>
+          <a:lstStyle/>
+          <a:p>
+            <a:endParaRPr lang="en-US" sz="3200" b="0" strike="noStrike" spc="-1">
+              <a:solidFill>
+                <a:srgbClr val="0066CC"/>
               </a:solidFill>
               <a:latin typeface="Arial"/>
             </a:endParaRPr>
@@ -2037,13 +2229,14 @@
           </a:prstGeom>
         </p:spPr>
         <p:txBody>
-          <a:bodyPr lIns="0" rIns="0" tIns="0" bIns="0">
+          <a:bodyPr lIns="0" tIns="0" rIns="0" bIns="0">
             <a:noAutofit/>
           </a:bodyPr>
-          <a:p>
-            <a:endParaRPr b="0" lang="en-US" sz="3200" spc="-1" strike="noStrike">
-              <a:solidFill>
-                <a:srgbClr val="0066cc"/>
+          <a:lstStyle/>
+          <a:p>
+            <a:endParaRPr lang="en-US" sz="3200" b="0" strike="noStrike" spc="-1">
+              <a:solidFill>
+                <a:srgbClr val="0066CC"/>
               </a:solidFill>
               <a:latin typeface="Arial"/>
             </a:endParaRPr>
@@ -2070,13 +2263,14 @@
           </a:prstGeom>
         </p:spPr>
         <p:txBody>
-          <a:bodyPr lIns="0" rIns="0" tIns="0" bIns="0">
+          <a:bodyPr lIns="0" tIns="0" rIns="0" bIns="0">
             <a:noAutofit/>
           </a:bodyPr>
-          <a:p>
-            <a:endParaRPr b="0" lang="en-US" sz="3200" spc="-1" strike="noStrike">
-              <a:solidFill>
-                <a:srgbClr val="0066cc"/>
+          <a:lstStyle/>
+          <a:p>
+            <a:endParaRPr lang="en-US" sz="3200" b="0" strike="noStrike" spc="-1">
+              <a:solidFill>
+                <a:srgbClr val="0066CC"/>
               </a:solidFill>
               <a:latin typeface="Arial"/>
             </a:endParaRPr>
@@ -2103,13 +2297,14 @@
           </a:prstGeom>
         </p:spPr>
         <p:txBody>
-          <a:bodyPr lIns="0" rIns="0" tIns="0" bIns="0">
+          <a:bodyPr lIns="0" tIns="0" rIns="0" bIns="0">
             <a:noAutofit/>
           </a:bodyPr>
-          <a:p>
-            <a:endParaRPr b="0" lang="en-US" sz="3200" spc="-1" strike="noStrike">
-              <a:solidFill>
-                <a:srgbClr val="0066cc"/>
+          <a:lstStyle/>
+          <a:p>
+            <a:endParaRPr lang="en-US" sz="3200" b="0" strike="noStrike" spc="-1">
+              <a:solidFill>
+                <a:srgbClr val="0066CC"/>
               </a:solidFill>
               <a:latin typeface="Arial"/>
             </a:endParaRPr>
@@ -2136,13 +2331,14 @@
           </a:prstGeom>
         </p:spPr>
         <p:txBody>
-          <a:bodyPr lIns="0" rIns="0" tIns="0" bIns="0">
+          <a:bodyPr lIns="0" tIns="0" rIns="0" bIns="0">
             <a:noAutofit/>
           </a:bodyPr>
-          <a:p>
-            <a:endParaRPr b="0" lang="en-US" sz="3200" spc="-1" strike="noStrike">
-              <a:solidFill>
-                <a:srgbClr val="0066cc"/>
+          <a:lstStyle/>
+          <a:p>
+            <a:endParaRPr lang="en-US" sz="3200" b="0" strike="noStrike" spc="-1">
+              <a:solidFill>
+                <a:srgbClr val="0066CC"/>
               </a:solidFill>
               <a:latin typeface="Arial"/>
             </a:endParaRPr>
@@ -2151,11 +2347,14 @@
       </p:sp>
     </p:spTree>
   </p:cSld>
+  <p:clrMapOvr>
+    <a:masterClrMapping/>
+  </p:clrMapOvr>
 </p:sldLayout>
 </file>
 
 <file path=ppt/slideLayouts/slideLayout3.xml><?xml version="1.0" encoding="utf-8"?>
-<p:sldLayout xmlns:a="http://schemas.openxmlformats.org/drawingml/2006/main" xmlns:p="http://schemas.openxmlformats.org/presentationml/2006/main" xmlns:r="http://schemas.openxmlformats.org/officeDocument/2006/relationships" xmlns:p14="http://schemas.microsoft.com/office/powerpoint/2010/main" xmlns:p15="http://schemas.microsoft.com/office/powerpoint/2012/main" xmlns:mc="http://schemas.openxmlformats.org/markup-compatibility/2006" type="obj" preserve="1">
+<p:sldLayout xmlns:a="http://schemas.openxmlformats.org/drawingml/2006/main" xmlns:r="http://schemas.openxmlformats.org/officeDocument/2006/relationships" xmlns:p="http://schemas.openxmlformats.org/presentationml/2006/main" type="obj" preserve="1">
   <p:cSld name="Title, Content">
     <p:spTree>
       <p:nvGrpSpPr>
@@ -2191,14 +2390,15 @@
           </a:prstGeom>
         </p:spPr>
         <p:txBody>
-          <a:bodyPr lIns="0" rIns="0" tIns="0" bIns="0" anchor="ctr">
+          <a:bodyPr lIns="0" tIns="0" rIns="0" bIns="0" anchor="ctr">
             <a:spAutoFit/>
           </a:bodyPr>
+          <a:lstStyle/>
           <a:p>
             <a:pPr algn="ctr"/>
-            <a:endParaRPr b="0" lang="en-US" sz="4400" spc="-1" strike="noStrike">
-              <a:solidFill>
-                <a:srgbClr val="ffffff"/>
+            <a:endParaRPr lang="en-US" sz="4400" b="0" strike="noStrike" spc="-1">
+              <a:solidFill>
+                <a:srgbClr val="FFFFFF"/>
               </a:solidFill>
               <a:latin typeface="Arial"/>
             </a:endParaRPr>
@@ -2225,13 +2425,14 @@
           </a:prstGeom>
         </p:spPr>
         <p:txBody>
-          <a:bodyPr lIns="0" rIns="0" tIns="0" bIns="0">
+          <a:bodyPr lIns="0" tIns="0" rIns="0" bIns="0">
             <a:noAutofit/>
           </a:bodyPr>
-          <a:p>
-            <a:endParaRPr b="0" lang="en-US" sz="3200" spc="-1" strike="noStrike">
-              <a:solidFill>
-                <a:srgbClr val="0066cc"/>
+          <a:lstStyle/>
+          <a:p>
+            <a:endParaRPr lang="en-US" sz="3200" b="0" strike="noStrike" spc="-1">
+              <a:solidFill>
+                <a:srgbClr val="0066CC"/>
               </a:solidFill>
               <a:latin typeface="Arial"/>
             </a:endParaRPr>
@@ -2240,11 +2441,14 @@
       </p:sp>
     </p:spTree>
   </p:cSld>
+  <p:clrMapOvr>
+    <a:masterClrMapping/>
+  </p:clrMapOvr>
 </p:sldLayout>
 </file>
 
 <file path=ppt/slideLayouts/slideLayout4.xml><?xml version="1.0" encoding="utf-8"?>
-<p:sldLayout xmlns:a="http://schemas.openxmlformats.org/drawingml/2006/main" xmlns:p="http://schemas.openxmlformats.org/presentationml/2006/main" xmlns:r="http://schemas.openxmlformats.org/officeDocument/2006/relationships" xmlns:p14="http://schemas.microsoft.com/office/powerpoint/2010/main" xmlns:p15="http://schemas.microsoft.com/office/powerpoint/2012/main" xmlns:mc="http://schemas.openxmlformats.org/markup-compatibility/2006" type="twoObj" preserve="1">
+<p:sldLayout xmlns:a="http://schemas.openxmlformats.org/drawingml/2006/main" xmlns:r="http://schemas.openxmlformats.org/officeDocument/2006/relationships" xmlns:p="http://schemas.openxmlformats.org/presentationml/2006/main" type="twoObj" preserve="1">
   <p:cSld name="Title, 2 Content">
     <p:spTree>
       <p:nvGrpSpPr>
@@ -2280,14 +2484,15 @@
           </a:prstGeom>
         </p:spPr>
         <p:txBody>
-          <a:bodyPr lIns="0" rIns="0" tIns="0" bIns="0" anchor="ctr">
+          <a:bodyPr lIns="0" tIns="0" rIns="0" bIns="0" anchor="ctr">
             <a:spAutoFit/>
           </a:bodyPr>
+          <a:lstStyle/>
           <a:p>
             <a:pPr algn="ctr"/>
-            <a:endParaRPr b="0" lang="en-US" sz="4400" spc="-1" strike="noStrike">
-              <a:solidFill>
-                <a:srgbClr val="ffffff"/>
+            <a:endParaRPr lang="en-US" sz="4400" b="0" strike="noStrike" spc="-1">
+              <a:solidFill>
+                <a:srgbClr val="FFFFFF"/>
               </a:solidFill>
               <a:latin typeface="Arial"/>
             </a:endParaRPr>
@@ -2314,13 +2519,14 @@
           </a:prstGeom>
         </p:spPr>
         <p:txBody>
-          <a:bodyPr lIns="0" rIns="0" tIns="0" bIns="0">
+          <a:bodyPr lIns="0" tIns="0" rIns="0" bIns="0">
             <a:noAutofit/>
           </a:bodyPr>
-          <a:p>
-            <a:endParaRPr b="0" lang="en-US" sz="3200" spc="-1" strike="noStrike">
-              <a:solidFill>
-                <a:srgbClr val="0066cc"/>
+          <a:lstStyle/>
+          <a:p>
+            <a:endParaRPr lang="en-US" sz="3200" b="0" strike="noStrike" spc="-1">
+              <a:solidFill>
+                <a:srgbClr val="0066CC"/>
               </a:solidFill>
               <a:latin typeface="Arial"/>
             </a:endParaRPr>
@@ -2347,13 +2553,14 @@
           </a:prstGeom>
         </p:spPr>
         <p:txBody>
-          <a:bodyPr lIns="0" rIns="0" tIns="0" bIns="0">
+          <a:bodyPr lIns="0" tIns="0" rIns="0" bIns="0">
             <a:noAutofit/>
           </a:bodyPr>
-          <a:p>
-            <a:endParaRPr b="0" lang="en-US" sz="3200" spc="-1" strike="noStrike">
-              <a:solidFill>
-                <a:srgbClr val="0066cc"/>
+          <a:lstStyle/>
+          <a:p>
+            <a:endParaRPr lang="en-US" sz="3200" b="0" strike="noStrike" spc="-1">
+              <a:solidFill>
+                <a:srgbClr val="0066CC"/>
               </a:solidFill>
               <a:latin typeface="Arial"/>
             </a:endParaRPr>
@@ -2362,11 +2569,14 @@
       </p:sp>
     </p:spTree>
   </p:cSld>
+  <p:clrMapOvr>
+    <a:masterClrMapping/>
+  </p:clrMapOvr>
 </p:sldLayout>
 </file>
 
 <file path=ppt/slideLayouts/slideLayout5.xml><?xml version="1.0" encoding="utf-8"?>
-<p:sldLayout xmlns:a="http://schemas.openxmlformats.org/drawingml/2006/main" xmlns:p="http://schemas.openxmlformats.org/presentationml/2006/main" xmlns:r="http://schemas.openxmlformats.org/officeDocument/2006/relationships" xmlns:p14="http://schemas.microsoft.com/office/powerpoint/2010/main" xmlns:p15="http://schemas.microsoft.com/office/powerpoint/2012/main" xmlns:mc="http://schemas.openxmlformats.org/markup-compatibility/2006" type="titleOnly" preserve="1">
+<p:sldLayout xmlns:a="http://schemas.openxmlformats.org/drawingml/2006/main" xmlns:r="http://schemas.openxmlformats.org/officeDocument/2006/relationships" xmlns:p="http://schemas.openxmlformats.org/presentationml/2006/main" type="titleOnly" preserve="1">
   <p:cSld name="Title Only">
     <p:spTree>
       <p:nvGrpSpPr>
@@ -2402,14 +2612,15 @@
           </a:prstGeom>
         </p:spPr>
         <p:txBody>
-          <a:bodyPr lIns="0" rIns="0" tIns="0" bIns="0" anchor="ctr">
+          <a:bodyPr lIns="0" tIns="0" rIns="0" bIns="0" anchor="ctr">
             <a:spAutoFit/>
           </a:bodyPr>
+          <a:lstStyle/>
           <a:p>
             <a:pPr algn="ctr"/>
-            <a:endParaRPr b="0" lang="en-US" sz="4400" spc="-1" strike="noStrike">
-              <a:solidFill>
-                <a:srgbClr val="ffffff"/>
+            <a:endParaRPr lang="en-US" sz="4400" b="0" strike="noStrike" spc="-1">
+              <a:solidFill>
+                <a:srgbClr val="FFFFFF"/>
               </a:solidFill>
               <a:latin typeface="Arial"/>
             </a:endParaRPr>
@@ -2418,11 +2629,14 @@
       </p:sp>
     </p:spTree>
   </p:cSld>
+  <p:clrMapOvr>
+    <a:masterClrMapping/>
+  </p:clrMapOvr>
 </p:sldLayout>
 </file>
 
 <file path=ppt/slideLayouts/slideLayout6.xml><?xml version="1.0" encoding="utf-8"?>
-<p:sldLayout xmlns:a="http://schemas.openxmlformats.org/drawingml/2006/main" xmlns:p="http://schemas.openxmlformats.org/presentationml/2006/main" xmlns:r="http://schemas.openxmlformats.org/officeDocument/2006/relationships" xmlns:p14="http://schemas.microsoft.com/office/powerpoint/2010/main" xmlns:p15="http://schemas.microsoft.com/office/powerpoint/2012/main" xmlns:mc="http://schemas.openxmlformats.org/markup-compatibility/2006" type="objOnly" preserve="1">
+<p:sldLayout xmlns:a="http://schemas.openxmlformats.org/drawingml/2006/main" xmlns:r="http://schemas.openxmlformats.org/officeDocument/2006/relationships" xmlns:p="http://schemas.openxmlformats.org/presentationml/2006/main" type="objOnly" preserve="1">
   <p:cSld name="Centered Text">
     <p:spTree>
       <p:nvGrpSpPr>
@@ -2458,12 +2672,13 @@
           </a:prstGeom>
         </p:spPr>
         <p:txBody>
-          <a:bodyPr lIns="0" rIns="0" tIns="0" bIns="0" anchor="ctr">
+          <a:bodyPr lIns="0" tIns="0" rIns="0" bIns="0" anchor="ctr">
             <a:spAutoFit/>
           </a:bodyPr>
+          <a:lstStyle/>
           <a:p>
             <a:pPr algn="ctr"/>
-            <a:endParaRPr b="0" lang="en-US" sz="3200" spc="-1" strike="noStrike">
+            <a:endParaRPr lang="en-US" sz="3200" b="0" strike="noStrike" spc="-1">
               <a:latin typeface="Arial"/>
             </a:endParaRPr>
           </a:p>
@@ -2471,11 +2686,14 @@
       </p:sp>
     </p:spTree>
   </p:cSld>
+  <p:clrMapOvr>
+    <a:masterClrMapping/>
+  </p:clrMapOvr>
 </p:sldLayout>
 </file>
 
 <file path=ppt/slideLayouts/slideLayout7.xml><?xml version="1.0" encoding="utf-8"?>
-<p:sldLayout xmlns:a="http://schemas.openxmlformats.org/drawingml/2006/main" xmlns:p="http://schemas.openxmlformats.org/presentationml/2006/main" xmlns:r="http://schemas.openxmlformats.org/officeDocument/2006/relationships" xmlns:p14="http://schemas.microsoft.com/office/powerpoint/2010/main" xmlns:p15="http://schemas.microsoft.com/office/powerpoint/2012/main" xmlns:mc="http://schemas.openxmlformats.org/markup-compatibility/2006" type="twoObjAndObj" preserve="1">
+<p:sldLayout xmlns:a="http://schemas.openxmlformats.org/drawingml/2006/main" xmlns:r="http://schemas.openxmlformats.org/officeDocument/2006/relationships" xmlns:p="http://schemas.openxmlformats.org/presentationml/2006/main" type="twoObjAndObj" preserve="1">
   <p:cSld name="Title, 2 Content and Content">
     <p:spTree>
       <p:nvGrpSpPr>
@@ -2511,14 +2729,15 @@
           </a:prstGeom>
         </p:spPr>
         <p:txBody>
-          <a:bodyPr lIns="0" rIns="0" tIns="0" bIns="0" anchor="ctr">
+          <a:bodyPr lIns="0" tIns="0" rIns="0" bIns="0" anchor="ctr">
             <a:spAutoFit/>
           </a:bodyPr>
+          <a:lstStyle/>
           <a:p>
             <a:pPr algn="ctr"/>
-            <a:endParaRPr b="0" lang="en-US" sz="4400" spc="-1" strike="noStrike">
-              <a:solidFill>
-                <a:srgbClr val="ffffff"/>
+            <a:endParaRPr lang="en-US" sz="4400" b="0" strike="noStrike" spc="-1">
+              <a:solidFill>
+                <a:srgbClr val="FFFFFF"/>
               </a:solidFill>
               <a:latin typeface="Arial"/>
             </a:endParaRPr>
@@ -2545,13 +2764,14 @@
           </a:prstGeom>
         </p:spPr>
         <p:txBody>
-          <a:bodyPr lIns="0" rIns="0" tIns="0" bIns="0">
+          <a:bodyPr lIns="0" tIns="0" rIns="0" bIns="0">
             <a:noAutofit/>
           </a:bodyPr>
-          <a:p>
-            <a:endParaRPr b="0" lang="en-US" sz="3200" spc="-1" strike="noStrike">
-              <a:solidFill>
-                <a:srgbClr val="0066cc"/>
+          <a:lstStyle/>
+          <a:p>
+            <a:endParaRPr lang="en-US" sz="3200" b="0" strike="noStrike" spc="-1">
+              <a:solidFill>
+                <a:srgbClr val="0066CC"/>
               </a:solidFill>
               <a:latin typeface="Arial"/>
             </a:endParaRPr>
@@ -2578,13 +2798,14 @@
           </a:prstGeom>
         </p:spPr>
         <p:txBody>
-          <a:bodyPr lIns="0" rIns="0" tIns="0" bIns="0">
+          <a:bodyPr lIns="0" tIns="0" rIns="0" bIns="0">
             <a:noAutofit/>
           </a:bodyPr>
-          <a:p>
-            <a:endParaRPr b="0" lang="en-US" sz="3200" spc="-1" strike="noStrike">
-              <a:solidFill>
-                <a:srgbClr val="0066cc"/>
+          <a:lstStyle/>
+          <a:p>
+            <a:endParaRPr lang="en-US" sz="3200" b="0" strike="noStrike" spc="-1">
+              <a:solidFill>
+                <a:srgbClr val="0066CC"/>
               </a:solidFill>
               <a:latin typeface="Arial"/>
             </a:endParaRPr>
@@ -2611,13 +2832,14 @@
           </a:prstGeom>
         </p:spPr>
         <p:txBody>
-          <a:bodyPr lIns="0" rIns="0" tIns="0" bIns="0">
+          <a:bodyPr lIns="0" tIns="0" rIns="0" bIns="0">
             <a:noAutofit/>
           </a:bodyPr>
-          <a:p>
-            <a:endParaRPr b="0" lang="en-US" sz="3200" spc="-1" strike="noStrike">
-              <a:solidFill>
-                <a:srgbClr val="0066cc"/>
+          <a:lstStyle/>
+          <a:p>
+            <a:endParaRPr lang="en-US" sz="3200" b="0" strike="noStrike" spc="-1">
+              <a:solidFill>
+                <a:srgbClr val="0066CC"/>
               </a:solidFill>
               <a:latin typeface="Arial"/>
             </a:endParaRPr>
@@ -2626,11 +2848,14 @@
       </p:sp>
     </p:spTree>
   </p:cSld>
+  <p:clrMapOvr>
+    <a:masterClrMapping/>
+  </p:clrMapOvr>
 </p:sldLayout>
 </file>
 
 <file path=ppt/slideLayouts/slideLayout8.xml><?xml version="1.0" encoding="utf-8"?>
-<p:sldLayout xmlns:a="http://schemas.openxmlformats.org/drawingml/2006/main" xmlns:p="http://schemas.openxmlformats.org/presentationml/2006/main" xmlns:r="http://schemas.openxmlformats.org/officeDocument/2006/relationships" xmlns:p14="http://schemas.microsoft.com/office/powerpoint/2010/main" xmlns:p15="http://schemas.microsoft.com/office/powerpoint/2012/main" xmlns:mc="http://schemas.openxmlformats.org/markup-compatibility/2006" type="objAndTwoObj" preserve="1">
+<p:sldLayout xmlns:a="http://schemas.openxmlformats.org/drawingml/2006/main" xmlns:r="http://schemas.openxmlformats.org/officeDocument/2006/relationships" xmlns:p="http://schemas.openxmlformats.org/presentationml/2006/main" type="objAndTwoObj" preserve="1">
   <p:cSld name="Title Content and 2 Content">
     <p:spTree>
       <p:nvGrpSpPr>
@@ -2666,14 +2891,15 @@
           </a:prstGeom>
         </p:spPr>
         <p:txBody>
-          <a:bodyPr lIns="0" rIns="0" tIns="0" bIns="0" anchor="ctr">
+          <a:bodyPr lIns="0" tIns="0" rIns="0" bIns="0" anchor="ctr">
             <a:spAutoFit/>
           </a:bodyPr>
+          <a:lstStyle/>
           <a:p>
             <a:pPr algn="ctr"/>
-            <a:endParaRPr b="0" lang="en-US" sz="4400" spc="-1" strike="noStrike">
-              <a:solidFill>
-                <a:srgbClr val="ffffff"/>
+            <a:endParaRPr lang="en-US" sz="4400" b="0" strike="noStrike" spc="-1">
+              <a:solidFill>
+                <a:srgbClr val="FFFFFF"/>
               </a:solidFill>
               <a:latin typeface="Arial"/>
             </a:endParaRPr>
@@ -2700,13 +2926,14 @@
           </a:prstGeom>
         </p:spPr>
         <p:txBody>
-          <a:bodyPr lIns="0" rIns="0" tIns="0" bIns="0">
+          <a:bodyPr lIns="0" tIns="0" rIns="0" bIns="0">
             <a:noAutofit/>
           </a:bodyPr>
-          <a:p>
-            <a:endParaRPr b="0" lang="en-US" sz="3200" spc="-1" strike="noStrike">
-              <a:solidFill>
-                <a:srgbClr val="0066cc"/>
+          <a:lstStyle/>
+          <a:p>
+            <a:endParaRPr lang="en-US" sz="3200" b="0" strike="noStrike" spc="-1">
+              <a:solidFill>
+                <a:srgbClr val="0066CC"/>
               </a:solidFill>
               <a:latin typeface="Arial"/>
             </a:endParaRPr>
@@ -2733,13 +2960,14 @@
           </a:prstGeom>
         </p:spPr>
         <p:txBody>
-          <a:bodyPr lIns="0" rIns="0" tIns="0" bIns="0">
+          <a:bodyPr lIns="0" tIns="0" rIns="0" bIns="0">
             <a:noAutofit/>
           </a:bodyPr>
-          <a:p>
-            <a:endParaRPr b="0" lang="en-US" sz="3200" spc="-1" strike="noStrike">
-              <a:solidFill>
-                <a:srgbClr val="0066cc"/>
+          <a:lstStyle/>
+          <a:p>
+            <a:endParaRPr lang="en-US" sz="3200" b="0" strike="noStrike" spc="-1">
+              <a:solidFill>
+                <a:srgbClr val="0066CC"/>
               </a:solidFill>
               <a:latin typeface="Arial"/>
             </a:endParaRPr>
@@ -2766,13 +2994,14 @@
           </a:prstGeom>
         </p:spPr>
         <p:txBody>
-          <a:bodyPr lIns="0" rIns="0" tIns="0" bIns="0">
+          <a:bodyPr lIns="0" tIns="0" rIns="0" bIns="0">
             <a:noAutofit/>
           </a:bodyPr>
-          <a:p>
-            <a:endParaRPr b="0" lang="en-US" sz="3200" spc="-1" strike="noStrike">
-              <a:solidFill>
-                <a:srgbClr val="0066cc"/>
+          <a:lstStyle/>
+          <a:p>
+            <a:endParaRPr lang="en-US" sz="3200" b="0" strike="noStrike" spc="-1">
+              <a:solidFill>
+                <a:srgbClr val="0066CC"/>
               </a:solidFill>
               <a:latin typeface="Arial"/>
             </a:endParaRPr>
@@ -2781,11 +3010,14 @@
       </p:sp>
     </p:spTree>
   </p:cSld>
+  <p:clrMapOvr>
+    <a:masterClrMapping/>
+  </p:clrMapOvr>
 </p:sldLayout>
 </file>
 
 <file path=ppt/slideLayouts/slideLayout9.xml><?xml version="1.0" encoding="utf-8"?>
-<p:sldLayout xmlns:a="http://schemas.openxmlformats.org/drawingml/2006/main" xmlns:p="http://schemas.openxmlformats.org/presentationml/2006/main" xmlns:r="http://schemas.openxmlformats.org/officeDocument/2006/relationships" xmlns:p14="http://schemas.microsoft.com/office/powerpoint/2010/main" xmlns:p15="http://schemas.microsoft.com/office/powerpoint/2012/main" xmlns:mc="http://schemas.openxmlformats.org/markup-compatibility/2006" type="twoObjOverTx" preserve="1">
+<p:sldLayout xmlns:a="http://schemas.openxmlformats.org/drawingml/2006/main" xmlns:r="http://schemas.openxmlformats.org/officeDocument/2006/relationships" xmlns:p="http://schemas.openxmlformats.org/presentationml/2006/main" type="twoObjOverTx" preserve="1">
   <p:cSld name="Title, 2 Content over Content">
     <p:spTree>
       <p:nvGrpSpPr>
@@ -2821,14 +3053,15 @@
           </a:prstGeom>
         </p:spPr>
         <p:txBody>
-          <a:bodyPr lIns="0" rIns="0" tIns="0" bIns="0" anchor="ctr">
+          <a:bodyPr lIns="0" tIns="0" rIns="0" bIns="0" anchor="ctr">
             <a:spAutoFit/>
           </a:bodyPr>
+          <a:lstStyle/>
           <a:p>
             <a:pPr algn="ctr"/>
-            <a:endParaRPr b="0" lang="en-US" sz="4400" spc="-1" strike="noStrike">
-              <a:solidFill>
-                <a:srgbClr val="ffffff"/>
+            <a:endParaRPr lang="en-US" sz="4400" b="0" strike="noStrike" spc="-1">
+              <a:solidFill>
+                <a:srgbClr val="FFFFFF"/>
               </a:solidFill>
               <a:latin typeface="Arial"/>
             </a:endParaRPr>
@@ -2855,13 +3088,14 @@
           </a:prstGeom>
         </p:spPr>
         <p:txBody>
-          <a:bodyPr lIns="0" rIns="0" tIns="0" bIns="0">
+          <a:bodyPr lIns="0" tIns="0" rIns="0" bIns="0">
             <a:noAutofit/>
           </a:bodyPr>
-          <a:p>
-            <a:endParaRPr b="0" lang="en-US" sz="3200" spc="-1" strike="noStrike">
-              <a:solidFill>
-                <a:srgbClr val="0066cc"/>
+          <a:lstStyle/>
+          <a:p>
+            <a:endParaRPr lang="en-US" sz="3200" b="0" strike="noStrike" spc="-1">
+              <a:solidFill>
+                <a:srgbClr val="0066CC"/>
               </a:solidFill>
               <a:latin typeface="Arial"/>
             </a:endParaRPr>
@@ -2888,13 +3122,14 @@
           </a:prstGeom>
         </p:spPr>
         <p:txBody>
-          <a:bodyPr lIns="0" rIns="0" tIns="0" bIns="0">
+          <a:bodyPr lIns="0" tIns="0" rIns="0" bIns="0">
             <a:noAutofit/>
           </a:bodyPr>
-          <a:p>
-            <a:endParaRPr b="0" lang="en-US" sz="3200" spc="-1" strike="noStrike">
-              <a:solidFill>
-                <a:srgbClr val="0066cc"/>
+          <a:lstStyle/>
+          <a:p>
+            <a:endParaRPr lang="en-US" sz="3200" b="0" strike="noStrike" spc="-1">
+              <a:solidFill>
+                <a:srgbClr val="0066CC"/>
               </a:solidFill>
               <a:latin typeface="Arial"/>
             </a:endParaRPr>
@@ -2921,13 +3156,14 @@
           </a:prstGeom>
         </p:spPr>
         <p:txBody>
-          <a:bodyPr lIns="0" rIns="0" tIns="0" bIns="0">
+          <a:bodyPr lIns="0" tIns="0" rIns="0" bIns="0">
             <a:noAutofit/>
           </a:bodyPr>
-          <a:p>
-            <a:endParaRPr b="0" lang="en-US" sz="3200" spc="-1" strike="noStrike">
-              <a:solidFill>
-                <a:srgbClr val="0066cc"/>
+          <a:lstStyle/>
+          <a:p>
+            <a:endParaRPr lang="en-US" sz="3200" b="0" strike="noStrike" spc="-1">
+              <a:solidFill>
+                <a:srgbClr val="0066CC"/>
               </a:solidFill>
               <a:latin typeface="Arial"/>
             </a:endParaRPr>
@@ -2936,12 +3172,20 @@
       </p:sp>
     </p:spTree>
   </p:cSld>
+  <p:clrMapOvr>
+    <a:masterClrMapping/>
+  </p:clrMapOvr>
 </p:sldLayout>
 </file>
 
 <file path=ppt/slideMasters/slideMaster1.xml><?xml version="1.0" encoding="utf-8"?>
-<p:sldMaster xmlns:a="http://schemas.openxmlformats.org/drawingml/2006/main" xmlns:p="http://schemas.openxmlformats.org/presentationml/2006/main" xmlns:r="http://schemas.openxmlformats.org/officeDocument/2006/relationships" xmlns:p14="http://schemas.microsoft.com/office/powerpoint/2010/main" xmlns:p15="http://schemas.microsoft.com/office/powerpoint/2012/main" xmlns:mc="http://schemas.openxmlformats.org/markup-compatibility/2006">
+<p:sldMaster xmlns:a="http://schemas.openxmlformats.org/drawingml/2006/main" xmlns:r="http://schemas.openxmlformats.org/officeDocument/2006/relationships" xmlns:p="http://schemas.openxmlformats.org/presentationml/2006/main">
   <p:cSld>
+    <p:bg>
+      <p:bgRef idx="1001">
+        <a:schemeClr val="bg1"/>
+      </p:bgRef>
+    </p:bg>
     <p:spTree>
       <p:nvGrpSpPr>
         <p:cNvPr id="1" name=""/>
@@ -2958,12 +3202,12 @@
       </p:grpSpPr>
       <p:pic>
         <p:nvPicPr>
-          <p:cNvPr id="0" name="" descr=""/>
+          <p:cNvPr id="6" name="Picture 5"/>
           <p:cNvPicPr/>
           <p:nvPr/>
         </p:nvPicPr>
         <p:blipFill>
-          <a:blip r:embed="rId2"/>
+          <a:blip r:embed="rId14"/>
           <a:stretch/>
         </p:blipFill>
         <p:spPr>
@@ -2981,7 +3225,7 @@
       </p:pic>
       <p:sp>
         <p:nvSpPr>
-          <p:cNvPr id="1" name="PlaceHolder 1"/>
+          <p:cNvPr id="7" name="PlaceHolder 1"/>
           <p:cNvSpPr>
             <a:spLocks noGrp="1"/>
           </p:cNvSpPr>
@@ -2999,13 +3243,14 @@
           </a:prstGeom>
         </p:spPr>
         <p:txBody>
-          <a:bodyPr lIns="0" rIns="0" tIns="0" bIns="0" anchor="ctr">
+          <a:bodyPr lIns="0" tIns="0" rIns="0" bIns="0" anchor="ctr">
             <a:noAutofit/>
           </a:bodyPr>
+          <a:lstStyle/>
           <a:p>
             <a:pPr algn="ctr"/>
             <a:r>
-              <a:rPr b="0" lang="en-US" sz="4400" spc="-1" strike="noStrike">
+              <a:rPr lang="en-US" sz="4400" b="0" strike="noStrike" spc="-1">
                 <a:solidFill>
                   <a:srgbClr val="006699"/>
                 </a:solidFill>
@@ -3013,12 +3258,6 @@
               </a:rPr>
               <a:t>Click to edit the title text format</a:t>
             </a:r>
-            <a:endParaRPr b="0" lang="en-US" sz="4400" spc="-1" strike="noStrike">
-              <a:solidFill>
-                <a:srgbClr val="006699"/>
-              </a:solidFill>
-              <a:latin typeface="Arial"/>
-            </a:endParaRPr>
           </a:p>
         </p:txBody>
       </p:sp>
@@ -3042,9 +3281,10 @@
           </a:prstGeom>
         </p:spPr>
         <p:txBody>
-          <a:bodyPr lIns="0" rIns="0" tIns="0" bIns="0">
+          <a:bodyPr lIns="0" tIns="0" rIns="0" bIns="0">
             <a:normAutofit fontScale="65000"/>
           </a:bodyPr>
+          <a:lstStyle/>
           <a:p>
             <a:pPr marL="432000" indent="-324000">
               <a:spcBef>
@@ -3058,17 +3298,14 @@
               <a:buChar char=""/>
             </a:pPr>
             <a:r>
-              <a:rPr b="0" lang="en-US" sz="3200" spc="-1" strike="noStrike">
+              <a:rPr lang="en-US" sz="3200" b="0" strike="noStrike" spc="-1">
                 <a:latin typeface="Arial"/>
               </a:rPr>
               <a:t>Click to edit the outline text format</a:t>
             </a:r>
-            <a:endParaRPr b="0" lang="en-US" sz="3200" spc="-1" strike="noStrike">
-              <a:latin typeface="Arial"/>
-            </a:endParaRPr>
-          </a:p>
-          <a:p>
-            <a:pPr lvl="1" marL="864000" indent="-324000">
+          </a:p>
+          <a:p>
+            <a:pPr marL="864000" lvl="1" indent="-324000">
               <a:spcBef>
                 <a:spcPts val="1134"/>
               </a:spcBef>
@@ -3080,17 +3317,14 @@
               <a:buChar char=""/>
             </a:pPr>
             <a:r>
-              <a:rPr b="0" lang="en-US" sz="2800" spc="-1" strike="noStrike">
+              <a:rPr lang="en-US" sz="2800" b="0" strike="noStrike" spc="-1">
                 <a:latin typeface="Arial"/>
               </a:rPr>
               <a:t>Second Outline Level</a:t>
             </a:r>
-            <a:endParaRPr b="0" lang="en-US" sz="2800" spc="-1" strike="noStrike">
-              <a:latin typeface="Arial"/>
-            </a:endParaRPr>
-          </a:p>
-          <a:p>
-            <a:pPr lvl="2" marL="1296000" indent="-288000">
+          </a:p>
+          <a:p>
+            <a:pPr marL="1296000" lvl="2" indent="-288000">
               <a:spcBef>
                 <a:spcPts val="850"/>
               </a:spcBef>
@@ -3102,17 +3336,14 @@
               <a:buChar char=""/>
             </a:pPr>
             <a:r>
-              <a:rPr b="0" lang="en-US" sz="2400" spc="-1" strike="noStrike">
+              <a:rPr lang="en-US" sz="2400" b="0" strike="noStrike" spc="-1">
                 <a:latin typeface="Arial"/>
               </a:rPr>
               <a:t>Third Outline Level</a:t>
             </a:r>
-            <a:endParaRPr b="0" lang="en-US" sz="2400" spc="-1" strike="noStrike">
-              <a:latin typeface="Arial"/>
-            </a:endParaRPr>
-          </a:p>
-          <a:p>
-            <a:pPr lvl="3" marL="1728000" indent="-216000">
+          </a:p>
+          <a:p>
+            <a:pPr marL="1728000" lvl="3" indent="-216000">
               <a:spcBef>
                 <a:spcPts val="567"/>
               </a:spcBef>
@@ -3124,17 +3355,14 @@
               <a:buChar char=""/>
             </a:pPr>
             <a:r>
-              <a:rPr b="0" lang="en-US" sz="2000" spc="-1" strike="noStrike">
+              <a:rPr lang="en-US" sz="2000" b="0" strike="noStrike" spc="-1">
                 <a:latin typeface="Arial"/>
               </a:rPr>
               <a:t>Fourth Outline Level</a:t>
             </a:r>
-            <a:endParaRPr b="0" lang="en-US" sz="2000" spc="-1" strike="noStrike">
-              <a:latin typeface="Arial"/>
-            </a:endParaRPr>
-          </a:p>
-          <a:p>
-            <a:pPr lvl="4" marL="2160000" indent="-216000">
+          </a:p>
+          <a:p>
+            <a:pPr marL="2160000" lvl="4" indent="-216000">
               <a:spcBef>
                 <a:spcPts val="283"/>
               </a:spcBef>
@@ -3146,17 +3374,14 @@
               <a:buChar char=""/>
             </a:pPr>
             <a:r>
-              <a:rPr b="0" lang="en-US" sz="2000" spc="-1" strike="noStrike">
+              <a:rPr lang="en-US" sz="2000" b="0" strike="noStrike" spc="-1">
                 <a:latin typeface="Arial"/>
               </a:rPr>
               <a:t>Fifth Outline Level</a:t>
             </a:r>
-            <a:endParaRPr b="0" lang="en-US" sz="2000" spc="-1" strike="noStrike">
-              <a:latin typeface="Arial"/>
-            </a:endParaRPr>
-          </a:p>
-          <a:p>
-            <a:pPr lvl="5" marL="2592000" indent="-216000">
+          </a:p>
+          <a:p>
+            <a:pPr marL="2592000" lvl="5" indent="-216000">
               <a:spcBef>
                 <a:spcPts val="283"/>
               </a:spcBef>
@@ -3168,17 +3393,14 @@
               <a:buChar char=""/>
             </a:pPr>
             <a:r>
-              <a:rPr b="0" lang="en-US" sz="2000" spc="-1" strike="noStrike">
+              <a:rPr lang="en-US" sz="2000" b="0" strike="noStrike" spc="-1">
                 <a:latin typeface="Arial"/>
               </a:rPr>
               <a:t>Sixth Outline Level</a:t>
             </a:r>
-            <a:endParaRPr b="0" lang="en-US" sz="2000" spc="-1" strike="noStrike">
-              <a:latin typeface="Arial"/>
-            </a:endParaRPr>
-          </a:p>
-          <a:p>
-            <a:pPr lvl="6" marL="3024000" indent="-216000">
+          </a:p>
+          <a:p>
+            <a:pPr marL="3024000" lvl="6" indent="-216000">
               <a:spcBef>
                 <a:spcPts val="283"/>
               </a:spcBef>
@@ -3190,14 +3412,11 @@
               <a:buChar char=""/>
             </a:pPr>
             <a:r>
-              <a:rPr b="0" lang="en-US" sz="2000" spc="-1" strike="noStrike">
+              <a:rPr lang="en-US" sz="2000" b="0" strike="noStrike" spc="-1">
                 <a:latin typeface="Arial"/>
               </a:rPr>
               <a:t>Seventh Outline Level</a:t>
             </a:r>
-            <a:endParaRPr b="0" lang="en-US" sz="2000" spc="-1" strike="noStrike">
-              <a:latin typeface="Arial"/>
-            </a:endParaRPr>
           </a:p>
         </p:txBody>
       </p:sp>
@@ -3221,19 +3440,17 @@
           </a:prstGeom>
         </p:spPr>
         <p:txBody>
-          <a:bodyPr lIns="0" rIns="0" tIns="0" bIns="0">
+          <a:bodyPr lIns="0" tIns="0" rIns="0" bIns="0">
             <a:noAutofit/>
           </a:bodyPr>
+          <a:lstStyle/>
           <a:p>
             <a:r>
-              <a:rPr b="0" lang="en-US" sz="1400" spc="-1" strike="noStrike">
+              <a:rPr lang="en-US" sz="1400" b="0" strike="noStrike" spc="-1">
                 <a:latin typeface="Times New Roman"/>
               </a:rPr>
               <a:t>&lt;date/time&gt;</a:t>
             </a:r>
-            <a:endParaRPr b="0" lang="en-US" sz="1400" spc="-1" strike="noStrike">
-              <a:latin typeface="Times New Roman"/>
-            </a:endParaRPr>
           </a:p>
         </p:txBody>
       </p:sp>
@@ -3257,20 +3474,18 @@
           </a:prstGeom>
         </p:spPr>
         <p:txBody>
-          <a:bodyPr lIns="0" rIns="0" tIns="0" bIns="0">
+          <a:bodyPr lIns="0" tIns="0" rIns="0" bIns="0">
             <a:noAutofit/>
           </a:bodyPr>
+          <a:lstStyle/>
           <a:p>
             <a:pPr algn="ctr"/>
             <a:r>
-              <a:rPr b="0" lang="en-US" sz="1400" spc="-1" strike="noStrike">
+              <a:rPr lang="en-US" sz="1400" b="0" strike="noStrike" spc="-1">
                 <a:latin typeface="Times New Roman"/>
               </a:rPr>
               <a:t>&lt;footer&gt;</a:t>
             </a:r>
-            <a:endParaRPr b="0" lang="en-US" sz="1400" spc="-1" strike="noStrike">
-              <a:latin typeface="Times New Roman"/>
-            </a:endParaRPr>
           </a:p>
         </p:txBody>
       </p:sp>
@@ -3294,18 +3509,19 @@
           </a:prstGeom>
         </p:spPr>
         <p:txBody>
-          <a:bodyPr lIns="0" rIns="0" tIns="0" bIns="0">
+          <a:bodyPr lIns="0" tIns="0" rIns="0" bIns="0">
             <a:noAutofit/>
           </a:bodyPr>
+          <a:lstStyle/>
           <a:p>
             <a:pPr algn="r"/>
             <a:fld id="{4E8568FE-5889-49C9-9DEC-432BA902F142}" type="slidenum">
-              <a:rPr b="0" lang="en-US" sz="1400" spc="-1" strike="noStrike">
+              <a:rPr lang="en-US" sz="1400" b="0" strike="noStrike" spc="-1">
                 <a:latin typeface="Times New Roman"/>
               </a:rPr>
-              <a:t>&lt;number&gt;</a:t>
+              <a:t>‹#›</a:t>
             </a:fld>
-            <a:endParaRPr b="0" lang="en-US" sz="1400" spc="-1" strike="noStrike">
+            <a:endParaRPr lang="en-US" sz="1400" b="0" strike="noStrike" spc="-1">
               <a:latin typeface="Times New Roman"/>
             </a:endParaRPr>
           </a:p>
@@ -3313,26 +3529,1037 @@
       </p:sp>
     </p:spTree>
   </p:cSld>
-  <p:clrMap bg1="lt1" bg2="lt2" tx1="dk1" tx2="dk2" accent1="accent1" accent2="accent2" accent3="accent3" accent4="accent4" accent5="accent5" accent6="accent6" hlink="hlink" folHlink="folHlink"/>
+  <p:clrMap bg1="lt1" tx1="dk1" bg2="lt2" tx2="dk2" accent1="accent1" accent2="accent2" accent3="accent3" accent4="accent4" accent5="accent5" accent6="accent6" hlink="hlink" folHlink="folHlink"/>
   <p:sldLayoutIdLst>
-    <p:sldLayoutId id="2147483649" r:id="rId3"/>
-    <p:sldLayoutId id="2147483650" r:id="rId4"/>
-    <p:sldLayoutId id="2147483651" r:id="rId5"/>
-    <p:sldLayoutId id="2147483652" r:id="rId6"/>
-    <p:sldLayoutId id="2147483653" r:id="rId7"/>
-    <p:sldLayoutId id="2147483654" r:id="rId8"/>
-    <p:sldLayoutId id="2147483655" r:id="rId9"/>
-    <p:sldLayoutId id="2147483656" r:id="rId10"/>
-    <p:sldLayoutId id="2147483657" r:id="rId11"/>
-    <p:sldLayoutId id="2147483658" r:id="rId12"/>
-    <p:sldLayoutId id="2147483659" r:id="rId13"/>
-    <p:sldLayoutId id="2147483660" r:id="rId14"/>
+    <p:sldLayoutId id="2147483649" r:id="rId1"/>
+    <p:sldLayoutId id="2147483650" r:id="rId2"/>
+    <p:sldLayoutId id="2147483651" r:id="rId3"/>
+    <p:sldLayoutId id="2147483652" r:id="rId4"/>
+    <p:sldLayoutId id="2147483653" r:id="rId5"/>
+    <p:sldLayoutId id="2147483654" r:id="rId6"/>
+    <p:sldLayoutId id="2147483655" r:id="rId7"/>
+    <p:sldLayoutId id="2147483656" r:id="rId8"/>
+    <p:sldLayoutId id="2147483657" r:id="rId9"/>
+    <p:sldLayoutId id="2147483658" r:id="rId10"/>
+    <p:sldLayoutId id="2147483659" r:id="rId11"/>
+    <p:sldLayoutId id="2147483660" r:id="rId12"/>
   </p:sldLayoutIdLst>
+  <p:txStyles>
+    <p:titleStyle>
+      <a:lvl1pPr algn="l" defTabSz="914400" rtl="0" eaLnBrk="1" latinLnBrk="0" hangingPunct="1">
+        <a:lnSpc>
+          <a:spcPct val="90000"/>
+        </a:lnSpc>
+        <a:spcBef>
+          <a:spcPct val="0"/>
+        </a:spcBef>
+        <a:buNone/>
+        <a:defRPr sz="4400" kern="1200">
+          <a:solidFill>
+            <a:schemeClr val="tx1"/>
+          </a:solidFill>
+          <a:latin typeface="+mj-lt"/>
+          <a:ea typeface="+mj-ea"/>
+          <a:cs typeface="+mj-cs"/>
+        </a:defRPr>
+      </a:lvl1pPr>
+    </p:titleStyle>
+    <p:bodyStyle>
+      <a:lvl1pPr marL="228600" indent="-228600" algn="l" defTabSz="914400" rtl="0" eaLnBrk="1" latinLnBrk="0" hangingPunct="1">
+        <a:lnSpc>
+          <a:spcPct val="90000"/>
+        </a:lnSpc>
+        <a:spcBef>
+          <a:spcPts val="1000"/>
+        </a:spcBef>
+        <a:buFont typeface="Arial" panose="020B0604020202020204" pitchFamily="34" charset="0"/>
+        <a:buChar char="•"/>
+        <a:defRPr sz="2800" kern="1200">
+          <a:solidFill>
+            <a:schemeClr val="tx1"/>
+          </a:solidFill>
+          <a:latin typeface="+mn-lt"/>
+          <a:ea typeface="+mn-ea"/>
+          <a:cs typeface="+mn-cs"/>
+        </a:defRPr>
+      </a:lvl1pPr>
+      <a:lvl2pPr marL="685800" indent="-228600" algn="l" defTabSz="914400" rtl="0" eaLnBrk="1" latinLnBrk="0" hangingPunct="1">
+        <a:lnSpc>
+          <a:spcPct val="90000"/>
+        </a:lnSpc>
+        <a:spcBef>
+          <a:spcPts val="500"/>
+        </a:spcBef>
+        <a:buFont typeface="Arial" panose="020B0604020202020204" pitchFamily="34" charset="0"/>
+        <a:buChar char="•"/>
+        <a:defRPr sz="2400" kern="1200">
+          <a:solidFill>
+            <a:schemeClr val="tx1"/>
+          </a:solidFill>
+          <a:latin typeface="+mn-lt"/>
+          <a:ea typeface="+mn-ea"/>
+          <a:cs typeface="+mn-cs"/>
+        </a:defRPr>
+      </a:lvl2pPr>
+      <a:lvl3pPr marL="1143000" indent="-228600" algn="l" defTabSz="914400" rtl="0" eaLnBrk="1" latinLnBrk="0" hangingPunct="1">
+        <a:lnSpc>
+          <a:spcPct val="90000"/>
+        </a:lnSpc>
+        <a:spcBef>
+          <a:spcPts val="500"/>
+        </a:spcBef>
+        <a:buFont typeface="Arial" panose="020B0604020202020204" pitchFamily="34" charset="0"/>
+        <a:buChar char="•"/>
+        <a:defRPr sz="2000" kern="1200">
+          <a:solidFill>
+            <a:schemeClr val="tx1"/>
+          </a:solidFill>
+          <a:latin typeface="+mn-lt"/>
+          <a:ea typeface="+mn-ea"/>
+          <a:cs typeface="+mn-cs"/>
+        </a:defRPr>
+      </a:lvl3pPr>
+      <a:lvl4pPr marL="1600200" indent="-228600" algn="l" defTabSz="914400" rtl="0" eaLnBrk="1" latinLnBrk="0" hangingPunct="1">
+        <a:lnSpc>
+          <a:spcPct val="90000"/>
+        </a:lnSpc>
+        <a:spcBef>
+          <a:spcPts val="500"/>
+        </a:spcBef>
+        <a:buFont typeface="Arial" panose="020B0604020202020204" pitchFamily="34" charset="0"/>
+        <a:buChar char="•"/>
+        <a:defRPr sz="1800" kern="1200">
+          <a:solidFill>
+            <a:schemeClr val="tx1"/>
+          </a:solidFill>
+          <a:latin typeface="+mn-lt"/>
+          <a:ea typeface="+mn-ea"/>
+          <a:cs typeface="+mn-cs"/>
+        </a:defRPr>
+      </a:lvl4pPr>
+      <a:lvl5pPr marL="2057400" indent="-228600" algn="l" defTabSz="914400" rtl="0" eaLnBrk="1" latinLnBrk="0" hangingPunct="1">
+        <a:lnSpc>
+          <a:spcPct val="90000"/>
+        </a:lnSpc>
+        <a:spcBef>
+          <a:spcPts val="500"/>
+        </a:spcBef>
+        <a:buFont typeface="Arial" panose="020B0604020202020204" pitchFamily="34" charset="0"/>
+        <a:buChar char="•"/>
+        <a:defRPr sz="1800" kern="1200">
+          <a:solidFill>
+            <a:schemeClr val="tx1"/>
+          </a:solidFill>
+          <a:latin typeface="+mn-lt"/>
+          <a:ea typeface="+mn-ea"/>
+          <a:cs typeface="+mn-cs"/>
+        </a:defRPr>
+      </a:lvl5pPr>
+      <a:lvl6pPr marL="2514600" indent="-228600" algn="l" defTabSz="914400" rtl="0" eaLnBrk="1" latinLnBrk="0" hangingPunct="1">
+        <a:lnSpc>
+          <a:spcPct val="90000"/>
+        </a:lnSpc>
+        <a:spcBef>
+          <a:spcPts val="500"/>
+        </a:spcBef>
+        <a:buFont typeface="Arial" panose="020B0604020202020204" pitchFamily="34" charset="0"/>
+        <a:buChar char="•"/>
+        <a:defRPr sz="1800" kern="1200">
+          <a:solidFill>
+            <a:schemeClr val="tx1"/>
+          </a:solidFill>
+          <a:latin typeface="+mn-lt"/>
+          <a:ea typeface="+mn-ea"/>
+          <a:cs typeface="+mn-cs"/>
+        </a:defRPr>
+      </a:lvl6pPr>
+      <a:lvl7pPr marL="2971800" indent="-228600" algn="l" defTabSz="914400" rtl="0" eaLnBrk="1" latinLnBrk="0" hangingPunct="1">
+        <a:lnSpc>
+          <a:spcPct val="90000"/>
+        </a:lnSpc>
+        <a:spcBef>
+          <a:spcPts val="500"/>
+        </a:spcBef>
+        <a:buFont typeface="Arial" panose="020B0604020202020204" pitchFamily="34" charset="0"/>
+        <a:buChar char="•"/>
+        <a:defRPr sz="1800" kern="1200">
+          <a:solidFill>
+            <a:schemeClr val="tx1"/>
+          </a:solidFill>
+          <a:latin typeface="+mn-lt"/>
+          <a:ea typeface="+mn-ea"/>
+          <a:cs typeface="+mn-cs"/>
+        </a:defRPr>
+      </a:lvl7pPr>
+      <a:lvl8pPr marL="3429000" indent="-228600" algn="l" defTabSz="914400" rtl="0" eaLnBrk="1" latinLnBrk="0" hangingPunct="1">
+        <a:lnSpc>
+          <a:spcPct val="90000"/>
+        </a:lnSpc>
+        <a:spcBef>
+          <a:spcPts val="500"/>
+        </a:spcBef>
+        <a:buFont typeface="Arial" panose="020B0604020202020204" pitchFamily="34" charset="0"/>
+        <a:buChar char="•"/>
+        <a:defRPr sz="1800" kern="1200">
+          <a:solidFill>
+            <a:schemeClr val="tx1"/>
+          </a:solidFill>
+          <a:latin typeface="+mn-lt"/>
+          <a:ea typeface="+mn-ea"/>
+          <a:cs typeface="+mn-cs"/>
+        </a:defRPr>
+      </a:lvl8pPr>
+      <a:lvl9pPr marL="3886200" indent="-228600" algn="l" defTabSz="914400" rtl="0" eaLnBrk="1" latinLnBrk="0" hangingPunct="1">
+        <a:lnSpc>
+          <a:spcPct val="90000"/>
+        </a:lnSpc>
+        <a:spcBef>
+          <a:spcPts val="500"/>
+        </a:spcBef>
+        <a:buFont typeface="Arial" panose="020B0604020202020204" pitchFamily="34" charset="0"/>
+        <a:buChar char="•"/>
+        <a:defRPr sz="1800" kern="1200">
+          <a:solidFill>
+            <a:schemeClr val="tx1"/>
+          </a:solidFill>
+          <a:latin typeface="+mn-lt"/>
+          <a:ea typeface="+mn-ea"/>
+          <a:cs typeface="+mn-cs"/>
+        </a:defRPr>
+      </a:lvl9pPr>
+    </p:bodyStyle>
+    <p:otherStyle>
+      <a:defPPr>
+        <a:defRPr lang="en-US"/>
+      </a:defPPr>
+      <a:lvl1pPr marL="0" algn="l" defTabSz="914400" rtl="0" eaLnBrk="1" latinLnBrk="0" hangingPunct="1">
+        <a:defRPr sz="1800" kern="1200">
+          <a:solidFill>
+            <a:schemeClr val="tx1"/>
+          </a:solidFill>
+          <a:latin typeface="+mn-lt"/>
+          <a:ea typeface="+mn-ea"/>
+          <a:cs typeface="+mn-cs"/>
+        </a:defRPr>
+      </a:lvl1pPr>
+      <a:lvl2pPr marL="457200" algn="l" defTabSz="914400" rtl="0" eaLnBrk="1" latinLnBrk="0" hangingPunct="1">
+        <a:defRPr sz="1800" kern="1200">
+          <a:solidFill>
+            <a:schemeClr val="tx1"/>
+          </a:solidFill>
+          <a:latin typeface="+mn-lt"/>
+          <a:ea typeface="+mn-ea"/>
+          <a:cs typeface="+mn-cs"/>
+        </a:defRPr>
+      </a:lvl2pPr>
+      <a:lvl3pPr marL="914400" algn="l" defTabSz="914400" rtl="0" eaLnBrk="1" latinLnBrk="0" hangingPunct="1">
+        <a:defRPr sz="1800" kern="1200">
+          <a:solidFill>
+            <a:schemeClr val="tx1"/>
+          </a:solidFill>
+          <a:latin typeface="+mn-lt"/>
+          <a:ea typeface="+mn-ea"/>
+          <a:cs typeface="+mn-cs"/>
+        </a:defRPr>
+      </a:lvl3pPr>
+      <a:lvl4pPr marL="1371600" algn="l" defTabSz="914400" rtl="0" eaLnBrk="1" latinLnBrk="0" hangingPunct="1">
+        <a:defRPr sz="1800" kern="1200">
+          <a:solidFill>
+            <a:schemeClr val="tx1"/>
+          </a:solidFill>
+          <a:latin typeface="+mn-lt"/>
+          <a:ea typeface="+mn-ea"/>
+          <a:cs typeface="+mn-cs"/>
+        </a:defRPr>
+      </a:lvl4pPr>
+      <a:lvl5pPr marL="1828800" algn="l" defTabSz="914400" rtl="0" eaLnBrk="1" latinLnBrk="0" hangingPunct="1">
+        <a:defRPr sz="1800" kern="1200">
+          <a:solidFill>
+            <a:schemeClr val="tx1"/>
+          </a:solidFill>
+          <a:latin typeface="+mn-lt"/>
+          <a:ea typeface="+mn-ea"/>
+          <a:cs typeface="+mn-cs"/>
+        </a:defRPr>
+      </a:lvl5pPr>
+      <a:lvl6pPr marL="2286000" algn="l" defTabSz="914400" rtl="0" eaLnBrk="1" latinLnBrk="0" hangingPunct="1">
+        <a:defRPr sz="1800" kern="1200">
+          <a:solidFill>
+            <a:schemeClr val="tx1"/>
+          </a:solidFill>
+          <a:latin typeface="+mn-lt"/>
+          <a:ea typeface="+mn-ea"/>
+          <a:cs typeface="+mn-cs"/>
+        </a:defRPr>
+      </a:lvl6pPr>
+      <a:lvl7pPr marL="2743200" algn="l" defTabSz="914400" rtl="0" eaLnBrk="1" latinLnBrk="0" hangingPunct="1">
+        <a:defRPr sz="1800" kern="1200">
+          <a:solidFill>
+            <a:schemeClr val="tx1"/>
+          </a:solidFill>
+          <a:latin typeface="+mn-lt"/>
+          <a:ea typeface="+mn-ea"/>
+          <a:cs typeface="+mn-cs"/>
+        </a:defRPr>
+      </a:lvl7pPr>
+      <a:lvl8pPr marL="3200400" algn="l" defTabSz="914400" rtl="0" eaLnBrk="1" latinLnBrk="0" hangingPunct="1">
+        <a:defRPr sz="1800" kern="1200">
+          <a:solidFill>
+            <a:schemeClr val="tx1"/>
+          </a:solidFill>
+          <a:latin typeface="+mn-lt"/>
+          <a:ea typeface="+mn-ea"/>
+          <a:cs typeface="+mn-cs"/>
+        </a:defRPr>
+      </a:lvl8pPr>
+      <a:lvl9pPr marL="3657600" algn="l" defTabSz="914400" rtl="0" eaLnBrk="1" latinLnBrk="0" hangingPunct="1">
+        <a:defRPr sz="1800" kern="1200">
+          <a:solidFill>
+            <a:schemeClr val="tx1"/>
+          </a:solidFill>
+          <a:latin typeface="+mn-lt"/>
+          <a:ea typeface="+mn-ea"/>
+          <a:cs typeface="+mn-cs"/>
+        </a:defRPr>
+      </a:lvl9pPr>
+    </p:otherStyle>
+  </p:txStyles>
 </p:sldMaster>
 </file>
 
 <file path=ppt/slideMasters/slideMaster2.xml><?xml version="1.0" encoding="utf-8"?>
-<p:sldMaster xmlns:a="http://schemas.openxmlformats.org/drawingml/2006/main" xmlns:p="http://schemas.openxmlformats.org/presentationml/2006/main" xmlns:r="http://schemas.openxmlformats.org/officeDocument/2006/relationships" xmlns:p14="http://schemas.microsoft.com/office/powerpoint/2010/main" xmlns:p15="http://schemas.microsoft.com/office/powerpoint/2012/main" xmlns:mc="http://schemas.openxmlformats.org/markup-compatibility/2006">
+<p:sldMaster xmlns:a="http://schemas.openxmlformats.org/drawingml/2006/main" xmlns:r="http://schemas.openxmlformats.org/officeDocument/2006/relationships" xmlns:p="http://schemas.openxmlformats.org/presentationml/2006/main">
+  <p:cSld>
+    <p:bg>
+      <p:bgRef idx="1001">
+        <a:schemeClr val="bg1"/>
+      </p:bgRef>
+    </p:bg>
+    <p:spTree>
+      <p:nvGrpSpPr>
+        <p:cNvPr id="1" name=""/>
+        <p:cNvGrpSpPr/>
+        <p:nvPr/>
+      </p:nvGrpSpPr>
+      <p:grpSpPr>
+        <a:xfrm>
+          <a:off x="0" y="0"/>
+          <a:ext cx="0" cy="0"/>
+          <a:chOff x="0" y="0"/>
+          <a:chExt cx="0" cy="0"/>
+        </a:xfrm>
+      </p:grpSpPr>
+      <p:sp>
+        <p:nvSpPr>
+          <p:cNvPr id="42" name="CustomShape 1"/>
+          <p:cNvSpPr/>
+          <p:nvPr/>
+        </p:nvSpPr>
+        <p:spPr>
+          <a:xfrm>
+            <a:off x="0" y="0"/>
+            <a:ext cx="10076760" cy="941760"/>
+          </a:xfrm>
+          <a:prstGeom prst="rect">
+            <a:avLst/>
+          </a:prstGeom>
+          <a:gradFill rotWithShape="0">
+            <a:gsLst>
+              <a:gs pos="0">
+                <a:srgbClr val="DFF2FC"/>
+              </a:gs>
+              <a:gs pos="100000">
+                <a:srgbClr val="009BDD"/>
+              </a:gs>
+            </a:gsLst>
+            <a:lin ang="10800000"/>
+          </a:gradFill>
+          <a:ln>
+            <a:noFill/>
+          </a:ln>
+        </p:spPr>
+        <p:style>
+          <a:lnRef idx="0">
+            <a:scrgbClr r="0" g="0" b="0"/>
+          </a:lnRef>
+          <a:fillRef idx="0">
+            <a:scrgbClr r="0" g="0" b="0"/>
+          </a:fillRef>
+          <a:effectRef idx="0">
+            <a:scrgbClr r="0" g="0" b="0"/>
+          </a:effectRef>
+          <a:fontRef idx="minor"/>
+        </p:style>
+      </p:sp>
+      <p:sp>
+        <p:nvSpPr>
+          <p:cNvPr id="43" name="CustomShape 2"/>
+          <p:cNvSpPr/>
+          <p:nvPr/>
+        </p:nvSpPr>
+        <p:spPr>
+          <a:xfrm>
+            <a:off x="0" y="6620400"/>
+            <a:ext cx="10076760" cy="941760"/>
+          </a:xfrm>
+          <a:prstGeom prst="rect">
+            <a:avLst/>
+          </a:prstGeom>
+          <a:gradFill rotWithShape="0">
+            <a:gsLst>
+              <a:gs pos="0">
+                <a:srgbClr val="DFF2FC"/>
+              </a:gs>
+              <a:gs pos="100000">
+                <a:srgbClr val="009BDD"/>
+              </a:gs>
+            </a:gsLst>
+            <a:lin ang="10800000"/>
+          </a:gradFill>
+          <a:ln>
+            <a:noFill/>
+          </a:ln>
+        </p:spPr>
+        <p:style>
+          <a:lnRef idx="0">
+            <a:scrgbClr r="0" g="0" b="0"/>
+          </a:lnRef>
+          <a:fillRef idx="0">
+            <a:scrgbClr r="0" g="0" b="0"/>
+          </a:fillRef>
+          <a:effectRef idx="0">
+            <a:scrgbClr r="0" g="0" b="0"/>
+          </a:effectRef>
+          <a:fontRef idx="minor"/>
+        </p:style>
+      </p:sp>
+      <p:sp>
+        <p:nvSpPr>
+          <p:cNvPr id="44" name="PlaceHolder 3"/>
+          <p:cNvSpPr>
+            <a:spLocks noGrp="1"/>
+          </p:cNvSpPr>
+          <p:nvPr>
+            <p:ph type="title"/>
+          </p:nvPr>
+        </p:nvSpPr>
+        <p:spPr>
+          <a:xfrm>
+            <a:off x="504000" y="301320"/>
+            <a:ext cx="9071640" cy="637560"/>
+          </a:xfrm>
+          <a:prstGeom prst="rect">
+            <a:avLst/>
+          </a:prstGeom>
+        </p:spPr>
+        <p:txBody>
+          <a:bodyPr lIns="0" tIns="0" rIns="0" bIns="0" anchor="ctr">
+            <a:noAutofit/>
+          </a:bodyPr>
+          <a:lstStyle/>
+          <a:p>
+            <a:pPr algn="ctr"/>
+            <a:r>
+              <a:rPr lang="en-US" sz="4400" b="0" strike="noStrike" spc="-1">
+                <a:solidFill>
+                  <a:srgbClr val="FFFFFF"/>
+                </a:solidFill>
+                <a:latin typeface="Arial"/>
+              </a:rPr>
+              <a:t>Click to edit the title text format</a:t>
+            </a:r>
+          </a:p>
+        </p:txBody>
+      </p:sp>
+      <p:sp>
+        <p:nvSpPr>
+          <p:cNvPr id="45" name="PlaceHolder 4"/>
+          <p:cNvSpPr>
+            <a:spLocks noGrp="1"/>
+          </p:cNvSpPr>
+          <p:nvPr>
+            <p:ph type="body"/>
+          </p:nvPr>
+        </p:nvSpPr>
+        <p:spPr>
+          <a:xfrm>
+            <a:off x="504000" y="1769040"/>
+            <a:ext cx="9071640" cy="4384440"/>
+          </a:xfrm>
+          <a:prstGeom prst="rect">
+            <a:avLst/>
+          </a:prstGeom>
+        </p:spPr>
+        <p:txBody>
+          <a:bodyPr lIns="0" tIns="0" rIns="0" bIns="0">
+            <a:noAutofit/>
+          </a:bodyPr>
+          <a:lstStyle/>
+          <a:p>
+            <a:pPr marL="432000" indent="-324000">
+              <a:spcBef>
+                <a:spcPts val="1417"/>
+              </a:spcBef>
+              <a:buClr>
+                <a:srgbClr val="000000"/>
+              </a:buClr>
+              <a:buSzPct val="45000"/>
+              <a:buFont typeface="Wingdings" charset="2"/>
+              <a:buChar char=""/>
+            </a:pPr>
+            <a:r>
+              <a:rPr lang="en-US" sz="3200" b="0" strike="noStrike" spc="-1">
+                <a:solidFill>
+                  <a:srgbClr val="0066CC"/>
+                </a:solidFill>
+                <a:latin typeface="Arial"/>
+              </a:rPr>
+              <a:t>Click to edit the outline text format</a:t>
+            </a:r>
+          </a:p>
+          <a:p>
+            <a:pPr marL="864000" lvl="1" indent="-324000">
+              <a:spcBef>
+                <a:spcPts val="1134"/>
+              </a:spcBef>
+              <a:buClr>
+                <a:srgbClr val="000000"/>
+              </a:buClr>
+              <a:buSzPct val="75000"/>
+              <a:buFont typeface="Symbol" charset="2"/>
+              <a:buChar char=""/>
+            </a:pPr>
+            <a:r>
+              <a:rPr lang="en-US" sz="2800" b="0" strike="noStrike" spc="-1">
+                <a:solidFill>
+                  <a:srgbClr val="0066CC"/>
+                </a:solidFill>
+                <a:latin typeface="Arial"/>
+              </a:rPr>
+              <a:t>Second Outline Level</a:t>
+            </a:r>
+          </a:p>
+          <a:p>
+            <a:pPr marL="1296000" lvl="2" indent="-288000">
+              <a:spcBef>
+                <a:spcPts val="850"/>
+              </a:spcBef>
+              <a:buClr>
+                <a:srgbClr val="000000"/>
+              </a:buClr>
+              <a:buSzPct val="45000"/>
+              <a:buFont typeface="Wingdings" charset="2"/>
+              <a:buChar char=""/>
+            </a:pPr>
+            <a:r>
+              <a:rPr lang="en-US" sz="2400" b="0" strike="noStrike" spc="-1">
+                <a:solidFill>
+                  <a:srgbClr val="0066CC"/>
+                </a:solidFill>
+                <a:latin typeface="Arial"/>
+              </a:rPr>
+              <a:t>Third Outline Level</a:t>
+            </a:r>
+          </a:p>
+          <a:p>
+            <a:pPr marL="1728000" lvl="3" indent="-216000">
+              <a:spcBef>
+                <a:spcPts val="567"/>
+              </a:spcBef>
+              <a:buClr>
+                <a:srgbClr val="000000"/>
+              </a:buClr>
+              <a:buSzPct val="75000"/>
+              <a:buFont typeface="Symbol" charset="2"/>
+              <a:buChar char=""/>
+            </a:pPr>
+            <a:r>
+              <a:rPr lang="en-US" sz="2000" b="0" strike="noStrike" spc="-1">
+                <a:solidFill>
+                  <a:srgbClr val="0066CC"/>
+                </a:solidFill>
+                <a:latin typeface="Arial"/>
+              </a:rPr>
+              <a:t>Fourth Outline Level</a:t>
+            </a:r>
+          </a:p>
+          <a:p>
+            <a:pPr marL="2160000" lvl="4" indent="-216000">
+              <a:spcBef>
+                <a:spcPts val="283"/>
+              </a:spcBef>
+              <a:buClr>
+                <a:srgbClr val="000000"/>
+              </a:buClr>
+              <a:buSzPct val="45000"/>
+              <a:buFont typeface="Wingdings" charset="2"/>
+              <a:buChar char=""/>
+            </a:pPr>
+            <a:r>
+              <a:rPr lang="en-US" sz="2000" b="0" strike="noStrike" spc="-1">
+                <a:solidFill>
+                  <a:srgbClr val="0066CC"/>
+                </a:solidFill>
+                <a:latin typeface="Arial"/>
+              </a:rPr>
+              <a:t>Fifth Outline Level</a:t>
+            </a:r>
+          </a:p>
+          <a:p>
+            <a:pPr marL="2592000" lvl="5" indent="-216000">
+              <a:spcBef>
+                <a:spcPts val="283"/>
+              </a:spcBef>
+              <a:buClr>
+                <a:srgbClr val="000000"/>
+              </a:buClr>
+              <a:buSzPct val="45000"/>
+              <a:buFont typeface="Wingdings" charset="2"/>
+              <a:buChar char=""/>
+            </a:pPr>
+            <a:r>
+              <a:rPr lang="en-US" sz="2000" b="0" strike="noStrike" spc="-1">
+                <a:solidFill>
+                  <a:srgbClr val="0066CC"/>
+                </a:solidFill>
+                <a:latin typeface="Arial"/>
+              </a:rPr>
+              <a:t>Sixth Outline Level</a:t>
+            </a:r>
+          </a:p>
+          <a:p>
+            <a:pPr marL="3024000" lvl="6" indent="-216000">
+              <a:spcBef>
+                <a:spcPts val="283"/>
+              </a:spcBef>
+              <a:buClr>
+                <a:srgbClr val="000000"/>
+              </a:buClr>
+              <a:buSzPct val="45000"/>
+              <a:buFont typeface="Wingdings" charset="2"/>
+              <a:buChar char=""/>
+            </a:pPr>
+            <a:r>
+              <a:rPr lang="en-US" sz="2000" b="0" strike="noStrike" spc="-1">
+                <a:solidFill>
+                  <a:srgbClr val="0066CC"/>
+                </a:solidFill>
+                <a:latin typeface="Arial"/>
+              </a:rPr>
+              <a:t>Seventh Outline Level</a:t>
+            </a:r>
+          </a:p>
+        </p:txBody>
+      </p:sp>
+      <p:sp>
+        <p:nvSpPr>
+          <p:cNvPr id="46" name="PlaceHolder 5"/>
+          <p:cNvSpPr>
+            <a:spLocks noGrp="1"/>
+          </p:cNvSpPr>
+          <p:nvPr>
+            <p:ph type="dt"/>
+          </p:nvPr>
+        </p:nvSpPr>
+        <p:spPr>
+          <a:xfrm>
+            <a:off x="504000" y="6887160"/>
+            <a:ext cx="2348280" cy="521280"/>
+          </a:xfrm>
+          <a:prstGeom prst="rect">
+            <a:avLst/>
+          </a:prstGeom>
+        </p:spPr>
+        <p:txBody>
+          <a:bodyPr lIns="0" tIns="0" rIns="0" bIns="0">
+            <a:noAutofit/>
+          </a:bodyPr>
+          <a:lstStyle/>
+          <a:p>
+            <a:r>
+              <a:rPr lang="en-US" sz="1400" b="0" strike="noStrike" spc="-1">
+                <a:latin typeface="Times New Roman"/>
+              </a:rPr>
+              <a:t>&lt;date/time&gt;</a:t>
+            </a:r>
+          </a:p>
+        </p:txBody>
+      </p:sp>
+      <p:sp>
+        <p:nvSpPr>
+          <p:cNvPr id="47" name="PlaceHolder 6"/>
+          <p:cNvSpPr>
+            <a:spLocks noGrp="1"/>
+          </p:cNvSpPr>
+          <p:nvPr>
+            <p:ph type="ftr"/>
+          </p:nvPr>
+        </p:nvSpPr>
+        <p:spPr>
+          <a:xfrm>
+            <a:off x="3447360" y="6887160"/>
+            <a:ext cx="3195000" cy="521280"/>
+          </a:xfrm>
+          <a:prstGeom prst="rect">
+            <a:avLst/>
+          </a:prstGeom>
+        </p:spPr>
+        <p:txBody>
+          <a:bodyPr lIns="0" tIns="0" rIns="0" bIns="0">
+            <a:noAutofit/>
+          </a:bodyPr>
+          <a:lstStyle/>
+          <a:p>
+            <a:pPr algn="ctr"/>
+            <a:r>
+              <a:rPr lang="en-US" sz="1400" b="0" strike="noStrike" spc="-1">
+                <a:latin typeface="Times New Roman"/>
+              </a:rPr>
+              <a:t>&lt;footer&gt;</a:t>
+            </a:r>
+          </a:p>
+        </p:txBody>
+      </p:sp>
+      <p:sp>
+        <p:nvSpPr>
+          <p:cNvPr id="48" name="PlaceHolder 7"/>
+          <p:cNvSpPr>
+            <a:spLocks noGrp="1"/>
+          </p:cNvSpPr>
+          <p:nvPr>
+            <p:ph type="sldNum"/>
+          </p:nvPr>
+        </p:nvSpPr>
+        <p:spPr>
+          <a:xfrm>
+            <a:off x="7227360" y="6887160"/>
+            <a:ext cx="2348280" cy="521280"/>
+          </a:xfrm>
+          <a:prstGeom prst="rect">
+            <a:avLst/>
+          </a:prstGeom>
+        </p:spPr>
+        <p:txBody>
+          <a:bodyPr lIns="0" tIns="0" rIns="0" bIns="0">
+            <a:noAutofit/>
+          </a:bodyPr>
+          <a:lstStyle/>
+          <a:p>
+            <a:pPr algn="r"/>
+            <a:fld id="{0D4EDF4A-04EC-4ADC-B1DE-9800D75381D7}" type="slidenum">
+              <a:rPr lang="en-US" sz="1400" b="0" strike="noStrike" spc="-1">
+                <a:latin typeface="Times New Roman"/>
+              </a:rPr>
+              <a:t>‹#›</a:t>
+            </a:fld>
+            <a:endParaRPr lang="en-US" sz="1400" b="0" strike="noStrike" spc="-1">
+              <a:latin typeface="Times New Roman"/>
+            </a:endParaRPr>
+          </a:p>
+        </p:txBody>
+      </p:sp>
+    </p:spTree>
+  </p:cSld>
+  <p:clrMap bg1="lt1" tx1="dk1" bg2="lt2" tx2="dk2" accent1="accent1" accent2="accent2" accent3="accent3" accent4="accent4" accent5="accent5" accent6="accent6" hlink="hlink" folHlink="folHlink"/>
+  <p:sldLayoutIdLst>
+    <p:sldLayoutId id="2147483662" r:id="rId1"/>
+    <p:sldLayoutId id="2147483663" r:id="rId2"/>
+    <p:sldLayoutId id="2147483664" r:id="rId3"/>
+    <p:sldLayoutId id="2147483665" r:id="rId4"/>
+    <p:sldLayoutId id="2147483666" r:id="rId5"/>
+    <p:sldLayoutId id="2147483667" r:id="rId6"/>
+    <p:sldLayoutId id="2147483668" r:id="rId7"/>
+    <p:sldLayoutId id="2147483669" r:id="rId8"/>
+    <p:sldLayoutId id="2147483670" r:id="rId9"/>
+    <p:sldLayoutId id="2147483671" r:id="rId10"/>
+    <p:sldLayoutId id="2147483672" r:id="rId11"/>
+    <p:sldLayoutId id="2147483673" r:id="rId12"/>
+  </p:sldLayoutIdLst>
+  <p:txStyles>
+    <p:titleStyle>
+      <a:lvl1pPr algn="l" defTabSz="914400" rtl="0" eaLnBrk="1" latinLnBrk="0" hangingPunct="1">
+        <a:lnSpc>
+          <a:spcPct val="90000"/>
+        </a:lnSpc>
+        <a:spcBef>
+          <a:spcPct val="0"/>
+        </a:spcBef>
+        <a:buNone/>
+        <a:defRPr sz="4400" kern="1200">
+          <a:solidFill>
+            <a:schemeClr val="tx1"/>
+          </a:solidFill>
+          <a:latin typeface="+mj-lt"/>
+          <a:ea typeface="+mj-ea"/>
+          <a:cs typeface="+mj-cs"/>
+        </a:defRPr>
+      </a:lvl1pPr>
+    </p:titleStyle>
+    <p:bodyStyle>
+      <a:lvl1pPr marL="228600" indent="-228600" algn="l" defTabSz="914400" rtl="0" eaLnBrk="1" latinLnBrk="0" hangingPunct="1">
+        <a:lnSpc>
+          <a:spcPct val="90000"/>
+        </a:lnSpc>
+        <a:spcBef>
+          <a:spcPts val="1000"/>
+        </a:spcBef>
+        <a:buFont typeface="Arial" panose="020B0604020202020204" pitchFamily="34" charset="0"/>
+        <a:buChar char="•"/>
+        <a:defRPr sz="2800" kern="1200">
+          <a:solidFill>
+            <a:schemeClr val="tx1"/>
+          </a:solidFill>
+          <a:latin typeface="+mn-lt"/>
+          <a:ea typeface="+mn-ea"/>
+          <a:cs typeface="+mn-cs"/>
+        </a:defRPr>
+      </a:lvl1pPr>
+      <a:lvl2pPr marL="685800" indent="-228600" algn="l" defTabSz="914400" rtl="0" eaLnBrk="1" latinLnBrk="0" hangingPunct="1">
+        <a:lnSpc>
+          <a:spcPct val="90000"/>
+        </a:lnSpc>
+        <a:spcBef>
+          <a:spcPts val="500"/>
+        </a:spcBef>
+        <a:buFont typeface="Arial" panose="020B0604020202020204" pitchFamily="34" charset="0"/>
+        <a:buChar char="•"/>
+        <a:defRPr sz="2400" kern="1200">
+          <a:solidFill>
+            <a:schemeClr val="tx1"/>
+          </a:solidFill>
+          <a:latin typeface="+mn-lt"/>
+          <a:ea typeface="+mn-ea"/>
+          <a:cs typeface="+mn-cs"/>
+        </a:defRPr>
+      </a:lvl2pPr>
+      <a:lvl3pPr marL="1143000" indent="-228600" algn="l" defTabSz="914400" rtl="0" eaLnBrk="1" latinLnBrk="0" hangingPunct="1">
+        <a:lnSpc>
+          <a:spcPct val="90000"/>
+        </a:lnSpc>
+        <a:spcBef>
+          <a:spcPts val="500"/>
+        </a:spcBef>
+        <a:buFont typeface="Arial" panose="020B0604020202020204" pitchFamily="34" charset="0"/>
+        <a:buChar char="•"/>
+        <a:defRPr sz="2000" kern="1200">
+          <a:solidFill>
+            <a:schemeClr val="tx1"/>
+          </a:solidFill>
+          <a:latin typeface="+mn-lt"/>
+          <a:ea typeface="+mn-ea"/>
+          <a:cs typeface="+mn-cs"/>
+        </a:defRPr>
+      </a:lvl3pPr>
+      <a:lvl4pPr marL="1600200" indent="-228600" algn="l" defTabSz="914400" rtl="0" eaLnBrk="1" latinLnBrk="0" hangingPunct="1">
+        <a:lnSpc>
+          <a:spcPct val="90000"/>
+        </a:lnSpc>
+        <a:spcBef>
+          <a:spcPts val="500"/>
+        </a:spcBef>
+        <a:buFont typeface="Arial" panose="020B0604020202020204" pitchFamily="34" charset="0"/>
+        <a:buChar char="•"/>
+        <a:defRPr sz="1800" kern="1200">
+          <a:solidFill>
+            <a:schemeClr val="tx1"/>
+          </a:solidFill>
+          <a:latin typeface="+mn-lt"/>
+          <a:ea typeface="+mn-ea"/>
+          <a:cs typeface="+mn-cs"/>
+        </a:defRPr>
+      </a:lvl4pPr>
+      <a:lvl5pPr marL="2057400" indent="-228600" algn="l" defTabSz="914400" rtl="0" eaLnBrk="1" latinLnBrk="0" hangingPunct="1">
+        <a:lnSpc>
+          <a:spcPct val="90000"/>
+        </a:lnSpc>
+        <a:spcBef>
+          <a:spcPts val="500"/>
+        </a:spcBef>
+        <a:buFont typeface="Arial" panose="020B0604020202020204" pitchFamily="34" charset="0"/>
+        <a:buChar char="•"/>
+        <a:defRPr sz="1800" kern="1200">
+          <a:solidFill>
+            <a:schemeClr val="tx1"/>
+          </a:solidFill>
+          <a:latin typeface="+mn-lt"/>
+          <a:ea typeface="+mn-ea"/>
+          <a:cs typeface="+mn-cs"/>
+        </a:defRPr>
+      </a:lvl5pPr>
+      <a:lvl6pPr marL="2514600" indent="-228600" algn="l" defTabSz="914400" rtl="0" eaLnBrk="1" latinLnBrk="0" hangingPunct="1">
+        <a:lnSpc>
+          <a:spcPct val="90000"/>
+        </a:lnSpc>
+        <a:spcBef>
+          <a:spcPts val="500"/>
+        </a:spcBef>
+        <a:buFont typeface="Arial" panose="020B0604020202020204" pitchFamily="34" charset="0"/>
+        <a:buChar char="•"/>
+        <a:defRPr sz="1800" kern="1200">
+          <a:solidFill>
+            <a:schemeClr val="tx1"/>
+          </a:solidFill>
+          <a:latin typeface="+mn-lt"/>
+          <a:ea typeface="+mn-ea"/>
+          <a:cs typeface="+mn-cs"/>
+        </a:defRPr>
+      </a:lvl6pPr>
+      <a:lvl7pPr marL="2971800" indent="-228600" algn="l" defTabSz="914400" rtl="0" eaLnBrk="1" latinLnBrk="0" hangingPunct="1">
+        <a:lnSpc>
+          <a:spcPct val="90000"/>
+        </a:lnSpc>
+        <a:spcBef>
+          <a:spcPts val="500"/>
+        </a:spcBef>
+        <a:buFont typeface="Arial" panose="020B0604020202020204" pitchFamily="34" charset="0"/>
+        <a:buChar char="•"/>
+        <a:defRPr sz="1800" kern="1200">
+          <a:solidFill>
+            <a:schemeClr val="tx1"/>
+          </a:solidFill>
+          <a:latin typeface="+mn-lt"/>
+          <a:ea typeface="+mn-ea"/>
+          <a:cs typeface="+mn-cs"/>
+        </a:defRPr>
+      </a:lvl7pPr>
+      <a:lvl8pPr marL="3429000" indent="-228600" algn="l" defTabSz="914400" rtl="0" eaLnBrk="1" latinLnBrk="0" hangingPunct="1">
+        <a:lnSpc>
+          <a:spcPct val="90000"/>
+        </a:lnSpc>
+        <a:spcBef>
+          <a:spcPts val="500"/>
+        </a:spcBef>
+        <a:buFont typeface="Arial" panose="020B0604020202020204" pitchFamily="34" charset="0"/>
+        <a:buChar char="•"/>
+        <a:defRPr sz="1800" kern="1200">
+          <a:solidFill>
+            <a:schemeClr val="tx1"/>
+          </a:solidFill>
+          <a:latin typeface="+mn-lt"/>
+          <a:ea typeface="+mn-ea"/>
+          <a:cs typeface="+mn-cs"/>
+        </a:defRPr>
+      </a:lvl8pPr>
+      <a:lvl9pPr marL="3886200" indent="-228600" algn="l" defTabSz="914400" rtl="0" eaLnBrk="1" latinLnBrk="0" hangingPunct="1">
+        <a:lnSpc>
+          <a:spcPct val="90000"/>
+        </a:lnSpc>
+        <a:spcBef>
+          <a:spcPts val="500"/>
+        </a:spcBef>
+        <a:buFont typeface="Arial" panose="020B0604020202020204" pitchFamily="34" charset="0"/>
+        <a:buChar char="•"/>
+        <a:defRPr sz="1800" kern="1200">
+          <a:solidFill>
+            <a:schemeClr val="tx1"/>
+          </a:solidFill>
+          <a:latin typeface="+mn-lt"/>
+          <a:ea typeface="+mn-ea"/>
+          <a:cs typeface="+mn-cs"/>
+        </a:defRPr>
+      </a:lvl9pPr>
+    </p:bodyStyle>
+    <p:otherStyle>
+      <a:defPPr>
+        <a:defRPr lang="en-US"/>
+      </a:defPPr>
+      <a:lvl1pPr marL="0" algn="l" defTabSz="914400" rtl="0" eaLnBrk="1" latinLnBrk="0" hangingPunct="1">
+        <a:defRPr sz="1800" kern="1200">
+          <a:solidFill>
+            <a:schemeClr val="tx1"/>
+          </a:solidFill>
+          <a:latin typeface="+mn-lt"/>
+          <a:ea typeface="+mn-ea"/>
+          <a:cs typeface="+mn-cs"/>
+        </a:defRPr>
+      </a:lvl1pPr>
+      <a:lvl2pPr marL="457200" algn="l" defTabSz="914400" rtl="0" eaLnBrk="1" latinLnBrk="0" hangingPunct="1">
+        <a:defRPr sz="1800" kern="1200">
+          <a:solidFill>
+            <a:schemeClr val="tx1"/>
+          </a:solidFill>
+          <a:latin typeface="+mn-lt"/>
+          <a:ea typeface="+mn-ea"/>
+          <a:cs typeface="+mn-cs"/>
+        </a:defRPr>
+      </a:lvl2pPr>
+      <a:lvl3pPr marL="914400" algn="l" defTabSz="914400" rtl="0" eaLnBrk="1" latinLnBrk="0" hangingPunct="1">
+        <a:defRPr sz="1800" kern="1200">
+          <a:solidFill>
+            <a:schemeClr val="tx1"/>
+          </a:solidFill>
+          <a:latin typeface="+mn-lt"/>
+          <a:ea typeface="+mn-ea"/>
+          <a:cs typeface="+mn-cs"/>
+        </a:defRPr>
+      </a:lvl3pPr>
+      <a:lvl4pPr marL="1371600" algn="l" defTabSz="914400" rtl="0" eaLnBrk="1" latinLnBrk="0" hangingPunct="1">
+        <a:defRPr sz="1800" kern="1200">
+          <a:solidFill>
+            <a:schemeClr val="tx1"/>
+          </a:solidFill>
+          <a:latin typeface="+mn-lt"/>
+          <a:ea typeface="+mn-ea"/>
+          <a:cs typeface="+mn-cs"/>
+        </a:defRPr>
+      </a:lvl4pPr>
+      <a:lvl5pPr marL="1828800" algn="l" defTabSz="914400" rtl="0" eaLnBrk="1" latinLnBrk="0" hangingPunct="1">
+        <a:defRPr sz="1800" kern="1200">
+          <a:solidFill>
+            <a:schemeClr val="tx1"/>
+          </a:solidFill>
+          <a:latin typeface="+mn-lt"/>
+          <a:ea typeface="+mn-ea"/>
+          <a:cs typeface="+mn-cs"/>
+        </a:defRPr>
+      </a:lvl5pPr>
+      <a:lvl6pPr marL="2286000" algn="l" defTabSz="914400" rtl="0" eaLnBrk="1" latinLnBrk="0" hangingPunct="1">
+        <a:defRPr sz="1800" kern="1200">
+          <a:solidFill>
+            <a:schemeClr val="tx1"/>
+          </a:solidFill>
+          <a:latin typeface="+mn-lt"/>
+          <a:ea typeface="+mn-ea"/>
+          <a:cs typeface="+mn-cs"/>
+        </a:defRPr>
+      </a:lvl6pPr>
+      <a:lvl7pPr marL="2743200" algn="l" defTabSz="914400" rtl="0" eaLnBrk="1" latinLnBrk="0" hangingPunct="1">
+        <a:defRPr sz="1800" kern="1200">
+          <a:solidFill>
+            <a:schemeClr val="tx1"/>
+          </a:solidFill>
+          <a:latin typeface="+mn-lt"/>
+          <a:ea typeface="+mn-ea"/>
+          <a:cs typeface="+mn-cs"/>
+        </a:defRPr>
+      </a:lvl7pPr>
+      <a:lvl8pPr marL="3200400" algn="l" defTabSz="914400" rtl="0" eaLnBrk="1" latinLnBrk="0" hangingPunct="1">
+        <a:defRPr sz="1800" kern="1200">
+          <a:solidFill>
+            <a:schemeClr val="tx1"/>
+          </a:solidFill>
+          <a:latin typeface="+mn-lt"/>
+          <a:ea typeface="+mn-ea"/>
+          <a:cs typeface="+mn-cs"/>
+        </a:defRPr>
+      </a:lvl8pPr>
+      <a:lvl9pPr marL="3657600" algn="l" defTabSz="914400" rtl="0" eaLnBrk="1" latinLnBrk="0" hangingPunct="1">
+        <a:defRPr sz="1800" kern="1200">
+          <a:solidFill>
+            <a:schemeClr val="tx1"/>
+          </a:solidFill>
+          <a:latin typeface="+mn-lt"/>
+          <a:ea typeface="+mn-ea"/>
+          <a:cs typeface="+mn-cs"/>
+        </a:defRPr>
+      </a:lvl9pPr>
+    </p:otherStyle>
+  </p:txStyles>
+</p:sldMaster>
+</file>
+
+<file path=ppt/slides/slide1.xml><?xml version="1.0" encoding="utf-8"?>
+<p:sld xmlns:a="http://schemas.openxmlformats.org/drawingml/2006/main" xmlns:r="http://schemas.openxmlformats.org/officeDocument/2006/relationships" xmlns:p="http://schemas.openxmlformats.org/presentationml/2006/main">
   <p:cSld>
     <p:spTree>
       <p:nvGrpSpPr>
@@ -3350,472 +4577,182 @@
       </p:grpSpPr>
       <p:sp>
         <p:nvSpPr>
-          <p:cNvPr id="42" name="CustomShape 1"/>
-          <p:cNvSpPr/>
+          <p:cNvPr id="85" name="TextShape 1"/>
+          <p:cNvSpPr txBox="1"/>
           <p:nvPr/>
         </p:nvSpPr>
         <p:spPr>
           <a:xfrm>
-            <a:off x="0" y="0"/>
-            <a:ext cx="10076760" cy="941760"/>
-          </a:xfrm>
-          <a:prstGeom prst="rect">
-            <a:avLst/>
-          </a:prstGeom>
-          <a:gradFill rotWithShape="0">
-            <a:gsLst>
-              <a:gs pos="0">
-                <a:srgbClr val="dff2fc"/>
-              </a:gs>
-              <a:gs pos="100000">
-                <a:srgbClr val="009bdd"/>
-              </a:gs>
-            </a:gsLst>
-            <a:lin ang="10800000"/>
-          </a:gradFill>
+            <a:off x="803880" y="2578320"/>
+            <a:ext cx="9071640" cy="1262160"/>
+          </a:xfrm>
+          <a:prstGeom prst="rect">
+            <a:avLst/>
+          </a:prstGeom>
+          <a:noFill/>
           <a:ln>
             <a:noFill/>
           </a:ln>
         </p:spPr>
-        <p:style>
-          <a:lnRef idx="0"/>
-          <a:fillRef idx="0"/>
-          <a:effectRef idx="0"/>
-          <a:fontRef idx="minor"/>
-        </p:style>
-      </p:sp>
-      <p:sp>
-        <p:nvSpPr>
-          <p:cNvPr id="43" name="CustomShape 2"/>
-          <p:cNvSpPr/>
+        <p:txBody>
+          <a:bodyPr lIns="0" tIns="0" rIns="0" bIns="0" anchor="ctr">
+            <a:spAutoFit/>
+          </a:bodyPr>
+          <a:lstStyle/>
+          <a:p>
+            <a:pPr algn="ctr"/>
+            <a:r>
+              <a:rPr lang="en-US" sz="4400" b="0" strike="noStrike" spc="-1">
+                <a:solidFill>
+                  <a:srgbClr val="006699"/>
+                </a:solidFill>
+                <a:latin typeface="Arial"/>
+              </a:rPr>
+              <a:t>Alabama Veterans Museum </a:t>
+            </a:r>
+          </a:p>
+        </p:txBody>
+      </p:sp>
+      <p:pic>
+        <p:nvPicPr>
+          <p:cNvPr id="86" name="Picture 3"/>
+          <p:cNvPicPr/>
           <p:nvPr/>
-        </p:nvSpPr>
-        <p:spPr>
-          <a:xfrm>
-            <a:off x="0" y="6620400"/>
-            <a:ext cx="10076760" cy="941760"/>
-          </a:xfrm>
-          <a:prstGeom prst="rect">
-            <a:avLst/>
-          </a:prstGeom>
-          <a:gradFill rotWithShape="0">
-            <a:gsLst>
-              <a:gs pos="0">
-                <a:srgbClr val="dff2fc"/>
-              </a:gs>
-              <a:gs pos="100000">
-                <a:srgbClr val="009bdd"/>
-              </a:gs>
-            </a:gsLst>
-            <a:lin ang="10800000"/>
-          </a:gradFill>
+        </p:nvPicPr>
+        <p:blipFill>
+          <a:blip r:embed="rId2"/>
+          <a:stretch/>
+        </p:blipFill>
+        <p:spPr>
+          <a:xfrm>
+            <a:off x="2788560" y="1078560"/>
+            <a:ext cx="4844520" cy="1066320"/>
+          </a:xfrm>
+          <a:prstGeom prst="rect">
+            <a:avLst/>
+          </a:prstGeom>
           <a:ln>
             <a:noFill/>
           </a:ln>
         </p:spPr>
-        <p:style>
-          <a:lnRef idx="0"/>
-          <a:fillRef idx="0"/>
-          <a:effectRef idx="0"/>
-          <a:fontRef idx="minor"/>
-        </p:style>
-      </p:sp>
-      <p:sp>
-        <p:nvSpPr>
-          <p:cNvPr id="44" name="PlaceHolder 3"/>
-          <p:cNvSpPr>
-            <a:spLocks noGrp="1"/>
-          </p:cNvSpPr>
-          <p:nvPr>
-            <p:ph type="title"/>
-          </p:nvPr>
-        </p:nvSpPr>
-        <p:spPr>
-          <a:xfrm>
-            <a:off x="504000" y="301320"/>
-            <a:ext cx="9071640" cy="637560"/>
-          </a:xfrm>
-          <a:prstGeom prst="rect">
-            <a:avLst/>
-          </a:prstGeom>
-        </p:spPr>
-        <p:txBody>
-          <a:bodyPr lIns="0" rIns="0" tIns="0" bIns="0" anchor="ctr">
-            <a:noAutofit/>
-          </a:bodyPr>
-          <a:p>
-            <a:pPr algn="ctr"/>
+      </p:pic>
+      <p:sp>
+        <p:nvSpPr>
+          <p:cNvPr id="87" name="TextShape 2"/>
+          <p:cNvSpPr txBox="1"/>
+          <p:nvPr/>
+        </p:nvSpPr>
+        <p:spPr>
+          <a:xfrm>
+            <a:off x="2578320" y="3904200"/>
+            <a:ext cx="5394960" cy="365760"/>
+          </a:xfrm>
+          <a:prstGeom prst="rect">
+            <a:avLst/>
+          </a:prstGeom>
+          <a:noFill/>
+          <a:ln>
+            <a:noFill/>
+          </a:ln>
+        </p:spPr>
+        <p:txBody>
+          <a:bodyPr lIns="90000" tIns="45000" rIns="90000" bIns="45000">
+            <a:spAutoFit/>
+          </a:bodyPr>
+          <a:lstStyle/>
+          <a:p>
             <a:r>
-              <a:rPr b="0" lang="en-US" sz="4400" spc="-1" strike="noStrike">
+              <a:rPr lang="en-US" sz="1800" b="0" strike="noStrike" spc="-1">
                 <a:solidFill>
-                  <a:srgbClr val="ffffff"/>
+                  <a:srgbClr val="3465A4"/>
                 </a:solidFill>
                 <a:latin typeface="Arial"/>
               </a:rPr>
-              <a:t>Click to edit the title text format</a:t>
+              <a:t>Presented by Phillip Owens and Nicholas Morgan</a:t>
             </a:r>
-            <a:endParaRPr b="0" lang="en-US" sz="4400" spc="-1" strike="noStrike">
-              <a:solidFill>
-                <a:srgbClr val="ffffff"/>
-              </a:solidFill>
-              <a:latin typeface="Arial"/>
-            </a:endParaRPr>
-          </a:p>
-        </p:txBody>
-      </p:sp>
-      <p:sp>
-        <p:nvSpPr>
-          <p:cNvPr id="45" name="PlaceHolder 4"/>
-          <p:cNvSpPr>
-            <a:spLocks noGrp="1"/>
-          </p:cNvSpPr>
-          <p:nvPr>
-            <p:ph type="body"/>
-          </p:nvPr>
-        </p:nvSpPr>
-        <p:spPr>
-          <a:xfrm>
-            <a:off x="504000" y="1769040"/>
-            <a:ext cx="9071640" cy="4384440"/>
-          </a:xfrm>
-          <a:prstGeom prst="rect">
-            <a:avLst/>
-          </a:prstGeom>
-        </p:spPr>
-        <p:txBody>
-          <a:bodyPr lIns="0" rIns="0" tIns="0" bIns="0">
-            <a:noAutofit/>
-          </a:bodyPr>
-          <a:p>
-            <a:pPr marL="432000" indent="-324000">
-              <a:spcBef>
-                <a:spcPts val="1417"/>
-              </a:spcBef>
-              <a:buClr>
-                <a:srgbClr val="000000"/>
-              </a:buClr>
-              <a:buSzPct val="45000"/>
-              <a:buFont typeface="Wingdings" charset="2"/>
-              <a:buChar char=""/>
-            </a:pPr>
+          </a:p>
+        </p:txBody>
+      </p:sp>
+      <p:sp>
+        <p:nvSpPr>
+          <p:cNvPr id="88" name="TextShape 3"/>
+          <p:cNvSpPr txBox="1"/>
+          <p:nvPr/>
+        </p:nvSpPr>
+        <p:spPr>
+          <a:xfrm>
+            <a:off x="4206240" y="4663440"/>
+            <a:ext cx="2377440" cy="367878"/>
+          </a:xfrm>
+          <a:prstGeom prst="rect">
+            <a:avLst/>
+          </a:prstGeom>
+          <a:noFill/>
+          <a:ln>
+            <a:noFill/>
+          </a:ln>
+        </p:spPr>
+        <p:txBody>
+          <a:bodyPr lIns="90000" tIns="45000" rIns="90000" bIns="45000">
+            <a:spAutoFit/>
+          </a:bodyPr>
+          <a:lstStyle/>
+          <a:p>
             <a:r>
-              <a:rPr b="0" lang="en-US" sz="3200" spc="-1" strike="noStrike">
+              <a:rPr lang="en-US" sz="1800" b="0" strike="noStrike" spc="-1">
                 <a:solidFill>
-                  <a:srgbClr val="0066cc"/>
+                  <a:srgbClr val="3465A4"/>
                 </a:solidFill>
                 <a:latin typeface="Arial"/>
               </a:rPr>
-              <a:t>Click to edit the outline text format</a:t>
+              <a:t>Final Presentation</a:t>
             </a:r>
-            <a:endParaRPr b="0" lang="en-US" sz="3200" spc="-1" strike="noStrike">
-              <a:solidFill>
-                <a:srgbClr val="0066cc"/>
-              </a:solidFill>
-              <a:latin typeface="Arial"/>
-            </a:endParaRPr>
-          </a:p>
-          <a:p>
-            <a:pPr lvl="1" marL="864000" indent="-324000">
-              <a:spcBef>
-                <a:spcPts val="1134"/>
-              </a:spcBef>
-              <a:buClr>
-                <a:srgbClr val="000000"/>
-              </a:buClr>
-              <a:buSzPct val="75000"/>
-              <a:buFont typeface="Symbol" charset="2"/>
-              <a:buChar char=""/>
-            </a:pPr>
-            <a:r>
-              <a:rPr b="0" lang="en-US" sz="2800" spc="-1" strike="noStrike">
-                <a:solidFill>
-                  <a:srgbClr val="0066cc"/>
-                </a:solidFill>
-                <a:latin typeface="Arial"/>
-              </a:rPr>
-              <a:t>Second Outline Level</a:t>
-            </a:r>
-            <a:endParaRPr b="0" lang="en-US" sz="2800" spc="-1" strike="noStrike">
-              <a:solidFill>
-                <a:srgbClr val="0066cc"/>
-              </a:solidFill>
-              <a:latin typeface="Arial"/>
-            </a:endParaRPr>
-          </a:p>
-          <a:p>
-            <a:pPr lvl="2" marL="1296000" indent="-288000">
-              <a:spcBef>
-                <a:spcPts val="850"/>
-              </a:spcBef>
-              <a:buClr>
-                <a:srgbClr val="000000"/>
-              </a:buClr>
-              <a:buSzPct val="45000"/>
-              <a:buFont typeface="Wingdings" charset="2"/>
-              <a:buChar char=""/>
-            </a:pPr>
-            <a:r>
-              <a:rPr b="0" lang="en-US" sz="2400" spc="-1" strike="noStrike">
-                <a:solidFill>
-                  <a:srgbClr val="0066cc"/>
-                </a:solidFill>
-                <a:latin typeface="Arial"/>
-              </a:rPr>
-              <a:t>Third Outline Level</a:t>
-            </a:r>
-            <a:endParaRPr b="0" lang="en-US" sz="2400" spc="-1" strike="noStrike">
-              <a:solidFill>
-                <a:srgbClr val="0066cc"/>
-              </a:solidFill>
-              <a:latin typeface="Arial"/>
-            </a:endParaRPr>
-          </a:p>
-          <a:p>
-            <a:pPr lvl="3" marL="1728000" indent="-216000">
-              <a:spcBef>
-                <a:spcPts val="567"/>
-              </a:spcBef>
-              <a:buClr>
-                <a:srgbClr val="000000"/>
-              </a:buClr>
-              <a:buSzPct val="75000"/>
-              <a:buFont typeface="Symbol" charset="2"/>
-              <a:buChar char=""/>
-            </a:pPr>
-            <a:r>
-              <a:rPr b="0" lang="en-US" sz="2000" spc="-1" strike="noStrike">
-                <a:solidFill>
-                  <a:srgbClr val="0066cc"/>
-                </a:solidFill>
-                <a:latin typeface="Arial"/>
-              </a:rPr>
-              <a:t>Fourth Outline Level</a:t>
-            </a:r>
-            <a:endParaRPr b="0" lang="en-US" sz="2000" spc="-1" strike="noStrike">
-              <a:solidFill>
-                <a:srgbClr val="0066cc"/>
-              </a:solidFill>
-              <a:latin typeface="Arial"/>
-            </a:endParaRPr>
-          </a:p>
-          <a:p>
-            <a:pPr lvl="4" marL="2160000" indent="-216000">
-              <a:spcBef>
-                <a:spcPts val="283"/>
-              </a:spcBef>
-              <a:buClr>
-                <a:srgbClr val="000000"/>
-              </a:buClr>
-              <a:buSzPct val="45000"/>
-              <a:buFont typeface="Wingdings" charset="2"/>
-              <a:buChar char=""/>
-            </a:pPr>
-            <a:r>
-              <a:rPr b="0" lang="en-US" sz="2000" spc="-1" strike="noStrike">
-                <a:solidFill>
-                  <a:srgbClr val="0066cc"/>
-                </a:solidFill>
-                <a:latin typeface="Arial"/>
-              </a:rPr>
-              <a:t>Fifth Outline Level</a:t>
-            </a:r>
-            <a:endParaRPr b="0" lang="en-US" sz="2000" spc="-1" strike="noStrike">
-              <a:solidFill>
-                <a:srgbClr val="0066cc"/>
-              </a:solidFill>
-              <a:latin typeface="Arial"/>
-            </a:endParaRPr>
-          </a:p>
-          <a:p>
-            <a:pPr lvl="5" marL="2592000" indent="-216000">
-              <a:spcBef>
-                <a:spcPts val="283"/>
-              </a:spcBef>
-              <a:buClr>
-                <a:srgbClr val="000000"/>
-              </a:buClr>
-              <a:buSzPct val="45000"/>
-              <a:buFont typeface="Wingdings" charset="2"/>
-              <a:buChar char=""/>
-            </a:pPr>
-            <a:r>
-              <a:rPr b="0" lang="en-US" sz="2000" spc="-1" strike="noStrike">
-                <a:solidFill>
-                  <a:srgbClr val="0066cc"/>
-                </a:solidFill>
-                <a:latin typeface="Arial"/>
-              </a:rPr>
-              <a:t>Sixth Outline Level</a:t>
-            </a:r>
-            <a:endParaRPr b="0" lang="en-US" sz="2000" spc="-1" strike="noStrike">
-              <a:solidFill>
-                <a:srgbClr val="0066cc"/>
-              </a:solidFill>
-              <a:latin typeface="Arial"/>
-            </a:endParaRPr>
-          </a:p>
-          <a:p>
-            <a:pPr lvl="6" marL="3024000" indent="-216000">
-              <a:spcBef>
-                <a:spcPts val="283"/>
-              </a:spcBef>
-              <a:buClr>
-                <a:srgbClr val="000000"/>
-              </a:buClr>
-              <a:buSzPct val="45000"/>
-              <a:buFont typeface="Wingdings" charset="2"/>
-              <a:buChar char=""/>
-            </a:pPr>
-            <a:r>
-              <a:rPr b="0" lang="en-US" sz="2000" spc="-1" strike="noStrike">
-                <a:solidFill>
-                  <a:srgbClr val="0066cc"/>
-                </a:solidFill>
-                <a:latin typeface="Arial"/>
-              </a:rPr>
-              <a:t>Seventh Outline Level</a:t>
-            </a:r>
-            <a:endParaRPr b="0" lang="en-US" sz="2000" spc="-1" strike="noStrike">
-              <a:solidFill>
-                <a:srgbClr val="0066cc"/>
-              </a:solidFill>
-              <a:latin typeface="Arial"/>
-            </a:endParaRPr>
-          </a:p>
-        </p:txBody>
-      </p:sp>
-      <p:sp>
-        <p:nvSpPr>
-          <p:cNvPr id="46" name="PlaceHolder 5"/>
-          <p:cNvSpPr>
-            <a:spLocks noGrp="1"/>
-          </p:cNvSpPr>
-          <p:nvPr>
-            <p:ph type="dt"/>
-          </p:nvPr>
-        </p:nvSpPr>
-        <p:spPr>
-          <a:xfrm>
-            <a:off x="504000" y="6887160"/>
-            <a:ext cx="2348280" cy="521280"/>
-          </a:xfrm>
-          <a:prstGeom prst="rect">
-            <a:avLst/>
-          </a:prstGeom>
-        </p:spPr>
-        <p:txBody>
-          <a:bodyPr lIns="0" rIns="0" tIns="0" bIns="0">
-            <a:noAutofit/>
-          </a:bodyPr>
-          <a:p>
-            <a:r>
-              <a:rPr b="0" lang="en-US" sz="1400" spc="-1" strike="noStrike">
-                <a:latin typeface="Times New Roman"/>
-              </a:rPr>
-              <a:t>&lt;date/time&gt;</a:t>
-            </a:r>
-            <a:endParaRPr b="0" lang="en-US" sz="1400" spc="-1" strike="noStrike">
-              <a:latin typeface="Times New Roman"/>
-            </a:endParaRPr>
-          </a:p>
-        </p:txBody>
-      </p:sp>
-      <p:sp>
-        <p:nvSpPr>
-          <p:cNvPr id="47" name="PlaceHolder 6"/>
-          <p:cNvSpPr>
-            <a:spLocks noGrp="1"/>
-          </p:cNvSpPr>
-          <p:nvPr>
-            <p:ph type="ftr"/>
-          </p:nvPr>
-        </p:nvSpPr>
-        <p:spPr>
-          <a:xfrm>
-            <a:off x="3447360" y="6887160"/>
-            <a:ext cx="3195000" cy="521280"/>
-          </a:xfrm>
-          <a:prstGeom prst="rect">
-            <a:avLst/>
-          </a:prstGeom>
-        </p:spPr>
-        <p:txBody>
-          <a:bodyPr lIns="0" rIns="0" tIns="0" bIns="0">
-            <a:noAutofit/>
-          </a:bodyPr>
-          <a:p>
-            <a:pPr algn="ctr"/>
-            <a:r>
-              <a:rPr b="0" lang="en-US" sz="1400" spc="-1" strike="noStrike">
-                <a:latin typeface="Times New Roman"/>
-              </a:rPr>
-              <a:t>&lt;footer&gt;</a:t>
-            </a:r>
-            <a:endParaRPr b="0" lang="en-US" sz="1400" spc="-1" strike="noStrike">
-              <a:latin typeface="Times New Roman"/>
-            </a:endParaRPr>
-          </a:p>
-        </p:txBody>
-      </p:sp>
-      <p:sp>
-        <p:nvSpPr>
-          <p:cNvPr id="48" name="PlaceHolder 7"/>
-          <p:cNvSpPr>
-            <a:spLocks noGrp="1"/>
-          </p:cNvSpPr>
-          <p:nvPr>
-            <p:ph type="sldNum"/>
-          </p:nvPr>
-        </p:nvSpPr>
-        <p:spPr>
-          <a:xfrm>
-            <a:off x="7227360" y="6887160"/>
-            <a:ext cx="2348280" cy="521280"/>
-          </a:xfrm>
-          <a:prstGeom prst="rect">
-            <a:avLst/>
-          </a:prstGeom>
-        </p:spPr>
-        <p:txBody>
-          <a:bodyPr lIns="0" rIns="0" tIns="0" bIns="0">
-            <a:noAutofit/>
-          </a:bodyPr>
-          <a:p>
-            <a:pPr algn="r"/>
-            <a:fld id="{0D4EDF4A-04EC-4ADC-B1DE-9800D75381D7}" type="slidenum">
-              <a:rPr b="0" lang="en-US" sz="1400" spc="-1" strike="noStrike">
-                <a:latin typeface="Times New Roman"/>
-              </a:rPr>
-              <a:t>&lt;number&gt;</a:t>
-            </a:fld>
-            <a:endParaRPr b="0" lang="en-US" sz="1400" spc="-1" strike="noStrike">
-              <a:latin typeface="Times New Roman"/>
+            <a:endParaRPr lang="en-US" sz="1800" b="0" strike="noStrike" spc="-1" dirty="0">
+              <a:solidFill>
+                <a:srgbClr val="3465A4"/>
+              </a:solidFill>
+              <a:latin typeface="Arial"/>
             </a:endParaRPr>
           </a:p>
         </p:txBody>
       </p:sp>
     </p:spTree>
   </p:cSld>
-  <p:clrMap bg1="lt1" bg2="lt2" tx1="dk1" tx2="dk2" accent1="accent1" accent2="accent2" accent3="accent3" accent4="accent4" accent5="accent5" accent6="accent6" hlink="hlink" folHlink="folHlink"/>
-  <p:sldLayoutIdLst>
-    <p:sldLayoutId id="2147483662" r:id="rId2"/>
-    <p:sldLayoutId id="2147483663" r:id="rId3"/>
-    <p:sldLayoutId id="2147483664" r:id="rId4"/>
-    <p:sldLayoutId id="2147483665" r:id="rId5"/>
-    <p:sldLayoutId id="2147483666" r:id="rId6"/>
-    <p:sldLayoutId id="2147483667" r:id="rId7"/>
-    <p:sldLayoutId id="2147483668" r:id="rId8"/>
-    <p:sldLayoutId id="2147483669" r:id="rId9"/>
-    <p:sldLayoutId id="2147483670" r:id="rId10"/>
-    <p:sldLayoutId id="2147483671" r:id="rId11"/>
-    <p:sldLayoutId id="2147483672" r:id="rId12"/>
-    <p:sldLayoutId id="2147483673" r:id="rId13"/>
-  </p:sldLayoutIdLst>
-</p:sldMaster>
+  <p:clrMapOvr>
+    <a:masterClrMapping/>
+  </p:clrMapOvr>
+  <p:timing>
+    <p:tnLst>
+      <p:par>
+        <p:cTn id="1" dur="indefinite" restart="never" nodeType="tmRoot">
+          <p:childTnLst>
+            <p:seq>
+              <p:cTn id="2" dur="indefinite" nodeType="mainSeq"/>
+              <p:prevCondLst>
+                <p:cond evt="onPrev" delay="0">
+                  <p:tgtEl>
+                    <p:sldTgt/>
+                  </p:tgtEl>
+                </p:cond>
+              </p:prevCondLst>
+              <p:nextCondLst>
+                <p:cond evt="onNext" delay="0">
+                  <p:tgtEl>
+                    <p:sldTgt/>
+                  </p:tgtEl>
+                </p:cond>
+              </p:nextCondLst>
+            </p:seq>
+          </p:childTnLst>
+        </p:cTn>
+      </p:par>
+    </p:tnLst>
+  </p:timing>
+</p:sld>
 </file>
 
-<file path=ppt/slides/slide1.xml><?xml version="1.0" encoding="utf-8"?>
-<p:sld xmlns:a="http://schemas.openxmlformats.org/drawingml/2006/main" xmlns:p="http://schemas.openxmlformats.org/presentationml/2006/main" xmlns:r="http://schemas.openxmlformats.org/officeDocument/2006/relationships" xmlns:p14="http://schemas.microsoft.com/office/powerpoint/2010/main" xmlns:p15="http://schemas.microsoft.com/office/powerpoint/2012/main" xmlns:mc="http://schemas.openxmlformats.org/markup-compatibility/2006">
+<file path=ppt/slides/slide10.xml><?xml version="1.0" encoding="utf-8"?>
+<p:sld xmlns:a="http://schemas.openxmlformats.org/drawingml/2006/main" xmlns:r="http://schemas.openxmlformats.org/officeDocument/2006/relationships" xmlns:p="http://schemas.openxmlformats.org/presentationml/2006/main">
   <p:cSld>
     <p:spTree>
       <p:nvGrpSpPr>
@@ -3833,14 +4770,14 @@
       </p:grpSpPr>
       <p:sp>
         <p:nvSpPr>
-          <p:cNvPr id="85" name="TextShape 1"/>
+          <p:cNvPr id="107" name="TextShape 1"/>
           <p:cNvSpPr txBox="1"/>
           <p:nvPr/>
         </p:nvSpPr>
         <p:spPr>
           <a:xfrm>
-            <a:off x="803880" y="2578320"/>
-            <a:ext cx="9071640" cy="1262160"/>
+            <a:off x="504000" y="301320"/>
+            <a:ext cx="9071640" cy="637560"/>
           </a:xfrm>
           <a:prstGeom prst="rect">
             <a:avLst/>
@@ -3851,43 +4788,38 @@
           </a:ln>
         </p:spPr>
         <p:txBody>
-          <a:bodyPr lIns="0" rIns="0" tIns="0" bIns="0" anchor="ctr">
+          <a:bodyPr lIns="0" tIns="0" rIns="0" bIns="0" anchor="ctr">
             <a:spAutoFit/>
           </a:bodyPr>
+          <a:lstStyle/>
           <a:p>
             <a:pPr algn="ctr"/>
             <a:r>
-              <a:rPr b="0" lang="en-US" sz="4400" spc="-1" strike="noStrike">
+              <a:rPr lang="en-US" sz="4400" b="0" strike="noStrike" spc="-1">
                 <a:solidFill>
-                  <a:srgbClr val="006699"/>
+                  <a:srgbClr val="FFFFFF"/>
                 </a:solidFill>
                 <a:latin typeface="Arial"/>
               </a:rPr>
-              <a:t>Alabama Veterans Museum </a:t>
+              <a:t>Clearing Forms</a:t>
             </a:r>
-            <a:endParaRPr b="0" lang="en-US" sz="4400" spc="-1" strike="noStrike">
-              <a:solidFill>
-                <a:srgbClr val="006699"/>
-              </a:solidFill>
-              <a:latin typeface="Arial"/>
-            </a:endParaRPr>
           </a:p>
         </p:txBody>
       </p:sp>
       <p:pic>
         <p:nvPicPr>
-          <p:cNvPr id="86" name="Picture 3" descr=""/>
+          <p:cNvPr id="108" name="Picture 107"/>
           <p:cNvPicPr/>
           <p:nvPr/>
         </p:nvPicPr>
         <p:blipFill>
-          <a:blip r:embed="rId1"/>
+          <a:blip r:embed="rId2"/>
           <a:stretch/>
         </p:blipFill>
         <p:spPr>
           <a:xfrm>
-            <a:off x="2788560" y="1078560"/>
-            <a:ext cx="4844520" cy="1066320"/>
+            <a:off x="365760" y="1667880"/>
+            <a:ext cx="9387720" cy="4732920"/>
           </a:xfrm>
           <a:prstGeom prst="rect">
             <a:avLst/>
@@ -3899,14 +4831,14 @@
       </p:pic>
       <p:sp>
         <p:nvSpPr>
-          <p:cNvPr id="87" name="TextShape 2"/>
+          <p:cNvPr id="109" name="TextShape 2"/>
           <p:cNvSpPr txBox="1"/>
           <p:nvPr/>
         </p:nvSpPr>
         <p:spPr>
           <a:xfrm>
-            <a:off x="2578320" y="3904200"/>
-            <a:ext cx="5394960" cy="365760"/>
+            <a:off x="365760" y="1188720"/>
+            <a:ext cx="2743200" cy="346320"/>
           </a:xfrm>
           <a:prstGeom prst="rect">
             <a:avLst/>
@@ -3917,80 +4849,28 @@
           </a:ln>
         </p:spPr>
         <p:txBody>
-          <a:bodyPr lIns="90000" rIns="90000" tIns="45000" bIns="45000">
+          <a:bodyPr lIns="90000" tIns="45000" rIns="90000" bIns="45000">
             <a:spAutoFit/>
           </a:bodyPr>
+          <a:lstStyle/>
           <a:p>
             <a:r>
-              <a:rPr b="0" lang="en-US" sz="1800" spc="-1" strike="noStrike">
+              <a:rPr lang="en-US" sz="1800" b="0" strike="noStrike" spc="-1">
                 <a:solidFill>
-                  <a:srgbClr val="3465a4"/>
+                  <a:srgbClr val="3465A4"/>
                 </a:solidFill>
                 <a:latin typeface="Arial"/>
               </a:rPr>
-              <a:t>Presented by Phillip Owens and Nicholas Morgan</a:t>
+              <a:t>New GUI </a:t>
             </a:r>
-            <a:endParaRPr b="0" lang="en-US" sz="1800" spc="-1" strike="noStrike">
-              <a:solidFill>
-                <a:srgbClr val="3465a4"/>
-              </a:solidFill>
-              <a:latin typeface="Arial"/>
-            </a:endParaRPr>
-          </a:p>
-        </p:txBody>
-      </p:sp>
-      <p:sp>
-        <p:nvSpPr>
-          <p:cNvPr id="88" name="TextShape 3"/>
-          <p:cNvSpPr txBox="1"/>
-          <p:nvPr/>
-        </p:nvSpPr>
-        <p:spPr>
-          <a:xfrm>
-            <a:off x="4206240" y="4663440"/>
-            <a:ext cx="2377440" cy="346320"/>
-          </a:xfrm>
-          <a:prstGeom prst="rect">
-            <a:avLst/>
-          </a:prstGeom>
-          <a:noFill/>
-          <a:ln>
-            <a:noFill/>
-          </a:ln>
-        </p:spPr>
-        <p:txBody>
-          <a:bodyPr lIns="90000" rIns="90000" tIns="45000" bIns="45000">
-            <a:spAutoFit/>
-          </a:bodyPr>
-          <a:p>
-            <a:r>
-              <a:rPr b="0" lang="en-US" sz="1800" spc="-1" strike="noStrike">
-                <a:solidFill>
-                  <a:srgbClr val="3465a4"/>
-                </a:solidFill>
-                <a:latin typeface="Arial"/>
-              </a:rPr>
-              <a:t>Sprint 1 Presentation</a:t>
-            </a:r>
-            <a:endParaRPr b="0" lang="en-US" sz="1800" spc="-1" strike="noStrike">
-              <a:solidFill>
-                <a:srgbClr val="3465a4"/>
-              </a:solidFill>
-              <a:latin typeface="Arial"/>
-            </a:endParaRPr>
           </a:p>
         </p:txBody>
       </p:sp>
     </p:spTree>
   </p:cSld>
-  <mc:AlternateContent>
-    <mc:Choice Requires="p14">
-      <p:transition spd="slow" p14:dur="2000"/>
-    </mc:Choice>
-    <mc:Fallback>
-      <p:transition spd="slow"/>
-    </mc:Fallback>
-  </mc:AlternateContent>
+  <p:clrMapOvr>
+    <a:masterClrMapping/>
+  </p:clrMapOvr>
   <p:timing>
     <p:tnLst>
       <p:par>
@@ -3999,14 +4879,14 @@
             <p:seq>
               <p:cTn id="2" dur="indefinite" nodeType="mainSeq"/>
               <p:prevCondLst>
-                <p:cond delay="0" evt="onPrev">
+                <p:cond evt="onPrev" delay="0">
                   <p:tgtEl>
                     <p:sldTgt/>
                   </p:tgtEl>
                 </p:cond>
               </p:prevCondLst>
               <p:nextCondLst>
-                <p:cond delay="0" evt="onNext">
+                <p:cond evt="onNext" delay="0">
                   <p:tgtEl>
                     <p:sldTgt/>
                   </p:tgtEl>
@@ -4021,8 +4901,8 @@
 </p:sld>
 </file>
 
-<file path=ppt/slides/slide10.xml><?xml version="1.0" encoding="utf-8"?>
-<p:sld xmlns:a="http://schemas.openxmlformats.org/drawingml/2006/main" xmlns:p="http://schemas.openxmlformats.org/presentationml/2006/main" xmlns:r="http://schemas.openxmlformats.org/officeDocument/2006/relationships" xmlns:p14="http://schemas.microsoft.com/office/powerpoint/2010/main" xmlns:p15="http://schemas.microsoft.com/office/powerpoint/2012/main" xmlns:mc="http://schemas.openxmlformats.org/markup-compatibility/2006">
+<file path=ppt/slides/slide11.xml><?xml version="1.0" encoding="utf-8"?>
+<p:sld xmlns:a="http://schemas.openxmlformats.org/drawingml/2006/main" xmlns:r="http://schemas.openxmlformats.org/officeDocument/2006/relationships" xmlns:p="http://schemas.openxmlformats.org/presentationml/2006/main">
   <p:cSld>
     <p:spTree>
       <p:nvGrpSpPr>
@@ -4040,14 +4920,14 @@
       </p:grpSpPr>
       <p:sp>
         <p:nvSpPr>
-          <p:cNvPr id="107" name="TextShape 1"/>
+          <p:cNvPr id="110" name="TextShape 1"/>
           <p:cNvSpPr txBox="1"/>
           <p:nvPr/>
         </p:nvSpPr>
         <p:spPr>
           <a:xfrm>
-            <a:off x="504000" y="301320"/>
-            <a:ext cx="9071640" cy="637560"/>
+            <a:off x="504000" y="1769040"/>
+            <a:ext cx="9071640" cy="4384440"/>
           </a:xfrm>
           <a:prstGeom prst="rect">
             <a:avLst/>
@@ -4058,120 +4938,55 @@
           </a:ln>
         </p:spPr>
         <p:txBody>
-          <a:bodyPr lIns="0" rIns="0" tIns="0" bIns="0" anchor="ctr">
-            <a:spAutoFit/>
-          </a:bodyPr>
-          <a:p>
-            <a:pPr algn="ctr"/>
+          <a:bodyPr lIns="0" tIns="0" rIns="0" bIns="0" anchor="ctr">
+            <a:noAutofit/>
+          </a:bodyPr>
+          <a:lstStyle/>
+          <a:p>
+            <a:pPr marL="432000" indent="-324000" algn="ctr">
+              <a:spcBef>
+                <a:spcPts val="1417"/>
+              </a:spcBef>
+              <a:buClr>
+                <a:srgbClr val="000000"/>
+              </a:buClr>
+              <a:buSzPct val="45000"/>
+              <a:buFont typeface="Wingdings" charset="2"/>
+              <a:buChar char=""/>
+            </a:pPr>
             <a:r>
-              <a:rPr b="0" lang="en-US" sz="4400" spc="-1" strike="noStrike">
+              <a:rPr lang="en-US" sz="6000" b="0" strike="noStrike" spc="-1">
                 <a:solidFill>
-                  <a:srgbClr val="ffffff"/>
+                  <a:srgbClr val="0066CC"/>
                 </a:solidFill>
                 <a:latin typeface="Arial"/>
               </a:rPr>
-              <a:t>Clearing Forms</a:t>
+              <a:t>Thank You</a:t>
             </a:r>
-            <a:endParaRPr b="0" lang="en-US" sz="4400" spc="-1" strike="noStrike">
-              <a:solidFill>
-                <a:srgbClr val="ffffff"/>
-              </a:solidFill>
-              <a:latin typeface="Arial"/>
-            </a:endParaRPr>
-          </a:p>
-        </p:txBody>
-      </p:sp>
-      <p:pic>
-        <p:nvPicPr>
-          <p:cNvPr id="108" name="" descr=""/>
-          <p:cNvPicPr/>
-          <p:nvPr/>
-        </p:nvPicPr>
-        <p:blipFill>
-          <a:blip r:embed="rId1"/>
-          <a:stretch/>
-        </p:blipFill>
-        <p:spPr>
-          <a:xfrm>
-            <a:off x="365760" y="1667880"/>
-            <a:ext cx="9387720" cy="4732920"/>
-          </a:xfrm>
-          <a:prstGeom prst="rect">
-            <a:avLst/>
-          </a:prstGeom>
-          <a:ln>
-            <a:noFill/>
-          </a:ln>
-        </p:spPr>
-      </p:pic>
-      <p:sp>
-        <p:nvSpPr>
-          <p:cNvPr id="109" name="TextShape 2"/>
-          <p:cNvSpPr txBox="1"/>
-          <p:nvPr/>
-        </p:nvSpPr>
-        <p:spPr>
-          <a:xfrm>
-            <a:off x="365760" y="1188720"/>
-            <a:ext cx="2743200" cy="346320"/>
-          </a:xfrm>
-          <a:prstGeom prst="rect">
-            <a:avLst/>
-          </a:prstGeom>
-          <a:noFill/>
-          <a:ln>
-            <a:noFill/>
-          </a:ln>
-        </p:spPr>
-        <p:txBody>
-          <a:bodyPr lIns="90000" rIns="90000" tIns="45000" bIns="45000">
-            <a:spAutoFit/>
-          </a:bodyPr>
-          <a:p>
-            <a:r>
-              <a:rPr b="0" lang="en-US" sz="1800" spc="-1" strike="noStrike">
-                <a:solidFill>
-                  <a:srgbClr val="3465a4"/>
-                </a:solidFill>
-                <a:latin typeface="Arial"/>
-              </a:rPr>
-              <a:t>New GUI </a:t>
-            </a:r>
-            <a:endParaRPr b="0" lang="en-US" sz="1800" spc="-1" strike="noStrike">
-              <a:solidFill>
-                <a:srgbClr val="3465a4"/>
-              </a:solidFill>
-              <a:latin typeface="Arial"/>
-            </a:endParaRPr>
           </a:p>
         </p:txBody>
       </p:sp>
     </p:spTree>
   </p:cSld>
-  <mc:AlternateContent>
-    <mc:Choice Requires="p14">
-      <p:transition spd="slow" p14:dur="2000"/>
-    </mc:Choice>
-    <mc:Fallback>
-      <p:transition spd="slow"/>
-    </mc:Fallback>
-  </mc:AlternateContent>
+  <p:clrMapOvr>
+    <a:masterClrMapping/>
+  </p:clrMapOvr>
   <p:timing>
     <p:tnLst>
       <p:par>
-        <p:cTn id="19" dur="indefinite" restart="never" nodeType="tmRoot">
+        <p:cTn id="1" dur="indefinite" restart="never" nodeType="tmRoot">
           <p:childTnLst>
             <p:seq>
-              <p:cTn id="20" dur="indefinite" nodeType="mainSeq"/>
+              <p:cTn id="2" dur="indefinite" nodeType="mainSeq"/>
               <p:prevCondLst>
-                <p:cond delay="0" evt="onPrev">
+                <p:cond evt="onPrev" delay="0">
                   <p:tgtEl>
                     <p:sldTgt/>
                   </p:tgtEl>
                 </p:cond>
               </p:prevCondLst>
               <p:nextCondLst>
-                <p:cond delay="0" evt="onNext">
+                <p:cond evt="onNext" delay="0">
                   <p:tgtEl>
                     <p:sldTgt/>
                   </p:tgtEl>
@@ -4186,8 +5001,8 @@
 </p:sld>
 </file>
 
-<file path=ppt/slides/slide11.xml><?xml version="1.0" encoding="utf-8"?>
-<p:sld xmlns:a="http://schemas.openxmlformats.org/drawingml/2006/main" xmlns:p="http://schemas.openxmlformats.org/presentationml/2006/main" xmlns:r="http://schemas.openxmlformats.org/officeDocument/2006/relationships" xmlns:p14="http://schemas.microsoft.com/office/powerpoint/2010/main" xmlns:p15="http://schemas.microsoft.com/office/powerpoint/2012/main" xmlns:mc="http://schemas.openxmlformats.org/markup-compatibility/2006">
+<file path=ppt/slides/slide2.xml><?xml version="1.0" encoding="utf-8"?>
+<p:sld xmlns:a="http://schemas.openxmlformats.org/drawingml/2006/main" xmlns:r="http://schemas.openxmlformats.org/officeDocument/2006/relationships" xmlns:p="http://schemas.openxmlformats.org/presentationml/2006/main">
   <p:cSld>
     <p:spTree>
       <p:nvGrpSpPr>
@@ -4205,14 +5020,14 @@
       </p:grpSpPr>
       <p:sp>
         <p:nvSpPr>
-          <p:cNvPr id="110" name="TextShape 1"/>
+          <p:cNvPr id="89" name="TextShape 1"/>
           <p:cNvSpPr txBox="1"/>
           <p:nvPr/>
         </p:nvSpPr>
         <p:spPr>
           <a:xfrm>
-            <a:off x="504000" y="1769040"/>
-            <a:ext cx="9071640" cy="4384440"/>
+            <a:off x="504000" y="301320"/>
+            <a:ext cx="9071640" cy="637560"/>
           </a:xfrm>
           <a:prstGeom prst="rect">
             <a:avLst/>
@@ -4223,11 +5038,50 @@
           </a:ln>
         </p:spPr>
         <p:txBody>
-          <a:bodyPr lIns="0" rIns="0" tIns="0" bIns="0" anchor="ctr">
+          <a:bodyPr lIns="0" tIns="0" rIns="0" bIns="0" anchor="ctr">
+            <a:spAutoFit/>
+          </a:bodyPr>
+          <a:lstStyle/>
+          <a:p>
+            <a:pPr algn="ctr"/>
+            <a:r>
+              <a:rPr lang="en-US" sz="3600" b="0" strike="noStrike" spc="-1">
+                <a:solidFill>
+                  <a:srgbClr val="FFFFFF"/>
+                </a:solidFill>
+                <a:latin typeface="Arial"/>
+              </a:rPr>
+              <a:t>The Project and Requested Changes</a:t>
+            </a:r>
+          </a:p>
+        </p:txBody>
+      </p:sp>
+      <p:sp>
+        <p:nvSpPr>
+          <p:cNvPr id="90" name="TextShape 2"/>
+          <p:cNvSpPr txBox="1"/>
+          <p:nvPr/>
+        </p:nvSpPr>
+        <p:spPr>
+          <a:xfrm>
+            <a:off x="457200" y="1280160"/>
+            <a:ext cx="9071640" cy="4384440"/>
+          </a:xfrm>
+          <a:prstGeom prst="rect">
+            <a:avLst/>
+          </a:prstGeom>
+          <a:noFill/>
+          <a:ln>
+            <a:noFill/>
+          </a:ln>
+        </p:spPr>
+        <p:txBody>
+          <a:bodyPr lIns="0" tIns="0" rIns="0" bIns="0">
             <a:noAutofit/>
           </a:bodyPr>
-          <a:p>
-            <a:pPr marL="432000" indent="-324000" algn="ctr">
+          <a:lstStyle/>
+          <a:p>
+            <a:pPr marL="432000" indent="-324000">
               <a:spcBef>
                 <a:spcPts val="1417"/>
               </a:spcBef>
@@ -4239,49 +5093,148 @@
               <a:buChar char=""/>
             </a:pPr>
             <a:r>
-              <a:rPr b="0" lang="en-US" sz="6000" spc="-1" strike="noStrike">
+              <a:rPr lang="en-US" sz="2000" b="0" strike="noStrike" spc="-1">
                 <a:solidFill>
-                  <a:srgbClr val="0066cc"/>
+                  <a:srgbClr val="0066CC"/>
                 </a:solidFill>
                 <a:latin typeface="Arial"/>
               </a:rPr>
-              <a:t>Thank You</a:t>
+              <a:t>The Alabama Veterans Museum project consisted of a GUI front-end to an SQL database for deceased veterans created by a previous team from Athens State University.</a:t>
             </a:r>
-            <a:endParaRPr b="0" lang="en-US" sz="6000" spc="-1" strike="noStrike">
-              <a:solidFill>
-                <a:srgbClr val="0066cc"/>
-              </a:solidFill>
-              <a:latin typeface="Arial"/>
-            </a:endParaRPr>
+          </a:p>
+          <a:p>
+            <a:pPr marL="432000" indent="-324000">
+              <a:spcBef>
+                <a:spcPts val="1417"/>
+              </a:spcBef>
+              <a:buClr>
+                <a:srgbClr val="000000"/>
+              </a:buClr>
+              <a:buSzPct val="45000"/>
+              <a:buFont typeface="Wingdings" charset="2"/>
+              <a:buChar char=""/>
+            </a:pPr>
+            <a:r>
+              <a:rPr lang="en-US" sz="2000" b="0" strike="noStrike" spc="-1">
+                <a:solidFill>
+                  <a:srgbClr val="0066CC"/>
+                </a:solidFill>
+                <a:latin typeface="Arial"/>
+              </a:rPr>
+              <a:t>The Museum Administration requested several additional items be added to the application.</a:t>
+            </a:r>
+          </a:p>
+          <a:p>
+            <a:pPr marL="432000" indent="-324000">
+              <a:spcBef>
+                <a:spcPts val="1417"/>
+              </a:spcBef>
+              <a:buClr>
+                <a:srgbClr val="000000"/>
+              </a:buClr>
+              <a:buSzPct val="45000"/>
+              <a:buFont typeface="Wingdings" charset="2"/>
+              <a:buChar char=""/>
+            </a:pPr>
+            <a:r>
+              <a:rPr lang="en-US" sz="2000" b="0" strike="noStrike" spc="-1">
+                <a:solidFill>
+                  <a:srgbClr val="0066CC"/>
+                </a:solidFill>
+                <a:latin typeface="Arial"/>
+              </a:rPr>
+              <a:t>A solution for automatically backing up the application’s SQL data was required.</a:t>
+            </a:r>
+          </a:p>
+          <a:p>
+            <a:pPr marL="432000" indent="-324000">
+              <a:spcBef>
+                <a:spcPts val="1417"/>
+              </a:spcBef>
+              <a:buClr>
+                <a:srgbClr val="000000"/>
+              </a:buClr>
+              <a:buSzPct val="45000"/>
+              <a:buFont typeface="Wingdings" charset="2"/>
+              <a:buChar char=""/>
+            </a:pPr>
+            <a:r>
+              <a:rPr lang="en-US" sz="2000" b="0" strike="noStrike" spc="-1">
+                <a:solidFill>
+                  <a:srgbClr val="0066CC"/>
+                </a:solidFill>
+                <a:latin typeface="Arial"/>
+              </a:rPr>
+              <a:t>Notification that data had been successfully saved was requested.</a:t>
+            </a:r>
+          </a:p>
+          <a:p>
+            <a:pPr marL="432000" indent="-324000">
+              <a:spcBef>
+                <a:spcPts val="1417"/>
+              </a:spcBef>
+              <a:buClr>
+                <a:srgbClr val="000000"/>
+              </a:buClr>
+              <a:buSzPct val="45000"/>
+              <a:buFont typeface="Wingdings" charset="2"/>
+              <a:buChar char=""/>
+            </a:pPr>
+            <a:r>
+              <a:rPr lang="en-US" sz="2000" b="0" strike="noStrike" spc="-1">
+                <a:solidFill>
+                  <a:srgbClr val="0066CC"/>
+                </a:solidFill>
+                <a:latin typeface="Arial"/>
+              </a:rPr>
+              <a:t>The ability to clear previous data from forms when starting a new record was also requested.</a:t>
+            </a:r>
+          </a:p>
+          <a:p>
+            <a:pPr marL="432000" indent="-324000">
+              <a:spcBef>
+                <a:spcPts val="1417"/>
+              </a:spcBef>
+              <a:buClr>
+                <a:srgbClr val="000000"/>
+              </a:buClr>
+              <a:buSzPct val="45000"/>
+              <a:buFont typeface="Wingdings" charset="2"/>
+              <a:buChar char=""/>
+            </a:pPr>
+            <a:r>
+              <a:rPr lang="en-US" sz="2000" b="0" strike="noStrike" spc="-1">
+                <a:solidFill>
+                  <a:srgbClr val="0066CC"/>
+                </a:solidFill>
+                <a:latin typeface="Arial"/>
+              </a:rPr>
+              <a:t>Problems with displaying the User Guide from the original project needed to be addressed</a:t>
+            </a:r>
           </a:p>
         </p:txBody>
       </p:sp>
     </p:spTree>
   </p:cSld>
-  <mc:AlternateContent>
-    <mc:Choice Requires="p14">
-      <p:transition spd="slow" p14:dur="2000"/>
-    </mc:Choice>
-    <mc:Fallback>
-      <p:transition spd="slow"/>
-    </mc:Fallback>
-  </mc:AlternateContent>
+  <p:clrMapOvr>
+    <a:masterClrMapping/>
+  </p:clrMapOvr>
   <p:timing>
     <p:tnLst>
       <p:par>
-        <p:cTn id="21" dur="indefinite" restart="never" nodeType="tmRoot">
+        <p:cTn id="1" dur="indefinite" restart="never" nodeType="tmRoot">
           <p:childTnLst>
             <p:seq>
-              <p:cTn id="22" dur="indefinite" nodeType="mainSeq"/>
+              <p:cTn id="2" dur="indefinite" nodeType="mainSeq"/>
               <p:prevCondLst>
-                <p:cond delay="0" evt="onPrev">
+                <p:cond evt="onPrev" delay="0">
                   <p:tgtEl>
                     <p:sldTgt/>
                   </p:tgtEl>
                 </p:cond>
               </p:prevCondLst>
               <p:nextCondLst>
-                <p:cond delay="0" evt="onNext">
+                <p:cond evt="onNext" delay="0">
                   <p:tgtEl>
                     <p:sldTgt/>
                   </p:tgtEl>
@@ -4296,8 +5249,8 @@
 </p:sld>
 </file>
 
-<file path=ppt/slides/slide2.xml><?xml version="1.0" encoding="utf-8"?>
-<p:sld xmlns:a="http://schemas.openxmlformats.org/drawingml/2006/main" xmlns:p="http://schemas.openxmlformats.org/presentationml/2006/main" xmlns:r="http://schemas.openxmlformats.org/officeDocument/2006/relationships" xmlns:p14="http://schemas.microsoft.com/office/powerpoint/2010/main" xmlns:p15="http://schemas.microsoft.com/office/powerpoint/2012/main" xmlns:mc="http://schemas.openxmlformats.org/markup-compatibility/2006">
+<file path=ppt/slides/slide3.xml><?xml version="1.0" encoding="utf-8"?>
+<p:sld xmlns:a="http://schemas.openxmlformats.org/drawingml/2006/main" xmlns:r="http://schemas.openxmlformats.org/officeDocument/2006/relationships" xmlns:p="http://schemas.openxmlformats.org/presentationml/2006/main">
   <p:cSld>
     <p:spTree>
       <p:nvGrpSpPr>
@@ -4315,7 +5268,7 @@
       </p:grpSpPr>
       <p:sp>
         <p:nvSpPr>
-          <p:cNvPr id="89" name="TextShape 1"/>
+          <p:cNvPr id="91" name="TextShape 1"/>
           <p:cNvSpPr txBox="1"/>
           <p:nvPr/>
         </p:nvSpPr>
@@ -4333,38 +5286,33 @@
           </a:ln>
         </p:spPr>
         <p:txBody>
-          <a:bodyPr lIns="0" rIns="0" tIns="0" bIns="0" anchor="ctr">
+          <a:bodyPr lIns="0" tIns="0" rIns="0" bIns="0" anchor="ctr">
             <a:spAutoFit/>
           </a:bodyPr>
+          <a:lstStyle/>
           <a:p>
             <a:pPr algn="ctr"/>
             <a:r>
-              <a:rPr b="0" lang="en-US" sz="3600" spc="-1" strike="noStrike">
+              <a:rPr lang="en-US" sz="4400" b="0" strike="noStrike" spc="-1">
                 <a:solidFill>
-                  <a:srgbClr val="ffffff"/>
+                  <a:srgbClr val="FFFFFF"/>
                 </a:solidFill>
                 <a:latin typeface="Arial"/>
               </a:rPr>
-              <a:t>The Project and Requested Changes</a:t>
+              <a:t>Solutions</a:t>
             </a:r>
-            <a:endParaRPr b="0" lang="en-US" sz="3600" spc="-1" strike="noStrike">
-              <a:solidFill>
-                <a:srgbClr val="ffffff"/>
-              </a:solidFill>
-              <a:latin typeface="Arial"/>
-            </a:endParaRPr>
-          </a:p>
-        </p:txBody>
-      </p:sp>
-      <p:sp>
-        <p:nvSpPr>
-          <p:cNvPr id="90" name="TextShape 2"/>
+          </a:p>
+        </p:txBody>
+      </p:sp>
+      <p:sp>
+        <p:nvSpPr>
+          <p:cNvPr id="92" name="TextShape 2"/>
           <p:cNvSpPr txBox="1"/>
           <p:nvPr/>
         </p:nvSpPr>
         <p:spPr>
           <a:xfrm>
-            <a:off x="457200" y="1280160"/>
+            <a:off x="504000" y="1769040"/>
             <a:ext cx="9071640" cy="4384440"/>
           </a:xfrm>
           <a:prstGeom prst="rect">
@@ -4376,9 +5324,10 @@
           </a:ln>
         </p:spPr>
         <p:txBody>
-          <a:bodyPr lIns="0" rIns="0" tIns="0" bIns="0">
+          <a:bodyPr lIns="0" tIns="0" rIns="0" bIns="0">
             <a:noAutofit/>
           </a:bodyPr>
+          <a:lstStyle/>
           <a:p>
             <a:pPr marL="432000" indent="-324000">
               <a:spcBef>
@@ -4392,20 +5341,14 @@
               <a:buChar char=""/>
             </a:pPr>
             <a:r>
-              <a:rPr b="0" lang="en-US" sz="2000" spc="-1" strike="noStrike">
+              <a:rPr lang="en-US" sz="2600" b="0" strike="noStrike" spc="-1">
                 <a:solidFill>
-                  <a:srgbClr val="0066cc"/>
+                  <a:srgbClr val="0066CC"/>
                 </a:solidFill>
                 <a:latin typeface="Arial"/>
               </a:rPr>
-              <a:t>The Alabama Veterans Museum project consisted of a GUI front-end to an SQL database for deceased veterans created by a previous team from Athens State University.</a:t>
+              <a:t>Creating a backup solution which could be used for both remote and local scheduled backups.</a:t>
             </a:r>
-            <a:endParaRPr b="0" lang="en-US" sz="2000" spc="-1" strike="noStrike">
-              <a:solidFill>
-                <a:srgbClr val="0066cc"/>
-              </a:solidFill>
-              <a:latin typeface="Arial"/>
-            </a:endParaRPr>
           </a:p>
           <a:p>
             <a:pPr marL="432000" indent="-324000">
@@ -4420,20 +5363,14 @@
               <a:buChar char=""/>
             </a:pPr>
             <a:r>
-              <a:rPr b="0" lang="en-US" sz="2000" spc="-1" strike="noStrike">
+              <a:rPr lang="en-US" sz="2600" b="0" strike="noStrike" spc="-1">
                 <a:solidFill>
-                  <a:srgbClr val="0066cc"/>
+                  <a:srgbClr val="0066CC"/>
                 </a:solidFill>
                 <a:latin typeface="Arial"/>
               </a:rPr>
-              <a:t>The Museum Administration requested several additional items be added to the application.</a:t>
+              <a:t>Altering the application to add the appropriate controls to the GUI for clearing the forms.</a:t>
             </a:r>
-            <a:endParaRPr b="0" lang="en-US" sz="2000" spc="-1" strike="noStrike">
-              <a:solidFill>
-                <a:srgbClr val="0066cc"/>
-              </a:solidFill>
-              <a:latin typeface="Arial"/>
-            </a:endParaRPr>
           </a:p>
           <a:p>
             <a:pPr marL="432000" indent="-324000">
@@ -4448,20 +5385,14 @@
               <a:buChar char=""/>
             </a:pPr>
             <a:r>
-              <a:rPr b="0" lang="en-US" sz="2000" spc="-1" strike="noStrike">
+              <a:rPr lang="en-US" sz="2600" b="0" strike="noStrike" spc="-1">
                 <a:solidFill>
-                  <a:srgbClr val="0066cc"/>
+                  <a:srgbClr val="0066CC"/>
                 </a:solidFill>
                 <a:latin typeface="Arial"/>
               </a:rPr>
-              <a:t>A solution for automatically backing up the application’s SQL data was required.</a:t>
+              <a:t>Adding feedback points to confirm that data was successfully saved .</a:t>
             </a:r>
-            <a:endParaRPr b="0" lang="en-US" sz="2000" spc="-1" strike="noStrike">
-              <a:solidFill>
-                <a:srgbClr val="0066cc"/>
-              </a:solidFill>
-              <a:latin typeface="Arial"/>
-            </a:endParaRPr>
           </a:p>
           <a:p>
             <a:pPr marL="432000" indent="-324000">
@@ -4476,105 +5407,75 @@
               <a:buChar char=""/>
             </a:pPr>
             <a:r>
-              <a:rPr b="0" lang="en-US" sz="2000" spc="-1" strike="noStrike">
+              <a:rPr lang="en-US" sz="2600" b="0" strike="noStrike" spc="-1">
                 <a:solidFill>
-                  <a:srgbClr val="0066cc"/>
+                  <a:srgbClr val="0066CC"/>
                 </a:solidFill>
                 <a:latin typeface="Arial"/>
               </a:rPr>
-              <a:t>Notification that data had been successfully saved was requested.</a:t>
+              <a:t>Correcting broken links to the Application Users Guide.</a:t>
             </a:r>
-            <a:endParaRPr b="0" lang="en-US" sz="2000" spc="-1" strike="noStrike">
-              <a:solidFill>
-                <a:srgbClr val="0066cc"/>
-              </a:solidFill>
-              <a:latin typeface="Arial"/>
-            </a:endParaRPr>
-          </a:p>
-          <a:p>
-            <a:pPr marL="432000" indent="-324000">
-              <a:spcBef>
-                <a:spcPts val="1417"/>
-              </a:spcBef>
-              <a:buClr>
-                <a:srgbClr val="000000"/>
-              </a:buClr>
-              <a:buSzPct val="45000"/>
-              <a:buFont typeface="Wingdings" charset="2"/>
-              <a:buChar char=""/>
-            </a:pPr>
+          </a:p>
+        </p:txBody>
+      </p:sp>
+      <p:sp>
+        <p:nvSpPr>
+          <p:cNvPr id="93" name="TextShape 3"/>
+          <p:cNvSpPr txBox="1"/>
+          <p:nvPr/>
+        </p:nvSpPr>
+        <p:spPr>
+          <a:xfrm>
+            <a:off x="640080" y="1188720"/>
+            <a:ext cx="5852160" cy="459360"/>
+          </a:xfrm>
+          <a:prstGeom prst="rect">
+            <a:avLst/>
+          </a:prstGeom>
+          <a:noFill/>
+          <a:ln>
+            <a:noFill/>
+          </a:ln>
+        </p:spPr>
+        <p:txBody>
+          <a:bodyPr lIns="90000" tIns="45000" rIns="90000" bIns="45000">
+            <a:spAutoFit/>
+          </a:bodyPr>
+          <a:lstStyle/>
+          <a:p>
             <a:r>
-              <a:rPr b="0" lang="en-US" sz="2000" spc="-1" strike="noStrike">
+              <a:rPr lang="en-US" sz="2600" b="0" strike="noStrike" spc="-1">
                 <a:solidFill>
-                  <a:srgbClr val="0066cc"/>
+                  <a:srgbClr val="5983B0"/>
                 </a:solidFill>
                 <a:latin typeface="Arial"/>
               </a:rPr>
-              <a:t>The ability to clear previous data from forms when starting a new record was also requested.</a:t>
+              <a:t>Sprint 1 Goals</a:t>
             </a:r>
-            <a:endParaRPr b="0" lang="en-US" sz="2000" spc="-1" strike="noStrike">
-              <a:solidFill>
-                <a:srgbClr val="0066cc"/>
-              </a:solidFill>
-              <a:latin typeface="Arial"/>
-            </a:endParaRPr>
-          </a:p>
-          <a:p>
-            <a:pPr marL="432000" indent="-324000">
-              <a:spcBef>
-                <a:spcPts val="1417"/>
-              </a:spcBef>
-              <a:buClr>
-                <a:srgbClr val="000000"/>
-              </a:buClr>
-              <a:buSzPct val="45000"/>
-              <a:buFont typeface="Wingdings" charset="2"/>
-              <a:buChar char=""/>
-            </a:pPr>
-            <a:r>
-              <a:rPr b="0" lang="en-US" sz="2000" spc="-1" strike="noStrike">
-                <a:solidFill>
-                  <a:srgbClr val="0066cc"/>
-                </a:solidFill>
-                <a:latin typeface="Arial"/>
-              </a:rPr>
-              <a:t>Problems with displaying the User Guide from the original project needed to be addressed</a:t>
-            </a:r>
-            <a:endParaRPr b="0" lang="en-US" sz="2000" spc="-1" strike="noStrike">
-              <a:solidFill>
-                <a:srgbClr val="0066cc"/>
-              </a:solidFill>
-              <a:latin typeface="Arial"/>
-            </a:endParaRPr>
           </a:p>
         </p:txBody>
       </p:sp>
     </p:spTree>
   </p:cSld>
-  <mc:AlternateContent>
-    <mc:Choice Requires="p14">
-      <p:transition spd="slow" p14:dur="2000"/>
-    </mc:Choice>
-    <mc:Fallback>
-      <p:transition spd="slow"/>
-    </mc:Fallback>
-  </mc:AlternateContent>
+  <p:clrMapOvr>
+    <a:masterClrMapping/>
+  </p:clrMapOvr>
   <p:timing>
     <p:tnLst>
       <p:par>
-        <p:cTn id="3" dur="indefinite" restart="never" nodeType="tmRoot">
+        <p:cTn id="1" dur="indefinite" restart="never" nodeType="tmRoot">
           <p:childTnLst>
             <p:seq>
-              <p:cTn id="4" dur="indefinite" nodeType="mainSeq"/>
+              <p:cTn id="2" dur="indefinite" nodeType="mainSeq"/>
               <p:prevCondLst>
-                <p:cond delay="0" evt="onPrev">
+                <p:cond evt="onPrev" delay="0">
                   <p:tgtEl>
                     <p:sldTgt/>
                   </p:tgtEl>
                 </p:cond>
               </p:prevCondLst>
               <p:nextCondLst>
-                <p:cond delay="0" evt="onNext">
+                <p:cond evt="onNext" delay="0">
                   <p:tgtEl>
                     <p:sldTgt/>
                   </p:tgtEl>
@@ -4589,8 +5490,8 @@
 </p:sld>
 </file>
 
-<file path=ppt/slides/slide3.xml><?xml version="1.0" encoding="utf-8"?>
-<p:sld xmlns:a="http://schemas.openxmlformats.org/drawingml/2006/main" xmlns:p="http://schemas.openxmlformats.org/presentationml/2006/main" xmlns:r="http://schemas.openxmlformats.org/officeDocument/2006/relationships" xmlns:p14="http://schemas.microsoft.com/office/powerpoint/2010/main" xmlns:p15="http://schemas.microsoft.com/office/powerpoint/2012/main" xmlns:mc="http://schemas.openxmlformats.org/markup-compatibility/2006">
+<file path=ppt/slides/slide4.xml><?xml version="1.0" encoding="utf-8"?>
+<p:sld xmlns:a="http://schemas.openxmlformats.org/drawingml/2006/main" xmlns:r="http://schemas.openxmlformats.org/officeDocument/2006/relationships" xmlns:p="http://schemas.openxmlformats.org/presentationml/2006/main">
   <p:cSld>
     <p:spTree>
       <p:nvGrpSpPr>
@@ -4608,7 +5509,7 @@
       </p:grpSpPr>
       <p:sp>
         <p:nvSpPr>
-          <p:cNvPr id="91" name="TextShape 1"/>
+          <p:cNvPr id="94" name="TextShape 1"/>
           <p:cNvSpPr txBox="1"/>
           <p:nvPr/>
         </p:nvSpPr>
@@ -4626,234 +5527,68 @@
           </a:ln>
         </p:spPr>
         <p:txBody>
-          <a:bodyPr lIns="0" rIns="0" tIns="0" bIns="0" anchor="ctr">
+          <a:bodyPr lIns="0" tIns="0" rIns="0" bIns="0" anchor="ctr">
             <a:spAutoFit/>
           </a:bodyPr>
+          <a:lstStyle/>
           <a:p>
             <a:pPr algn="ctr"/>
             <a:r>
-              <a:rPr b="0" lang="en-US" sz="4400" spc="-1" strike="noStrike">
+              <a:rPr lang="en-US" sz="4400" b="0" strike="noStrike" spc="-1">
                 <a:solidFill>
-                  <a:srgbClr val="ffffff"/>
+                  <a:srgbClr val="FFFFFF"/>
                 </a:solidFill>
                 <a:latin typeface="Arial"/>
               </a:rPr>
-              <a:t>Solutions</a:t>
+              <a:t>SQL Backup Solution</a:t>
             </a:r>
-            <a:endParaRPr b="0" lang="en-US" sz="4400" spc="-1" strike="noStrike">
-              <a:solidFill>
-                <a:srgbClr val="ffffff"/>
-              </a:solidFill>
-              <a:latin typeface="Arial"/>
-            </a:endParaRPr>
-          </a:p>
-        </p:txBody>
-      </p:sp>
-      <p:sp>
-        <p:nvSpPr>
-          <p:cNvPr id="92" name="TextShape 2"/>
-          <p:cNvSpPr txBox="1"/>
+          </a:p>
+        </p:txBody>
+      </p:sp>
+      <p:pic>
+        <p:nvPicPr>
+          <p:cNvPr id="95" name="Picture 94"/>
+          <p:cNvPicPr/>
           <p:nvPr/>
-        </p:nvSpPr>
-        <p:spPr>
-          <a:xfrm>
-            <a:off x="504000" y="1769040"/>
-            <a:ext cx="9071640" cy="4384440"/>
-          </a:xfrm>
-          <a:prstGeom prst="rect">
-            <a:avLst/>
-          </a:prstGeom>
-          <a:noFill/>
+        </p:nvPicPr>
+        <p:blipFill>
+          <a:blip r:embed="rId2"/>
+          <a:stretch/>
+        </p:blipFill>
+        <p:spPr>
+          <a:xfrm>
+            <a:off x="299880" y="1188720"/>
+            <a:ext cx="9484200" cy="4781520"/>
+          </a:xfrm>
+          <a:prstGeom prst="rect">
+            <a:avLst/>
+          </a:prstGeom>
           <a:ln>
             <a:noFill/>
           </a:ln>
         </p:spPr>
-        <p:txBody>
-          <a:bodyPr lIns="0" rIns="0" tIns="0" bIns="0">
-            <a:noAutofit/>
-          </a:bodyPr>
-          <a:p>
-            <a:pPr marL="432000" indent="-324000">
-              <a:spcBef>
-                <a:spcPts val="1417"/>
-              </a:spcBef>
-              <a:buClr>
-                <a:srgbClr val="000000"/>
-              </a:buClr>
-              <a:buSzPct val="45000"/>
-              <a:buFont typeface="Wingdings" charset="2"/>
-              <a:buChar char=""/>
-            </a:pPr>
-            <a:r>
-              <a:rPr b="0" lang="en-US" sz="2600" spc="-1" strike="noStrike">
-                <a:solidFill>
-                  <a:srgbClr val="0066cc"/>
-                </a:solidFill>
-                <a:latin typeface="Arial"/>
-              </a:rPr>
-              <a:t>Creating a backup solution which could be used for both remote and local scheduled backups.</a:t>
-            </a:r>
-            <a:endParaRPr b="0" lang="en-US" sz="2600" spc="-1" strike="noStrike">
-              <a:solidFill>
-                <a:srgbClr val="0066cc"/>
-              </a:solidFill>
-              <a:latin typeface="Arial"/>
-            </a:endParaRPr>
-          </a:p>
-          <a:p>
-            <a:pPr marL="432000" indent="-324000">
-              <a:spcBef>
-                <a:spcPts val="1417"/>
-              </a:spcBef>
-              <a:buClr>
-                <a:srgbClr val="000000"/>
-              </a:buClr>
-              <a:buSzPct val="45000"/>
-              <a:buFont typeface="Wingdings" charset="2"/>
-              <a:buChar char=""/>
-            </a:pPr>
-            <a:r>
-              <a:rPr b="0" lang="en-US" sz="2600" spc="-1" strike="noStrike">
-                <a:solidFill>
-                  <a:srgbClr val="0066cc"/>
-                </a:solidFill>
-                <a:latin typeface="Arial"/>
-              </a:rPr>
-              <a:t>Altering the application to add the appropriate controls to the GUI for clearing the forms.</a:t>
-            </a:r>
-            <a:endParaRPr b="0" lang="en-US" sz="2600" spc="-1" strike="noStrike">
-              <a:solidFill>
-                <a:srgbClr val="0066cc"/>
-              </a:solidFill>
-              <a:latin typeface="Arial"/>
-            </a:endParaRPr>
-          </a:p>
-          <a:p>
-            <a:pPr marL="432000" indent="-324000">
-              <a:spcBef>
-                <a:spcPts val="1417"/>
-              </a:spcBef>
-              <a:buClr>
-                <a:srgbClr val="000000"/>
-              </a:buClr>
-              <a:buSzPct val="45000"/>
-              <a:buFont typeface="Wingdings" charset="2"/>
-              <a:buChar char=""/>
-            </a:pPr>
-            <a:r>
-              <a:rPr b="0" lang="en-US" sz="2600" spc="-1" strike="noStrike">
-                <a:solidFill>
-                  <a:srgbClr val="0066cc"/>
-                </a:solidFill>
-                <a:latin typeface="Arial"/>
-              </a:rPr>
-              <a:t>Adding feedback points to confirm that data was successfully saved .</a:t>
-            </a:r>
-            <a:endParaRPr b="0" lang="en-US" sz="2600" spc="-1" strike="noStrike">
-              <a:solidFill>
-                <a:srgbClr val="0066cc"/>
-              </a:solidFill>
-              <a:latin typeface="Arial"/>
-            </a:endParaRPr>
-          </a:p>
-          <a:p>
-            <a:pPr marL="432000" indent="-324000">
-              <a:spcBef>
-                <a:spcPts val="1417"/>
-              </a:spcBef>
-              <a:buClr>
-                <a:srgbClr val="000000"/>
-              </a:buClr>
-              <a:buSzPct val="45000"/>
-              <a:buFont typeface="Wingdings" charset="2"/>
-              <a:buChar char=""/>
-            </a:pPr>
-            <a:r>
-              <a:rPr b="0" lang="en-US" sz="2600" spc="-1" strike="noStrike">
-                <a:solidFill>
-                  <a:srgbClr val="0066cc"/>
-                </a:solidFill>
-                <a:latin typeface="Arial"/>
-              </a:rPr>
-              <a:t>Correcting broken links to the Application Users Guide.</a:t>
-            </a:r>
-            <a:endParaRPr b="0" lang="en-US" sz="2600" spc="-1" strike="noStrike">
-              <a:solidFill>
-                <a:srgbClr val="0066cc"/>
-              </a:solidFill>
-              <a:latin typeface="Arial"/>
-            </a:endParaRPr>
-          </a:p>
-        </p:txBody>
-      </p:sp>
-      <p:sp>
-        <p:nvSpPr>
-          <p:cNvPr id="93" name="TextShape 3"/>
-          <p:cNvSpPr txBox="1"/>
-          <p:nvPr/>
-        </p:nvSpPr>
-        <p:spPr>
-          <a:xfrm>
-            <a:off x="640080" y="1188720"/>
-            <a:ext cx="5852160" cy="459360"/>
-          </a:xfrm>
-          <a:prstGeom prst="rect">
-            <a:avLst/>
-          </a:prstGeom>
-          <a:noFill/>
-          <a:ln>
-            <a:noFill/>
-          </a:ln>
-        </p:spPr>
-        <p:txBody>
-          <a:bodyPr lIns="90000" rIns="90000" tIns="45000" bIns="45000">
-            <a:spAutoFit/>
-          </a:bodyPr>
-          <a:p>
-            <a:r>
-              <a:rPr b="0" lang="en-US" sz="2600" spc="-1" strike="noStrike">
-                <a:solidFill>
-                  <a:srgbClr val="5983b0"/>
-                </a:solidFill>
-                <a:latin typeface="Arial"/>
-              </a:rPr>
-              <a:t>Sprint 1 Goals</a:t>
-            </a:r>
-            <a:endParaRPr b="0" lang="en-US" sz="2600" spc="-1" strike="noStrike">
-              <a:solidFill>
-                <a:srgbClr val="5983b0"/>
-              </a:solidFill>
-              <a:latin typeface="Arial"/>
-            </a:endParaRPr>
-          </a:p>
-        </p:txBody>
-      </p:sp>
+      </p:pic>
     </p:spTree>
   </p:cSld>
-  <mc:AlternateContent>
-    <mc:Choice Requires="p14">
-      <p:transition spd="slow" p14:dur="2000"/>
-    </mc:Choice>
-    <mc:Fallback>
-      <p:transition spd="slow"/>
-    </mc:Fallback>
-  </mc:AlternateContent>
+  <p:clrMapOvr>
+    <a:masterClrMapping/>
+  </p:clrMapOvr>
   <p:timing>
     <p:tnLst>
       <p:par>
-        <p:cTn id="5" dur="indefinite" restart="never" nodeType="tmRoot">
+        <p:cTn id="1" dur="indefinite" restart="never" nodeType="tmRoot">
           <p:childTnLst>
             <p:seq>
-              <p:cTn id="6" dur="indefinite" nodeType="mainSeq"/>
+              <p:cTn id="2" dur="indefinite" nodeType="mainSeq"/>
               <p:prevCondLst>
-                <p:cond delay="0" evt="onPrev">
+                <p:cond evt="onPrev" delay="0">
                   <p:tgtEl>
                     <p:sldTgt/>
                   </p:tgtEl>
                 </p:cond>
               </p:prevCondLst>
               <p:nextCondLst>
-                <p:cond delay="0" evt="onNext">
+                <p:cond evt="onNext" delay="0">
                   <p:tgtEl>
                     <p:sldTgt/>
                   </p:tgtEl>
@@ -4868,8 +5603,8 @@
 </p:sld>
 </file>
 
-<file path=ppt/slides/slide4.xml><?xml version="1.0" encoding="utf-8"?>
-<p:sld xmlns:a="http://schemas.openxmlformats.org/drawingml/2006/main" xmlns:p="http://schemas.openxmlformats.org/presentationml/2006/main" xmlns:r="http://schemas.openxmlformats.org/officeDocument/2006/relationships" xmlns:p14="http://schemas.microsoft.com/office/powerpoint/2010/main" xmlns:p15="http://schemas.microsoft.com/office/powerpoint/2012/main" xmlns:mc="http://schemas.openxmlformats.org/markup-compatibility/2006">
+<file path=ppt/slides/slide5.xml><?xml version="1.0" encoding="utf-8"?>
+<p:sld xmlns:a="http://schemas.openxmlformats.org/drawingml/2006/main" xmlns:r="http://schemas.openxmlformats.org/officeDocument/2006/relationships" xmlns:p="http://schemas.openxmlformats.org/presentationml/2006/main">
   <p:cSld>
     <p:spTree>
       <p:nvGrpSpPr>
@@ -4887,7 +5622,7 @@
       </p:grpSpPr>
       <p:sp>
         <p:nvSpPr>
-          <p:cNvPr id="94" name="TextShape 1"/>
+          <p:cNvPr id="96" name="TextShape 1"/>
           <p:cNvSpPr txBox="1"/>
           <p:nvPr/>
         </p:nvSpPr>
@@ -4905,43 +5640,38 @@
           </a:ln>
         </p:spPr>
         <p:txBody>
-          <a:bodyPr lIns="0" rIns="0" tIns="0" bIns="0" anchor="ctr">
+          <a:bodyPr lIns="0" tIns="0" rIns="0" bIns="0" anchor="ctr">
             <a:spAutoFit/>
           </a:bodyPr>
+          <a:lstStyle/>
           <a:p>
             <a:pPr algn="ctr"/>
             <a:r>
-              <a:rPr b="0" lang="en-US" sz="4400" spc="-1" strike="noStrike">
+              <a:rPr lang="en-US" sz="4400" b="0" strike="noStrike" spc="-1">
                 <a:solidFill>
-                  <a:srgbClr val="ffffff"/>
+                  <a:srgbClr val="FFFFFF"/>
                 </a:solidFill>
                 <a:latin typeface="Arial"/>
               </a:rPr>
               <a:t>SQL Backup Solution</a:t>
             </a:r>
-            <a:endParaRPr b="0" lang="en-US" sz="4400" spc="-1" strike="noStrike">
-              <a:solidFill>
-                <a:srgbClr val="ffffff"/>
-              </a:solidFill>
-              <a:latin typeface="Arial"/>
-            </a:endParaRPr>
           </a:p>
         </p:txBody>
       </p:sp>
       <p:pic>
         <p:nvPicPr>
-          <p:cNvPr id="95" name="" descr=""/>
+          <p:cNvPr id="97" name="Picture 96"/>
           <p:cNvPicPr/>
           <p:nvPr/>
         </p:nvPicPr>
         <p:blipFill>
-          <a:blip r:embed="rId1"/>
+          <a:blip r:embed="rId2"/>
           <a:stretch/>
         </p:blipFill>
         <p:spPr>
           <a:xfrm>
-            <a:off x="299880" y="1188720"/>
-            <a:ext cx="9484200" cy="4781520"/>
+            <a:off x="182880" y="1070640"/>
+            <a:ext cx="9665640" cy="4872960"/>
           </a:xfrm>
           <a:prstGeom prst="rect">
             <a:avLst/>
@@ -4953,30 +5683,25 @@
       </p:pic>
     </p:spTree>
   </p:cSld>
-  <mc:AlternateContent>
-    <mc:Choice Requires="p14">
-      <p:transition spd="slow" p14:dur="2000"/>
-    </mc:Choice>
-    <mc:Fallback>
-      <p:transition spd="slow"/>
-    </mc:Fallback>
-  </mc:AlternateContent>
+  <p:clrMapOvr>
+    <a:masterClrMapping/>
+  </p:clrMapOvr>
   <p:timing>
     <p:tnLst>
       <p:par>
-        <p:cTn id="7" dur="indefinite" restart="never" nodeType="tmRoot">
+        <p:cTn id="1" dur="indefinite" restart="never" nodeType="tmRoot">
           <p:childTnLst>
             <p:seq>
-              <p:cTn id="8" dur="indefinite" nodeType="mainSeq"/>
+              <p:cTn id="2" dur="indefinite" nodeType="mainSeq"/>
               <p:prevCondLst>
-                <p:cond delay="0" evt="onPrev">
+                <p:cond evt="onPrev" delay="0">
                   <p:tgtEl>
                     <p:sldTgt/>
                   </p:tgtEl>
                 </p:cond>
               </p:prevCondLst>
               <p:nextCondLst>
-                <p:cond delay="0" evt="onNext">
+                <p:cond evt="onNext" delay="0">
                   <p:tgtEl>
                     <p:sldTgt/>
                   </p:tgtEl>
@@ -4991,8 +5716,8 @@
 </p:sld>
 </file>
 
-<file path=ppt/slides/slide5.xml><?xml version="1.0" encoding="utf-8"?>
-<p:sld xmlns:a="http://schemas.openxmlformats.org/drawingml/2006/main" xmlns:p="http://schemas.openxmlformats.org/presentationml/2006/main" xmlns:r="http://schemas.openxmlformats.org/officeDocument/2006/relationships" xmlns:p14="http://schemas.microsoft.com/office/powerpoint/2010/main" xmlns:p15="http://schemas.microsoft.com/office/powerpoint/2012/main" xmlns:mc="http://schemas.openxmlformats.org/markup-compatibility/2006">
+<file path=ppt/slides/slide6.xml><?xml version="1.0" encoding="utf-8"?>
+<p:sld xmlns:a="http://schemas.openxmlformats.org/drawingml/2006/main" xmlns:r="http://schemas.openxmlformats.org/officeDocument/2006/relationships" xmlns:p="http://schemas.openxmlformats.org/presentationml/2006/main">
   <p:cSld>
     <p:spTree>
       <p:nvGrpSpPr>
@@ -5010,7 +5735,7 @@
       </p:grpSpPr>
       <p:sp>
         <p:nvSpPr>
-          <p:cNvPr id="96" name="TextShape 1"/>
+          <p:cNvPr id="98" name="TextShape 1"/>
           <p:cNvSpPr txBox="1"/>
           <p:nvPr/>
         </p:nvSpPr>
@@ -5028,43 +5753,38 @@
           </a:ln>
         </p:spPr>
         <p:txBody>
-          <a:bodyPr lIns="0" rIns="0" tIns="0" bIns="0" anchor="ctr">
+          <a:bodyPr lIns="0" tIns="0" rIns="0" bIns="0" anchor="ctr">
             <a:spAutoFit/>
           </a:bodyPr>
+          <a:lstStyle/>
           <a:p>
             <a:pPr algn="ctr"/>
             <a:r>
-              <a:rPr b="0" lang="en-US" sz="4400" spc="-1" strike="noStrike">
+              <a:rPr lang="en-US" sz="4400" b="0" strike="noStrike" spc="-1">
                 <a:solidFill>
-                  <a:srgbClr val="ffffff"/>
+                  <a:srgbClr val="FFFFFF"/>
                 </a:solidFill>
                 <a:latin typeface="Arial"/>
               </a:rPr>
               <a:t>SQL Backup Solution</a:t>
             </a:r>
-            <a:endParaRPr b="0" lang="en-US" sz="4400" spc="-1" strike="noStrike">
-              <a:solidFill>
-                <a:srgbClr val="ffffff"/>
-              </a:solidFill>
-              <a:latin typeface="Arial"/>
-            </a:endParaRPr>
           </a:p>
         </p:txBody>
       </p:sp>
       <p:pic>
         <p:nvPicPr>
-          <p:cNvPr id="97" name="" descr=""/>
+          <p:cNvPr id="99" name="Picture 98"/>
           <p:cNvPicPr/>
           <p:nvPr/>
         </p:nvPicPr>
         <p:blipFill>
-          <a:blip r:embed="rId1"/>
+          <a:blip r:embed="rId2"/>
           <a:stretch/>
         </p:blipFill>
         <p:spPr>
           <a:xfrm>
-            <a:off x="182880" y="1070640"/>
-            <a:ext cx="9665640" cy="4872960"/>
+            <a:off x="503640" y="2346120"/>
+            <a:ext cx="9071640" cy="3229560"/>
           </a:xfrm>
           <a:prstGeom prst="rect">
             <a:avLst/>
@@ -5076,30 +5796,25 @@
       </p:pic>
     </p:spTree>
   </p:cSld>
-  <mc:AlternateContent>
-    <mc:Choice Requires="p14">
-      <p:transition spd="slow" p14:dur="2000"/>
-    </mc:Choice>
-    <mc:Fallback>
-      <p:transition spd="slow"/>
-    </mc:Fallback>
-  </mc:AlternateContent>
+  <p:clrMapOvr>
+    <a:masterClrMapping/>
+  </p:clrMapOvr>
   <p:timing>
     <p:tnLst>
       <p:par>
-        <p:cTn id="9" dur="indefinite" restart="never" nodeType="tmRoot">
+        <p:cTn id="1" dur="indefinite" restart="never" nodeType="tmRoot">
           <p:childTnLst>
             <p:seq>
-              <p:cTn id="10" dur="indefinite" nodeType="mainSeq"/>
+              <p:cTn id="2" dur="indefinite" nodeType="mainSeq"/>
               <p:prevCondLst>
-                <p:cond delay="0" evt="onPrev">
+                <p:cond evt="onPrev" delay="0">
                   <p:tgtEl>
                     <p:sldTgt/>
                   </p:tgtEl>
                 </p:cond>
               </p:prevCondLst>
               <p:nextCondLst>
-                <p:cond delay="0" evt="onNext">
+                <p:cond evt="onNext" delay="0">
                   <p:tgtEl>
                     <p:sldTgt/>
                   </p:tgtEl>
@@ -5114,8 +5829,8 @@
 </p:sld>
 </file>
 
-<file path=ppt/slides/slide6.xml><?xml version="1.0" encoding="utf-8"?>
-<p:sld xmlns:a="http://schemas.openxmlformats.org/drawingml/2006/main" xmlns:p="http://schemas.openxmlformats.org/presentationml/2006/main" xmlns:r="http://schemas.openxmlformats.org/officeDocument/2006/relationships" xmlns:p14="http://schemas.microsoft.com/office/powerpoint/2010/main" xmlns:p15="http://schemas.microsoft.com/office/powerpoint/2012/main" xmlns:mc="http://schemas.openxmlformats.org/markup-compatibility/2006">
+<file path=ppt/slides/slide7.xml><?xml version="1.0" encoding="utf-8"?>
+<p:sld xmlns:a="http://schemas.openxmlformats.org/drawingml/2006/main" xmlns:r="http://schemas.openxmlformats.org/officeDocument/2006/relationships" xmlns:p="http://schemas.openxmlformats.org/presentationml/2006/main">
   <p:cSld>
     <p:spTree>
       <p:nvGrpSpPr>
@@ -5133,7 +5848,7 @@
       </p:grpSpPr>
       <p:sp>
         <p:nvSpPr>
-          <p:cNvPr id="98" name="TextShape 1"/>
+          <p:cNvPr id="100" name="TextShape 1"/>
           <p:cNvSpPr txBox="1"/>
           <p:nvPr/>
         </p:nvSpPr>
@@ -5151,78 +5866,159 @@
           </a:ln>
         </p:spPr>
         <p:txBody>
-          <a:bodyPr lIns="0" rIns="0" tIns="0" bIns="0" anchor="ctr">
+          <a:bodyPr lIns="0" tIns="0" rIns="0" bIns="0" anchor="ctr">
             <a:spAutoFit/>
           </a:bodyPr>
+          <a:lstStyle/>
           <a:p>
             <a:pPr algn="ctr"/>
             <a:r>
-              <a:rPr b="0" lang="en-US" sz="4400" spc="-1" strike="noStrike">
+              <a:rPr lang="en-US" sz="4400" b="0" strike="noStrike" spc="-1">
                 <a:solidFill>
-                  <a:srgbClr val="ffffff"/>
+                  <a:srgbClr val="FFFFFF"/>
                 </a:solidFill>
                 <a:latin typeface="Arial"/>
               </a:rPr>
-              <a:t>SQL Backup Solution</a:t>
+              <a:t>Application User Guide</a:t>
             </a:r>
-            <a:endParaRPr b="0" lang="en-US" sz="4400" spc="-1" strike="noStrike">
-              <a:solidFill>
-                <a:srgbClr val="ffffff"/>
-              </a:solidFill>
-              <a:latin typeface="Arial"/>
-            </a:endParaRPr>
-          </a:p>
-        </p:txBody>
-      </p:sp>
-      <p:pic>
-        <p:nvPicPr>
-          <p:cNvPr id="99" name="" descr=""/>
-          <p:cNvPicPr/>
+          </a:p>
+        </p:txBody>
+      </p:sp>
+      <p:sp>
+        <p:nvSpPr>
+          <p:cNvPr id="101" name="TextShape 2"/>
+          <p:cNvSpPr txBox="1"/>
           <p:nvPr/>
-        </p:nvPicPr>
-        <p:blipFill>
-          <a:blip r:embed="rId1"/>
-          <a:stretch/>
-        </p:blipFill>
-        <p:spPr>
-          <a:xfrm>
-            <a:off x="503640" y="2346120"/>
-            <a:ext cx="9071640" cy="3229560"/>
-          </a:xfrm>
-          <a:prstGeom prst="rect">
-            <a:avLst/>
-          </a:prstGeom>
+        </p:nvSpPr>
+        <p:spPr>
+          <a:xfrm>
+            <a:off x="504000" y="1769040"/>
+            <a:ext cx="9071640" cy="4384440"/>
+          </a:xfrm>
+          <a:prstGeom prst="rect">
+            <a:avLst/>
+          </a:prstGeom>
+          <a:noFill/>
           <a:ln>
             <a:noFill/>
           </a:ln>
         </p:spPr>
-      </p:pic>
+        <p:txBody>
+          <a:bodyPr lIns="0" tIns="0" rIns="0" bIns="0">
+            <a:noAutofit/>
+          </a:bodyPr>
+          <a:lstStyle/>
+          <a:p>
+            <a:pPr marL="432000" indent="-324000">
+              <a:spcBef>
+                <a:spcPts val="1417"/>
+              </a:spcBef>
+              <a:buClr>
+                <a:srgbClr val="000000"/>
+              </a:buClr>
+              <a:buSzPct val="45000"/>
+              <a:buFont typeface="Wingdings" charset="2"/>
+              <a:buChar char=""/>
+            </a:pPr>
+            <a:r>
+              <a:rPr lang="en-US" sz="3200" b="0" strike="noStrike" spc="-1">
+                <a:solidFill>
+                  <a:srgbClr val="0066CC"/>
+                </a:solidFill>
+                <a:latin typeface="Arial"/>
+              </a:rPr>
+              <a:t>The User Guide exists as a .pdf file.</a:t>
+            </a:r>
+          </a:p>
+          <a:p>
+            <a:pPr marL="432000" indent="-324000">
+              <a:spcBef>
+                <a:spcPts val="1417"/>
+              </a:spcBef>
+              <a:buClr>
+                <a:srgbClr val="000000"/>
+              </a:buClr>
+              <a:buSzPct val="45000"/>
+              <a:buFont typeface="Wingdings" charset="2"/>
+              <a:buChar char=""/>
+            </a:pPr>
+            <a:r>
+              <a:rPr lang="en-US" sz="3200" b="0" strike="noStrike" spc="-1">
+                <a:solidFill>
+                  <a:srgbClr val="0066CC"/>
+                </a:solidFill>
+                <a:latin typeface="Arial"/>
+              </a:rPr>
+              <a:t>It is installed to the disk by the installed batch file.</a:t>
+            </a:r>
+          </a:p>
+          <a:p>
+            <a:pPr marL="432000" indent="-324000">
+              <a:spcBef>
+                <a:spcPts val="1417"/>
+              </a:spcBef>
+              <a:buClr>
+                <a:srgbClr val="000000"/>
+              </a:buClr>
+              <a:buSzPct val="45000"/>
+              <a:buFont typeface="Wingdings" charset="2"/>
+              <a:buChar char=""/>
+            </a:pPr>
+            <a:r>
+              <a:rPr lang="en-US" sz="3200" b="0" strike="noStrike" spc="-1">
+                <a:solidFill>
+                  <a:srgbClr val="0066CC"/>
+                </a:solidFill>
+                <a:latin typeface="Arial"/>
+              </a:rPr>
+              <a:t>A browser shortcut is created on the desktop by the installer.</a:t>
+            </a:r>
+          </a:p>
+          <a:p>
+            <a:pPr marL="432000" indent="-324000">
+              <a:spcBef>
+                <a:spcPts val="1417"/>
+              </a:spcBef>
+              <a:buClr>
+                <a:srgbClr val="000000"/>
+              </a:buClr>
+              <a:buSzPct val="45000"/>
+              <a:buFont typeface="Wingdings" charset="2"/>
+              <a:buChar char=""/>
+            </a:pPr>
+            <a:r>
+              <a:rPr lang="en-US" sz="3200" b="0" strike="noStrike" spc="-1">
+                <a:solidFill>
+                  <a:srgbClr val="0066CC"/>
+                </a:solidFill>
+                <a:latin typeface="Arial"/>
+              </a:rPr>
+              <a:t>The shortcut opens the .pdf file using the systems internet browser.</a:t>
+            </a:r>
+          </a:p>
+        </p:txBody>
+      </p:sp>
     </p:spTree>
   </p:cSld>
-  <mc:AlternateContent>
-    <mc:Choice Requires="p14">
-      <p:transition spd="slow" p14:dur="2000"/>
-    </mc:Choice>
-    <mc:Fallback>
-      <p:transition spd="slow"/>
-    </mc:Fallback>
-  </mc:AlternateContent>
+  <p:clrMapOvr>
+    <a:masterClrMapping/>
+  </p:clrMapOvr>
   <p:timing>
     <p:tnLst>
       <p:par>
-        <p:cTn id="11" dur="indefinite" restart="never" nodeType="tmRoot">
+        <p:cTn id="1" dur="indefinite" restart="never" nodeType="tmRoot">
           <p:childTnLst>
             <p:seq>
-              <p:cTn id="12" dur="indefinite" nodeType="mainSeq"/>
+              <p:cTn id="2" dur="indefinite" nodeType="mainSeq"/>
               <p:prevCondLst>
-                <p:cond delay="0" evt="onPrev">
+                <p:cond evt="onPrev" delay="0">
                   <p:tgtEl>
                     <p:sldTgt/>
                   </p:tgtEl>
                 </p:cond>
               </p:prevCondLst>
               <p:nextCondLst>
-                <p:cond delay="0" evt="onNext">
+                <p:cond evt="onNext" delay="0">
                   <p:tgtEl>
                     <p:sldTgt/>
                   </p:tgtEl>
@@ -5237,8 +6033,8 @@
 </p:sld>
 </file>
 
-<file path=ppt/slides/slide7.xml><?xml version="1.0" encoding="utf-8"?>
-<p:sld xmlns:a="http://schemas.openxmlformats.org/drawingml/2006/main" xmlns:p="http://schemas.openxmlformats.org/presentationml/2006/main" xmlns:r="http://schemas.openxmlformats.org/officeDocument/2006/relationships" xmlns:p14="http://schemas.microsoft.com/office/powerpoint/2010/main" xmlns:p15="http://schemas.microsoft.com/office/powerpoint/2012/main" xmlns:mc="http://schemas.openxmlformats.org/markup-compatibility/2006">
+<file path=ppt/slides/slide8.xml><?xml version="1.0" encoding="utf-8"?>
+<p:sld xmlns:a="http://schemas.openxmlformats.org/drawingml/2006/main" xmlns:r="http://schemas.openxmlformats.org/officeDocument/2006/relationships" xmlns:p="http://schemas.openxmlformats.org/presentationml/2006/main">
   <p:cSld>
     <p:spTree>
       <p:nvGrpSpPr>
@@ -5256,7 +6052,7 @@
       </p:grpSpPr>
       <p:sp>
         <p:nvSpPr>
-          <p:cNvPr id="100" name="TextShape 1"/>
+          <p:cNvPr id="102" name="TextShape 1"/>
           <p:cNvSpPr txBox="1"/>
           <p:nvPr/>
         </p:nvSpPr>
@@ -5274,192 +6070,68 @@
           </a:ln>
         </p:spPr>
         <p:txBody>
-          <a:bodyPr lIns="0" rIns="0" tIns="0" bIns="0" anchor="ctr">
+          <a:bodyPr lIns="0" tIns="0" rIns="0" bIns="0" anchor="ctr">
             <a:spAutoFit/>
           </a:bodyPr>
+          <a:lstStyle/>
           <a:p>
             <a:pPr algn="ctr"/>
             <a:r>
-              <a:rPr b="0" lang="en-US" sz="4400" spc="-1" strike="noStrike">
+              <a:rPr lang="en-US" sz="4400" b="0" strike="noStrike" spc="-1">
                 <a:solidFill>
-                  <a:srgbClr val="ffffff"/>
+                  <a:srgbClr val="FFFFFF"/>
                 </a:solidFill>
                 <a:latin typeface="Arial"/>
               </a:rPr>
-              <a:t>Application User Guide</a:t>
+              <a:t>Save Notification</a:t>
             </a:r>
-            <a:endParaRPr b="0" lang="en-US" sz="4400" spc="-1" strike="noStrike">
-              <a:solidFill>
-                <a:srgbClr val="ffffff"/>
-              </a:solidFill>
-              <a:latin typeface="Arial"/>
-            </a:endParaRPr>
-          </a:p>
-        </p:txBody>
-      </p:sp>
-      <p:sp>
-        <p:nvSpPr>
-          <p:cNvPr id="101" name="TextShape 2"/>
-          <p:cNvSpPr txBox="1"/>
+          </a:p>
+        </p:txBody>
+      </p:sp>
+      <p:pic>
+        <p:nvPicPr>
+          <p:cNvPr id="103" name="Picture 102"/>
+          <p:cNvPicPr/>
           <p:nvPr/>
-        </p:nvSpPr>
-        <p:spPr>
-          <a:xfrm>
-            <a:off x="504000" y="1769040"/>
-            <a:ext cx="9071640" cy="4384440"/>
-          </a:xfrm>
-          <a:prstGeom prst="rect">
-            <a:avLst/>
-          </a:prstGeom>
-          <a:noFill/>
+        </p:nvPicPr>
+        <p:blipFill>
+          <a:blip r:embed="rId2"/>
+          <a:stretch/>
+        </p:blipFill>
+        <p:spPr>
+          <a:xfrm>
+            <a:off x="365760" y="1371600"/>
+            <a:ext cx="9302760" cy="4690080"/>
+          </a:xfrm>
+          <a:prstGeom prst="rect">
+            <a:avLst/>
+          </a:prstGeom>
           <a:ln>
             <a:noFill/>
           </a:ln>
         </p:spPr>
-        <p:txBody>
-          <a:bodyPr lIns="0" rIns="0" tIns="0" bIns="0">
-            <a:noAutofit/>
-          </a:bodyPr>
-          <a:p>
-            <a:pPr marL="432000" indent="-324000">
-              <a:spcBef>
-                <a:spcPts val="1417"/>
-              </a:spcBef>
-              <a:buClr>
-                <a:srgbClr val="000000"/>
-              </a:buClr>
-              <a:buSzPct val="45000"/>
-              <a:buFont typeface="Wingdings" charset="2"/>
-              <a:buChar char=""/>
-            </a:pPr>
-            <a:r>
-              <a:rPr b="0" lang="en-US" sz="3200" spc="-1" strike="noStrike">
-                <a:solidFill>
-                  <a:srgbClr val="0066cc"/>
-                </a:solidFill>
-                <a:latin typeface="Arial"/>
-              </a:rPr>
-              <a:t>The User Guide exists as a .pdf file.</a:t>
-            </a:r>
-            <a:endParaRPr b="0" lang="en-US" sz="3200" spc="-1" strike="noStrike">
-              <a:solidFill>
-                <a:srgbClr val="0066cc"/>
-              </a:solidFill>
-              <a:latin typeface="Arial"/>
-            </a:endParaRPr>
-          </a:p>
-          <a:p>
-            <a:pPr marL="432000" indent="-324000">
-              <a:spcBef>
-                <a:spcPts val="1417"/>
-              </a:spcBef>
-              <a:buClr>
-                <a:srgbClr val="000000"/>
-              </a:buClr>
-              <a:buSzPct val="45000"/>
-              <a:buFont typeface="Wingdings" charset="2"/>
-              <a:buChar char=""/>
-            </a:pPr>
-            <a:r>
-              <a:rPr b="0" lang="en-US" sz="3200" spc="-1" strike="noStrike">
-                <a:solidFill>
-                  <a:srgbClr val="0066cc"/>
-                </a:solidFill>
-                <a:latin typeface="Arial"/>
-              </a:rPr>
-              <a:t>It is installed to the disk by the installed batch file.</a:t>
-            </a:r>
-            <a:endParaRPr b="0" lang="en-US" sz="3200" spc="-1" strike="noStrike">
-              <a:solidFill>
-                <a:srgbClr val="0066cc"/>
-              </a:solidFill>
-              <a:latin typeface="Arial"/>
-            </a:endParaRPr>
-          </a:p>
-          <a:p>
-            <a:pPr marL="432000" indent="-324000">
-              <a:spcBef>
-                <a:spcPts val="1417"/>
-              </a:spcBef>
-              <a:buClr>
-                <a:srgbClr val="000000"/>
-              </a:buClr>
-              <a:buSzPct val="45000"/>
-              <a:buFont typeface="Wingdings" charset="2"/>
-              <a:buChar char=""/>
-            </a:pPr>
-            <a:r>
-              <a:rPr b="0" lang="en-US" sz="3200" spc="-1" strike="noStrike">
-                <a:solidFill>
-                  <a:srgbClr val="0066cc"/>
-                </a:solidFill>
-                <a:latin typeface="Arial"/>
-              </a:rPr>
-              <a:t>A browser shortcut is created on the desktop by the installer.</a:t>
-            </a:r>
-            <a:endParaRPr b="0" lang="en-US" sz="3200" spc="-1" strike="noStrike">
-              <a:solidFill>
-                <a:srgbClr val="0066cc"/>
-              </a:solidFill>
-              <a:latin typeface="Arial"/>
-            </a:endParaRPr>
-          </a:p>
-          <a:p>
-            <a:pPr marL="432000" indent="-324000">
-              <a:spcBef>
-                <a:spcPts val="1417"/>
-              </a:spcBef>
-              <a:buClr>
-                <a:srgbClr val="000000"/>
-              </a:buClr>
-              <a:buSzPct val="45000"/>
-              <a:buFont typeface="Wingdings" charset="2"/>
-              <a:buChar char=""/>
-            </a:pPr>
-            <a:r>
-              <a:rPr b="0" lang="en-US" sz="3200" spc="-1" strike="noStrike">
-                <a:solidFill>
-                  <a:srgbClr val="0066cc"/>
-                </a:solidFill>
-                <a:latin typeface="Arial"/>
-              </a:rPr>
-              <a:t>The shortcut opens the .pdf file using the systems internet browser.</a:t>
-            </a:r>
-            <a:endParaRPr b="0" lang="en-US" sz="3200" spc="-1" strike="noStrike">
-              <a:solidFill>
-                <a:srgbClr val="0066cc"/>
-              </a:solidFill>
-              <a:latin typeface="Arial"/>
-            </a:endParaRPr>
-          </a:p>
-        </p:txBody>
-      </p:sp>
+      </p:pic>
     </p:spTree>
   </p:cSld>
-  <mc:AlternateContent>
-    <mc:Choice Requires="p14">
-      <p:transition spd="slow" p14:dur="2000"/>
-    </mc:Choice>
-    <mc:Fallback>
-      <p:transition spd="slow"/>
-    </mc:Fallback>
-  </mc:AlternateContent>
+  <p:clrMapOvr>
+    <a:masterClrMapping/>
+  </p:clrMapOvr>
   <p:timing>
     <p:tnLst>
       <p:par>
-        <p:cTn id="13" dur="indefinite" restart="never" nodeType="tmRoot">
+        <p:cTn id="1" dur="indefinite" restart="never" nodeType="tmRoot">
           <p:childTnLst>
             <p:seq>
-              <p:cTn id="14" dur="indefinite" nodeType="mainSeq"/>
+              <p:cTn id="2" dur="indefinite" nodeType="mainSeq"/>
               <p:prevCondLst>
-                <p:cond delay="0" evt="onPrev">
+                <p:cond evt="onPrev" delay="0">
                   <p:tgtEl>
                     <p:sldTgt/>
                   </p:tgtEl>
                 </p:cond>
               </p:prevCondLst>
               <p:nextCondLst>
-                <p:cond delay="0" evt="onNext">
+                <p:cond evt="onNext" delay="0">
                   <p:tgtEl>
                     <p:sldTgt/>
                   </p:tgtEl>
@@ -5474,8 +6146,8 @@
 </p:sld>
 </file>
 
-<file path=ppt/slides/slide8.xml><?xml version="1.0" encoding="utf-8"?>
-<p:sld xmlns:a="http://schemas.openxmlformats.org/drawingml/2006/main" xmlns:p="http://schemas.openxmlformats.org/presentationml/2006/main" xmlns:r="http://schemas.openxmlformats.org/officeDocument/2006/relationships" xmlns:p14="http://schemas.microsoft.com/office/powerpoint/2010/main" xmlns:p15="http://schemas.microsoft.com/office/powerpoint/2012/main" xmlns:mc="http://schemas.openxmlformats.org/markup-compatibility/2006">
+<file path=ppt/slides/slide9.xml><?xml version="1.0" encoding="utf-8"?>
+<p:sld xmlns:a="http://schemas.openxmlformats.org/drawingml/2006/main" xmlns:r="http://schemas.openxmlformats.org/officeDocument/2006/relationships" xmlns:p="http://schemas.openxmlformats.org/presentationml/2006/main">
   <p:cSld>
     <p:spTree>
       <p:nvGrpSpPr>
@@ -5493,7 +6165,7 @@
       </p:grpSpPr>
       <p:sp>
         <p:nvSpPr>
-          <p:cNvPr id="102" name="TextShape 1"/>
+          <p:cNvPr id="104" name="TextShape 1"/>
           <p:cNvSpPr txBox="1"/>
           <p:nvPr/>
         </p:nvSpPr>
@@ -5511,43 +6183,38 @@
           </a:ln>
         </p:spPr>
         <p:txBody>
-          <a:bodyPr lIns="0" rIns="0" tIns="0" bIns="0" anchor="ctr">
+          <a:bodyPr lIns="0" tIns="0" rIns="0" bIns="0" anchor="ctr">
             <a:spAutoFit/>
           </a:bodyPr>
+          <a:lstStyle/>
           <a:p>
             <a:pPr algn="ctr"/>
             <a:r>
-              <a:rPr b="0" lang="en-US" sz="4400" spc="-1" strike="noStrike">
+              <a:rPr lang="en-US" sz="4400" b="0" strike="noStrike" spc="-1">
                 <a:solidFill>
-                  <a:srgbClr val="ffffff"/>
+                  <a:srgbClr val="FFFFFF"/>
                 </a:solidFill>
                 <a:latin typeface="Arial"/>
               </a:rPr>
-              <a:t>Save Notification</a:t>
+              <a:t>Clearing Forms</a:t>
             </a:r>
-            <a:endParaRPr b="0" lang="en-US" sz="4400" spc="-1" strike="noStrike">
-              <a:solidFill>
-                <a:srgbClr val="ffffff"/>
-              </a:solidFill>
-              <a:latin typeface="Arial"/>
-            </a:endParaRPr>
           </a:p>
         </p:txBody>
       </p:sp>
       <p:pic>
         <p:nvPicPr>
-          <p:cNvPr id="103" name="" descr=""/>
+          <p:cNvPr id="105" name="Picture 104"/>
           <p:cNvPicPr/>
           <p:nvPr/>
         </p:nvPicPr>
         <p:blipFill>
-          <a:blip r:embed="rId1"/>
+          <a:blip r:embed="rId2"/>
           <a:stretch/>
         </p:blipFill>
         <p:spPr>
           <a:xfrm>
-            <a:off x="365760" y="1371600"/>
-            <a:ext cx="9302760" cy="4690080"/>
+            <a:off x="391320" y="1645920"/>
+            <a:ext cx="9484200" cy="4781520"/>
           </a:xfrm>
           <a:prstGeom prst="rect">
             <a:avLst/>
@@ -5557,197 +6224,64 @@
           </a:ln>
         </p:spPr>
       </p:pic>
+      <p:sp>
+        <p:nvSpPr>
+          <p:cNvPr id="106" name="TextShape 2"/>
+          <p:cNvSpPr txBox="1"/>
+          <p:nvPr/>
+        </p:nvSpPr>
+        <p:spPr>
+          <a:xfrm>
+            <a:off x="457200" y="1097280"/>
+            <a:ext cx="4114800" cy="346320"/>
+          </a:xfrm>
+          <a:prstGeom prst="rect">
+            <a:avLst/>
+          </a:prstGeom>
+          <a:noFill/>
+          <a:ln>
+            <a:noFill/>
+          </a:ln>
+        </p:spPr>
+        <p:txBody>
+          <a:bodyPr lIns="90000" tIns="45000" rIns="90000" bIns="45000">
+            <a:spAutoFit/>
+          </a:bodyPr>
+          <a:lstStyle/>
+          <a:p>
+            <a:r>
+              <a:rPr lang="en-US" sz="1800" b="0" strike="noStrike" spc="-1">
+                <a:solidFill>
+                  <a:srgbClr val="3465A4"/>
+                </a:solidFill>
+                <a:latin typeface="Arial"/>
+              </a:rPr>
+              <a:t>Existing GUI</a:t>
+            </a:r>
+          </a:p>
+        </p:txBody>
+      </p:sp>
     </p:spTree>
   </p:cSld>
-  <mc:AlternateContent>
-    <mc:Choice Requires="p14">
-      <p:transition spd="slow" p14:dur="2000"/>
-    </mc:Choice>
-    <mc:Fallback>
-      <p:transition spd="slow"/>
-    </mc:Fallback>
-  </mc:AlternateContent>
+  <p:clrMapOvr>
+    <a:masterClrMapping/>
+  </p:clrMapOvr>
   <p:timing>
     <p:tnLst>
       <p:par>
-        <p:cTn id="15" dur="indefinite" restart="never" nodeType="tmRoot">
+        <p:cTn id="1" dur="indefinite" restart="never" nodeType="tmRoot">
           <p:childTnLst>
             <p:seq>
-              <p:cTn id="16" dur="indefinite" nodeType="mainSeq"/>
+              <p:cTn id="2" dur="indefinite" nodeType="mainSeq"/>
               <p:prevCondLst>
-                <p:cond delay="0" evt="onPrev">
+                <p:cond evt="onPrev" delay="0">
                   <p:tgtEl>
                     <p:sldTgt/>
                   </p:tgtEl>
                 </p:cond>
               </p:prevCondLst>
               <p:nextCondLst>
-                <p:cond delay="0" evt="onNext">
-                  <p:tgtEl>
-                    <p:sldTgt/>
-                  </p:tgtEl>
-                </p:cond>
-              </p:nextCondLst>
-            </p:seq>
-          </p:childTnLst>
-        </p:cTn>
-      </p:par>
-    </p:tnLst>
-  </p:timing>
-</p:sld>
-</file>
-
-<file path=ppt/slides/slide9.xml><?xml version="1.0" encoding="utf-8"?>
-<p:sld xmlns:a="http://schemas.openxmlformats.org/drawingml/2006/main" xmlns:p="http://schemas.openxmlformats.org/presentationml/2006/main" xmlns:r="http://schemas.openxmlformats.org/officeDocument/2006/relationships" xmlns:p14="http://schemas.microsoft.com/office/powerpoint/2010/main" xmlns:p15="http://schemas.microsoft.com/office/powerpoint/2012/main" xmlns:mc="http://schemas.openxmlformats.org/markup-compatibility/2006">
-  <p:cSld>
-    <p:spTree>
-      <p:nvGrpSpPr>
-        <p:cNvPr id="1" name=""/>
-        <p:cNvGrpSpPr/>
-        <p:nvPr/>
-      </p:nvGrpSpPr>
-      <p:grpSpPr>
-        <a:xfrm>
-          <a:off x="0" y="0"/>
-          <a:ext cx="0" cy="0"/>
-          <a:chOff x="0" y="0"/>
-          <a:chExt cx="0" cy="0"/>
-        </a:xfrm>
-      </p:grpSpPr>
-      <p:sp>
-        <p:nvSpPr>
-          <p:cNvPr id="104" name="TextShape 1"/>
-          <p:cNvSpPr txBox="1"/>
-          <p:nvPr/>
-        </p:nvSpPr>
-        <p:spPr>
-          <a:xfrm>
-            <a:off x="504000" y="301320"/>
-            <a:ext cx="9071640" cy="637560"/>
-          </a:xfrm>
-          <a:prstGeom prst="rect">
-            <a:avLst/>
-          </a:prstGeom>
-          <a:noFill/>
-          <a:ln>
-            <a:noFill/>
-          </a:ln>
-        </p:spPr>
-        <p:txBody>
-          <a:bodyPr lIns="0" rIns="0" tIns="0" bIns="0" anchor="ctr">
-            <a:spAutoFit/>
-          </a:bodyPr>
-          <a:p>
-            <a:pPr algn="ctr"/>
-            <a:r>
-              <a:rPr b="0" lang="en-US" sz="4400" spc="-1" strike="noStrike">
-                <a:solidFill>
-                  <a:srgbClr val="ffffff"/>
-                </a:solidFill>
-                <a:latin typeface="Arial"/>
-              </a:rPr>
-              <a:t>Clearing Forms</a:t>
-            </a:r>
-            <a:endParaRPr b="0" lang="en-US" sz="4400" spc="-1" strike="noStrike">
-              <a:solidFill>
-                <a:srgbClr val="ffffff"/>
-              </a:solidFill>
-              <a:latin typeface="Arial"/>
-            </a:endParaRPr>
-          </a:p>
-        </p:txBody>
-      </p:sp>
-      <p:pic>
-        <p:nvPicPr>
-          <p:cNvPr id="105" name="" descr=""/>
-          <p:cNvPicPr/>
-          <p:nvPr/>
-        </p:nvPicPr>
-        <p:blipFill>
-          <a:blip r:embed="rId1"/>
-          <a:stretch/>
-        </p:blipFill>
-        <p:spPr>
-          <a:xfrm>
-            <a:off x="391320" y="1645920"/>
-            <a:ext cx="9484200" cy="4781520"/>
-          </a:xfrm>
-          <a:prstGeom prst="rect">
-            <a:avLst/>
-          </a:prstGeom>
-          <a:ln>
-            <a:noFill/>
-          </a:ln>
-        </p:spPr>
-      </p:pic>
-      <p:sp>
-        <p:nvSpPr>
-          <p:cNvPr id="106" name="TextShape 2"/>
-          <p:cNvSpPr txBox="1"/>
-          <p:nvPr/>
-        </p:nvSpPr>
-        <p:spPr>
-          <a:xfrm>
-            <a:off x="457200" y="1097280"/>
-            <a:ext cx="4114800" cy="346320"/>
-          </a:xfrm>
-          <a:prstGeom prst="rect">
-            <a:avLst/>
-          </a:prstGeom>
-          <a:noFill/>
-          <a:ln>
-            <a:noFill/>
-          </a:ln>
-        </p:spPr>
-        <p:txBody>
-          <a:bodyPr lIns="90000" rIns="90000" tIns="45000" bIns="45000">
-            <a:spAutoFit/>
-          </a:bodyPr>
-          <a:p>
-            <a:r>
-              <a:rPr b="0" lang="en-US" sz="1800" spc="-1" strike="noStrike">
-                <a:solidFill>
-                  <a:srgbClr val="3465a4"/>
-                </a:solidFill>
-                <a:latin typeface="Arial"/>
-              </a:rPr>
-              <a:t>Existing GUI</a:t>
-            </a:r>
-            <a:endParaRPr b="0" lang="en-US" sz="1800" spc="-1" strike="noStrike">
-              <a:solidFill>
-                <a:srgbClr val="3465a4"/>
-              </a:solidFill>
-              <a:latin typeface="Arial"/>
-            </a:endParaRPr>
-          </a:p>
-        </p:txBody>
-      </p:sp>
-    </p:spTree>
-  </p:cSld>
-  <mc:AlternateContent>
-    <mc:Choice Requires="p14">
-      <p:transition spd="slow" p14:dur="2000"/>
-    </mc:Choice>
-    <mc:Fallback>
-      <p:transition spd="slow"/>
-    </mc:Fallback>
-  </mc:AlternateContent>
-  <p:timing>
-    <p:tnLst>
-      <p:par>
-        <p:cTn id="17" dur="indefinite" restart="never" nodeType="tmRoot">
-          <p:childTnLst>
-            <p:seq>
-              <p:cTn id="18" dur="indefinite" nodeType="mainSeq"/>
-              <p:prevCondLst>
-                <p:cond delay="0" evt="onPrev">
-                  <p:tgtEl>
-                    <p:sldTgt/>
-                  </p:tgtEl>
-                </p:cond>
-              </p:prevCondLst>
-              <p:nextCondLst>
-                <p:cond delay="0" evt="onNext">
+                <p:cond evt="onNext" delay="0">
                   <p:tgtEl>
                     <p:sldTgt/>
                   </p:tgtEl>
@@ -5773,31 +6307,31 @@
         <a:sysClr val="window" lastClr="FFFFFF"/>
       </a:lt1>
       <a:dk2>
-        <a:srgbClr val="1f497d"/>
+        <a:srgbClr val="1F497D"/>
       </a:dk2>
       <a:lt2>
-        <a:srgbClr val="eeece1"/>
+        <a:srgbClr val="EEECE1"/>
       </a:lt2>
       <a:accent1>
-        <a:srgbClr val="4f81bd"/>
+        <a:srgbClr val="4F81BD"/>
       </a:accent1>
       <a:accent2>
-        <a:srgbClr val="c0504d"/>
+        <a:srgbClr val="C0504D"/>
       </a:accent2>
       <a:accent3>
-        <a:srgbClr val="9bbb59"/>
+        <a:srgbClr val="9BBB59"/>
       </a:accent3>
       <a:accent4>
-        <a:srgbClr val="8064a2"/>
+        <a:srgbClr val="8064A2"/>
       </a:accent4>
       <a:accent5>
-        <a:srgbClr val="4bacc6"/>
+        <a:srgbClr val="4BACC6"/>
       </a:accent5>
       <a:accent6>
-        <a:srgbClr val="f79646"/>
+        <a:srgbClr val="F79646"/>
       </a:accent6>
       <a:hlink>
-        <a:srgbClr val="0000ff"/>
+        <a:srgbClr val="0000FF"/>
       </a:hlink>
       <a:folHlink>
         <a:srgbClr val="800080"/>
@@ -5982,6 +6516,8 @@
       </a:bgFillStyleLst>
     </a:fmtScheme>
   </a:themeElements>
+  <a:objectDefaults/>
+  <a:extraClrSchemeLst/>
 </a:theme>
 </file>
 
@@ -5996,31 +6532,31 @@
         <a:sysClr val="window" lastClr="FFFFFF"/>
       </a:lt1>
       <a:dk2>
-        <a:srgbClr val="1f497d"/>
+        <a:srgbClr val="1F497D"/>
       </a:dk2>
       <a:lt2>
-        <a:srgbClr val="eeece1"/>
+        <a:srgbClr val="EEECE1"/>
       </a:lt2>
       <a:accent1>
-        <a:srgbClr val="4f81bd"/>
+        <a:srgbClr val="4F81BD"/>
       </a:accent1>
       <a:accent2>
-        <a:srgbClr val="c0504d"/>
+        <a:srgbClr val="C0504D"/>
       </a:accent2>
       <a:accent3>
-        <a:srgbClr val="9bbb59"/>
+        <a:srgbClr val="9BBB59"/>
       </a:accent3>
       <a:accent4>
-        <a:srgbClr val="8064a2"/>
+        <a:srgbClr val="8064A2"/>
       </a:accent4>
       <a:accent5>
-        <a:srgbClr val="4bacc6"/>
+        <a:srgbClr val="4BACC6"/>
       </a:accent5>
       <a:accent6>
-        <a:srgbClr val="f79646"/>
+        <a:srgbClr val="F79646"/>
       </a:accent6>
       <a:hlink>
-        <a:srgbClr val="0000ff"/>
+        <a:srgbClr val="0000FF"/>
       </a:hlink>
       <a:folHlink>
         <a:srgbClr val="800080"/>
@@ -6205,5 +6741,7 @@
       </a:bgFillStyleLst>
     </a:fmtScheme>
   </a:themeElements>
+  <a:objectDefaults/>
+  <a:extraClrSchemeLst/>
 </a:theme>
 </file>
--- a/MiscFiles/Final Presentation V2.pptx
+++ b/MiscFiles/Final Presentation V2.pptx
@@ -16,7 +16,14 @@
     <p:sldId id="263" r:id="rId10"/>
     <p:sldId id="264" r:id="rId11"/>
     <p:sldId id="265" r:id="rId12"/>
-    <p:sldId id="266" r:id="rId13"/>
+    <p:sldId id="267" r:id="rId13"/>
+    <p:sldId id="268" r:id="rId14"/>
+    <p:sldId id="269" r:id="rId15"/>
+    <p:sldId id="270" r:id="rId16"/>
+    <p:sldId id="271" r:id="rId17"/>
+    <p:sldId id="272" r:id="rId18"/>
+    <p:sldId id="273" r:id="rId19"/>
+    <p:sldId id="266" r:id="rId20"/>
   </p:sldIdLst>
   <p:sldSz cx="10080625" cy="7559675"/>
   <p:notesSz cx="7559675" cy="10691813"/>
@@ -115,6 +122,11 @@
       </a:defRPr>
     </a:lvl9pPr>
   </p:defaultTextStyle>
+  <p:extLst>
+    <p:ext uri="{EFAFB233-063F-42B5-8137-9DF3F51BA10A}">
+      <p15:sldGuideLst xmlns:p15="http://schemas.microsoft.com/office/powerpoint/2012/main"/>
+    </p:ext>
+  </p:extLst>
 </p:presentation>
 </file>
 
@@ -4902,6 +4914,1027 @@
 </file>
 
 <file path=ppt/slides/slide11.xml><?xml version="1.0" encoding="utf-8"?>
+<p:sld xmlns:a="http://schemas.openxmlformats.org/drawingml/2006/main" xmlns:r="http://schemas.openxmlformats.org/officeDocument/2006/relationships" xmlns:p="http://schemas.openxmlformats.org/presentationml/2006/main">
+  <p:cSld>
+    <p:spTree>
+      <p:nvGrpSpPr>
+        <p:cNvPr id="1" name=""/>
+        <p:cNvGrpSpPr/>
+        <p:nvPr/>
+      </p:nvGrpSpPr>
+      <p:grpSpPr>
+        <a:xfrm>
+          <a:off x="0" y="0"/>
+          <a:ext cx="0" cy="0"/>
+          <a:chOff x="0" y="0"/>
+          <a:chExt cx="0" cy="0"/>
+        </a:xfrm>
+      </p:grpSpPr>
+      <p:sp>
+        <p:nvSpPr>
+          <p:cNvPr id="2" name="Title 1">
+            <a:extLst>
+              <a:ext uri="{FF2B5EF4-FFF2-40B4-BE49-F238E27FC236}">
+                <a16:creationId xmlns:a16="http://schemas.microsoft.com/office/drawing/2014/main" id="{029F1BBF-5CE7-425F-8469-A92585991637}"/>
+              </a:ext>
+            </a:extLst>
+          </p:cNvPr>
+          <p:cNvSpPr>
+            <a:spLocks noGrp="1"/>
+          </p:cNvSpPr>
+          <p:nvPr>
+            <p:ph type="title"/>
+          </p:nvPr>
+        </p:nvSpPr>
+        <p:spPr>
+          <a:xfrm>
+            <a:off x="504000" y="315401"/>
+            <a:ext cx="9071640" cy="609398"/>
+          </a:xfrm>
+        </p:spPr>
+        <p:txBody>
+          <a:bodyPr/>
+          <a:lstStyle/>
+          <a:p>
+            <a:pPr algn="ctr"/>
+            <a:r>
+              <a:rPr lang="en-US" dirty="0">
+                <a:solidFill>
+                  <a:schemeClr val="bg1"/>
+                </a:solidFill>
+              </a:rPr>
+              <a:t>Google Maps</a:t>
+            </a:r>
+          </a:p>
+        </p:txBody>
+      </p:sp>
+      <p:pic>
+        <p:nvPicPr>
+          <p:cNvPr id="6" name="Picture 5">
+            <a:extLst>
+              <a:ext uri="{FF2B5EF4-FFF2-40B4-BE49-F238E27FC236}">
+                <a16:creationId xmlns:a16="http://schemas.microsoft.com/office/drawing/2014/main" id="{5D70CD76-5E9C-440E-B63A-233E221C18C3}"/>
+              </a:ext>
+            </a:extLst>
+          </p:cNvPr>
+          <p:cNvPicPr>
+            <a:picLocks noChangeAspect="1"/>
+          </p:cNvPicPr>
+          <p:nvPr/>
+        </p:nvPicPr>
+        <p:blipFill>
+          <a:blip r:embed="rId2"/>
+          <a:stretch>
+            <a:fillRect/>
+          </a:stretch>
+        </p:blipFill>
+        <p:spPr>
+          <a:xfrm>
+            <a:off x="504000" y="1237414"/>
+            <a:ext cx="9298004" cy="5084846"/>
+          </a:xfrm>
+          <a:prstGeom prst="rect">
+            <a:avLst/>
+          </a:prstGeom>
+        </p:spPr>
+      </p:pic>
+      <p:sp>
+        <p:nvSpPr>
+          <p:cNvPr id="7" name="Rectangle 6">
+            <a:extLst>
+              <a:ext uri="{FF2B5EF4-FFF2-40B4-BE49-F238E27FC236}">
+                <a16:creationId xmlns:a16="http://schemas.microsoft.com/office/drawing/2014/main" id="{A87A3EC6-127A-4CDB-BB5D-2949993FD412}"/>
+              </a:ext>
+            </a:extLst>
+          </p:cNvPr>
+          <p:cNvSpPr/>
+          <p:nvPr/>
+        </p:nvSpPr>
+        <p:spPr>
+          <a:xfrm>
+            <a:off x="991402" y="1347537"/>
+            <a:ext cx="567891" cy="211756"/>
+          </a:xfrm>
+          <a:prstGeom prst="rect">
+            <a:avLst/>
+          </a:prstGeom>
+          <a:noFill/>
+          <a:ln>
+            <a:solidFill>
+              <a:srgbClr val="FF0000"/>
+            </a:solidFill>
+          </a:ln>
+        </p:spPr>
+        <p:style>
+          <a:lnRef idx="2">
+            <a:schemeClr val="accent1">
+              <a:shade val="50000"/>
+            </a:schemeClr>
+          </a:lnRef>
+          <a:fillRef idx="1">
+            <a:schemeClr val="accent1"/>
+          </a:fillRef>
+          <a:effectRef idx="0">
+            <a:schemeClr val="accent1"/>
+          </a:effectRef>
+          <a:fontRef idx="minor">
+            <a:schemeClr val="lt1"/>
+          </a:fontRef>
+        </p:style>
+        <p:txBody>
+          <a:bodyPr rtlCol="0" anchor="ctr"/>
+          <a:lstStyle/>
+          <a:p>
+            <a:pPr algn="ctr"/>
+            <a:endParaRPr lang="en-US"/>
+          </a:p>
+        </p:txBody>
+      </p:sp>
+    </p:spTree>
+    <p:extLst>
+      <p:ext uri="{BB962C8B-B14F-4D97-AF65-F5344CB8AC3E}">
+        <p14:creationId xmlns:p14="http://schemas.microsoft.com/office/powerpoint/2010/main" val="3134294623"/>
+      </p:ext>
+    </p:extLst>
+  </p:cSld>
+  <p:clrMapOvr>
+    <a:masterClrMapping/>
+  </p:clrMapOvr>
+</p:sld>
+</file>
+
+<file path=ppt/slides/slide12.xml><?xml version="1.0" encoding="utf-8"?>
+<p:sld xmlns:a="http://schemas.openxmlformats.org/drawingml/2006/main" xmlns:r="http://schemas.openxmlformats.org/officeDocument/2006/relationships" xmlns:p="http://schemas.openxmlformats.org/presentationml/2006/main">
+  <p:cSld>
+    <p:spTree>
+      <p:nvGrpSpPr>
+        <p:cNvPr id="1" name=""/>
+        <p:cNvGrpSpPr/>
+        <p:nvPr/>
+      </p:nvGrpSpPr>
+      <p:grpSpPr>
+        <a:xfrm>
+          <a:off x="0" y="0"/>
+          <a:ext cx="0" cy="0"/>
+          <a:chOff x="0" y="0"/>
+          <a:chExt cx="0" cy="0"/>
+        </a:xfrm>
+      </p:grpSpPr>
+      <p:sp>
+        <p:nvSpPr>
+          <p:cNvPr id="2" name="Title 1">
+            <a:extLst>
+              <a:ext uri="{FF2B5EF4-FFF2-40B4-BE49-F238E27FC236}">
+                <a16:creationId xmlns:a16="http://schemas.microsoft.com/office/drawing/2014/main" id="{C9C0BC80-3113-48C7-BE5F-674D8A65A32E}"/>
+              </a:ext>
+            </a:extLst>
+          </p:cNvPr>
+          <p:cNvSpPr>
+            <a:spLocks noGrp="1"/>
+          </p:cNvSpPr>
+          <p:nvPr>
+            <p:ph type="title"/>
+          </p:nvPr>
+        </p:nvSpPr>
+        <p:spPr>
+          <a:xfrm>
+            <a:off x="504000" y="315401"/>
+            <a:ext cx="9071640" cy="609398"/>
+          </a:xfrm>
+        </p:spPr>
+        <p:txBody>
+          <a:bodyPr/>
+          <a:lstStyle/>
+          <a:p>
+            <a:pPr algn="ctr"/>
+            <a:r>
+              <a:rPr lang="en-US" dirty="0">
+                <a:solidFill>
+                  <a:schemeClr val="bg1"/>
+                </a:solidFill>
+              </a:rPr>
+              <a:t>Google Maps</a:t>
+            </a:r>
+          </a:p>
+        </p:txBody>
+      </p:sp>
+      <p:pic>
+        <p:nvPicPr>
+          <p:cNvPr id="5" name="Picture 4">
+            <a:extLst>
+              <a:ext uri="{FF2B5EF4-FFF2-40B4-BE49-F238E27FC236}">
+                <a16:creationId xmlns:a16="http://schemas.microsoft.com/office/drawing/2014/main" id="{C30BCC7A-AEAF-43CA-95E7-D459BB887417}"/>
+              </a:ext>
+            </a:extLst>
+          </p:cNvPr>
+          <p:cNvPicPr>
+            <a:picLocks noChangeAspect="1"/>
+          </p:cNvPicPr>
+          <p:nvPr/>
+        </p:nvPicPr>
+        <p:blipFill>
+          <a:blip r:embed="rId2"/>
+          <a:stretch>
+            <a:fillRect/>
+          </a:stretch>
+        </p:blipFill>
+        <p:spPr>
+          <a:xfrm>
+            <a:off x="366740" y="1223977"/>
+            <a:ext cx="9347143" cy="5111719"/>
+          </a:xfrm>
+          <a:prstGeom prst="rect">
+            <a:avLst/>
+          </a:prstGeom>
+        </p:spPr>
+      </p:pic>
+    </p:spTree>
+    <p:extLst>
+      <p:ext uri="{BB962C8B-B14F-4D97-AF65-F5344CB8AC3E}">
+        <p14:creationId xmlns:p14="http://schemas.microsoft.com/office/powerpoint/2010/main" val="3863278567"/>
+      </p:ext>
+    </p:extLst>
+  </p:cSld>
+  <p:clrMapOvr>
+    <a:masterClrMapping/>
+  </p:clrMapOvr>
+</p:sld>
+</file>
+
+<file path=ppt/slides/slide13.xml><?xml version="1.0" encoding="utf-8"?>
+<p:sld xmlns:a="http://schemas.openxmlformats.org/drawingml/2006/main" xmlns:r="http://schemas.openxmlformats.org/officeDocument/2006/relationships" xmlns:p="http://schemas.openxmlformats.org/presentationml/2006/main">
+  <p:cSld>
+    <p:spTree>
+      <p:nvGrpSpPr>
+        <p:cNvPr id="1" name=""/>
+        <p:cNvGrpSpPr/>
+        <p:nvPr/>
+      </p:nvGrpSpPr>
+      <p:grpSpPr>
+        <a:xfrm>
+          <a:off x="0" y="0"/>
+          <a:ext cx="0" cy="0"/>
+          <a:chOff x="0" y="0"/>
+          <a:chExt cx="0" cy="0"/>
+        </a:xfrm>
+      </p:grpSpPr>
+      <p:sp>
+        <p:nvSpPr>
+          <p:cNvPr id="2" name="Title 1">
+            <a:extLst>
+              <a:ext uri="{FF2B5EF4-FFF2-40B4-BE49-F238E27FC236}">
+                <a16:creationId xmlns:a16="http://schemas.microsoft.com/office/drawing/2014/main" id="{1B77E56D-B458-4EBD-BA85-2282A1CE0AE8}"/>
+              </a:ext>
+            </a:extLst>
+          </p:cNvPr>
+          <p:cNvSpPr>
+            <a:spLocks noGrp="1"/>
+          </p:cNvSpPr>
+          <p:nvPr>
+            <p:ph type="title"/>
+          </p:nvPr>
+        </p:nvSpPr>
+        <p:spPr>
+          <a:xfrm>
+            <a:off x="504000" y="315401"/>
+            <a:ext cx="9071640" cy="609398"/>
+          </a:xfrm>
+        </p:spPr>
+        <p:txBody>
+          <a:bodyPr/>
+          <a:lstStyle/>
+          <a:p>
+            <a:pPr algn="ctr"/>
+            <a:r>
+              <a:rPr lang="en-US" dirty="0">
+                <a:solidFill>
+                  <a:schemeClr val="bg1"/>
+                </a:solidFill>
+              </a:rPr>
+              <a:t>DOB/DOD Changes</a:t>
+            </a:r>
+          </a:p>
+        </p:txBody>
+      </p:sp>
+      <p:pic>
+        <p:nvPicPr>
+          <p:cNvPr id="4" name="Picture 3">
+            <a:extLst>
+              <a:ext uri="{FF2B5EF4-FFF2-40B4-BE49-F238E27FC236}">
+                <a16:creationId xmlns:a16="http://schemas.microsoft.com/office/drawing/2014/main" id="{81ADC14F-2781-4D31-97AB-26DE872B3AB9}"/>
+              </a:ext>
+            </a:extLst>
+          </p:cNvPr>
+          <p:cNvPicPr>
+            <a:picLocks noChangeAspect="1"/>
+          </p:cNvPicPr>
+          <p:nvPr/>
+        </p:nvPicPr>
+        <p:blipFill>
+          <a:blip r:embed="rId2"/>
+          <a:stretch>
+            <a:fillRect/>
+          </a:stretch>
+        </p:blipFill>
+        <p:spPr>
+          <a:xfrm>
+            <a:off x="187200" y="1126060"/>
+            <a:ext cx="9705239" cy="5307553"/>
+          </a:xfrm>
+          <a:prstGeom prst="rect">
+            <a:avLst/>
+          </a:prstGeom>
+          <a:ln>
+            <a:noFill/>
+          </a:ln>
+        </p:spPr>
+      </p:pic>
+      <p:sp>
+        <p:nvSpPr>
+          <p:cNvPr id="6" name="Rectangle 5">
+            <a:extLst>
+              <a:ext uri="{FF2B5EF4-FFF2-40B4-BE49-F238E27FC236}">
+                <a16:creationId xmlns:a16="http://schemas.microsoft.com/office/drawing/2014/main" id="{447617A8-F243-4AAA-8935-2957CB461C80}"/>
+              </a:ext>
+            </a:extLst>
+          </p:cNvPr>
+          <p:cNvSpPr/>
+          <p:nvPr/>
+        </p:nvSpPr>
+        <p:spPr>
+          <a:xfrm>
+            <a:off x="2204185" y="1751798"/>
+            <a:ext cx="904775" cy="231006"/>
+          </a:xfrm>
+          <a:prstGeom prst="rect">
+            <a:avLst/>
+          </a:prstGeom>
+          <a:noFill/>
+          <a:ln>
+            <a:solidFill>
+              <a:srgbClr val="FF0000"/>
+            </a:solidFill>
+          </a:ln>
+        </p:spPr>
+        <p:style>
+          <a:lnRef idx="2">
+            <a:schemeClr val="accent1">
+              <a:shade val="50000"/>
+            </a:schemeClr>
+          </a:lnRef>
+          <a:fillRef idx="1">
+            <a:schemeClr val="accent1"/>
+          </a:fillRef>
+          <a:effectRef idx="0">
+            <a:schemeClr val="accent1"/>
+          </a:effectRef>
+          <a:fontRef idx="minor">
+            <a:schemeClr val="lt1"/>
+          </a:fontRef>
+        </p:style>
+        <p:txBody>
+          <a:bodyPr rtlCol="0" anchor="ctr"/>
+          <a:lstStyle/>
+          <a:p>
+            <a:pPr algn="ctr"/>
+            <a:endParaRPr lang="en-US"/>
+          </a:p>
+        </p:txBody>
+      </p:sp>
+    </p:spTree>
+    <p:extLst>
+      <p:ext uri="{BB962C8B-B14F-4D97-AF65-F5344CB8AC3E}">
+        <p14:creationId xmlns:p14="http://schemas.microsoft.com/office/powerpoint/2010/main" val="2126733383"/>
+      </p:ext>
+    </p:extLst>
+  </p:cSld>
+  <p:clrMapOvr>
+    <a:masterClrMapping/>
+  </p:clrMapOvr>
+</p:sld>
+</file>
+
+<file path=ppt/slides/slide14.xml><?xml version="1.0" encoding="utf-8"?>
+<p:sld xmlns:a="http://schemas.openxmlformats.org/drawingml/2006/main" xmlns:r="http://schemas.openxmlformats.org/officeDocument/2006/relationships" xmlns:p="http://schemas.openxmlformats.org/presentationml/2006/main">
+  <p:cSld>
+    <p:spTree>
+      <p:nvGrpSpPr>
+        <p:cNvPr id="1" name=""/>
+        <p:cNvGrpSpPr/>
+        <p:nvPr/>
+      </p:nvGrpSpPr>
+      <p:grpSpPr>
+        <a:xfrm>
+          <a:off x="0" y="0"/>
+          <a:ext cx="0" cy="0"/>
+          <a:chOff x="0" y="0"/>
+          <a:chExt cx="0" cy="0"/>
+        </a:xfrm>
+      </p:grpSpPr>
+      <p:sp>
+        <p:nvSpPr>
+          <p:cNvPr id="2" name="Title 1">
+            <a:extLst>
+              <a:ext uri="{FF2B5EF4-FFF2-40B4-BE49-F238E27FC236}">
+                <a16:creationId xmlns:a16="http://schemas.microsoft.com/office/drawing/2014/main" id="{59D9E958-5F65-4D78-8402-E49D084B4192}"/>
+              </a:ext>
+            </a:extLst>
+          </p:cNvPr>
+          <p:cNvSpPr>
+            <a:spLocks noGrp="1"/>
+          </p:cNvSpPr>
+          <p:nvPr>
+            <p:ph type="title"/>
+          </p:nvPr>
+        </p:nvSpPr>
+        <p:spPr>
+          <a:xfrm>
+            <a:off x="504000" y="315401"/>
+            <a:ext cx="9071640" cy="609398"/>
+          </a:xfrm>
+        </p:spPr>
+        <p:txBody>
+          <a:bodyPr/>
+          <a:lstStyle/>
+          <a:p>
+            <a:pPr algn="ctr"/>
+            <a:r>
+              <a:rPr lang="en-US" dirty="0">
+                <a:solidFill>
+                  <a:schemeClr val="bg1"/>
+                </a:solidFill>
+              </a:rPr>
+              <a:t>Upload Image Crash</a:t>
+            </a:r>
+          </a:p>
+        </p:txBody>
+      </p:sp>
+      <p:pic>
+        <p:nvPicPr>
+          <p:cNvPr id="4" name="Picture 3">
+            <a:extLst>
+              <a:ext uri="{FF2B5EF4-FFF2-40B4-BE49-F238E27FC236}">
+                <a16:creationId xmlns:a16="http://schemas.microsoft.com/office/drawing/2014/main" id="{E2431B1C-5D96-4A91-B415-65643671D8A8}"/>
+              </a:ext>
+            </a:extLst>
+          </p:cNvPr>
+          <p:cNvPicPr>
+            <a:picLocks noChangeAspect="1"/>
+          </p:cNvPicPr>
+          <p:nvPr/>
+        </p:nvPicPr>
+        <p:blipFill>
+          <a:blip r:embed="rId2"/>
+          <a:stretch>
+            <a:fillRect/>
+          </a:stretch>
+        </p:blipFill>
+        <p:spPr>
+          <a:xfrm>
+            <a:off x="2077599" y="1656291"/>
+            <a:ext cx="5925423" cy="609398"/>
+          </a:xfrm>
+          <a:prstGeom prst="rect">
+            <a:avLst/>
+          </a:prstGeom>
+        </p:spPr>
+      </p:pic>
+      <p:pic>
+        <p:nvPicPr>
+          <p:cNvPr id="5" name="Picture 4">
+            <a:extLst>
+              <a:ext uri="{FF2B5EF4-FFF2-40B4-BE49-F238E27FC236}">
+                <a16:creationId xmlns:a16="http://schemas.microsoft.com/office/drawing/2014/main" id="{EC8EB193-4149-4D94-BE1F-1F9909C70AA8}"/>
+              </a:ext>
+            </a:extLst>
+          </p:cNvPr>
+          <p:cNvPicPr>
+            <a:picLocks noChangeAspect="1"/>
+          </p:cNvPicPr>
+          <p:nvPr/>
+        </p:nvPicPr>
+        <p:blipFill>
+          <a:blip r:embed="rId3"/>
+          <a:stretch>
+            <a:fillRect/>
+          </a:stretch>
+        </p:blipFill>
+        <p:spPr>
+          <a:xfrm>
+            <a:off x="2077599" y="2997182"/>
+            <a:ext cx="5925423" cy="1748072"/>
+          </a:xfrm>
+          <a:prstGeom prst="rect">
+            <a:avLst/>
+          </a:prstGeom>
+        </p:spPr>
+      </p:pic>
+    </p:spTree>
+    <p:extLst>
+      <p:ext uri="{BB962C8B-B14F-4D97-AF65-F5344CB8AC3E}">
+        <p14:creationId xmlns:p14="http://schemas.microsoft.com/office/powerpoint/2010/main" val="2987960971"/>
+      </p:ext>
+    </p:extLst>
+  </p:cSld>
+  <p:clrMapOvr>
+    <a:masterClrMapping/>
+  </p:clrMapOvr>
+</p:sld>
+</file>
+
+<file path=ppt/slides/slide15.xml><?xml version="1.0" encoding="utf-8"?>
+<p:sld xmlns:a="http://schemas.openxmlformats.org/drawingml/2006/main" xmlns:r="http://schemas.openxmlformats.org/officeDocument/2006/relationships" xmlns:p="http://schemas.openxmlformats.org/presentationml/2006/main">
+  <p:cSld>
+    <p:spTree>
+      <p:nvGrpSpPr>
+        <p:cNvPr id="1" name=""/>
+        <p:cNvGrpSpPr/>
+        <p:nvPr/>
+      </p:nvGrpSpPr>
+      <p:grpSpPr>
+        <a:xfrm>
+          <a:off x="0" y="0"/>
+          <a:ext cx="0" cy="0"/>
+          <a:chOff x="0" y="0"/>
+          <a:chExt cx="0" cy="0"/>
+        </a:xfrm>
+      </p:grpSpPr>
+      <p:sp>
+        <p:nvSpPr>
+          <p:cNvPr id="2" name="Title 1">
+            <a:extLst>
+              <a:ext uri="{FF2B5EF4-FFF2-40B4-BE49-F238E27FC236}">
+                <a16:creationId xmlns:a16="http://schemas.microsoft.com/office/drawing/2014/main" id="{DE7F694F-8661-42EB-8E91-58F31BAAAEB2}"/>
+              </a:ext>
+            </a:extLst>
+          </p:cNvPr>
+          <p:cNvSpPr>
+            <a:spLocks noGrp="1"/>
+          </p:cNvSpPr>
+          <p:nvPr>
+            <p:ph type="title"/>
+          </p:nvPr>
+        </p:nvSpPr>
+        <p:spPr/>
+        <p:txBody>
+          <a:bodyPr/>
+          <a:lstStyle/>
+          <a:p>
+            <a:pPr algn="ctr"/>
+            <a:r>
+              <a:rPr lang="en-US" dirty="0">
+                <a:solidFill>
+                  <a:schemeClr val="bg1"/>
+                </a:solidFill>
+              </a:rPr>
+              <a:t>Find A Grave</a:t>
+            </a:r>
+          </a:p>
+        </p:txBody>
+      </p:sp>
+      <p:sp>
+        <p:nvSpPr>
+          <p:cNvPr id="4" name="Subtitle 3">
+            <a:extLst>
+              <a:ext uri="{FF2B5EF4-FFF2-40B4-BE49-F238E27FC236}">
+                <a16:creationId xmlns:a16="http://schemas.microsoft.com/office/drawing/2014/main" id="{E0FFFB47-5469-4670-ADA6-8967235E203F}"/>
+              </a:ext>
+            </a:extLst>
+          </p:cNvPr>
+          <p:cNvSpPr>
+            <a:spLocks noGrp="1"/>
+          </p:cNvSpPr>
+          <p:nvPr>
+            <p:ph type="subTitle"/>
+          </p:nvPr>
+        </p:nvSpPr>
+        <p:spPr>
+          <a:xfrm>
+            <a:off x="504000" y="1297012"/>
+            <a:ext cx="2778215" cy="387798"/>
+          </a:xfrm>
+        </p:spPr>
+        <p:txBody>
+          <a:bodyPr/>
+          <a:lstStyle/>
+          <a:p>
+            <a:r>
+              <a:rPr lang="en-US" dirty="0"/>
+              <a:t>Admin</a:t>
+            </a:r>
+          </a:p>
+        </p:txBody>
+      </p:sp>
+      <p:pic>
+        <p:nvPicPr>
+          <p:cNvPr id="5" name="Picture 4">
+            <a:extLst>
+              <a:ext uri="{FF2B5EF4-FFF2-40B4-BE49-F238E27FC236}">
+                <a16:creationId xmlns:a16="http://schemas.microsoft.com/office/drawing/2014/main" id="{87F8DD2E-B45D-44F7-BFBB-22E5F3553062}"/>
+              </a:ext>
+            </a:extLst>
+          </p:cNvPr>
+          <p:cNvPicPr>
+            <a:picLocks noChangeAspect="1"/>
+          </p:cNvPicPr>
+          <p:nvPr/>
+        </p:nvPicPr>
+        <p:blipFill>
+          <a:blip r:embed="rId2"/>
+          <a:stretch>
+            <a:fillRect/>
+          </a:stretch>
+        </p:blipFill>
+        <p:spPr>
+          <a:xfrm>
+            <a:off x="739990" y="1684810"/>
+            <a:ext cx="8599660" cy="4702939"/>
+          </a:xfrm>
+          <a:prstGeom prst="rect">
+            <a:avLst/>
+          </a:prstGeom>
+        </p:spPr>
+      </p:pic>
+      <p:sp>
+        <p:nvSpPr>
+          <p:cNvPr id="6" name="Rectangle 5">
+            <a:extLst>
+              <a:ext uri="{FF2B5EF4-FFF2-40B4-BE49-F238E27FC236}">
+                <a16:creationId xmlns:a16="http://schemas.microsoft.com/office/drawing/2014/main" id="{FA3708EC-0BD3-4579-9D52-931136D0019F}"/>
+              </a:ext>
+            </a:extLst>
+          </p:cNvPr>
+          <p:cNvSpPr/>
+          <p:nvPr/>
+        </p:nvSpPr>
+        <p:spPr>
+          <a:xfrm>
+            <a:off x="1703672" y="5621154"/>
+            <a:ext cx="3336640" cy="163629"/>
+          </a:xfrm>
+          <a:prstGeom prst="rect">
+            <a:avLst/>
+          </a:prstGeom>
+          <a:noFill/>
+          <a:ln>
+            <a:solidFill>
+              <a:srgbClr val="FF0000"/>
+            </a:solidFill>
+          </a:ln>
+        </p:spPr>
+        <p:style>
+          <a:lnRef idx="2">
+            <a:schemeClr val="accent1">
+              <a:shade val="50000"/>
+            </a:schemeClr>
+          </a:lnRef>
+          <a:fillRef idx="1">
+            <a:schemeClr val="accent1"/>
+          </a:fillRef>
+          <a:effectRef idx="0">
+            <a:schemeClr val="accent1"/>
+          </a:effectRef>
+          <a:fontRef idx="minor">
+            <a:schemeClr val="lt1"/>
+          </a:fontRef>
+        </p:style>
+        <p:txBody>
+          <a:bodyPr rtlCol="0" anchor="ctr"/>
+          <a:lstStyle/>
+          <a:p>
+            <a:pPr algn="ctr"/>
+            <a:endParaRPr lang="en-US"/>
+          </a:p>
+        </p:txBody>
+      </p:sp>
+    </p:spTree>
+    <p:extLst>
+      <p:ext uri="{BB962C8B-B14F-4D97-AF65-F5344CB8AC3E}">
+        <p14:creationId xmlns:p14="http://schemas.microsoft.com/office/powerpoint/2010/main" val="728681171"/>
+      </p:ext>
+    </p:extLst>
+  </p:cSld>
+  <p:clrMapOvr>
+    <a:masterClrMapping/>
+  </p:clrMapOvr>
+</p:sld>
+</file>
+
+<file path=ppt/slides/slide16.xml><?xml version="1.0" encoding="utf-8"?>
+<p:sld xmlns:a="http://schemas.openxmlformats.org/drawingml/2006/main" xmlns:r="http://schemas.openxmlformats.org/officeDocument/2006/relationships" xmlns:p="http://schemas.openxmlformats.org/presentationml/2006/main">
+  <p:cSld>
+    <p:spTree>
+      <p:nvGrpSpPr>
+        <p:cNvPr id="1" name=""/>
+        <p:cNvGrpSpPr/>
+        <p:nvPr/>
+      </p:nvGrpSpPr>
+      <p:grpSpPr>
+        <a:xfrm>
+          <a:off x="0" y="0"/>
+          <a:ext cx="0" cy="0"/>
+          <a:chOff x="0" y="0"/>
+          <a:chExt cx="0" cy="0"/>
+        </a:xfrm>
+      </p:grpSpPr>
+      <p:sp>
+        <p:nvSpPr>
+          <p:cNvPr id="2" name="Title 1">
+            <a:extLst>
+              <a:ext uri="{FF2B5EF4-FFF2-40B4-BE49-F238E27FC236}">
+                <a16:creationId xmlns:a16="http://schemas.microsoft.com/office/drawing/2014/main" id="{37E670C7-79A3-4589-AC79-DB8FD220F3F3}"/>
+              </a:ext>
+            </a:extLst>
+          </p:cNvPr>
+          <p:cNvSpPr>
+            <a:spLocks noGrp="1"/>
+          </p:cNvSpPr>
+          <p:nvPr>
+            <p:ph type="title"/>
+          </p:nvPr>
+        </p:nvSpPr>
+        <p:spPr>
+          <a:xfrm>
+            <a:off x="504000" y="315401"/>
+            <a:ext cx="9071640" cy="609398"/>
+          </a:xfrm>
+        </p:spPr>
+        <p:txBody>
+          <a:bodyPr/>
+          <a:lstStyle/>
+          <a:p>
+            <a:pPr algn="ctr"/>
+            <a:r>
+              <a:rPr lang="en-US" dirty="0">
+                <a:solidFill>
+                  <a:schemeClr val="bg1"/>
+                </a:solidFill>
+              </a:rPr>
+              <a:t>Find A Grave</a:t>
+            </a:r>
+          </a:p>
+        </p:txBody>
+      </p:sp>
+      <p:sp>
+        <p:nvSpPr>
+          <p:cNvPr id="3" name="Subtitle 2">
+            <a:extLst>
+              <a:ext uri="{FF2B5EF4-FFF2-40B4-BE49-F238E27FC236}">
+                <a16:creationId xmlns:a16="http://schemas.microsoft.com/office/drawing/2014/main" id="{41F6442A-1617-47B7-872D-4BC1A38C111C}"/>
+              </a:ext>
+            </a:extLst>
+          </p:cNvPr>
+          <p:cNvSpPr>
+            <a:spLocks noGrp="1"/>
+          </p:cNvSpPr>
+          <p:nvPr>
+            <p:ph type="subTitle"/>
+          </p:nvPr>
+        </p:nvSpPr>
+        <p:spPr>
+          <a:xfrm>
+            <a:off x="504000" y="1284044"/>
+            <a:ext cx="1709811" cy="387798"/>
+          </a:xfrm>
+        </p:spPr>
+        <p:txBody>
+          <a:bodyPr/>
+          <a:lstStyle/>
+          <a:p>
+            <a:r>
+              <a:rPr lang="en-US" dirty="0"/>
+              <a:t>Viewer</a:t>
+            </a:r>
+          </a:p>
+        </p:txBody>
+      </p:sp>
+      <p:pic>
+        <p:nvPicPr>
+          <p:cNvPr id="4" name="Picture 3">
+            <a:extLst>
+              <a:ext uri="{FF2B5EF4-FFF2-40B4-BE49-F238E27FC236}">
+                <a16:creationId xmlns:a16="http://schemas.microsoft.com/office/drawing/2014/main" id="{A8E643B8-1CB5-459B-B0AA-D52AB8982B31}"/>
+              </a:ext>
+            </a:extLst>
+          </p:cNvPr>
+          <p:cNvPicPr>
+            <a:picLocks noChangeAspect="1"/>
+          </p:cNvPicPr>
+          <p:nvPr/>
+        </p:nvPicPr>
+        <p:blipFill>
+          <a:blip r:embed="rId2"/>
+          <a:stretch>
+            <a:fillRect/>
+          </a:stretch>
+        </p:blipFill>
+        <p:spPr>
+          <a:xfrm>
+            <a:off x="945019" y="1671842"/>
+            <a:ext cx="8189602" cy="4478689"/>
+          </a:xfrm>
+          <a:prstGeom prst="rect">
+            <a:avLst/>
+          </a:prstGeom>
+        </p:spPr>
+      </p:pic>
+      <p:sp>
+        <p:nvSpPr>
+          <p:cNvPr id="5" name="Rectangle 4">
+            <a:extLst>
+              <a:ext uri="{FF2B5EF4-FFF2-40B4-BE49-F238E27FC236}">
+                <a16:creationId xmlns:a16="http://schemas.microsoft.com/office/drawing/2014/main" id="{AE55C391-02C5-405E-AED3-E3085F97E4A5}"/>
+              </a:ext>
+            </a:extLst>
+          </p:cNvPr>
+          <p:cNvSpPr/>
+          <p:nvPr/>
+        </p:nvSpPr>
+        <p:spPr>
+          <a:xfrm>
+            <a:off x="1886552" y="1771048"/>
+            <a:ext cx="625642" cy="173255"/>
+          </a:xfrm>
+          <a:prstGeom prst="rect">
+            <a:avLst/>
+          </a:prstGeom>
+          <a:noFill/>
+          <a:ln>
+            <a:solidFill>
+              <a:srgbClr val="FF0000"/>
+            </a:solidFill>
+          </a:ln>
+        </p:spPr>
+        <p:style>
+          <a:lnRef idx="2">
+            <a:schemeClr val="accent1">
+              <a:shade val="50000"/>
+            </a:schemeClr>
+          </a:lnRef>
+          <a:fillRef idx="1">
+            <a:schemeClr val="accent1"/>
+          </a:fillRef>
+          <a:effectRef idx="0">
+            <a:schemeClr val="accent1"/>
+          </a:effectRef>
+          <a:fontRef idx="minor">
+            <a:schemeClr val="lt1"/>
+          </a:fontRef>
+        </p:style>
+        <p:txBody>
+          <a:bodyPr rtlCol="0" anchor="ctr"/>
+          <a:lstStyle/>
+          <a:p>
+            <a:pPr algn="ctr"/>
+            <a:endParaRPr lang="en-US"/>
+          </a:p>
+        </p:txBody>
+      </p:sp>
+    </p:spTree>
+    <p:extLst>
+      <p:ext uri="{BB962C8B-B14F-4D97-AF65-F5344CB8AC3E}">
+        <p14:creationId xmlns:p14="http://schemas.microsoft.com/office/powerpoint/2010/main" val="3580192146"/>
+      </p:ext>
+    </p:extLst>
+  </p:cSld>
+  <p:clrMapOvr>
+    <a:masterClrMapping/>
+  </p:clrMapOvr>
+</p:sld>
+</file>
+
+<file path=ppt/slides/slide17.xml><?xml version="1.0" encoding="utf-8"?>
+<p:sld xmlns:a="http://schemas.openxmlformats.org/drawingml/2006/main" xmlns:r="http://schemas.openxmlformats.org/officeDocument/2006/relationships" xmlns:p="http://schemas.openxmlformats.org/presentationml/2006/main">
+  <p:cSld>
+    <p:spTree>
+      <p:nvGrpSpPr>
+        <p:cNvPr id="1" name=""/>
+        <p:cNvGrpSpPr/>
+        <p:nvPr/>
+      </p:nvGrpSpPr>
+      <p:grpSpPr>
+        <a:xfrm>
+          <a:off x="0" y="0"/>
+          <a:ext cx="0" cy="0"/>
+          <a:chOff x="0" y="0"/>
+          <a:chExt cx="0" cy="0"/>
+        </a:xfrm>
+      </p:grpSpPr>
+      <p:sp>
+        <p:nvSpPr>
+          <p:cNvPr id="2" name="Title 1">
+            <a:extLst>
+              <a:ext uri="{FF2B5EF4-FFF2-40B4-BE49-F238E27FC236}">
+                <a16:creationId xmlns:a16="http://schemas.microsoft.com/office/drawing/2014/main" id="{57FA5111-5ED0-4A65-A5E2-42A222102DC2}"/>
+              </a:ext>
+            </a:extLst>
+          </p:cNvPr>
+          <p:cNvSpPr>
+            <a:spLocks noGrp="1"/>
+          </p:cNvSpPr>
+          <p:nvPr>
+            <p:ph type="title"/>
+          </p:nvPr>
+        </p:nvSpPr>
+        <p:spPr>
+          <a:xfrm>
+            <a:off x="504000" y="315401"/>
+            <a:ext cx="9071640" cy="609398"/>
+          </a:xfrm>
+        </p:spPr>
+        <p:txBody>
+          <a:bodyPr/>
+          <a:lstStyle/>
+          <a:p>
+            <a:pPr algn="ctr"/>
+            <a:r>
+              <a:rPr lang="en-US" dirty="0">
+                <a:solidFill>
+                  <a:schemeClr val="bg1"/>
+                </a:solidFill>
+              </a:rPr>
+              <a:t>Find A Grave</a:t>
+            </a:r>
+          </a:p>
+        </p:txBody>
+      </p:sp>
+      <p:sp>
+        <p:nvSpPr>
+          <p:cNvPr id="3" name="Subtitle 2">
+            <a:extLst>
+              <a:ext uri="{FF2B5EF4-FFF2-40B4-BE49-F238E27FC236}">
+                <a16:creationId xmlns:a16="http://schemas.microsoft.com/office/drawing/2014/main" id="{DA2825AD-F3AC-4C40-B13B-7456B2DFF8E3}"/>
+              </a:ext>
+            </a:extLst>
+          </p:cNvPr>
+          <p:cNvSpPr>
+            <a:spLocks noGrp="1"/>
+          </p:cNvSpPr>
+          <p:nvPr>
+            <p:ph type="subTitle"/>
+          </p:nvPr>
+        </p:nvSpPr>
+        <p:spPr>
+          <a:xfrm>
+            <a:off x="504000" y="1245542"/>
+            <a:ext cx="1767562" cy="387798"/>
+          </a:xfrm>
+        </p:spPr>
+        <p:txBody>
+          <a:bodyPr/>
+          <a:lstStyle/>
+          <a:p>
+            <a:r>
+              <a:rPr lang="en-US" dirty="0"/>
+              <a:t>Website</a:t>
+            </a:r>
+          </a:p>
+        </p:txBody>
+      </p:sp>
+      <p:pic>
+        <p:nvPicPr>
+          <p:cNvPr id="4" name="Picture 3">
+            <a:extLst>
+              <a:ext uri="{FF2B5EF4-FFF2-40B4-BE49-F238E27FC236}">
+                <a16:creationId xmlns:a16="http://schemas.microsoft.com/office/drawing/2014/main" id="{2816FB25-A3FF-41C6-930C-0D326A4F3BBA}"/>
+              </a:ext>
+            </a:extLst>
+          </p:cNvPr>
+          <p:cNvPicPr>
+            <a:picLocks noChangeAspect="1"/>
+          </p:cNvPicPr>
+          <p:nvPr/>
+        </p:nvPicPr>
+        <p:blipFill>
+          <a:blip r:embed="rId2"/>
+          <a:stretch>
+            <a:fillRect/>
+          </a:stretch>
+        </p:blipFill>
+        <p:spPr>
+          <a:xfrm>
+            <a:off x="783967" y="1633340"/>
+            <a:ext cx="8511706" cy="4654839"/>
+          </a:xfrm>
+          <a:prstGeom prst="rect">
+            <a:avLst/>
+          </a:prstGeom>
+        </p:spPr>
+      </p:pic>
+    </p:spTree>
+    <p:extLst>
+      <p:ext uri="{BB962C8B-B14F-4D97-AF65-F5344CB8AC3E}">
+        <p14:creationId xmlns:p14="http://schemas.microsoft.com/office/powerpoint/2010/main" val="3374135640"/>
+      </p:ext>
+    </p:extLst>
+  </p:cSld>
+  <p:clrMapOvr>
+    <a:masterClrMapping/>
+  </p:clrMapOvr>
+</p:sld>
+</file>
+
+<file path=ppt/slides/slide18.xml><?xml version="1.0" encoding="utf-8"?>
 <p:sld xmlns:a="http://schemas.openxmlformats.org/drawingml/2006/main" xmlns:r="http://schemas.openxmlformats.org/officeDocument/2006/relationships" xmlns:p="http://schemas.openxmlformats.org/presentationml/2006/main">
   <p:cSld>
     <p:spTree>

--- a/MiscFiles/Final Presentation V2.pptx
+++ b/MiscFiles/Final Presentation V2.pptx
@@ -19,11 +19,12 @@
     <p:sldId id="267" r:id="rId13"/>
     <p:sldId id="268" r:id="rId14"/>
     <p:sldId id="269" r:id="rId15"/>
-    <p:sldId id="270" r:id="rId16"/>
-    <p:sldId id="271" r:id="rId17"/>
-    <p:sldId id="272" r:id="rId18"/>
-    <p:sldId id="273" r:id="rId19"/>
-    <p:sldId id="266" r:id="rId20"/>
+    <p:sldId id="274" r:id="rId16"/>
+    <p:sldId id="270" r:id="rId17"/>
+    <p:sldId id="271" r:id="rId18"/>
+    <p:sldId id="272" r:id="rId19"/>
+    <p:sldId id="273" r:id="rId20"/>
+    <p:sldId id="266" r:id="rId21"/>
   </p:sldIdLst>
   <p:sldSz cx="10080625" cy="7559675"/>
   <p:notesSz cx="7559675" cy="10691813"/>
@@ -5336,7 +5337,7 @@
           <p:cNvPr id="2" name="Title 1">
             <a:extLst>
               <a:ext uri="{FF2B5EF4-FFF2-40B4-BE49-F238E27FC236}">
-                <a16:creationId xmlns:a16="http://schemas.microsoft.com/office/drawing/2014/main" id="{59D9E958-5F65-4D78-8402-E49D084B4192}"/>
+                <a16:creationId xmlns:a16="http://schemas.microsoft.com/office/drawing/2014/main" id="{1FB5E3A6-9B7D-4A86-BCEC-8EC0FEAA380D}"/>
               </a:ext>
             </a:extLst>
           </p:cNvPr>
@@ -5364,7 +5365,7 @@
                   <a:schemeClr val="bg1"/>
                 </a:solidFill>
               </a:rPr>
-              <a:t>Upload Image Crash</a:t>
+              <a:t>DOB/DOD ER Diagram</a:t>
             </a:r>
           </a:p>
         </p:txBody>
@@ -5374,7 +5375,7 @@
           <p:cNvPr id="4" name="Picture 3">
             <a:extLst>
               <a:ext uri="{FF2B5EF4-FFF2-40B4-BE49-F238E27FC236}">
-                <a16:creationId xmlns:a16="http://schemas.microsoft.com/office/drawing/2014/main" id="{E2431B1C-5D96-4A91-B415-65643671D8A8}"/>
+                <a16:creationId xmlns:a16="http://schemas.microsoft.com/office/drawing/2014/main" id="{5923C708-E3E6-46C0-8A8A-AB8097FCE2D1}"/>
               </a:ext>
             </a:extLst>
           </p:cNvPr>
@@ -5391,38 +5392,8 @@
         </p:blipFill>
         <p:spPr>
           <a:xfrm>
-            <a:off x="2077599" y="1656291"/>
-            <a:ext cx="5925423" cy="609398"/>
-          </a:xfrm>
-          <a:prstGeom prst="rect">
-            <a:avLst/>
-          </a:prstGeom>
-        </p:spPr>
-      </p:pic>
-      <p:pic>
-        <p:nvPicPr>
-          <p:cNvPr id="5" name="Picture 4">
-            <a:extLst>
-              <a:ext uri="{FF2B5EF4-FFF2-40B4-BE49-F238E27FC236}">
-                <a16:creationId xmlns:a16="http://schemas.microsoft.com/office/drawing/2014/main" id="{EC8EB193-4149-4D94-BE1F-1F9909C70AA8}"/>
-              </a:ext>
-            </a:extLst>
-          </p:cNvPr>
-          <p:cNvPicPr>
-            <a:picLocks noChangeAspect="1"/>
-          </p:cNvPicPr>
-          <p:nvPr/>
-        </p:nvPicPr>
-        <p:blipFill>
-          <a:blip r:embed="rId3"/>
-          <a:stretch>
-            <a:fillRect/>
-          </a:stretch>
-        </p:blipFill>
-        <p:spPr>
-          <a:xfrm>
-            <a:off x="2077599" y="2997182"/>
-            <a:ext cx="5925423" cy="1748072"/>
+            <a:off x="4002087" y="1660524"/>
+            <a:ext cx="2076450" cy="4238625"/>
           </a:xfrm>
           <a:prstGeom prst="rect">
             <a:avLst/>
@@ -5432,7 +5403,7 @@
     </p:spTree>
     <p:extLst>
       <p:ext uri="{BB962C8B-B14F-4D97-AF65-F5344CB8AC3E}">
-        <p14:creationId xmlns:p14="http://schemas.microsoft.com/office/powerpoint/2010/main" val="2987960971"/>
+        <p14:creationId xmlns:p14="http://schemas.microsoft.com/office/powerpoint/2010/main" val="1269725659"/>
       </p:ext>
     </p:extLst>
   </p:cSld>
@@ -5464,7 +5435,7 @@
           <p:cNvPr id="2" name="Title 1">
             <a:extLst>
               <a:ext uri="{FF2B5EF4-FFF2-40B4-BE49-F238E27FC236}">
-                <a16:creationId xmlns:a16="http://schemas.microsoft.com/office/drawing/2014/main" id="{DE7F694F-8661-42EB-8E91-58F31BAAAEB2}"/>
+                <a16:creationId xmlns:a16="http://schemas.microsoft.com/office/drawing/2014/main" id="{59D9E958-5F65-4D78-8402-E49D084B4192}"/>
               </a:ext>
             </a:extLst>
           </p:cNvPr>
@@ -5475,7 +5446,12 @@
             <p:ph type="title"/>
           </p:nvPr>
         </p:nvSpPr>
-        <p:spPr/>
+        <p:spPr>
+          <a:xfrm>
+            <a:off x="504000" y="315401"/>
+            <a:ext cx="9071640" cy="609398"/>
+          </a:xfrm>
+        </p:spPr>
         <p:txBody>
           <a:bodyPr/>
           <a:lstStyle/>
@@ -5487,50 +5463,17 @@
                   <a:schemeClr val="bg1"/>
                 </a:solidFill>
               </a:rPr>
-              <a:t>Find A Grave</a:t>
+              <a:t>Upload Image Crash</a:t>
             </a:r>
           </a:p>
         </p:txBody>
       </p:sp>
-      <p:sp>
-        <p:nvSpPr>
-          <p:cNvPr id="4" name="Subtitle 3">
+      <p:pic>
+        <p:nvPicPr>
+          <p:cNvPr id="4" name="Picture 3">
             <a:extLst>
               <a:ext uri="{FF2B5EF4-FFF2-40B4-BE49-F238E27FC236}">
-                <a16:creationId xmlns:a16="http://schemas.microsoft.com/office/drawing/2014/main" id="{E0FFFB47-5469-4670-ADA6-8967235E203F}"/>
-              </a:ext>
-            </a:extLst>
-          </p:cNvPr>
-          <p:cNvSpPr>
-            <a:spLocks noGrp="1"/>
-          </p:cNvSpPr>
-          <p:nvPr>
-            <p:ph type="subTitle"/>
-          </p:nvPr>
-        </p:nvSpPr>
-        <p:spPr>
-          <a:xfrm>
-            <a:off x="504000" y="1297012"/>
-            <a:ext cx="2778215" cy="387798"/>
-          </a:xfrm>
-        </p:spPr>
-        <p:txBody>
-          <a:bodyPr/>
-          <a:lstStyle/>
-          <a:p>
-            <a:r>
-              <a:rPr lang="en-US" dirty="0"/>
-              <a:t>Admin</a:t>
-            </a:r>
-          </a:p>
-        </p:txBody>
-      </p:sp>
-      <p:pic>
-        <p:nvPicPr>
-          <p:cNvPr id="5" name="Picture 4">
-            <a:extLst>
-              <a:ext uri="{FF2B5EF4-FFF2-40B4-BE49-F238E27FC236}">
-                <a16:creationId xmlns:a16="http://schemas.microsoft.com/office/drawing/2014/main" id="{87F8DD2E-B45D-44F7-BFBB-22E5F3553062}"/>
+                <a16:creationId xmlns:a16="http://schemas.microsoft.com/office/drawing/2014/main" id="{E2431B1C-5D96-4A91-B415-65643671D8A8}"/>
               </a:ext>
             </a:extLst>
           </p:cNvPr>
@@ -5547,70 +5490,48 @@
         </p:blipFill>
         <p:spPr>
           <a:xfrm>
-            <a:off x="739990" y="1684810"/>
-            <a:ext cx="8599660" cy="4702939"/>
+            <a:off x="2077599" y="1656291"/>
+            <a:ext cx="5925423" cy="609398"/>
           </a:xfrm>
           <a:prstGeom prst="rect">
             <a:avLst/>
           </a:prstGeom>
         </p:spPr>
       </p:pic>
-      <p:sp>
-        <p:nvSpPr>
-          <p:cNvPr id="6" name="Rectangle 5">
+      <p:pic>
+        <p:nvPicPr>
+          <p:cNvPr id="5" name="Picture 4">
             <a:extLst>
               <a:ext uri="{FF2B5EF4-FFF2-40B4-BE49-F238E27FC236}">
-                <a16:creationId xmlns:a16="http://schemas.microsoft.com/office/drawing/2014/main" id="{FA3708EC-0BD3-4579-9D52-931136D0019F}"/>
+                <a16:creationId xmlns:a16="http://schemas.microsoft.com/office/drawing/2014/main" id="{EC8EB193-4149-4D94-BE1F-1F9909C70AA8}"/>
               </a:ext>
             </a:extLst>
           </p:cNvPr>
-          <p:cNvSpPr/>
+          <p:cNvPicPr>
+            <a:picLocks noChangeAspect="1"/>
+          </p:cNvPicPr>
           <p:nvPr/>
-        </p:nvSpPr>
-        <p:spPr>
-          <a:xfrm>
-            <a:off x="1703672" y="5621154"/>
-            <a:ext cx="3336640" cy="163629"/>
-          </a:xfrm>
-          <a:prstGeom prst="rect">
-            <a:avLst/>
-          </a:prstGeom>
-          <a:noFill/>
-          <a:ln>
-            <a:solidFill>
-              <a:srgbClr val="FF0000"/>
-            </a:solidFill>
-          </a:ln>
-        </p:spPr>
-        <p:style>
-          <a:lnRef idx="2">
-            <a:schemeClr val="accent1">
-              <a:shade val="50000"/>
-            </a:schemeClr>
-          </a:lnRef>
-          <a:fillRef idx="1">
-            <a:schemeClr val="accent1"/>
-          </a:fillRef>
-          <a:effectRef idx="0">
-            <a:schemeClr val="accent1"/>
-          </a:effectRef>
-          <a:fontRef idx="minor">
-            <a:schemeClr val="lt1"/>
-          </a:fontRef>
-        </p:style>
-        <p:txBody>
-          <a:bodyPr rtlCol="0" anchor="ctr"/>
-          <a:lstStyle/>
-          <a:p>
-            <a:pPr algn="ctr"/>
-            <a:endParaRPr lang="en-US"/>
-          </a:p>
-        </p:txBody>
-      </p:sp>
+        </p:nvPicPr>
+        <p:blipFill>
+          <a:blip r:embed="rId3"/>
+          <a:stretch>
+            <a:fillRect/>
+          </a:stretch>
+        </p:blipFill>
+        <p:spPr>
+          <a:xfrm>
+            <a:off x="2077599" y="2997182"/>
+            <a:ext cx="5925423" cy="1748072"/>
+          </a:xfrm>
+          <a:prstGeom prst="rect">
+            <a:avLst/>
+          </a:prstGeom>
+        </p:spPr>
+      </p:pic>
     </p:spTree>
     <p:extLst>
       <p:ext uri="{BB962C8B-B14F-4D97-AF65-F5344CB8AC3E}">
-        <p14:creationId xmlns:p14="http://schemas.microsoft.com/office/powerpoint/2010/main" val="728681171"/>
+        <p14:creationId xmlns:p14="http://schemas.microsoft.com/office/powerpoint/2010/main" val="2987960971"/>
       </p:ext>
     </p:extLst>
   </p:cSld>
@@ -5642,7 +5563,7 @@
           <p:cNvPr id="2" name="Title 1">
             <a:extLst>
               <a:ext uri="{FF2B5EF4-FFF2-40B4-BE49-F238E27FC236}">
-                <a16:creationId xmlns:a16="http://schemas.microsoft.com/office/drawing/2014/main" id="{37E670C7-79A3-4589-AC79-DB8FD220F3F3}"/>
+                <a16:creationId xmlns:a16="http://schemas.microsoft.com/office/drawing/2014/main" id="{DE7F694F-8661-42EB-8E91-58F31BAAAEB2}"/>
               </a:ext>
             </a:extLst>
           </p:cNvPr>
@@ -5653,12 +5574,7 @@
             <p:ph type="title"/>
           </p:nvPr>
         </p:nvSpPr>
-        <p:spPr>
-          <a:xfrm>
-            <a:off x="504000" y="315401"/>
-            <a:ext cx="9071640" cy="609398"/>
-          </a:xfrm>
-        </p:spPr>
+        <p:spPr/>
         <p:txBody>
           <a:bodyPr/>
           <a:lstStyle/>
@@ -5677,10 +5593,10 @@
       </p:sp>
       <p:sp>
         <p:nvSpPr>
-          <p:cNvPr id="3" name="Subtitle 2">
+          <p:cNvPr id="4" name="Subtitle 3">
             <a:extLst>
               <a:ext uri="{FF2B5EF4-FFF2-40B4-BE49-F238E27FC236}">
-                <a16:creationId xmlns:a16="http://schemas.microsoft.com/office/drawing/2014/main" id="{41F6442A-1617-47B7-872D-4BC1A38C111C}"/>
+                <a16:creationId xmlns:a16="http://schemas.microsoft.com/office/drawing/2014/main" id="{E0FFFB47-5469-4670-ADA6-8967235E203F}"/>
               </a:ext>
             </a:extLst>
           </p:cNvPr>
@@ -5693,8 +5609,8 @@
         </p:nvSpPr>
         <p:spPr>
           <a:xfrm>
-            <a:off x="504000" y="1284044"/>
-            <a:ext cx="1709811" cy="387798"/>
+            <a:off x="504000" y="1297012"/>
+            <a:ext cx="2778215" cy="387798"/>
           </a:xfrm>
         </p:spPr>
         <p:txBody>
@@ -5703,17 +5619,17 @@
           <a:p>
             <a:r>
               <a:rPr lang="en-US" dirty="0"/>
-              <a:t>Viewer</a:t>
+              <a:t>Admin</a:t>
             </a:r>
           </a:p>
         </p:txBody>
       </p:sp>
       <p:pic>
         <p:nvPicPr>
-          <p:cNvPr id="4" name="Picture 3">
+          <p:cNvPr id="5" name="Picture 4">
             <a:extLst>
               <a:ext uri="{FF2B5EF4-FFF2-40B4-BE49-F238E27FC236}">
-                <a16:creationId xmlns:a16="http://schemas.microsoft.com/office/drawing/2014/main" id="{A8E643B8-1CB5-459B-B0AA-D52AB8982B31}"/>
+                <a16:creationId xmlns:a16="http://schemas.microsoft.com/office/drawing/2014/main" id="{87F8DD2E-B45D-44F7-BFBB-22E5F3553062}"/>
               </a:ext>
             </a:extLst>
           </p:cNvPr>
@@ -5730,8 +5646,8 @@
         </p:blipFill>
         <p:spPr>
           <a:xfrm>
-            <a:off x="945019" y="1671842"/>
-            <a:ext cx="8189602" cy="4478689"/>
+            <a:off x="739990" y="1684810"/>
+            <a:ext cx="8599660" cy="4702939"/>
           </a:xfrm>
           <a:prstGeom prst="rect">
             <a:avLst/>
@@ -5740,10 +5656,10 @@
       </p:pic>
       <p:sp>
         <p:nvSpPr>
-          <p:cNvPr id="5" name="Rectangle 4">
+          <p:cNvPr id="6" name="Rectangle 5">
             <a:extLst>
               <a:ext uri="{FF2B5EF4-FFF2-40B4-BE49-F238E27FC236}">
-                <a16:creationId xmlns:a16="http://schemas.microsoft.com/office/drawing/2014/main" id="{AE55C391-02C5-405E-AED3-E3085F97E4A5}"/>
+                <a16:creationId xmlns:a16="http://schemas.microsoft.com/office/drawing/2014/main" id="{FA3708EC-0BD3-4579-9D52-931136D0019F}"/>
               </a:ext>
             </a:extLst>
           </p:cNvPr>
@@ -5752,8 +5668,8 @@
         </p:nvSpPr>
         <p:spPr>
           <a:xfrm>
-            <a:off x="1886552" y="1771048"/>
-            <a:ext cx="625642" cy="173255"/>
+            <a:off x="1703672" y="5621154"/>
+            <a:ext cx="3336640" cy="163629"/>
           </a:xfrm>
           <a:prstGeom prst="rect">
             <a:avLst/>
@@ -5793,7 +5709,7 @@
     </p:spTree>
     <p:extLst>
       <p:ext uri="{BB962C8B-B14F-4D97-AF65-F5344CB8AC3E}">
-        <p14:creationId xmlns:p14="http://schemas.microsoft.com/office/powerpoint/2010/main" val="3580192146"/>
+        <p14:creationId xmlns:p14="http://schemas.microsoft.com/office/powerpoint/2010/main" val="728681171"/>
       </p:ext>
     </p:extLst>
   </p:cSld>
@@ -5825,7 +5741,7 @@
           <p:cNvPr id="2" name="Title 1">
             <a:extLst>
               <a:ext uri="{FF2B5EF4-FFF2-40B4-BE49-F238E27FC236}">
-                <a16:creationId xmlns:a16="http://schemas.microsoft.com/office/drawing/2014/main" id="{57FA5111-5ED0-4A65-A5E2-42A222102DC2}"/>
+                <a16:creationId xmlns:a16="http://schemas.microsoft.com/office/drawing/2014/main" id="{37E670C7-79A3-4589-AC79-DB8FD220F3F3}"/>
               </a:ext>
             </a:extLst>
           </p:cNvPr>
@@ -5863,6 +5779,189 @@
           <p:cNvPr id="3" name="Subtitle 2">
             <a:extLst>
               <a:ext uri="{FF2B5EF4-FFF2-40B4-BE49-F238E27FC236}">
+                <a16:creationId xmlns:a16="http://schemas.microsoft.com/office/drawing/2014/main" id="{41F6442A-1617-47B7-872D-4BC1A38C111C}"/>
+              </a:ext>
+            </a:extLst>
+          </p:cNvPr>
+          <p:cNvSpPr>
+            <a:spLocks noGrp="1"/>
+          </p:cNvSpPr>
+          <p:nvPr>
+            <p:ph type="subTitle"/>
+          </p:nvPr>
+        </p:nvSpPr>
+        <p:spPr>
+          <a:xfrm>
+            <a:off x="504000" y="1284044"/>
+            <a:ext cx="1709811" cy="387798"/>
+          </a:xfrm>
+        </p:spPr>
+        <p:txBody>
+          <a:bodyPr/>
+          <a:lstStyle/>
+          <a:p>
+            <a:r>
+              <a:rPr lang="en-US" dirty="0"/>
+              <a:t>Viewer</a:t>
+            </a:r>
+          </a:p>
+        </p:txBody>
+      </p:sp>
+      <p:pic>
+        <p:nvPicPr>
+          <p:cNvPr id="4" name="Picture 3">
+            <a:extLst>
+              <a:ext uri="{FF2B5EF4-FFF2-40B4-BE49-F238E27FC236}">
+                <a16:creationId xmlns:a16="http://schemas.microsoft.com/office/drawing/2014/main" id="{A8E643B8-1CB5-459B-B0AA-D52AB8982B31}"/>
+              </a:ext>
+            </a:extLst>
+          </p:cNvPr>
+          <p:cNvPicPr>
+            <a:picLocks noChangeAspect="1"/>
+          </p:cNvPicPr>
+          <p:nvPr/>
+        </p:nvPicPr>
+        <p:blipFill>
+          <a:blip r:embed="rId2"/>
+          <a:stretch>
+            <a:fillRect/>
+          </a:stretch>
+        </p:blipFill>
+        <p:spPr>
+          <a:xfrm>
+            <a:off x="945019" y="1671842"/>
+            <a:ext cx="8189602" cy="4478689"/>
+          </a:xfrm>
+          <a:prstGeom prst="rect">
+            <a:avLst/>
+          </a:prstGeom>
+        </p:spPr>
+      </p:pic>
+      <p:sp>
+        <p:nvSpPr>
+          <p:cNvPr id="5" name="Rectangle 4">
+            <a:extLst>
+              <a:ext uri="{FF2B5EF4-FFF2-40B4-BE49-F238E27FC236}">
+                <a16:creationId xmlns:a16="http://schemas.microsoft.com/office/drawing/2014/main" id="{AE55C391-02C5-405E-AED3-E3085F97E4A5}"/>
+              </a:ext>
+            </a:extLst>
+          </p:cNvPr>
+          <p:cNvSpPr/>
+          <p:nvPr/>
+        </p:nvSpPr>
+        <p:spPr>
+          <a:xfrm>
+            <a:off x="1886552" y="1771048"/>
+            <a:ext cx="625642" cy="173255"/>
+          </a:xfrm>
+          <a:prstGeom prst="rect">
+            <a:avLst/>
+          </a:prstGeom>
+          <a:noFill/>
+          <a:ln>
+            <a:solidFill>
+              <a:srgbClr val="FF0000"/>
+            </a:solidFill>
+          </a:ln>
+        </p:spPr>
+        <p:style>
+          <a:lnRef idx="2">
+            <a:schemeClr val="accent1">
+              <a:shade val="50000"/>
+            </a:schemeClr>
+          </a:lnRef>
+          <a:fillRef idx="1">
+            <a:schemeClr val="accent1"/>
+          </a:fillRef>
+          <a:effectRef idx="0">
+            <a:schemeClr val="accent1"/>
+          </a:effectRef>
+          <a:fontRef idx="minor">
+            <a:schemeClr val="lt1"/>
+          </a:fontRef>
+        </p:style>
+        <p:txBody>
+          <a:bodyPr rtlCol="0" anchor="ctr"/>
+          <a:lstStyle/>
+          <a:p>
+            <a:pPr algn="ctr"/>
+            <a:endParaRPr lang="en-US"/>
+          </a:p>
+        </p:txBody>
+      </p:sp>
+    </p:spTree>
+    <p:extLst>
+      <p:ext uri="{BB962C8B-B14F-4D97-AF65-F5344CB8AC3E}">
+        <p14:creationId xmlns:p14="http://schemas.microsoft.com/office/powerpoint/2010/main" val="3580192146"/>
+      </p:ext>
+    </p:extLst>
+  </p:cSld>
+  <p:clrMapOvr>
+    <a:masterClrMapping/>
+  </p:clrMapOvr>
+</p:sld>
+</file>
+
+<file path=ppt/slides/slide18.xml><?xml version="1.0" encoding="utf-8"?>
+<p:sld xmlns:a="http://schemas.openxmlformats.org/drawingml/2006/main" xmlns:r="http://schemas.openxmlformats.org/officeDocument/2006/relationships" xmlns:p="http://schemas.openxmlformats.org/presentationml/2006/main">
+  <p:cSld>
+    <p:spTree>
+      <p:nvGrpSpPr>
+        <p:cNvPr id="1" name=""/>
+        <p:cNvGrpSpPr/>
+        <p:nvPr/>
+      </p:nvGrpSpPr>
+      <p:grpSpPr>
+        <a:xfrm>
+          <a:off x="0" y="0"/>
+          <a:ext cx="0" cy="0"/>
+          <a:chOff x="0" y="0"/>
+          <a:chExt cx="0" cy="0"/>
+        </a:xfrm>
+      </p:grpSpPr>
+      <p:sp>
+        <p:nvSpPr>
+          <p:cNvPr id="2" name="Title 1">
+            <a:extLst>
+              <a:ext uri="{FF2B5EF4-FFF2-40B4-BE49-F238E27FC236}">
+                <a16:creationId xmlns:a16="http://schemas.microsoft.com/office/drawing/2014/main" id="{57FA5111-5ED0-4A65-A5E2-42A222102DC2}"/>
+              </a:ext>
+            </a:extLst>
+          </p:cNvPr>
+          <p:cNvSpPr>
+            <a:spLocks noGrp="1"/>
+          </p:cNvSpPr>
+          <p:nvPr>
+            <p:ph type="title"/>
+          </p:nvPr>
+        </p:nvSpPr>
+        <p:spPr>
+          <a:xfrm>
+            <a:off x="504000" y="315401"/>
+            <a:ext cx="9071640" cy="609398"/>
+          </a:xfrm>
+        </p:spPr>
+        <p:txBody>
+          <a:bodyPr/>
+          <a:lstStyle/>
+          <a:p>
+            <a:pPr algn="ctr"/>
+            <a:r>
+              <a:rPr lang="en-US" dirty="0">
+                <a:solidFill>
+                  <a:schemeClr val="bg1"/>
+                </a:solidFill>
+              </a:rPr>
+              <a:t>Find A Grave</a:t>
+            </a:r>
+          </a:p>
+        </p:txBody>
+      </p:sp>
+      <p:sp>
+        <p:nvSpPr>
+          <p:cNvPr id="3" name="Subtitle 2">
+            <a:extLst>
+              <a:ext uri="{FF2B5EF4-FFF2-40B4-BE49-F238E27FC236}">
                 <a16:creationId xmlns:a16="http://schemas.microsoft.com/office/drawing/2014/main" id="{DA2825AD-F3AC-4C40-B13B-7456B2DFF8E3}"/>
               </a:ext>
             </a:extLst>
@@ -5876,8 +5975,8 @@
         </p:nvSpPr>
         <p:spPr>
           <a:xfrm>
-            <a:off x="504000" y="1245542"/>
-            <a:ext cx="1767562" cy="387798"/>
+            <a:off x="503999" y="1245542"/>
+            <a:ext cx="2123697" cy="387798"/>
           </a:xfrm>
         </p:spPr>
         <p:txBody>
@@ -5934,7 +6033,7 @@
 </p:sld>
 </file>
 
-<file path=ppt/slides/slide18.xml><?xml version="1.0" encoding="utf-8"?>
+<file path=ppt/slides/slide19.xml><?xml version="1.0" encoding="utf-8"?>
 <p:sld xmlns:a="http://schemas.openxmlformats.org/drawingml/2006/main" xmlns:r="http://schemas.openxmlformats.org/officeDocument/2006/relationships" xmlns:p="http://schemas.openxmlformats.org/presentationml/2006/main">
   <p:cSld>
     <p:spTree>

--- a/MiscFiles/Final Presentation V2.pptx
+++ b/MiscFiles/Final Presentation V2.pptx
@@ -24,7 +24,8 @@
     <p:sldId id="271" r:id="rId18"/>
     <p:sldId id="272" r:id="rId19"/>
     <p:sldId id="273" r:id="rId20"/>
-    <p:sldId id="266" r:id="rId21"/>
+    <p:sldId id="275" r:id="rId21"/>
+    <p:sldId id="266" r:id="rId22"/>
   </p:sldIdLst>
   <p:sldSz cx="10080625" cy="7559675"/>
   <p:notesSz cx="7559675" cy="10691813"/>
@@ -5219,43 +5220,44 @@
       </p:sp>
       <p:pic>
         <p:nvPicPr>
-          <p:cNvPr id="4" name="Picture 3">
+          <p:cNvPr id="5" name="Picture 4">
             <a:extLst>
               <a:ext uri="{FF2B5EF4-FFF2-40B4-BE49-F238E27FC236}">
-                <a16:creationId xmlns:a16="http://schemas.microsoft.com/office/drawing/2014/main" id="{81ADC14F-2781-4D31-97AB-26DE872B3AB9}"/>
+                <a16:creationId xmlns:a16="http://schemas.microsoft.com/office/drawing/2014/main" id="{6E77DD1F-09B8-4DB6-B9B3-3B68A083E44F}"/>
               </a:ext>
             </a:extLst>
           </p:cNvPr>
-          <p:cNvPicPr>
-            <a:picLocks noChangeAspect="1"/>
-          </p:cNvPicPr>
+          <p:cNvPicPr/>
           <p:nvPr/>
         </p:nvPicPr>
         <p:blipFill>
-          <a:blip r:embed="rId2"/>
+          <a:blip r:embed="rId2" cstate="print">
+            <a:extLst>
+              <a:ext uri="{28A0092B-C50C-407E-A947-70E740481C1C}">
+                <a14:useLocalDpi xmlns:a14="http://schemas.microsoft.com/office/drawing/2010/main" val="0"/>
+              </a:ext>
+            </a:extLst>
+          </a:blip>
           <a:stretch>
             <a:fillRect/>
           </a:stretch>
         </p:blipFill>
         <p:spPr>
           <a:xfrm>
-            <a:off x="187200" y="1126060"/>
-            <a:ext cx="9705239" cy="5307553"/>
-          </a:xfrm>
-          <a:prstGeom prst="rect">
-            <a:avLst/>
-          </a:prstGeom>
-          <a:ln>
-            <a:noFill/>
-          </a:ln>
+            <a:off x="504000" y="1226276"/>
+            <a:ext cx="8796111" cy="5107121"/>
+          </a:xfrm>
+          <a:prstGeom prst="rect">
+            <a:avLst/>
+          </a:prstGeom>
         </p:spPr>
       </p:pic>
       <p:sp>
         <p:nvSpPr>
-          <p:cNvPr id="6" name="Rectangle 5">
+          <p:cNvPr id="8" name="Rectangle 7">
             <a:extLst>
               <a:ext uri="{FF2B5EF4-FFF2-40B4-BE49-F238E27FC236}">
-                <a16:creationId xmlns:a16="http://schemas.microsoft.com/office/drawing/2014/main" id="{447617A8-F243-4AAA-8935-2957CB461C80}"/>
+                <a16:creationId xmlns:a16="http://schemas.microsoft.com/office/drawing/2014/main" id="{3FD4F0AB-A50B-49ED-A722-27DEFD69B0DD}"/>
               </a:ext>
             </a:extLst>
           </p:cNvPr>
@@ -5264,8 +5266,8 @@
         </p:nvSpPr>
         <p:spPr>
           <a:xfrm>
-            <a:off x="2204185" y="1751798"/>
-            <a:ext cx="904775" cy="231006"/>
+            <a:off x="1404938" y="1881188"/>
+            <a:ext cx="1724025" cy="276225"/>
           </a:xfrm>
           <a:prstGeom prst="rect">
             <a:avLst/>
@@ -5273,7 +5275,7 @@
           <a:noFill/>
           <a:ln>
             <a:solidFill>
-              <a:srgbClr val="FF0000"/>
+              <a:srgbClr val="C00000"/>
             </a:solidFill>
           </a:ln>
         </p:spPr>
@@ -5365,7 +5367,7 @@
                   <a:schemeClr val="bg1"/>
                 </a:solidFill>
               </a:rPr>
-              <a:t>DOB/DOD ER Diagram</a:t>
+              <a:t>ER Diagram</a:t>
             </a:r>
           </a:p>
         </p:txBody>
@@ -5626,28 +5628,32 @@
       </p:sp>
       <p:pic>
         <p:nvPicPr>
-          <p:cNvPr id="5" name="Picture 4">
+          <p:cNvPr id="7" name="Picture 6">
             <a:extLst>
               <a:ext uri="{FF2B5EF4-FFF2-40B4-BE49-F238E27FC236}">
-                <a16:creationId xmlns:a16="http://schemas.microsoft.com/office/drawing/2014/main" id="{87F8DD2E-B45D-44F7-BFBB-22E5F3553062}"/>
+                <a16:creationId xmlns:a16="http://schemas.microsoft.com/office/drawing/2014/main" id="{AA13C491-2C0C-47A5-9E0F-566DFC7C7B90}"/>
               </a:ext>
             </a:extLst>
           </p:cNvPr>
-          <p:cNvPicPr>
-            <a:picLocks noChangeAspect="1"/>
-          </p:cNvPicPr>
+          <p:cNvPicPr/>
           <p:nvPr/>
         </p:nvPicPr>
         <p:blipFill>
-          <a:blip r:embed="rId2"/>
+          <a:blip r:embed="rId2" cstate="print">
+            <a:extLst>
+              <a:ext uri="{28A0092B-C50C-407E-A947-70E740481C1C}">
+                <a14:useLocalDpi xmlns:a14="http://schemas.microsoft.com/office/drawing/2010/main" val="0"/>
+              </a:ext>
+            </a:extLst>
+          </a:blip>
           <a:stretch>
             <a:fillRect/>
           </a:stretch>
         </p:blipFill>
         <p:spPr>
           <a:xfrm>
-            <a:off x="739990" y="1684810"/>
-            <a:ext cx="8599660" cy="4702939"/>
+            <a:off x="504000" y="1752054"/>
+            <a:ext cx="8629295" cy="4577853"/>
           </a:xfrm>
           <a:prstGeom prst="rect">
             <a:avLst/>
@@ -5656,10 +5662,10 @@
       </p:pic>
       <p:sp>
         <p:nvSpPr>
-          <p:cNvPr id="6" name="Rectangle 5">
+          <p:cNvPr id="3" name="Rectangle 2">
             <a:extLst>
               <a:ext uri="{FF2B5EF4-FFF2-40B4-BE49-F238E27FC236}">
-                <a16:creationId xmlns:a16="http://schemas.microsoft.com/office/drawing/2014/main" id="{FA3708EC-0BD3-4579-9D52-931136D0019F}"/>
+                <a16:creationId xmlns:a16="http://schemas.microsoft.com/office/drawing/2014/main" id="{DCF885F4-A60B-4EB6-B374-DD3DB0B0A0A0}"/>
               </a:ext>
             </a:extLst>
           </p:cNvPr>
@@ -5668,8 +5674,8 @@
         </p:nvSpPr>
         <p:spPr>
           <a:xfrm>
-            <a:off x="1703672" y="5621154"/>
-            <a:ext cx="3336640" cy="163629"/>
+            <a:off x="1433513" y="6038825"/>
+            <a:ext cx="3467100" cy="233363"/>
           </a:xfrm>
           <a:prstGeom prst="rect">
             <a:avLst/>
@@ -5677,7 +5683,7 @@
           <a:noFill/>
           <a:ln>
             <a:solidFill>
-              <a:srgbClr val="FF0000"/>
+              <a:srgbClr val="C00000"/>
             </a:solidFill>
           </a:ln>
         </p:spPr>
@@ -6052,14 +6058,176 @@
       </p:grpSpPr>
       <p:sp>
         <p:nvSpPr>
-          <p:cNvPr id="110" name="TextShape 1"/>
+          <p:cNvPr id="2" name="Title 1">
+            <a:extLst>
+              <a:ext uri="{FF2B5EF4-FFF2-40B4-BE49-F238E27FC236}">
+                <a16:creationId xmlns:a16="http://schemas.microsoft.com/office/drawing/2014/main" id="{AB90BAA5-199E-493D-8B42-C447F78BD067}"/>
+              </a:ext>
+            </a:extLst>
+          </p:cNvPr>
+          <p:cNvSpPr>
+            <a:spLocks noGrp="1"/>
+          </p:cNvSpPr>
+          <p:nvPr>
+            <p:ph type="title"/>
+          </p:nvPr>
+        </p:nvSpPr>
+        <p:spPr>
+          <a:xfrm>
+            <a:off x="504000" y="315401"/>
+            <a:ext cx="9071640" cy="609398"/>
+          </a:xfrm>
+        </p:spPr>
+        <p:txBody>
+          <a:bodyPr/>
+          <a:lstStyle/>
+          <a:p>
+            <a:pPr algn="ctr"/>
+            <a:r>
+              <a:rPr lang="en-US" dirty="0" err="1">
+                <a:solidFill>
+                  <a:schemeClr val="bg1"/>
+                </a:solidFill>
+              </a:rPr>
+              <a:t>Misc</a:t>
+            </a:r>
+            <a:r>
+              <a:rPr lang="en-US" dirty="0">
+                <a:solidFill>
+                  <a:schemeClr val="bg1"/>
+                </a:solidFill>
+              </a:rPr>
+              <a:t> Picture</a:t>
+            </a:r>
+          </a:p>
+        </p:txBody>
+      </p:sp>
+      <p:pic>
+        <p:nvPicPr>
+          <p:cNvPr id="4" name="Picture 3">
+            <a:extLst>
+              <a:ext uri="{FF2B5EF4-FFF2-40B4-BE49-F238E27FC236}">
+                <a16:creationId xmlns:a16="http://schemas.microsoft.com/office/drawing/2014/main" id="{6FEC997E-3810-4E62-B548-318D156CB1ED}"/>
+              </a:ext>
+            </a:extLst>
+          </p:cNvPr>
+          <p:cNvPicPr/>
+          <p:nvPr/>
+        </p:nvPicPr>
+        <p:blipFill>
+          <a:blip r:embed="rId2" cstate="print">
+            <a:extLst>
+              <a:ext uri="{28A0092B-C50C-407E-A947-70E740481C1C}">
+                <a14:useLocalDpi xmlns:a14="http://schemas.microsoft.com/office/drawing/2010/main" val="0"/>
+              </a:ext>
+            </a:extLst>
+          </a:blip>
+          <a:stretch>
+            <a:fillRect/>
+          </a:stretch>
+        </p:blipFill>
+        <p:spPr>
+          <a:xfrm>
+            <a:off x="709633" y="1376900"/>
+            <a:ext cx="8661358" cy="4805873"/>
+          </a:xfrm>
+          <a:prstGeom prst="rect">
+            <a:avLst/>
+          </a:prstGeom>
+        </p:spPr>
+      </p:pic>
+      <p:sp>
+        <p:nvSpPr>
+          <p:cNvPr id="5" name="Rectangle 4">
+            <a:extLst>
+              <a:ext uri="{FF2B5EF4-FFF2-40B4-BE49-F238E27FC236}">
+                <a16:creationId xmlns:a16="http://schemas.microsoft.com/office/drawing/2014/main" id="{CA81BC32-9369-49D6-BB60-739920EB4497}"/>
+              </a:ext>
+            </a:extLst>
+          </p:cNvPr>
+          <p:cNvSpPr/>
+          <p:nvPr/>
+        </p:nvSpPr>
+        <p:spPr>
+          <a:xfrm>
+            <a:off x="5448300" y="3952875"/>
+            <a:ext cx="1981200" cy="2229898"/>
+          </a:xfrm>
+          <a:prstGeom prst="rect">
+            <a:avLst/>
+          </a:prstGeom>
+          <a:noFill/>
+          <a:ln>
+            <a:solidFill>
+              <a:srgbClr val="C00000"/>
+            </a:solidFill>
+          </a:ln>
+        </p:spPr>
+        <p:style>
+          <a:lnRef idx="2">
+            <a:schemeClr val="accent1">
+              <a:shade val="50000"/>
+            </a:schemeClr>
+          </a:lnRef>
+          <a:fillRef idx="1">
+            <a:schemeClr val="accent1"/>
+          </a:fillRef>
+          <a:effectRef idx="0">
+            <a:schemeClr val="accent1"/>
+          </a:effectRef>
+          <a:fontRef idx="minor">
+            <a:schemeClr val="lt1"/>
+          </a:fontRef>
+        </p:style>
+        <p:txBody>
+          <a:bodyPr rtlCol="0" anchor="ctr"/>
+          <a:lstStyle/>
+          <a:p>
+            <a:pPr algn="ctr"/>
+            <a:endParaRPr lang="en-US"/>
+          </a:p>
+        </p:txBody>
+      </p:sp>
+    </p:spTree>
+    <p:extLst>
+      <p:ext uri="{BB962C8B-B14F-4D97-AF65-F5344CB8AC3E}">
+        <p14:creationId xmlns:p14="http://schemas.microsoft.com/office/powerpoint/2010/main" val="944955383"/>
+      </p:ext>
+    </p:extLst>
+  </p:cSld>
+  <p:clrMapOvr>
+    <a:masterClrMapping/>
+  </p:clrMapOvr>
+</p:sld>
+</file>
+
+<file path=ppt/slides/slide2.xml><?xml version="1.0" encoding="utf-8"?>
+<p:sld xmlns:a="http://schemas.openxmlformats.org/drawingml/2006/main" xmlns:r="http://schemas.openxmlformats.org/officeDocument/2006/relationships" xmlns:p="http://schemas.openxmlformats.org/presentationml/2006/main">
+  <p:cSld>
+    <p:spTree>
+      <p:nvGrpSpPr>
+        <p:cNvPr id="1" name=""/>
+        <p:cNvGrpSpPr/>
+        <p:nvPr/>
+      </p:nvGrpSpPr>
+      <p:grpSpPr>
+        <a:xfrm>
+          <a:off x="0" y="0"/>
+          <a:ext cx="0" cy="0"/>
+          <a:chOff x="0" y="0"/>
+          <a:chExt cx="0" cy="0"/>
+        </a:xfrm>
+      </p:grpSpPr>
+      <p:sp>
+        <p:nvSpPr>
+          <p:cNvPr id="89" name="TextShape 1"/>
           <p:cNvSpPr txBox="1"/>
           <p:nvPr/>
         </p:nvSpPr>
         <p:spPr>
           <a:xfrm>
-            <a:off x="504000" y="1769040"/>
-            <a:ext cx="9071640" cy="4384440"/>
+            <a:off x="504000" y="301320"/>
+            <a:ext cx="9071640" cy="637560"/>
           </a:xfrm>
           <a:prstGeom prst="rect">
             <a:avLst/>
@@ -6071,11 +6239,49 @@
         </p:spPr>
         <p:txBody>
           <a:bodyPr lIns="0" tIns="0" rIns="0" bIns="0" anchor="ctr">
+            <a:spAutoFit/>
+          </a:bodyPr>
+          <a:lstStyle/>
+          <a:p>
+            <a:pPr algn="ctr"/>
+            <a:r>
+              <a:rPr lang="en-US" sz="3600" b="0" strike="noStrike" spc="-1">
+                <a:solidFill>
+                  <a:srgbClr val="FFFFFF"/>
+                </a:solidFill>
+                <a:latin typeface="Arial"/>
+              </a:rPr>
+              <a:t>The Project and Requested Changes</a:t>
+            </a:r>
+          </a:p>
+        </p:txBody>
+      </p:sp>
+      <p:sp>
+        <p:nvSpPr>
+          <p:cNvPr id="90" name="TextShape 2"/>
+          <p:cNvSpPr txBox="1"/>
+          <p:nvPr/>
+        </p:nvSpPr>
+        <p:spPr>
+          <a:xfrm>
+            <a:off x="457200" y="1280160"/>
+            <a:ext cx="9071640" cy="4384440"/>
+          </a:xfrm>
+          <a:prstGeom prst="rect">
+            <a:avLst/>
+          </a:prstGeom>
+          <a:noFill/>
+          <a:ln>
+            <a:noFill/>
+          </a:ln>
+        </p:spPr>
+        <p:txBody>
+          <a:bodyPr lIns="0" tIns="0" rIns="0" bIns="0">
             <a:noAutofit/>
           </a:bodyPr>
           <a:lstStyle/>
           <a:p>
-            <a:pPr marL="432000" indent="-324000" algn="ctr">
+            <a:pPr marL="432000" indent="-324000">
               <a:spcBef>
                 <a:spcPts val="1417"/>
               </a:spcBef>
@@ -6087,13 +6293,123 @@
               <a:buChar char=""/>
             </a:pPr>
             <a:r>
-              <a:rPr lang="en-US" sz="6000" b="0" strike="noStrike" spc="-1">
+              <a:rPr lang="en-US" sz="2000" b="0" strike="noStrike" spc="-1">
                 <a:solidFill>
                   <a:srgbClr val="0066CC"/>
                 </a:solidFill>
                 <a:latin typeface="Arial"/>
               </a:rPr>
-              <a:t>Thank You</a:t>
+              <a:t>The Alabama Veterans Museum project consisted of a GUI front-end to an SQL database for deceased veterans created by a previous team from Athens State University.</a:t>
+            </a:r>
+          </a:p>
+          <a:p>
+            <a:pPr marL="432000" indent="-324000">
+              <a:spcBef>
+                <a:spcPts val="1417"/>
+              </a:spcBef>
+              <a:buClr>
+                <a:srgbClr val="000000"/>
+              </a:buClr>
+              <a:buSzPct val="45000"/>
+              <a:buFont typeface="Wingdings" charset="2"/>
+              <a:buChar char=""/>
+            </a:pPr>
+            <a:r>
+              <a:rPr lang="en-US" sz="2000" b="0" strike="noStrike" spc="-1">
+                <a:solidFill>
+                  <a:srgbClr val="0066CC"/>
+                </a:solidFill>
+                <a:latin typeface="Arial"/>
+              </a:rPr>
+              <a:t>The Museum Administration requested several additional items be added to the application.</a:t>
+            </a:r>
+          </a:p>
+          <a:p>
+            <a:pPr marL="432000" indent="-324000">
+              <a:spcBef>
+                <a:spcPts val="1417"/>
+              </a:spcBef>
+              <a:buClr>
+                <a:srgbClr val="000000"/>
+              </a:buClr>
+              <a:buSzPct val="45000"/>
+              <a:buFont typeface="Wingdings" charset="2"/>
+              <a:buChar char=""/>
+            </a:pPr>
+            <a:r>
+              <a:rPr lang="en-US" sz="2000" b="0" strike="noStrike" spc="-1">
+                <a:solidFill>
+                  <a:srgbClr val="0066CC"/>
+                </a:solidFill>
+                <a:latin typeface="Arial"/>
+              </a:rPr>
+              <a:t>A solution for automatically backing up the application’s SQL data was required.</a:t>
+            </a:r>
+          </a:p>
+          <a:p>
+            <a:pPr marL="432000" indent="-324000">
+              <a:spcBef>
+                <a:spcPts val="1417"/>
+              </a:spcBef>
+              <a:buClr>
+                <a:srgbClr val="000000"/>
+              </a:buClr>
+              <a:buSzPct val="45000"/>
+              <a:buFont typeface="Wingdings" charset="2"/>
+              <a:buChar char=""/>
+            </a:pPr>
+            <a:r>
+              <a:rPr lang="en-US" sz="2000" b="0" strike="noStrike" spc="-1">
+                <a:solidFill>
+                  <a:srgbClr val="0066CC"/>
+                </a:solidFill>
+                <a:latin typeface="Arial"/>
+              </a:rPr>
+              <a:t>Notification that data had been successfully saved was requested.</a:t>
+            </a:r>
+          </a:p>
+          <a:p>
+            <a:pPr marL="432000" indent="-324000">
+              <a:spcBef>
+                <a:spcPts val="1417"/>
+              </a:spcBef>
+              <a:buClr>
+                <a:srgbClr val="000000"/>
+              </a:buClr>
+              <a:buSzPct val="45000"/>
+              <a:buFont typeface="Wingdings" charset="2"/>
+              <a:buChar char=""/>
+            </a:pPr>
+            <a:r>
+              <a:rPr lang="en-US" sz="2000" b="0" strike="noStrike" spc="-1">
+                <a:solidFill>
+                  <a:srgbClr val="0066CC"/>
+                </a:solidFill>
+                <a:latin typeface="Arial"/>
+              </a:rPr>
+              <a:t>The ability to clear previous data from forms when starting a new record was also requested.</a:t>
+            </a:r>
+          </a:p>
+          <a:p>
+            <a:pPr marL="432000" indent="-324000">
+              <a:spcBef>
+                <a:spcPts val="1417"/>
+              </a:spcBef>
+              <a:buClr>
+                <a:srgbClr val="000000"/>
+              </a:buClr>
+              <a:buSzPct val="45000"/>
+              <a:buFont typeface="Wingdings" charset="2"/>
+              <a:buChar char=""/>
+            </a:pPr>
+            <a:r>
+              <a:rPr lang="en-US" sz="2000" b="0" strike="noStrike" spc="-1">
+                <a:solidFill>
+                  <a:srgbClr val="0066CC"/>
+                </a:solidFill>
+                <a:latin typeface="Arial"/>
+              </a:rPr>
+              <a:t>Problems with displaying the User Guide from the original project needed to be addressed</a:t>
             </a:r>
           </a:p>
         </p:txBody>
@@ -6133,7 +6449,7 @@
 </p:sld>
 </file>
 
-<file path=ppt/slides/slide2.xml><?xml version="1.0" encoding="utf-8"?>
+<file path=ppt/slides/slide20.xml><?xml version="1.0" encoding="utf-8"?>
 <p:sld xmlns:a="http://schemas.openxmlformats.org/drawingml/2006/main" xmlns:r="http://schemas.openxmlformats.org/officeDocument/2006/relationships" xmlns:p="http://schemas.openxmlformats.org/presentationml/2006/main">
   <p:cSld>
     <p:spTree>
@@ -6152,14 +6468,14 @@
       </p:grpSpPr>
       <p:sp>
         <p:nvSpPr>
-          <p:cNvPr id="89" name="TextShape 1"/>
+          <p:cNvPr id="110" name="TextShape 1"/>
           <p:cNvSpPr txBox="1"/>
           <p:nvPr/>
         </p:nvSpPr>
         <p:spPr>
           <a:xfrm>
-            <a:off x="504000" y="301320"/>
-            <a:ext cx="9071640" cy="637560"/>
+            <a:off x="504000" y="1769040"/>
+            <a:ext cx="9071640" cy="4384440"/>
           </a:xfrm>
           <a:prstGeom prst="rect">
             <a:avLst/>
@@ -6171,49 +6487,11 @@
         </p:spPr>
         <p:txBody>
           <a:bodyPr lIns="0" tIns="0" rIns="0" bIns="0" anchor="ctr">
-            <a:spAutoFit/>
-          </a:bodyPr>
-          <a:lstStyle/>
-          <a:p>
-            <a:pPr algn="ctr"/>
-            <a:r>
-              <a:rPr lang="en-US" sz="3600" b="0" strike="noStrike" spc="-1">
-                <a:solidFill>
-                  <a:srgbClr val="FFFFFF"/>
-                </a:solidFill>
-                <a:latin typeface="Arial"/>
-              </a:rPr>
-              <a:t>The Project and Requested Changes</a:t>
-            </a:r>
-          </a:p>
-        </p:txBody>
-      </p:sp>
-      <p:sp>
-        <p:nvSpPr>
-          <p:cNvPr id="90" name="TextShape 2"/>
-          <p:cNvSpPr txBox="1"/>
-          <p:nvPr/>
-        </p:nvSpPr>
-        <p:spPr>
-          <a:xfrm>
-            <a:off x="457200" y="1280160"/>
-            <a:ext cx="9071640" cy="4384440"/>
-          </a:xfrm>
-          <a:prstGeom prst="rect">
-            <a:avLst/>
-          </a:prstGeom>
-          <a:noFill/>
-          <a:ln>
-            <a:noFill/>
-          </a:ln>
-        </p:spPr>
-        <p:txBody>
-          <a:bodyPr lIns="0" tIns="0" rIns="0" bIns="0">
             <a:noAutofit/>
           </a:bodyPr>
           <a:lstStyle/>
           <a:p>
-            <a:pPr marL="432000" indent="-324000">
+            <a:pPr marL="432000" indent="-324000" algn="ctr">
               <a:spcBef>
                 <a:spcPts val="1417"/>
               </a:spcBef>
@@ -6225,123 +6503,13 @@
               <a:buChar char=""/>
             </a:pPr>
             <a:r>
-              <a:rPr lang="en-US" sz="2000" b="0" strike="noStrike" spc="-1">
+              <a:rPr lang="en-US" sz="6000" b="0" strike="noStrike" spc="-1">
                 <a:solidFill>
                   <a:srgbClr val="0066CC"/>
                 </a:solidFill>
                 <a:latin typeface="Arial"/>
               </a:rPr>
-              <a:t>The Alabama Veterans Museum project consisted of a GUI front-end to an SQL database for deceased veterans created by a previous team from Athens State University.</a:t>
-            </a:r>
-          </a:p>
-          <a:p>
-            <a:pPr marL="432000" indent="-324000">
-              <a:spcBef>
-                <a:spcPts val="1417"/>
-              </a:spcBef>
-              <a:buClr>
-                <a:srgbClr val="000000"/>
-              </a:buClr>
-              <a:buSzPct val="45000"/>
-              <a:buFont typeface="Wingdings" charset="2"/>
-              <a:buChar char=""/>
-            </a:pPr>
-            <a:r>
-              <a:rPr lang="en-US" sz="2000" b="0" strike="noStrike" spc="-1">
-                <a:solidFill>
-                  <a:srgbClr val="0066CC"/>
-                </a:solidFill>
-                <a:latin typeface="Arial"/>
-              </a:rPr>
-              <a:t>The Museum Administration requested several additional items be added to the application.</a:t>
-            </a:r>
-          </a:p>
-          <a:p>
-            <a:pPr marL="432000" indent="-324000">
-              <a:spcBef>
-                <a:spcPts val="1417"/>
-              </a:spcBef>
-              <a:buClr>
-                <a:srgbClr val="000000"/>
-              </a:buClr>
-              <a:buSzPct val="45000"/>
-              <a:buFont typeface="Wingdings" charset="2"/>
-              <a:buChar char=""/>
-            </a:pPr>
-            <a:r>
-              <a:rPr lang="en-US" sz="2000" b="0" strike="noStrike" spc="-1">
-                <a:solidFill>
-                  <a:srgbClr val="0066CC"/>
-                </a:solidFill>
-                <a:latin typeface="Arial"/>
-              </a:rPr>
-              <a:t>A solution for automatically backing up the application’s SQL data was required.</a:t>
-            </a:r>
-          </a:p>
-          <a:p>
-            <a:pPr marL="432000" indent="-324000">
-              <a:spcBef>
-                <a:spcPts val="1417"/>
-              </a:spcBef>
-              <a:buClr>
-                <a:srgbClr val="000000"/>
-              </a:buClr>
-              <a:buSzPct val="45000"/>
-              <a:buFont typeface="Wingdings" charset="2"/>
-              <a:buChar char=""/>
-            </a:pPr>
-            <a:r>
-              <a:rPr lang="en-US" sz="2000" b="0" strike="noStrike" spc="-1">
-                <a:solidFill>
-                  <a:srgbClr val="0066CC"/>
-                </a:solidFill>
-                <a:latin typeface="Arial"/>
-              </a:rPr>
-              <a:t>Notification that data had been successfully saved was requested.</a:t>
-            </a:r>
-          </a:p>
-          <a:p>
-            <a:pPr marL="432000" indent="-324000">
-              <a:spcBef>
-                <a:spcPts val="1417"/>
-              </a:spcBef>
-              <a:buClr>
-                <a:srgbClr val="000000"/>
-              </a:buClr>
-              <a:buSzPct val="45000"/>
-              <a:buFont typeface="Wingdings" charset="2"/>
-              <a:buChar char=""/>
-            </a:pPr>
-            <a:r>
-              <a:rPr lang="en-US" sz="2000" b="0" strike="noStrike" spc="-1">
-                <a:solidFill>
-                  <a:srgbClr val="0066CC"/>
-                </a:solidFill>
-                <a:latin typeface="Arial"/>
-              </a:rPr>
-              <a:t>The ability to clear previous data from forms when starting a new record was also requested.</a:t>
-            </a:r>
-          </a:p>
-          <a:p>
-            <a:pPr marL="432000" indent="-324000">
-              <a:spcBef>
-                <a:spcPts val="1417"/>
-              </a:spcBef>
-              <a:buClr>
-                <a:srgbClr val="000000"/>
-              </a:buClr>
-              <a:buSzPct val="45000"/>
-              <a:buFont typeface="Wingdings" charset="2"/>
-              <a:buChar char=""/>
-            </a:pPr>
-            <a:r>
-              <a:rPr lang="en-US" sz="2000" b="0" strike="noStrike" spc="-1">
-                <a:solidFill>
-                  <a:srgbClr val="0066CC"/>
-                </a:solidFill>
-                <a:latin typeface="Arial"/>
-              </a:rPr>
-              <a:t>Problems with displaying the User Guide from the original project needed to be addressed</a:t>
+              <a:t>Thank You</a:t>
             </a:r>
           </a:p>
         </p:txBody>

--- a/MiscFiles/Final Presentation V2.pptx
+++ b/MiscFiles/Final Presentation V2.pptx
@@ -8,24 +8,25 @@
   <p:sldIdLst>
     <p:sldId id="256" r:id="rId3"/>
     <p:sldId id="257" r:id="rId4"/>
-    <p:sldId id="258" r:id="rId5"/>
-    <p:sldId id="259" r:id="rId6"/>
-    <p:sldId id="260" r:id="rId7"/>
-    <p:sldId id="261" r:id="rId8"/>
-    <p:sldId id="262" r:id="rId9"/>
-    <p:sldId id="263" r:id="rId10"/>
-    <p:sldId id="264" r:id="rId11"/>
-    <p:sldId id="265" r:id="rId12"/>
-    <p:sldId id="267" r:id="rId13"/>
-    <p:sldId id="268" r:id="rId14"/>
-    <p:sldId id="269" r:id="rId15"/>
-    <p:sldId id="274" r:id="rId16"/>
-    <p:sldId id="270" r:id="rId17"/>
-    <p:sldId id="271" r:id="rId18"/>
-    <p:sldId id="272" r:id="rId19"/>
-    <p:sldId id="273" r:id="rId20"/>
-    <p:sldId id="275" r:id="rId21"/>
-    <p:sldId id="266" r:id="rId22"/>
+    <p:sldId id="276" r:id="rId5"/>
+    <p:sldId id="277" r:id="rId6"/>
+    <p:sldId id="259" r:id="rId7"/>
+    <p:sldId id="260" r:id="rId8"/>
+    <p:sldId id="261" r:id="rId9"/>
+    <p:sldId id="262" r:id="rId10"/>
+    <p:sldId id="263" r:id="rId11"/>
+    <p:sldId id="264" r:id="rId12"/>
+    <p:sldId id="265" r:id="rId13"/>
+    <p:sldId id="267" r:id="rId14"/>
+    <p:sldId id="268" r:id="rId15"/>
+    <p:sldId id="269" r:id="rId16"/>
+    <p:sldId id="274" r:id="rId17"/>
+    <p:sldId id="270" r:id="rId18"/>
+    <p:sldId id="271" r:id="rId19"/>
+    <p:sldId id="272" r:id="rId20"/>
+    <p:sldId id="273" r:id="rId21"/>
+    <p:sldId id="275" r:id="rId22"/>
+    <p:sldId id="266" r:id="rId23"/>
   </p:sldIdLst>
   <p:sldSz cx="10080625" cy="7559675"/>
   <p:notesSz cx="7559675" cy="10691813"/>
@@ -4784,7 +4785,7 @@
       </p:grpSpPr>
       <p:sp>
         <p:nvSpPr>
-          <p:cNvPr id="107" name="TextShape 1"/>
+          <p:cNvPr id="104" name="TextShape 1"/>
           <p:cNvSpPr txBox="1"/>
           <p:nvPr/>
         </p:nvSpPr>
@@ -4822,7 +4823,7 @@
       </p:sp>
       <p:pic>
         <p:nvPicPr>
-          <p:cNvPr id="108" name="Picture 107"/>
+          <p:cNvPr id="105" name="Picture 104"/>
           <p:cNvPicPr/>
           <p:nvPr/>
         </p:nvPicPr>
@@ -4832,8 +4833,8 @@
         </p:blipFill>
         <p:spPr>
           <a:xfrm>
-            <a:off x="365760" y="1667880"/>
-            <a:ext cx="9387720" cy="4732920"/>
+            <a:off x="391320" y="1645920"/>
+            <a:ext cx="9484200" cy="4781520"/>
           </a:xfrm>
           <a:prstGeom prst="rect">
             <a:avLst/>
@@ -4845,14 +4846,14 @@
       </p:pic>
       <p:sp>
         <p:nvSpPr>
-          <p:cNvPr id="109" name="TextShape 2"/>
+          <p:cNvPr id="106" name="TextShape 2"/>
           <p:cNvSpPr txBox="1"/>
           <p:nvPr/>
         </p:nvSpPr>
         <p:spPr>
           <a:xfrm>
-            <a:off x="365760" y="1188720"/>
-            <a:ext cx="2743200" cy="346320"/>
+            <a:off x="457200" y="1097280"/>
+            <a:ext cx="4114800" cy="346320"/>
           </a:xfrm>
           <a:prstGeom prst="rect">
             <a:avLst/>
@@ -4875,7 +4876,7 @@
                 </a:solidFill>
                 <a:latin typeface="Arial"/>
               </a:rPr>
-              <a:t>New GUI </a:t>
+              <a:t>Existing GUI</a:t>
             </a:r>
           </a:p>
         </p:txBody>
@@ -4934,6 +4935,156 @@
       </p:grpSpPr>
       <p:sp>
         <p:nvSpPr>
+          <p:cNvPr id="107" name="TextShape 1"/>
+          <p:cNvSpPr txBox="1"/>
+          <p:nvPr/>
+        </p:nvSpPr>
+        <p:spPr>
+          <a:xfrm>
+            <a:off x="504000" y="301320"/>
+            <a:ext cx="9071640" cy="637560"/>
+          </a:xfrm>
+          <a:prstGeom prst="rect">
+            <a:avLst/>
+          </a:prstGeom>
+          <a:noFill/>
+          <a:ln>
+            <a:noFill/>
+          </a:ln>
+        </p:spPr>
+        <p:txBody>
+          <a:bodyPr lIns="0" tIns="0" rIns="0" bIns="0" anchor="ctr">
+            <a:spAutoFit/>
+          </a:bodyPr>
+          <a:lstStyle/>
+          <a:p>
+            <a:pPr algn="ctr"/>
+            <a:r>
+              <a:rPr lang="en-US" sz="4400" b="0" strike="noStrike" spc="-1">
+                <a:solidFill>
+                  <a:srgbClr val="FFFFFF"/>
+                </a:solidFill>
+                <a:latin typeface="Arial"/>
+              </a:rPr>
+              <a:t>Clearing Forms</a:t>
+            </a:r>
+          </a:p>
+        </p:txBody>
+      </p:sp>
+      <p:pic>
+        <p:nvPicPr>
+          <p:cNvPr id="108" name="Picture 107"/>
+          <p:cNvPicPr/>
+          <p:nvPr/>
+        </p:nvPicPr>
+        <p:blipFill>
+          <a:blip r:embed="rId2"/>
+          <a:stretch/>
+        </p:blipFill>
+        <p:spPr>
+          <a:xfrm>
+            <a:off x="365760" y="1667880"/>
+            <a:ext cx="9387720" cy="4732920"/>
+          </a:xfrm>
+          <a:prstGeom prst="rect">
+            <a:avLst/>
+          </a:prstGeom>
+          <a:ln>
+            <a:noFill/>
+          </a:ln>
+        </p:spPr>
+      </p:pic>
+      <p:sp>
+        <p:nvSpPr>
+          <p:cNvPr id="109" name="TextShape 2"/>
+          <p:cNvSpPr txBox="1"/>
+          <p:nvPr/>
+        </p:nvSpPr>
+        <p:spPr>
+          <a:xfrm>
+            <a:off x="365760" y="1188720"/>
+            <a:ext cx="2743200" cy="346320"/>
+          </a:xfrm>
+          <a:prstGeom prst="rect">
+            <a:avLst/>
+          </a:prstGeom>
+          <a:noFill/>
+          <a:ln>
+            <a:noFill/>
+          </a:ln>
+        </p:spPr>
+        <p:txBody>
+          <a:bodyPr lIns="90000" tIns="45000" rIns="90000" bIns="45000">
+            <a:spAutoFit/>
+          </a:bodyPr>
+          <a:lstStyle/>
+          <a:p>
+            <a:r>
+              <a:rPr lang="en-US" sz="1800" b="0" strike="noStrike" spc="-1">
+                <a:solidFill>
+                  <a:srgbClr val="3465A4"/>
+                </a:solidFill>
+                <a:latin typeface="Arial"/>
+              </a:rPr>
+              <a:t>New GUI </a:t>
+            </a:r>
+          </a:p>
+        </p:txBody>
+      </p:sp>
+    </p:spTree>
+  </p:cSld>
+  <p:clrMapOvr>
+    <a:masterClrMapping/>
+  </p:clrMapOvr>
+  <p:timing>
+    <p:tnLst>
+      <p:par>
+        <p:cTn id="1" dur="indefinite" restart="never" nodeType="tmRoot">
+          <p:childTnLst>
+            <p:seq>
+              <p:cTn id="2" dur="indefinite" nodeType="mainSeq"/>
+              <p:prevCondLst>
+                <p:cond evt="onPrev" delay="0">
+                  <p:tgtEl>
+                    <p:sldTgt/>
+                  </p:tgtEl>
+                </p:cond>
+              </p:prevCondLst>
+              <p:nextCondLst>
+                <p:cond evt="onNext" delay="0">
+                  <p:tgtEl>
+                    <p:sldTgt/>
+                  </p:tgtEl>
+                </p:cond>
+              </p:nextCondLst>
+            </p:seq>
+          </p:childTnLst>
+        </p:cTn>
+      </p:par>
+    </p:tnLst>
+  </p:timing>
+</p:sld>
+</file>
+
+<file path=ppt/slides/slide12.xml><?xml version="1.0" encoding="utf-8"?>
+<p:sld xmlns:a="http://schemas.openxmlformats.org/drawingml/2006/main" xmlns:r="http://schemas.openxmlformats.org/officeDocument/2006/relationships" xmlns:p="http://schemas.openxmlformats.org/presentationml/2006/main">
+  <p:cSld>
+    <p:spTree>
+      <p:nvGrpSpPr>
+        <p:cNvPr id="1" name=""/>
+        <p:cNvGrpSpPr/>
+        <p:nvPr/>
+      </p:nvGrpSpPr>
+      <p:grpSpPr>
+        <a:xfrm>
+          <a:off x="0" y="0"/>
+          <a:ext cx="0" cy="0"/>
+          <a:chOff x="0" y="0"/>
+          <a:chExt cx="0" cy="0"/>
+        </a:xfrm>
+      </p:grpSpPr>
+      <p:sp>
+        <p:nvSpPr>
           <p:cNvPr id="2" name="Title 1">
             <a:extLst>
               <a:ext uri="{FF2B5EF4-FFF2-40B4-BE49-F238E27FC236}">
@@ -5056,104 +5207,6 @@
     <p:extLst>
       <p:ext uri="{BB962C8B-B14F-4D97-AF65-F5344CB8AC3E}">
         <p14:creationId xmlns:p14="http://schemas.microsoft.com/office/powerpoint/2010/main" val="3134294623"/>
-      </p:ext>
-    </p:extLst>
-  </p:cSld>
-  <p:clrMapOvr>
-    <a:masterClrMapping/>
-  </p:clrMapOvr>
-</p:sld>
-</file>
-
-<file path=ppt/slides/slide12.xml><?xml version="1.0" encoding="utf-8"?>
-<p:sld xmlns:a="http://schemas.openxmlformats.org/drawingml/2006/main" xmlns:r="http://schemas.openxmlformats.org/officeDocument/2006/relationships" xmlns:p="http://schemas.openxmlformats.org/presentationml/2006/main">
-  <p:cSld>
-    <p:spTree>
-      <p:nvGrpSpPr>
-        <p:cNvPr id="1" name=""/>
-        <p:cNvGrpSpPr/>
-        <p:nvPr/>
-      </p:nvGrpSpPr>
-      <p:grpSpPr>
-        <a:xfrm>
-          <a:off x="0" y="0"/>
-          <a:ext cx="0" cy="0"/>
-          <a:chOff x="0" y="0"/>
-          <a:chExt cx="0" cy="0"/>
-        </a:xfrm>
-      </p:grpSpPr>
-      <p:sp>
-        <p:nvSpPr>
-          <p:cNvPr id="2" name="Title 1">
-            <a:extLst>
-              <a:ext uri="{FF2B5EF4-FFF2-40B4-BE49-F238E27FC236}">
-                <a16:creationId xmlns:a16="http://schemas.microsoft.com/office/drawing/2014/main" id="{C9C0BC80-3113-48C7-BE5F-674D8A65A32E}"/>
-              </a:ext>
-            </a:extLst>
-          </p:cNvPr>
-          <p:cNvSpPr>
-            <a:spLocks noGrp="1"/>
-          </p:cNvSpPr>
-          <p:nvPr>
-            <p:ph type="title"/>
-          </p:nvPr>
-        </p:nvSpPr>
-        <p:spPr>
-          <a:xfrm>
-            <a:off x="504000" y="315401"/>
-            <a:ext cx="9071640" cy="609398"/>
-          </a:xfrm>
-        </p:spPr>
-        <p:txBody>
-          <a:bodyPr/>
-          <a:lstStyle/>
-          <a:p>
-            <a:pPr algn="ctr"/>
-            <a:r>
-              <a:rPr lang="en-US" dirty="0">
-                <a:solidFill>
-                  <a:schemeClr val="bg1"/>
-                </a:solidFill>
-              </a:rPr>
-              <a:t>Google Maps</a:t>
-            </a:r>
-          </a:p>
-        </p:txBody>
-      </p:sp>
-      <p:pic>
-        <p:nvPicPr>
-          <p:cNvPr id="5" name="Picture 4">
-            <a:extLst>
-              <a:ext uri="{FF2B5EF4-FFF2-40B4-BE49-F238E27FC236}">
-                <a16:creationId xmlns:a16="http://schemas.microsoft.com/office/drawing/2014/main" id="{C30BCC7A-AEAF-43CA-95E7-D459BB887417}"/>
-              </a:ext>
-            </a:extLst>
-          </p:cNvPr>
-          <p:cNvPicPr>
-            <a:picLocks noChangeAspect="1"/>
-          </p:cNvPicPr>
-          <p:nvPr/>
-        </p:nvPicPr>
-        <p:blipFill>
-          <a:blip r:embed="rId2"/>
-          <a:stretch>
-            <a:fillRect/>
-          </a:stretch>
-        </p:blipFill>
-        <p:spPr>
-          <a:xfrm>
-            <a:off x="366740" y="1223977"/>
-            <a:ext cx="9347143" cy="5111719"/>
-          </a:xfrm>
-          <a:prstGeom prst="rect">
-            <a:avLst/>
-          </a:prstGeom>
-        </p:spPr>
-      </p:pic>
-    </p:spTree>
-    <p:extLst>
-      <p:ext uri="{BB962C8B-B14F-4D97-AF65-F5344CB8AC3E}">
-        <p14:creationId xmlns:p14="http://schemas.microsoft.com/office/powerpoint/2010/main" val="3863278567"/>
       </p:ext>
     </p:extLst>
   </p:cSld>
@@ -5185,7 +5238,7 @@
           <p:cNvPr id="2" name="Title 1">
             <a:extLst>
               <a:ext uri="{FF2B5EF4-FFF2-40B4-BE49-F238E27FC236}">
-                <a16:creationId xmlns:a16="http://schemas.microsoft.com/office/drawing/2014/main" id="{1B77E56D-B458-4EBD-BA85-2282A1CE0AE8}"/>
+                <a16:creationId xmlns:a16="http://schemas.microsoft.com/office/drawing/2014/main" id="{C9C0BC80-3113-48C7-BE5F-674D8A65A32E}"/>
               </a:ext>
             </a:extLst>
           </p:cNvPr>
@@ -5213,7 +5266,7 @@
                   <a:schemeClr val="bg1"/>
                 </a:solidFill>
               </a:rPr>
-              <a:t>DOB/DOD Changes</a:t>
+              <a:t>Google Maps</a:t>
             </a:r>
           </a:p>
         </p:txBody>
@@ -5223,91 +5276,35 @@
           <p:cNvPr id="5" name="Picture 4">
             <a:extLst>
               <a:ext uri="{FF2B5EF4-FFF2-40B4-BE49-F238E27FC236}">
-                <a16:creationId xmlns:a16="http://schemas.microsoft.com/office/drawing/2014/main" id="{6E77DD1F-09B8-4DB6-B9B3-3B68A083E44F}"/>
+                <a16:creationId xmlns:a16="http://schemas.microsoft.com/office/drawing/2014/main" id="{C30BCC7A-AEAF-43CA-95E7-D459BB887417}"/>
               </a:ext>
             </a:extLst>
           </p:cNvPr>
-          <p:cNvPicPr/>
+          <p:cNvPicPr>
+            <a:picLocks noChangeAspect="1"/>
+          </p:cNvPicPr>
           <p:nvPr/>
         </p:nvPicPr>
         <p:blipFill>
-          <a:blip r:embed="rId2" cstate="print">
-            <a:extLst>
-              <a:ext uri="{28A0092B-C50C-407E-A947-70E740481C1C}">
-                <a14:useLocalDpi xmlns:a14="http://schemas.microsoft.com/office/drawing/2010/main" val="0"/>
-              </a:ext>
-            </a:extLst>
-          </a:blip>
+          <a:blip r:embed="rId2"/>
           <a:stretch>
             <a:fillRect/>
           </a:stretch>
         </p:blipFill>
         <p:spPr>
           <a:xfrm>
-            <a:off x="504000" y="1226276"/>
-            <a:ext cx="8796111" cy="5107121"/>
+            <a:off x="366740" y="1223977"/>
+            <a:ext cx="9347143" cy="5111719"/>
           </a:xfrm>
           <a:prstGeom prst="rect">
             <a:avLst/>
           </a:prstGeom>
         </p:spPr>
       </p:pic>
-      <p:sp>
-        <p:nvSpPr>
-          <p:cNvPr id="8" name="Rectangle 7">
-            <a:extLst>
-              <a:ext uri="{FF2B5EF4-FFF2-40B4-BE49-F238E27FC236}">
-                <a16:creationId xmlns:a16="http://schemas.microsoft.com/office/drawing/2014/main" id="{3FD4F0AB-A50B-49ED-A722-27DEFD69B0DD}"/>
-              </a:ext>
-            </a:extLst>
-          </p:cNvPr>
-          <p:cNvSpPr/>
-          <p:nvPr/>
-        </p:nvSpPr>
-        <p:spPr>
-          <a:xfrm>
-            <a:off x="1404938" y="1881188"/>
-            <a:ext cx="1724025" cy="276225"/>
-          </a:xfrm>
-          <a:prstGeom prst="rect">
-            <a:avLst/>
-          </a:prstGeom>
-          <a:noFill/>
-          <a:ln>
-            <a:solidFill>
-              <a:srgbClr val="C00000"/>
-            </a:solidFill>
-          </a:ln>
-        </p:spPr>
-        <p:style>
-          <a:lnRef idx="2">
-            <a:schemeClr val="accent1">
-              <a:shade val="50000"/>
-            </a:schemeClr>
-          </a:lnRef>
-          <a:fillRef idx="1">
-            <a:schemeClr val="accent1"/>
-          </a:fillRef>
-          <a:effectRef idx="0">
-            <a:schemeClr val="accent1"/>
-          </a:effectRef>
-          <a:fontRef idx="minor">
-            <a:schemeClr val="lt1"/>
-          </a:fontRef>
-        </p:style>
-        <p:txBody>
-          <a:bodyPr rtlCol="0" anchor="ctr"/>
-          <a:lstStyle/>
-          <a:p>
-            <a:pPr algn="ctr"/>
-            <a:endParaRPr lang="en-US"/>
-          </a:p>
-        </p:txBody>
-      </p:sp>
     </p:spTree>
     <p:extLst>
       <p:ext uri="{BB962C8B-B14F-4D97-AF65-F5344CB8AC3E}">
-        <p14:creationId xmlns:p14="http://schemas.microsoft.com/office/powerpoint/2010/main" val="2126733383"/>
+        <p14:creationId xmlns:p14="http://schemas.microsoft.com/office/powerpoint/2010/main" val="3863278567"/>
       </p:ext>
     </p:extLst>
   </p:cSld>
@@ -5339,7 +5336,7 @@
           <p:cNvPr id="2" name="Title 1">
             <a:extLst>
               <a:ext uri="{FF2B5EF4-FFF2-40B4-BE49-F238E27FC236}">
-                <a16:creationId xmlns:a16="http://schemas.microsoft.com/office/drawing/2014/main" id="{1FB5E3A6-9B7D-4A86-BCEC-8EC0FEAA380D}"/>
+                <a16:creationId xmlns:a16="http://schemas.microsoft.com/office/drawing/2014/main" id="{1B77E56D-B458-4EBD-BA85-2282A1CE0AE8}"/>
               </a:ext>
             </a:extLst>
           </p:cNvPr>
@@ -5367,45 +5364,101 @@
                   <a:schemeClr val="bg1"/>
                 </a:solidFill>
               </a:rPr>
-              <a:t>ER Diagram</a:t>
+              <a:t>DOB/DOD Changes</a:t>
             </a:r>
           </a:p>
         </p:txBody>
       </p:sp>
       <p:pic>
         <p:nvPicPr>
-          <p:cNvPr id="4" name="Picture 3">
+          <p:cNvPr id="5" name="Picture 4">
             <a:extLst>
               <a:ext uri="{FF2B5EF4-FFF2-40B4-BE49-F238E27FC236}">
-                <a16:creationId xmlns:a16="http://schemas.microsoft.com/office/drawing/2014/main" id="{5923C708-E3E6-46C0-8A8A-AB8097FCE2D1}"/>
+                <a16:creationId xmlns:a16="http://schemas.microsoft.com/office/drawing/2014/main" id="{6E77DD1F-09B8-4DB6-B9B3-3B68A083E44F}"/>
               </a:ext>
             </a:extLst>
           </p:cNvPr>
-          <p:cNvPicPr>
-            <a:picLocks noChangeAspect="1"/>
-          </p:cNvPicPr>
+          <p:cNvPicPr/>
           <p:nvPr/>
         </p:nvPicPr>
         <p:blipFill>
-          <a:blip r:embed="rId2"/>
+          <a:blip r:embed="rId2" cstate="print">
+            <a:extLst>
+              <a:ext uri="{28A0092B-C50C-407E-A947-70E740481C1C}">
+                <a14:useLocalDpi xmlns:a14="http://schemas.microsoft.com/office/drawing/2010/main" val="0"/>
+              </a:ext>
+            </a:extLst>
+          </a:blip>
           <a:stretch>
             <a:fillRect/>
           </a:stretch>
         </p:blipFill>
         <p:spPr>
           <a:xfrm>
-            <a:off x="4002087" y="1660524"/>
-            <a:ext cx="2076450" cy="4238625"/>
+            <a:off x="504000" y="1226276"/>
+            <a:ext cx="8796111" cy="5107121"/>
           </a:xfrm>
           <a:prstGeom prst="rect">
             <a:avLst/>
           </a:prstGeom>
         </p:spPr>
       </p:pic>
+      <p:sp>
+        <p:nvSpPr>
+          <p:cNvPr id="8" name="Rectangle 7">
+            <a:extLst>
+              <a:ext uri="{FF2B5EF4-FFF2-40B4-BE49-F238E27FC236}">
+                <a16:creationId xmlns:a16="http://schemas.microsoft.com/office/drawing/2014/main" id="{3FD4F0AB-A50B-49ED-A722-27DEFD69B0DD}"/>
+              </a:ext>
+            </a:extLst>
+          </p:cNvPr>
+          <p:cNvSpPr/>
+          <p:nvPr/>
+        </p:nvSpPr>
+        <p:spPr>
+          <a:xfrm>
+            <a:off x="1404938" y="1881188"/>
+            <a:ext cx="1724025" cy="276225"/>
+          </a:xfrm>
+          <a:prstGeom prst="rect">
+            <a:avLst/>
+          </a:prstGeom>
+          <a:noFill/>
+          <a:ln>
+            <a:solidFill>
+              <a:srgbClr val="C00000"/>
+            </a:solidFill>
+          </a:ln>
+        </p:spPr>
+        <p:style>
+          <a:lnRef idx="2">
+            <a:schemeClr val="accent1">
+              <a:shade val="50000"/>
+            </a:schemeClr>
+          </a:lnRef>
+          <a:fillRef idx="1">
+            <a:schemeClr val="accent1"/>
+          </a:fillRef>
+          <a:effectRef idx="0">
+            <a:schemeClr val="accent1"/>
+          </a:effectRef>
+          <a:fontRef idx="minor">
+            <a:schemeClr val="lt1"/>
+          </a:fontRef>
+        </p:style>
+        <p:txBody>
+          <a:bodyPr rtlCol="0" anchor="ctr"/>
+          <a:lstStyle/>
+          <a:p>
+            <a:pPr algn="ctr"/>
+            <a:endParaRPr lang="en-US"/>
+          </a:p>
+        </p:txBody>
+      </p:sp>
     </p:spTree>
     <p:extLst>
       <p:ext uri="{BB962C8B-B14F-4D97-AF65-F5344CB8AC3E}">
-        <p14:creationId xmlns:p14="http://schemas.microsoft.com/office/powerpoint/2010/main" val="1269725659"/>
+        <p14:creationId xmlns:p14="http://schemas.microsoft.com/office/powerpoint/2010/main" val="2126733383"/>
       </p:ext>
     </p:extLst>
   </p:cSld>
@@ -5437,7 +5490,7 @@
           <p:cNvPr id="2" name="Title 1">
             <a:extLst>
               <a:ext uri="{FF2B5EF4-FFF2-40B4-BE49-F238E27FC236}">
-                <a16:creationId xmlns:a16="http://schemas.microsoft.com/office/drawing/2014/main" id="{59D9E958-5F65-4D78-8402-E49D084B4192}"/>
+                <a16:creationId xmlns:a16="http://schemas.microsoft.com/office/drawing/2014/main" id="{1FB5E3A6-9B7D-4A86-BCEC-8EC0FEAA380D}"/>
               </a:ext>
             </a:extLst>
           </p:cNvPr>
@@ -5465,7 +5518,7 @@
                   <a:schemeClr val="bg1"/>
                 </a:solidFill>
               </a:rPr>
-              <a:t>Upload Image Crash</a:t>
+              <a:t>ER Diagram</a:t>
             </a:r>
           </a:p>
         </p:txBody>
@@ -5475,7 +5528,7 @@
           <p:cNvPr id="4" name="Picture 3">
             <a:extLst>
               <a:ext uri="{FF2B5EF4-FFF2-40B4-BE49-F238E27FC236}">
-                <a16:creationId xmlns:a16="http://schemas.microsoft.com/office/drawing/2014/main" id="{E2431B1C-5D96-4A91-B415-65643671D8A8}"/>
+                <a16:creationId xmlns:a16="http://schemas.microsoft.com/office/drawing/2014/main" id="{5923C708-E3E6-46C0-8A8A-AB8097FCE2D1}"/>
               </a:ext>
             </a:extLst>
           </p:cNvPr>
@@ -5492,38 +5545,8 @@
         </p:blipFill>
         <p:spPr>
           <a:xfrm>
-            <a:off x="2077599" y="1656291"/>
-            <a:ext cx="5925423" cy="609398"/>
-          </a:xfrm>
-          <a:prstGeom prst="rect">
-            <a:avLst/>
-          </a:prstGeom>
-        </p:spPr>
-      </p:pic>
-      <p:pic>
-        <p:nvPicPr>
-          <p:cNvPr id="5" name="Picture 4">
-            <a:extLst>
-              <a:ext uri="{FF2B5EF4-FFF2-40B4-BE49-F238E27FC236}">
-                <a16:creationId xmlns:a16="http://schemas.microsoft.com/office/drawing/2014/main" id="{EC8EB193-4149-4D94-BE1F-1F9909C70AA8}"/>
-              </a:ext>
-            </a:extLst>
-          </p:cNvPr>
-          <p:cNvPicPr>
-            <a:picLocks noChangeAspect="1"/>
-          </p:cNvPicPr>
-          <p:nvPr/>
-        </p:nvPicPr>
-        <p:blipFill>
-          <a:blip r:embed="rId3"/>
-          <a:stretch>
-            <a:fillRect/>
-          </a:stretch>
-        </p:blipFill>
-        <p:spPr>
-          <a:xfrm>
-            <a:off x="2077599" y="2997182"/>
-            <a:ext cx="5925423" cy="1748072"/>
+            <a:off x="4002087" y="1660524"/>
+            <a:ext cx="2076450" cy="4238625"/>
           </a:xfrm>
           <a:prstGeom prst="rect">
             <a:avLst/>
@@ -5533,7 +5556,7 @@
     </p:spTree>
     <p:extLst>
       <p:ext uri="{BB962C8B-B14F-4D97-AF65-F5344CB8AC3E}">
-        <p14:creationId xmlns:p14="http://schemas.microsoft.com/office/powerpoint/2010/main" val="2987960971"/>
+        <p14:creationId xmlns:p14="http://schemas.microsoft.com/office/powerpoint/2010/main" val="1269725659"/>
       </p:ext>
     </p:extLst>
   </p:cSld>
@@ -5565,7 +5588,7 @@
           <p:cNvPr id="2" name="Title 1">
             <a:extLst>
               <a:ext uri="{FF2B5EF4-FFF2-40B4-BE49-F238E27FC236}">
-                <a16:creationId xmlns:a16="http://schemas.microsoft.com/office/drawing/2014/main" id="{DE7F694F-8661-42EB-8E91-58F31BAAAEB2}"/>
+                <a16:creationId xmlns:a16="http://schemas.microsoft.com/office/drawing/2014/main" id="{59D9E958-5F65-4D78-8402-E49D084B4192}"/>
               </a:ext>
             </a:extLst>
           </p:cNvPr>
@@ -5576,7 +5599,12 @@
             <p:ph type="title"/>
           </p:nvPr>
         </p:nvSpPr>
-        <p:spPr/>
+        <p:spPr>
+          <a:xfrm>
+            <a:off x="504000" y="315401"/>
+            <a:ext cx="9071640" cy="609398"/>
+          </a:xfrm>
+        </p:spPr>
         <p:txBody>
           <a:bodyPr/>
           <a:lstStyle/>
@@ -5588,134 +5616,75 @@
                   <a:schemeClr val="bg1"/>
                 </a:solidFill>
               </a:rPr>
-              <a:t>Find A Grave</a:t>
+              <a:t>Upload Image Crash</a:t>
             </a:r>
           </a:p>
         </p:txBody>
       </p:sp>
-      <p:sp>
-        <p:nvSpPr>
-          <p:cNvPr id="4" name="Subtitle 3">
+      <p:pic>
+        <p:nvPicPr>
+          <p:cNvPr id="4" name="Picture 3">
             <a:extLst>
               <a:ext uri="{FF2B5EF4-FFF2-40B4-BE49-F238E27FC236}">
-                <a16:creationId xmlns:a16="http://schemas.microsoft.com/office/drawing/2014/main" id="{E0FFFB47-5469-4670-ADA6-8967235E203F}"/>
+                <a16:creationId xmlns:a16="http://schemas.microsoft.com/office/drawing/2014/main" id="{E2431B1C-5D96-4A91-B415-65643671D8A8}"/>
               </a:ext>
             </a:extLst>
           </p:cNvPr>
-          <p:cNvSpPr>
-            <a:spLocks noGrp="1"/>
-          </p:cNvSpPr>
-          <p:nvPr>
-            <p:ph type="subTitle"/>
-          </p:nvPr>
-        </p:nvSpPr>
-        <p:spPr>
-          <a:xfrm>
-            <a:off x="504000" y="1297012"/>
-            <a:ext cx="2778215" cy="387798"/>
-          </a:xfrm>
-        </p:spPr>
-        <p:txBody>
-          <a:bodyPr/>
-          <a:lstStyle/>
-          <a:p>
-            <a:r>
-              <a:rPr lang="en-US" dirty="0"/>
-              <a:t>Admin</a:t>
-            </a:r>
-          </a:p>
-        </p:txBody>
-      </p:sp>
-      <p:pic>
-        <p:nvPicPr>
-          <p:cNvPr id="7" name="Picture 6">
-            <a:extLst>
-              <a:ext uri="{FF2B5EF4-FFF2-40B4-BE49-F238E27FC236}">
-                <a16:creationId xmlns:a16="http://schemas.microsoft.com/office/drawing/2014/main" id="{AA13C491-2C0C-47A5-9E0F-566DFC7C7B90}"/>
-              </a:ext>
-            </a:extLst>
-          </p:cNvPr>
-          <p:cNvPicPr/>
+          <p:cNvPicPr>
+            <a:picLocks noChangeAspect="1"/>
+          </p:cNvPicPr>
           <p:nvPr/>
         </p:nvPicPr>
         <p:blipFill>
-          <a:blip r:embed="rId2" cstate="print">
-            <a:extLst>
-              <a:ext uri="{28A0092B-C50C-407E-A947-70E740481C1C}">
-                <a14:useLocalDpi xmlns:a14="http://schemas.microsoft.com/office/drawing/2010/main" val="0"/>
-              </a:ext>
-            </a:extLst>
-          </a:blip>
+          <a:blip r:embed="rId2"/>
           <a:stretch>
             <a:fillRect/>
           </a:stretch>
         </p:blipFill>
         <p:spPr>
           <a:xfrm>
-            <a:off x="504000" y="1752054"/>
-            <a:ext cx="8629295" cy="4577853"/>
+            <a:off x="2077599" y="1656291"/>
+            <a:ext cx="5925423" cy="609398"/>
           </a:xfrm>
           <a:prstGeom prst="rect">
             <a:avLst/>
           </a:prstGeom>
         </p:spPr>
       </p:pic>
-      <p:sp>
-        <p:nvSpPr>
-          <p:cNvPr id="3" name="Rectangle 2">
+      <p:pic>
+        <p:nvPicPr>
+          <p:cNvPr id="5" name="Picture 4">
             <a:extLst>
               <a:ext uri="{FF2B5EF4-FFF2-40B4-BE49-F238E27FC236}">
-                <a16:creationId xmlns:a16="http://schemas.microsoft.com/office/drawing/2014/main" id="{DCF885F4-A60B-4EB6-B374-DD3DB0B0A0A0}"/>
+                <a16:creationId xmlns:a16="http://schemas.microsoft.com/office/drawing/2014/main" id="{EC8EB193-4149-4D94-BE1F-1F9909C70AA8}"/>
               </a:ext>
             </a:extLst>
           </p:cNvPr>
-          <p:cNvSpPr/>
+          <p:cNvPicPr>
+            <a:picLocks noChangeAspect="1"/>
+          </p:cNvPicPr>
           <p:nvPr/>
-        </p:nvSpPr>
-        <p:spPr>
-          <a:xfrm>
-            <a:off x="1433513" y="6038825"/>
-            <a:ext cx="3467100" cy="233363"/>
-          </a:xfrm>
-          <a:prstGeom prst="rect">
-            <a:avLst/>
-          </a:prstGeom>
-          <a:noFill/>
-          <a:ln>
-            <a:solidFill>
-              <a:srgbClr val="C00000"/>
-            </a:solidFill>
-          </a:ln>
-        </p:spPr>
-        <p:style>
-          <a:lnRef idx="2">
-            <a:schemeClr val="accent1">
-              <a:shade val="50000"/>
-            </a:schemeClr>
-          </a:lnRef>
-          <a:fillRef idx="1">
-            <a:schemeClr val="accent1"/>
-          </a:fillRef>
-          <a:effectRef idx="0">
-            <a:schemeClr val="accent1"/>
-          </a:effectRef>
-          <a:fontRef idx="minor">
-            <a:schemeClr val="lt1"/>
-          </a:fontRef>
-        </p:style>
-        <p:txBody>
-          <a:bodyPr rtlCol="0" anchor="ctr"/>
-          <a:lstStyle/>
-          <a:p>
-            <a:pPr algn="ctr"/>
-            <a:endParaRPr lang="en-US"/>
-          </a:p>
-        </p:txBody>
-      </p:sp>
+        </p:nvPicPr>
+        <p:blipFill>
+          <a:blip r:embed="rId3"/>
+          <a:stretch>
+            <a:fillRect/>
+          </a:stretch>
+        </p:blipFill>
+        <p:spPr>
+          <a:xfrm>
+            <a:off x="2077599" y="2997182"/>
+            <a:ext cx="5925423" cy="1748072"/>
+          </a:xfrm>
+          <a:prstGeom prst="rect">
+            <a:avLst/>
+          </a:prstGeom>
+        </p:spPr>
+      </p:pic>
     </p:spTree>
     <p:extLst>
       <p:ext uri="{BB962C8B-B14F-4D97-AF65-F5344CB8AC3E}">
-        <p14:creationId xmlns:p14="http://schemas.microsoft.com/office/powerpoint/2010/main" val="728681171"/>
+        <p14:creationId xmlns:p14="http://schemas.microsoft.com/office/powerpoint/2010/main" val="2987960971"/>
       </p:ext>
     </p:extLst>
   </p:cSld>
@@ -5747,7 +5716,7 @@
           <p:cNvPr id="2" name="Title 1">
             <a:extLst>
               <a:ext uri="{FF2B5EF4-FFF2-40B4-BE49-F238E27FC236}">
-                <a16:creationId xmlns:a16="http://schemas.microsoft.com/office/drawing/2014/main" id="{37E670C7-79A3-4589-AC79-DB8FD220F3F3}"/>
+                <a16:creationId xmlns:a16="http://schemas.microsoft.com/office/drawing/2014/main" id="{DE7F694F-8661-42EB-8E91-58F31BAAAEB2}"/>
               </a:ext>
             </a:extLst>
           </p:cNvPr>
@@ -5758,12 +5727,7 @@
             <p:ph type="title"/>
           </p:nvPr>
         </p:nvSpPr>
-        <p:spPr>
-          <a:xfrm>
-            <a:off x="504000" y="315401"/>
-            <a:ext cx="9071640" cy="609398"/>
-          </a:xfrm>
-        </p:spPr>
+        <p:spPr/>
         <p:txBody>
           <a:bodyPr/>
           <a:lstStyle/>
@@ -5782,10 +5746,10 @@
       </p:sp>
       <p:sp>
         <p:nvSpPr>
-          <p:cNvPr id="3" name="Subtitle 2">
+          <p:cNvPr id="4" name="Subtitle 3">
             <a:extLst>
               <a:ext uri="{FF2B5EF4-FFF2-40B4-BE49-F238E27FC236}">
-                <a16:creationId xmlns:a16="http://schemas.microsoft.com/office/drawing/2014/main" id="{41F6442A-1617-47B7-872D-4BC1A38C111C}"/>
+                <a16:creationId xmlns:a16="http://schemas.microsoft.com/office/drawing/2014/main" id="{E0FFFB47-5469-4670-ADA6-8967235E203F}"/>
               </a:ext>
             </a:extLst>
           </p:cNvPr>
@@ -5798,8 +5762,8 @@
         </p:nvSpPr>
         <p:spPr>
           <a:xfrm>
-            <a:off x="504000" y="1284044"/>
-            <a:ext cx="1709811" cy="387798"/>
+            <a:off x="504000" y="1297012"/>
+            <a:ext cx="2778215" cy="387798"/>
           </a:xfrm>
         </p:spPr>
         <p:txBody>
@@ -5808,35 +5772,39 @@
           <a:p>
             <a:r>
               <a:rPr lang="en-US" dirty="0"/>
-              <a:t>Viewer</a:t>
+              <a:t>Admin</a:t>
             </a:r>
           </a:p>
         </p:txBody>
       </p:sp>
       <p:pic>
         <p:nvPicPr>
-          <p:cNvPr id="4" name="Picture 3">
+          <p:cNvPr id="7" name="Picture 6">
             <a:extLst>
               <a:ext uri="{FF2B5EF4-FFF2-40B4-BE49-F238E27FC236}">
-                <a16:creationId xmlns:a16="http://schemas.microsoft.com/office/drawing/2014/main" id="{A8E643B8-1CB5-459B-B0AA-D52AB8982B31}"/>
+                <a16:creationId xmlns:a16="http://schemas.microsoft.com/office/drawing/2014/main" id="{AA13C491-2C0C-47A5-9E0F-566DFC7C7B90}"/>
               </a:ext>
             </a:extLst>
           </p:cNvPr>
-          <p:cNvPicPr>
-            <a:picLocks noChangeAspect="1"/>
-          </p:cNvPicPr>
+          <p:cNvPicPr/>
           <p:nvPr/>
         </p:nvPicPr>
         <p:blipFill>
-          <a:blip r:embed="rId2"/>
+          <a:blip r:embed="rId2" cstate="print">
+            <a:extLst>
+              <a:ext uri="{28A0092B-C50C-407E-A947-70E740481C1C}">
+                <a14:useLocalDpi xmlns:a14="http://schemas.microsoft.com/office/drawing/2010/main" val="0"/>
+              </a:ext>
+            </a:extLst>
+          </a:blip>
           <a:stretch>
             <a:fillRect/>
           </a:stretch>
         </p:blipFill>
         <p:spPr>
           <a:xfrm>
-            <a:off x="945019" y="1671842"/>
-            <a:ext cx="8189602" cy="4478689"/>
+            <a:off x="504000" y="1752054"/>
+            <a:ext cx="8629295" cy="4577853"/>
           </a:xfrm>
           <a:prstGeom prst="rect">
             <a:avLst/>
@@ -5845,10 +5813,10 @@
       </p:pic>
       <p:sp>
         <p:nvSpPr>
-          <p:cNvPr id="5" name="Rectangle 4">
+          <p:cNvPr id="3" name="Rectangle 2">
             <a:extLst>
               <a:ext uri="{FF2B5EF4-FFF2-40B4-BE49-F238E27FC236}">
-                <a16:creationId xmlns:a16="http://schemas.microsoft.com/office/drawing/2014/main" id="{AE55C391-02C5-405E-AED3-E3085F97E4A5}"/>
+                <a16:creationId xmlns:a16="http://schemas.microsoft.com/office/drawing/2014/main" id="{DCF885F4-A60B-4EB6-B374-DD3DB0B0A0A0}"/>
               </a:ext>
             </a:extLst>
           </p:cNvPr>
@@ -5857,8 +5825,8 @@
         </p:nvSpPr>
         <p:spPr>
           <a:xfrm>
-            <a:off x="1886552" y="1771048"/>
-            <a:ext cx="625642" cy="173255"/>
+            <a:off x="1433513" y="6038825"/>
+            <a:ext cx="3467100" cy="233363"/>
           </a:xfrm>
           <a:prstGeom prst="rect">
             <a:avLst/>
@@ -5866,7 +5834,7 @@
           <a:noFill/>
           <a:ln>
             <a:solidFill>
-              <a:srgbClr val="FF0000"/>
+              <a:srgbClr val="C00000"/>
             </a:solidFill>
           </a:ln>
         </p:spPr>
@@ -5898,7 +5866,7 @@
     </p:spTree>
     <p:extLst>
       <p:ext uri="{BB962C8B-B14F-4D97-AF65-F5344CB8AC3E}">
-        <p14:creationId xmlns:p14="http://schemas.microsoft.com/office/powerpoint/2010/main" val="3580192146"/>
+        <p14:creationId xmlns:p14="http://schemas.microsoft.com/office/powerpoint/2010/main" val="728681171"/>
       </p:ext>
     </p:extLst>
   </p:cSld>
@@ -5930,7 +5898,7 @@
           <p:cNvPr id="2" name="Title 1">
             <a:extLst>
               <a:ext uri="{FF2B5EF4-FFF2-40B4-BE49-F238E27FC236}">
-                <a16:creationId xmlns:a16="http://schemas.microsoft.com/office/drawing/2014/main" id="{57FA5111-5ED0-4A65-A5E2-42A222102DC2}"/>
+                <a16:creationId xmlns:a16="http://schemas.microsoft.com/office/drawing/2014/main" id="{37E670C7-79A3-4589-AC79-DB8FD220F3F3}"/>
               </a:ext>
             </a:extLst>
           </p:cNvPr>
@@ -5968,7 +5936,7 @@
           <p:cNvPr id="3" name="Subtitle 2">
             <a:extLst>
               <a:ext uri="{FF2B5EF4-FFF2-40B4-BE49-F238E27FC236}">
-                <a16:creationId xmlns:a16="http://schemas.microsoft.com/office/drawing/2014/main" id="{DA2825AD-F3AC-4C40-B13B-7456B2DFF8E3}"/>
+                <a16:creationId xmlns:a16="http://schemas.microsoft.com/office/drawing/2014/main" id="{41F6442A-1617-47B7-872D-4BC1A38C111C}"/>
               </a:ext>
             </a:extLst>
           </p:cNvPr>
@@ -5981,8 +5949,8 @@
         </p:nvSpPr>
         <p:spPr>
           <a:xfrm>
-            <a:off x="503999" y="1245542"/>
-            <a:ext cx="2123697" cy="387798"/>
+            <a:off x="504000" y="1284044"/>
+            <a:ext cx="1709811" cy="387798"/>
           </a:xfrm>
         </p:spPr>
         <p:txBody>
@@ -5991,7 +5959,7 @@
           <a:p>
             <a:r>
               <a:rPr lang="en-US" dirty="0"/>
-              <a:t>Website</a:t>
+              <a:t>Viewer</a:t>
             </a:r>
           </a:p>
         </p:txBody>
@@ -6001,7 +5969,7 @@
           <p:cNvPr id="4" name="Picture 3">
             <a:extLst>
               <a:ext uri="{FF2B5EF4-FFF2-40B4-BE49-F238E27FC236}">
-                <a16:creationId xmlns:a16="http://schemas.microsoft.com/office/drawing/2014/main" id="{2816FB25-A3FF-41C6-930C-0D326A4F3BBA}"/>
+                <a16:creationId xmlns:a16="http://schemas.microsoft.com/office/drawing/2014/main" id="{A8E643B8-1CB5-459B-B0AA-D52AB8982B31}"/>
               </a:ext>
             </a:extLst>
           </p:cNvPr>
@@ -6018,18 +5986,70 @@
         </p:blipFill>
         <p:spPr>
           <a:xfrm>
-            <a:off x="783967" y="1633340"/>
-            <a:ext cx="8511706" cy="4654839"/>
+            <a:off x="945019" y="1671842"/>
+            <a:ext cx="8189602" cy="4478689"/>
           </a:xfrm>
           <a:prstGeom prst="rect">
             <a:avLst/>
           </a:prstGeom>
         </p:spPr>
       </p:pic>
+      <p:sp>
+        <p:nvSpPr>
+          <p:cNvPr id="5" name="Rectangle 4">
+            <a:extLst>
+              <a:ext uri="{FF2B5EF4-FFF2-40B4-BE49-F238E27FC236}">
+                <a16:creationId xmlns:a16="http://schemas.microsoft.com/office/drawing/2014/main" id="{AE55C391-02C5-405E-AED3-E3085F97E4A5}"/>
+              </a:ext>
+            </a:extLst>
+          </p:cNvPr>
+          <p:cNvSpPr/>
+          <p:nvPr/>
+        </p:nvSpPr>
+        <p:spPr>
+          <a:xfrm>
+            <a:off x="1886552" y="1771048"/>
+            <a:ext cx="625642" cy="173255"/>
+          </a:xfrm>
+          <a:prstGeom prst="rect">
+            <a:avLst/>
+          </a:prstGeom>
+          <a:noFill/>
+          <a:ln>
+            <a:solidFill>
+              <a:srgbClr val="FF0000"/>
+            </a:solidFill>
+          </a:ln>
+        </p:spPr>
+        <p:style>
+          <a:lnRef idx="2">
+            <a:schemeClr val="accent1">
+              <a:shade val="50000"/>
+            </a:schemeClr>
+          </a:lnRef>
+          <a:fillRef idx="1">
+            <a:schemeClr val="accent1"/>
+          </a:fillRef>
+          <a:effectRef idx="0">
+            <a:schemeClr val="accent1"/>
+          </a:effectRef>
+          <a:fontRef idx="minor">
+            <a:schemeClr val="lt1"/>
+          </a:fontRef>
+        </p:style>
+        <p:txBody>
+          <a:bodyPr rtlCol="0" anchor="ctr"/>
+          <a:lstStyle/>
+          <a:p>
+            <a:pPr algn="ctr"/>
+            <a:endParaRPr lang="en-US"/>
+          </a:p>
+        </p:txBody>
+      </p:sp>
     </p:spTree>
     <p:extLst>
       <p:ext uri="{BB962C8B-B14F-4D97-AF65-F5344CB8AC3E}">
-        <p14:creationId xmlns:p14="http://schemas.microsoft.com/office/powerpoint/2010/main" val="3374135640"/>
+        <p14:creationId xmlns:p14="http://schemas.microsoft.com/office/powerpoint/2010/main" val="3580192146"/>
       </p:ext>
     </p:extLst>
   </p:cSld>
@@ -6061,7 +6081,7 @@
           <p:cNvPr id="2" name="Title 1">
             <a:extLst>
               <a:ext uri="{FF2B5EF4-FFF2-40B4-BE49-F238E27FC236}">
-                <a16:creationId xmlns:a16="http://schemas.microsoft.com/office/drawing/2014/main" id="{AB90BAA5-199E-493D-8B42-C447F78BD067}"/>
+                <a16:creationId xmlns:a16="http://schemas.microsoft.com/office/drawing/2014/main" id="{57FA5111-5ED0-4A65-A5E2-42A222102DC2}"/>
               </a:ext>
             </a:extLst>
           </p:cNvPr>
@@ -6083,21 +6103,46 @@
           <a:lstStyle/>
           <a:p>
             <a:pPr algn="ctr"/>
-            <a:r>
-              <a:rPr lang="en-US" dirty="0" err="1">
-                <a:solidFill>
-                  <a:schemeClr val="bg1"/>
-                </a:solidFill>
-              </a:rPr>
-              <a:t>Misc</a:t>
-            </a:r>
             <a:r>
               <a:rPr lang="en-US" dirty="0">
                 <a:solidFill>
                   <a:schemeClr val="bg1"/>
                 </a:solidFill>
               </a:rPr>
-              <a:t> Picture</a:t>
+              <a:t>Find A Grave</a:t>
+            </a:r>
+          </a:p>
+        </p:txBody>
+      </p:sp>
+      <p:sp>
+        <p:nvSpPr>
+          <p:cNvPr id="3" name="Subtitle 2">
+            <a:extLst>
+              <a:ext uri="{FF2B5EF4-FFF2-40B4-BE49-F238E27FC236}">
+                <a16:creationId xmlns:a16="http://schemas.microsoft.com/office/drawing/2014/main" id="{DA2825AD-F3AC-4C40-B13B-7456B2DFF8E3}"/>
+              </a:ext>
+            </a:extLst>
+          </p:cNvPr>
+          <p:cNvSpPr>
+            <a:spLocks noGrp="1"/>
+          </p:cNvSpPr>
+          <p:nvPr>
+            <p:ph type="subTitle"/>
+          </p:nvPr>
+        </p:nvSpPr>
+        <p:spPr>
+          <a:xfrm>
+            <a:off x="503999" y="1245542"/>
+            <a:ext cx="2123697" cy="387798"/>
+          </a:xfrm>
+        </p:spPr>
+        <p:txBody>
+          <a:bodyPr/>
+          <a:lstStyle/>
+          <a:p>
+            <a:r>
+              <a:rPr lang="en-US" dirty="0"/>
+              <a:t>Website</a:t>
             </a:r>
           </a:p>
         </p:txBody>
@@ -6107,91 +6152,35 @@
           <p:cNvPr id="4" name="Picture 3">
             <a:extLst>
               <a:ext uri="{FF2B5EF4-FFF2-40B4-BE49-F238E27FC236}">
-                <a16:creationId xmlns:a16="http://schemas.microsoft.com/office/drawing/2014/main" id="{6FEC997E-3810-4E62-B548-318D156CB1ED}"/>
+                <a16:creationId xmlns:a16="http://schemas.microsoft.com/office/drawing/2014/main" id="{2816FB25-A3FF-41C6-930C-0D326A4F3BBA}"/>
               </a:ext>
             </a:extLst>
           </p:cNvPr>
-          <p:cNvPicPr/>
+          <p:cNvPicPr>
+            <a:picLocks noChangeAspect="1"/>
+          </p:cNvPicPr>
           <p:nvPr/>
         </p:nvPicPr>
         <p:blipFill>
-          <a:blip r:embed="rId2" cstate="print">
-            <a:extLst>
-              <a:ext uri="{28A0092B-C50C-407E-A947-70E740481C1C}">
-                <a14:useLocalDpi xmlns:a14="http://schemas.microsoft.com/office/drawing/2010/main" val="0"/>
-              </a:ext>
-            </a:extLst>
-          </a:blip>
+          <a:blip r:embed="rId2"/>
           <a:stretch>
             <a:fillRect/>
           </a:stretch>
         </p:blipFill>
         <p:spPr>
           <a:xfrm>
-            <a:off x="709633" y="1376900"/>
-            <a:ext cx="8661358" cy="4805873"/>
+            <a:off x="783967" y="1633340"/>
+            <a:ext cx="8511706" cy="4654839"/>
           </a:xfrm>
           <a:prstGeom prst="rect">
             <a:avLst/>
           </a:prstGeom>
         </p:spPr>
       </p:pic>
-      <p:sp>
-        <p:nvSpPr>
-          <p:cNvPr id="5" name="Rectangle 4">
-            <a:extLst>
-              <a:ext uri="{FF2B5EF4-FFF2-40B4-BE49-F238E27FC236}">
-                <a16:creationId xmlns:a16="http://schemas.microsoft.com/office/drawing/2014/main" id="{CA81BC32-9369-49D6-BB60-739920EB4497}"/>
-              </a:ext>
-            </a:extLst>
-          </p:cNvPr>
-          <p:cNvSpPr/>
-          <p:nvPr/>
-        </p:nvSpPr>
-        <p:spPr>
-          <a:xfrm>
-            <a:off x="5448300" y="3952875"/>
-            <a:ext cx="1981200" cy="2229898"/>
-          </a:xfrm>
-          <a:prstGeom prst="rect">
-            <a:avLst/>
-          </a:prstGeom>
-          <a:noFill/>
-          <a:ln>
-            <a:solidFill>
-              <a:srgbClr val="C00000"/>
-            </a:solidFill>
-          </a:ln>
-        </p:spPr>
-        <p:style>
-          <a:lnRef idx="2">
-            <a:schemeClr val="accent1">
-              <a:shade val="50000"/>
-            </a:schemeClr>
-          </a:lnRef>
-          <a:fillRef idx="1">
-            <a:schemeClr val="accent1"/>
-          </a:fillRef>
-          <a:effectRef idx="0">
-            <a:schemeClr val="accent1"/>
-          </a:effectRef>
-          <a:fontRef idx="minor">
-            <a:schemeClr val="lt1"/>
-          </a:fontRef>
-        </p:style>
-        <p:txBody>
-          <a:bodyPr rtlCol="0" anchor="ctr"/>
-          <a:lstStyle/>
-          <a:p>
-            <a:pPr algn="ctr"/>
-            <a:endParaRPr lang="en-US"/>
-          </a:p>
-        </p:txBody>
-      </p:sp>
     </p:spTree>
     <p:extLst>
       <p:ext uri="{BB962C8B-B14F-4D97-AF65-F5344CB8AC3E}">
-        <p14:creationId xmlns:p14="http://schemas.microsoft.com/office/powerpoint/2010/main" val="944955383"/>
+        <p14:creationId xmlns:p14="http://schemas.microsoft.com/office/powerpoint/2010/main" val="3374135640"/>
       </p:ext>
     </p:extLst>
   </p:cSld>
@@ -6226,8 +6215,8 @@
         </p:nvSpPr>
         <p:spPr>
           <a:xfrm>
-            <a:off x="504000" y="301320"/>
-            <a:ext cx="9071640" cy="637560"/>
+            <a:off x="504000" y="343101"/>
+            <a:ext cx="9071640" cy="553998"/>
           </a:xfrm>
           <a:prstGeom prst="rect">
             <a:avLst/>
@@ -6245,13 +6234,13 @@
           <a:p>
             <a:pPr algn="ctr"/>
             <a:r>
-              <a:rPr lang="en-US" sz="3600" b="0" strike="noStrike" spc="-1">
+              <a:rPr lang="en-US" sz="3600" b="0" strike="noStrike" spc="-1" dirty="0">
                 <a:solidFill>
                   <a:srgbClr val="FFFFFF"/>
                 </a:solidFill>
                 <a:latin typeface="Arial"/>
               </a:rPr>
-              <a:t>The Project and Requested Changes</a:t>
+              <a:t>The Project</a:t>
             </a:r>
           </a:p>
         </p:txBody>
@@ -6264,7 +6253,7 @@
         </p:nvSpPr>
         <p:spPr>
           <a:xfrm>
-            <a:off x="457200" y="1280160"/>
+            <a:off x="504000" y="1587617"/>
             <a:ext cx="9071640" cy="4384440"/>
           </a:xfrm>
           <a:prstGeom prst="rect">
@@ -6293,7 +6282,7 @@
               <a:buChar char=""/>
             </a:pPr>
             <a:r>
-              <a:rPr lang="en-US" sz="2000" b="0" strike="noStrike" spc="-1">
+              <a:rPr lang="en-US" sz="2800" b="0" strike="noStrike" spc="-1" dirty="0">
                 <a:solidFill>
                   <a:srgbClr val="0066CC"/>
                 </a:solidFill>
@@ -6315,7 +6304,7 @@
               <a:buChar char=""/>
             </a:pPr>
             <a:r>
-              <a:rPr lang="en-US" sz="2000" b="0" strike="noStrike" spc="-1">
+              <a:rPr lang="en-US" sz="2800" b="0" strike="noStrike" spc="-1" dirty="0">
                 <a:solidFill>
                   <a:srgbClr val="0066CC"/>
                 </a:solidFill>
@@ -6337,80 +6326,19 @@
               <a:buChar char=""/>
             </a:pPr>
             <a:r>
-              <a:rPr lang="en-US" sz="2000" b="0" strike="noStrike" spc="-1">
+              <a:rPr lang="en-US" sz="2800" dirty="0">
                 <a:solidFill>
-                  <a:srgbClr val="0066CC"/>
+                  <a:srgbClr val="0070C0"/>
                 </a:solidFill>
-                <a:latin typeface="Arial"/>
               </a:rPr>
-              <a:t>A solution for automatically backing up the application’s SQL data was required.</a:t>
+              <a:t>The Athens Veterans Museum has records on over 3300 names of deceased veterans of Limestone Country with about 1000 more still to track.</a:t>
             </a:r>
-          </a:p>
-          <a:p>
-            <a:pPr marL="432000" indent="-324000">
-              <a:spcBef>
-                <a:spcPts val="1417"/>
-              </a:spcBef>
-              <a:buClr>
-                <a:srgbClr val="000000"/>
-              </a:buClr>
-              <a:buSzPct val="45000"/>
-              <a:buFont typeface="Wingdings" charset="2"/>
-              <a:buChar char=""/>
-            </a:pPr>
-            <a:r>
-              <a:rPr lang="en-US" sz="2000" b="0" strike="noStrike" spc="-1">
-                <a:solidFill>
-                  <a:srgbClr val="0066CC"/>
-                </a:solidFill>
-                <a:latin typeface="Arial"/>
-              </a:rPr>
-              <a:t>Notification that data had been successfully saved was requested.</a:t>
-            </a:r>
-          </a:p>
-          <a:p>
-            <a:pPr marL="432000" indent="-324000">
-              <a:spcBef>
-                <a:spcPts val="1417"/>
-              </a:spcBef>
-              <a:buClr>
-                <a:srgbClr val="000000"/>
-              </a:buClr>
-              <a:buSzPct val="45000"/>
-              <a:buFont typeface="Wingdings" charset="2"/>
-              <a:buChar char=""/>
-            </a:pPr>
-            <a:r>
-              <a:rPr lang="en-US" sz="2000" b="0" strike="noStrike" spc="-1">
-                <a:solidFill>
-                  <a:srgbClr val="0066CC"/>
-                </a:solidFill>
-                <a:latin typeface="Arial"/>
-              </a:rPr>
-              <a:t>The ability to clear previous data from forms when starting a new record was also requested.</a:t>
-            </a:r>
-          </a:p>
-          <a:p>
-            <a:pPr marL="432000" indent="-324000">
-              <a:spcBef>
-                <a:spcPts val="1417"/>
-              </a:spcBef>
-              <a:buClr>
-                <a:srgbClr val="000000"/>
-              </a:buClr>
-              <a:buSzPct val="45000"/>
-              <a:buFont typeface="Wingdings" charset="2"/>
-              <a:buChar char=""/>
-            </a:pPr>
-            <a:r>
-              <a:rPr lang="en-US" sz="2000" b="0" strike="noStrike" spc="-1">
-                <a:solidFill>
-                  <a:srgbClr val="0066CC"/>
-                </a:solidFill>
-                <a:latin typeface="Arial"/>
-              </a:rPr>
-              <a:t>Problems with displaying the User Guide from the original project needed to be addressed</a:t>
-            </a:r>
+            <a:endParaRPr lang="en-US" sz="2800" b="0" strike="noStrike" spc="-1" dirty="0">
+              <a:solidFill>
+                <a:srgbClr val="0070C0"/>
+              </a:solidFill>
+              <a:latin typeface="Arial"/>
+            </a:endParaRPr>
           </a:p>
         </p:txBody>
       </p:sp>
@@ -6468,6 +6396,168 @@
       </p:grpSpPr>
       <p:sp>
         <p:nvSpPr>
+          <p:cNvPr id="2" name="Title 1">
+            <a:extLst>
+              <a:ext uri="{FF2B5EF4-FFF2-40B4-BE49-F238E27FC236}">
+                <a16:creationId xmlns:a16="http://schemas.microsoft.com/office/drawing/2014/main" id="{AB90BAA5-199E-493D-8B42-C447F78BD067}"/>
+              </a:ext>
+            </a:extLst>
+          </p:cNvPr>
+          <p:cNvSpPr>
+            <a:spLocks noGrp="1"/>
+          </p:cNvSpPr>
+          <p:nvPr>
+            <p:ph type="title"/>
+          </p:nvPr>
+        </p:nvSpPr>
+        <p:spPr>
+          <a:xfrm>
+            <a:off x="504000" y="315401"/>
+            <a:ext cx="9071640" cy="609398"/>
+          </a:xfrm>
+        </p:spPr>
+        <p:txBody>
+          <a:bodyPr/>
+          <a:lstStyle/>
+          <a:p>
+            <a:pPr algn="ctr"/>
+            <a:r>
+              <a:rPr lang="en-US" dirty="0" err="1">
+                <a:solidFill>
+                  <a:schemeClr val="bg1"/>
+                </a:solidFill>
+              </a:rPr>
+              <a:t>Misc</a:t>
+            </a:r>
+            <a:r>
+              <a:rPr lang="en-US" dirty="0">
+                <a:solidFill>
+                  <a:schemeClr val="bg1"/>
+                </a:solidFill>
+              </a:rPr>
+              <a:t> Picture</a:t>
+            </a:r>
+          </a:p>
+        </p:txBody>
+      </p:sp>
+      <p:pic>
+        <p:nvPicPr>
+          <p:cNvPr id="4" name="Picture 3">
+            <a:extLst>
+              <a:ext uri="{FF2B5EF4-FFF2-40B4-BE49-F238E27FC236}">
+                <a16:creationId xmlns:a16="http://schemas.microsoft.com/office/drawing/2014/main" id="{6FEC997E-3810-4E62-B548-318D156CB1ED}"/>
+              </a:ext>
+            </a:extLst>
+          </p:cNvPr>
+          <p:cNvPicPr/>
+          <p:nvPr/>
+        </p:nvPicPr>
+        <p:blipFill>
+          <a:blip r:embed="rId2" cstate="print">
+            <a:extLst>
+              <a:ext uri="{28A0092B-C50C-407E-A947-70E740481C1C}">
+                <a14:useLocalDpi xmlns:a14="http://schemas.microsoft.com/office/drawing/2010/main" val="0"/>
+              </a:ext>
+            </a:extLst>
+          </a:blip>
+          <a:stretch>
+            <a:fillRect/>
+          </a:stretch>
+        </p:blipFill>
+        <p:spPr>
+          <a:xfrm>
+            <a:off x="709633" y="1376900"/>
+            <a:ext cx="8661358" cy="4805873"/>
+          </a:xfrm>
+          <a:prstGeom prst="rect">
+            <a:avLst/>
+          </a:prstGeom>
+        </p:spPr>
+      </p:pic>
+      <p:sp>
+        <p:nvSpPr>
+          <p:cNvPr id="5" name="Rectangle 4">
+            <a:extLst>
+              <a:ext uri="{FF2B5EF4-FFF2-40B4-BE49-F238E27FC236}">
+                <a16:creationId xmlns:a16="http://schemas.microsoft.com/office/drawing/2014/main" id="{CA81BC32-9369-49D6-BB60-739920EB4497}"/>
+              </a:ext>
+            </a:extLst>
+          </p:cNvPr>
+          <p:cNvSpPr/>
+          <p:nvPr/>
+        </p:nvSpPr>
+        <p:spPr>
+          <a:xfrm>
+            <a:off x="5448300" y="3952875"/>
+            <a:ext cx="1981200" cy="2229898"/>
+          </a:xfrm>
+          <a:prstGeom prst="rect">
+            <a:avLst/>
+          </a:prstGeom>
+          <a:noFill/>
+          <a:ln>
+            <a:solidFill>
+              <a:srgbClr val="C00000"/>
+            </a:solidFill>
+          </a:ln>
+        </p:spPr>
+        <p:style>
+          <a:lnRef idx="2">
+            <a:schemeClr val="accent1">
+              <a:shade val="50000"/>
+            </a:schemeClr>
+          </a:lnRef>
+          <a:fillRef idx="1">
+            <a:schemeClr val="accent1"/>
+          </a:fillRef>
+          <a:effectRef idx="0">
+            <a:schemeClr val="accent1"/>
+          </a:effectRef>
+          <a:fontRef idx="minor">
+            <a:schemeClr val="lt1"/>
+          </a:fontRef>
+        </p:style>
+        <p:txBody>
+          <a:bodyPr rtlCol="0" anchor="ctr"/>
+          <a:lstStyle/>
+          <a:p>
+            <a:pPr algn="ctr"/>
+            <a:endParaRPr lang="en-US"/>
+          </a:p>
+        </p:txBody>
+      </p:sp>
+    </p:spTree>
+    <p:extLst>
+      <p:ext uri="{BB962C8B-B14F-4D97-AF65-F5344CB8AC3E}">
+        <p14:creationId xmlns:p14="http://schemas.microsoft.com/office/powerpoint/2010/main" val="944955383"/>
+      </p:ext>
+    </p:extLst>
+  </p:cSld>
+  <p:clrMapOvr>
+    <a:masterClrMapping/>
+  </p:clrMapOvr>
+</p:sld>
+</file>
+
+<file path=ppt/slides/slide21.xml><?xml version="1.0" encoding="utf-8"?>
+<p:sld xmlns:a="http://schemas.openxmlformats.org/drawingml/2006/main" xmlns:r="http://schemas.openxmlformats.org/officeDocument/2006/relationships" xmlns:p="http://schemas.openxmlformats.org/presentationml/2006/main">
+  <p:cSld>
+    <p:spTree>
+      <p:nvGrpSpPr>
+        <p:cNvPr id="1" name=""/>
+        <p:cNvGrpSpPr/>
+        <p:nvPr/>
+      </p:nvGrpSpPr>
+      <p:grpSpPr>
+        <a:xfrm>
+          <a:off x="0" y="0"/>
+          <a:ext cx="0" cy="0"/>
+          <a:chOff x="0" y="0"/>
+          <a:chExt cx="0" cy="0"/>
+        </a:xfrm>
+      </p:grpSpPr>
+      <p:sp>
+        <p:nvSpPr>
           <p:cNvPr id="110" name="TextShape 1"/>
           <p:cNvSpPr txBox="1"/>
           <p:nvPr/>
@@ -6568,65 +6658,63 @@
       </p:grpSpPr>
       <p:sp>
         <p:nvSpPr>
-          <p:cNvPr id="91" name="TextShape 1"/>
-          <p:cNvSpPr txBox="1"/>
-          <p:nvPr/>
-        </p:nvSpPr>
-        <p:spPr>
-          <a:xfrm>
-            <a:off x="504000" y="301320"/>
-            <a:ext cx="9071640" cy="637560"/>
-          </a:xfrm>
-          <a:prstGeom prst="rect">
-            <a:avLst/>
-          </a:prstGeom>
-          <a:noFill/>
-          <a:ln>
-            <a:noFill/>
-          </a:ln>
-        </p:spPr>
-        <p:txBody>
-          <a:bodyPr lIns="0" tIns="0" rIns="0" bIns="0" anchor="ctr">
-            <a:spAutoFit/>
-          </a:bodyPr>
+          <p:cNvPr id="2" name="Title 1">
+            <a:extLst>
+              <a:ext uri="{FF2B5EF4-FFF2-40B4-BE49-F238E27FC236}">
+                <a16:creationId xmlns:a16="http://schemas.microsoft.com/office/drawing/2014/main" id="{2CFCA06F-51A4-4A74-A9BB-D230AB5C5D70}"/>
+              </a:ext>
+            </a:extLst>
+          </p:cNvPr>
+          <p:cNvSpPr>
+            <a:spLocks noGrp="1"/>
+          </p:cNvSpPr>
+          <p:nvPr>
+            <p:ph type="title"/>
+          </p:nvPr>
+        </p:nvSpPr>
+        <p:spPr>
+          <a:xfrm>
+            <a:off x="1120593" y="169568"/>
+            <a:ext cx="7839437" cy="609398"/>
+          </a:xfrm>
+        </p:spPr>
+        <p:txBody>
+          <a:bodyPr/>
           <a:lstStyle/>
           <a:p>
             <a:pPr algn="ctr"/>
             <a:r>
-              <a:rPr lang="en-US" sz="4400" b="0" strike="noStrike" spc="-1">
+              <a:rPr lang="en-US" sz="4400" b="0" strike="noStrike" spc="-1" dirty="0">
                 <a:solidFill>
                   <a:srgbClr val="FFFFFF"/>
                 </a:solidFill>
                 <a:latin typeface="Arial"/>
               </a:rPr>
-              <a:t>Solutions</a:t>
+              <a:t>Requested Changes</a:t>
             </a:r>
-          </a:p>
-        </p:txBody>
-      </p:sp>
-      <p:sp>
-        <p:nvSpPr>
-          <p:cNvPr id="92" name="TextShape 2"/>
-          <p:cNvSpPr txBox="1"/>
-          <p:nvPr/>
-        </p:nvSpPr>
-        <p:spPr>
-          <a:xfrm>
-            <a:off x="504000" y="1769040"/>
-            <a:ext cx="9071640" cy="4384440"/>
-          </a:xfrm>
-          <a:prstGeom prst="rect">
-            <a:avLst/>
-          </a:prstGeom>
-          <a:noFill/>
-          <a:ln>
-            <a:noFill/>
-          </a:ln>
-        </p:spPr>
-        <p:txBody>
-          <a:bodyPr lIns="0" tIns="0" rIns="0" bIns="0">
-            <a:noAutofit/>
-          </a:bodyPr>
+            <a:endParaRPr lang="en-US" dirty="0"/>
+          </a:p>
+        </p:txBody>
+      </p:sp>
+      <p:sp>
+        <p:nvSpPr>
+          <p:cNvPr id="3" name="Text Placeholder 2">
+            <a:extLst>
+              <a:ext uri="{FF2B5EF4-FFF2-40B4-BE49-F238E27FC236}">
+                <a16:creationId xmlns:a16="http://schemas.microsoft.com/office/drawing/2014/main" id="{B2105B93-D96A-4A5F-85A8-21BD06169EC7}"/>
+              </a:ext>
+            </a:extLst>
+          </p:cNvPr>
+          <p:cNvSpPr>
+            <a:spLocks noGrp="1"/>
+          </p:cNvSpPr>
+          <p:nvPr>
+            <p:ph type="body"/>
+          </p:nvPr>
+        </p:nvSpPr>
+        <p:spPr/>
+        <p:txBody>
+          <a:bodyPr/>
           <a:lstStyle/>
           <a:p>
             <a:pPr marL="432000" indent="-324000">
@@ -6641,13 +6729,13 @@
               <a:buChar char=""/>
             </a:pPr>
             <a:r>
-              <a:rPr lang="en-US" sz="2600" b="0" strike="noStrike" spc="-1">
+              <a:rPr lang="en-US" sz="2800" b="0" strike="noStrike" spc="-1" dirty="0">
                 <a:solidFill>
                   <a:srgbClr val="0066CC"/>
                 </a:solidFill>
                 <a:latin typeface="Arial"/>
               </a:rPr>
-              <a:t>Creating a backup solution which could be used for both remote and local scheduled backups.</a:t>
+              <a:t>A solution for automatically backing up the application’s SQL data was required.</a:t>
             </a:r>
           </a:p>
           <a:p>
@@ -6663,13 +6751,13 @@
               <a:buChar char=""/>
             </a:pPr>
             <a:r>
-              <a:rPr lang="en-US" sz="2600" b="0" strike="noStrike" spc="-1">
+              <a:rPr lang="en-US" sz="2800" b="0" strike="noStrike" spc="-1" dirty="0">
                 <a:solidFill>
                   <a:srgbClr val="0066CC"/>
                 </a:solidFill>
                 <a:latin typeface="Arial"/>
               </a:rPr>
-              <a:t>Altering the application to add the appropriate controls to the GUI for clearing the forms.</a:t>
+              <a:t>Notification that data had been successfully saved was requested.</a:t>
             </a:r>
           </a:p>
           <a:p>
@@ -6685,13 +6773,13 @@
               <a:buChar char=""/>
             </a:pPr>
             <a:r>
-              <a:rPr lang="en-US" sz="2600" b="0" strike="noStrike" spc="-1">
+              <a:rPr lang="en-US" sz="2800" b="0" strike="noStrike" spc="-1" dirty="0">
                 <a:solidFill>
                   <a:srgbClr val="0066CC"/>
                 </a:solidFill>
                 <a:latin typeface="Arial"/>
               </a:rPr>
-              <a:t>Adding feedback points to confirm that data was successfully saved .</a:t>
+              <a:t>The ability to clear previous data from forms when starting a new record was also requested.</a:t>
             </a:r>
           </a:p>
           <a:p>
@@ -6707,86 +6795,49 @@
               <a:buChar char=""/>
             </a:pPr>
             <a:r>
-              <a:rPr lang="en-US" sz="2600" b="0" strike="noStrike" spc="-1">
+              <a:rPr lang="en-US" sz="2800" b="0" strike="noStrike" spc="-1" dirty="0">
                 <a:solidFill>
                   <a:srgbClr val="0066CC"/>
                 </a:solidFill>
                 <a:latin typeface="Arial"/>
               </a:rPr>
-              <a:t>Correcting broken links to the Application Users Guide.</a:t>
+              <a:t>Problems with displaying the User Guide from the original project needed to be addressed</a:t>
             </a:r>
           </a:p>
-        </p:txBody>
-      </p:sp>
-      <p:sp>
-        <p:nvSpPr>
-          <p:cNvPr id="93" name="TextShape 3"/>
-          <p:cNvSpPr txBox="1"/>
-          <p:nvPr/>
-        </p:nvSpPr>
-        <p:spPr>
-          <a:xfrm>
-            <a:off x="640080" y="1188720"/>
-            <a:ext cx="5852160" cy="459360"/>
-          </a:xfrm>
-          <a:prstGeom prst="rect">
-            <a:avLst/>
-          </a:prstGeom>
-          <a:noFill/>
-          <a:ln>
-            <a:noFill/>
-          </a:ln>
-        </p:spPr>
-        <p:txBody>
-          <a:bodyPr lIns="90000" tIns="45000" rIns="90000" bIns="45000">
-            <a:spAutoFit/>
-          </a:bodyPr>
-          <a:lstStyle/>
-          <a:p>
-            <a:r>
-              <a:rPr lang="en-US" sz="2600" b="0" strike="noStrike" spc="-1">
-                <a:solidFill>
-                  <a:srgbClr val="5983B0"/>
-                </a:solidFill>
-                <a:latin typeface="Arial"/>
-              </a:rPr>
-              <a:t>Sprint 1 Goals</a:t>
-            </a:r>
+          <a:p>
+            <a:pPr marL="432000" indent="-324000">
+              <a:spcBef>
+                <a:spcPts val="1417"/>
+              </a:spcBef>
+              <a:buClr>
+                <a:srgbClr val="000000"/>
+              </a:buClr>
+              <a:buSzPct val="45000"/>
+              <a:buFont typeface="Wingdings" charset="2"/>
+              <a:buChar char=""/>
+            </a:pPr>
+            <a:endParaRPr lang="en-US" sz="2800" b="0" strike="noStrike" spc="-1" dirty="0">
+              <a:solidFill>
+                <a:srgbClr val="0066CC"/>
+              </a:solidFill>
+              <a:latin typeface="Arial"/>
+            </a:endParaRPr>
+          </a:p>
+          <a:p>
+            <a:endParaRPr lang="en-US" dirty="0"/>
           </a:p>
         </p:txBody>
       </p:sp>
     </p:spTree>
+    <p:extLst>
+      <p:ext uri="{BB962C8B-B14F-4D97-AF65-F5344CB8AC3E}">
+        <p14:creationId xmlns:p14="http://schemas.microsoft.com/office/powerpoint/2010/main" val="39857455"/>
+      </p:ext>
+    </p:extLst>
   </p:cSld>
   <p:clrMapOvr>
     <a:masterClrMapping/>
   </p:clrMapOvr>
-  <p:timing>
-    <p:tnLst>
-      <p:par>
-        <p:cTn id="1" dur="indefinite" restart="never" nodeType="tmRoot">
-          <p:childTnLst>
-            <p:seq>
-              <p:cTn id="2" dur="indefinite" nodeType="mainSeq"/>
-              <p:prevCondLst>
-                <p:cond evt="onPrev" delay="0">
-                  <p:tgtEl>
-                    <p:sldTgt/>
-                  </p:tgtEl>
-                </p:cond>
-              </p:prevCondLst>
-              <p:nextCondLst>
-                <p:cond evt="onNext" delay="0">
-                  <p:tgtEl>
-                    <p:sldTgt/>
-                  </p:tgtEl>
-                </p:cond>
-              </p:nextCondLst>
-            </p:seq>
-          </p:childTnLst>
-        </p:cTn>
-      </p:par>
-    </p:tnLst>
-  </p:timing>
 </p:sld>
 </file>
 
@@ -6809,97 +6860,215 @@
       </p:grpSpPr>
       <p:sp>
         <p:nvSpPr>
-          <p:cNvPr id="94" name="TextShape 1"/>
-          <p:cNvSpPr txBox="1"/>
-          <p:nvPr/>
-        </p:nvSpPr>
-        <p:spPr>
-          <a:xfrm>
-            <a:off x="504000" y="301320"/>
-            <a:ext cx="9071640" cy="637560"/>
-          </a:xfrm>
-          <a:prstGeom prst="rect">
-            <a:avLst/>
-          </a:prstGeom>
-          <a:noFill/>
-          <a:ln>
-            <a:noFill/>
-          </a:ln>
-        </p:spPr>
-        <p:txBody>
-          <a:bodyPr lIns="0" tIns="0" rIns="0" bIns="0" anchor="ctr">
-            <a:spAutoFit/>
-          </a:bodyPr>
+          <p:cNvPr id="2" name="Title 1">
+            <a:extLst>
+              <a:ext uri="{FF2B5EF4-FFF2-40B4-BE49-F238E27FC236}">
+                <a16:creationId xmlns:a16="http://schemas.microsoft.com/office/drawing/2014/main" id="{2CFCA06F-51A4-4A74-A9BB-D230AB5C5D70}"/>
+              </a:ext>
+            </a:extLst>
+          </p:cNvPr>
+          <p:cNvSpPr>
+            <a:spLocks noGrp="1"/>
+          </p:cNvSpPr>
+          <p:nvPr>
+            <p:ph type="title"/>
+          </p:nvPr>
+        </p:nvSpPr>
+        <p:spPr>
+          <a:xfrm>
+            <a:off x="1120593" y="169568"/>
+            <a:ext cx="7839437" cy="609398"/>
+          </a:xfrm>
+        </p:spPr>
+        <p:txBody>
+          <a:bodyPr/>
           <a:lstStyle/>
           <a:p>
             <a:pPr algn="ctr"/>
             <a:r>
-              <a:rPr lang="en-US" sz="4400" b="0" strike="noStrike" spc="-1">
+              <a:rPr lang="en-US" sz="4400" b="0" strike="noStrike" spc="-1" dirty="0">
                 <a:solidFill>
                   <a:srgbClr val="FFFFFF"/>
                 </a:solidFill>
                 <a:latin typeface="Arial"/>
               </a:rPr>
-              <a:t>SQL Backup Solution</a:t>
+              <a:t>Requested Changes</a:t>
             </a:r>
-          </a:p>
-        </p:txBody>
-      </p:sp>
-      <p:pic>
-        <p:nvPicPr>
-          <p:cNvPr id="95" name="Picture 94"/>
-          <p:cNvPicPr/>
-          <p:nvPr/>
-        </p:nvPicPr>
-        <p:blipFill>
-          <a:blip r:embed="rId2"/>
-          <a:stretch/>
-        </p:blipFill>
-        <p:spPr>
-          <a:xfrm>
-            <a:off x="299880" y="1188720"/>
-            <a:ext cx="9484200" cy="4781520"/>
-          </a:xfrm>
-          <a:prstGeom prst="rect">
-            <a:avLst/>
-          </a:prstGeom>
-          <a:ln>
-            <a:noFill/>
-          </a:ln>
-        </p:spPr>
-      </p:pic>
+            <a:endParaRPr lang="en-US" dirty="0"/>
+          </a:p>
+        </p:txBody>
+      </p:sp>
+      <p:sp>
+        <p:nvSpPr>
+          <p:cNvPr id="3" name="Text Placeholder 2">
+            <a:extLst>
+              <a:ext uri="{FF2B5EF4-FFF2-40B4-BE49-F238E27FC236}">
+                <a16:creationId xmlns:a16="http://schemas.microsoft.com/office/drawing/2014/main" id="{B2105B93-D96A-4A5F-85A8-21BD06169EC7}"/>
+              </a:ext>
+            </a:extLst>
+          </p:cNvPr>
+          <p:cNvSpPr>
+            <a:spLocks noGrp="1"/>
+          </p:cNvSpPr>
+          <p:nvPr>
+            <p:ph type="body"/>
+          </p:nvPr>
+        </p:nvSpPr>
+        <p:spPr>
+          <a:xfrm>
+            <a:off x="504491" y="2201969"/>
+            <a:ext cx="9071640" cy="3155736"/>
+          </a:xfrm>
+        </p:spPr>
+        <p:txBody>
+          <a:bodyPr/>
+          <a:lstStyle/>
+          <a:p>
+            <a:pPr marL="432000" indent="-324000">
+              <a:spcBef>
+                <a:spcPts val="1417"/>
+              </a:spcBef>
+              <a:buClr>
+                <a:srgbClr val="000000"/>
+              </a:buClr>
+              <a:buSzPct val="45000"/>
+              <a:buFont typeface="Wingdings" charset="2"/>
+              <a:buChar char=""/>
+            </a:pPr>
+            <a:r>
+              <a:rPr lang="en-US" sz="2800" b="0" strike="noStrike" spc="-1" dirty="0">
+                <a:solidFill>
+                  <a:srgbClr val="0066CC"/>
+                </a:solidFill>
+                <a:latin typeface="Arial"/>
+              </a:rPr>
+              <a:t>Google Maps directions to grave site</a:t>
+            </a:r>
+          </a:p>
+          <a:p>
+            <a:pPr marL="432000" indent="-324000">
+              <a:spcBef>
+                <a:spcPts val="1417"/>
+              </a:spcBef>
+              <a:buClr>
+                <a:srgbClr val="000000"/>
+              </a:buClr>
+              <a:buSzPct val="45000"/>
+              <a:buFont typeface="Wingdings" charset="2"/>
+              <a:buChar char=""/>
+            </a:pPr>
+            <a:r>
+              <a:rPr lang="en-US" sz="2800" spc="-1" dirty="0">
+                <a:solidFill>
+                  <a:srgbClr val="0066CC"/>
+                </a:solidFill>
+                <a:latin typeface="Arial"/>
+              </a:rPr>
+              <a:t>Repurposing the Marker Photo for Veterans</a:t>
+            </a:r>
+          </a:p>
+          <a:p>
+            <a:pPr marL="432000" indent="-324000">
+              <a:spcBef>
+                <a:spcPts val="1417"/>
+              </a:spcBef>
+              <a:buClr>
+                <a:srgbClr val="000000"/>
+              </a:buClr>
+              <a:buSzPct val="45000"/>
+              <a:buFont typeface="Wingdings" charset="2"/>
+              <a:buChar char=""/>
+            </a:pPr>
+            <a:r>
+              <a:rPr lang="en-US" sz="2800" b="0" strike="noStrike" spc="-1" dirty="0">
+                <a:solidFill>
+                  <a:srgbClr val="0066CC"/>
+                </a:solidFill>
+                <a:latin typeface="Arial"/>
+              </a:rPr>
+              <a:t>C</a:t>
+            </a:r>
+            <a:r>
+              <a:rPr lang="en-US" sz="2800" spc="-1" dirty="0">
+                <a:solidFill>
+                  <a:srgbClr val="0066CC"/>
+                </a:solidFill>
+                <a:latin typeface="Arial"/>
+              </a:rPr>
+              <a:t>hange Requirements for DOB/DOD</a:t>
+            </a:r>
+            <a:endParaRPr lang="en-US" sz="2800" b="0" strike="noStrike" spc="-1" dirty="0">
+              <a:solidFill>
+                <a:srgbClr val="0066CC"/>
+              </a:solidFill>
+              <a:latin typeface="Arial"/>
+            </a:endParaRPr>
+          </a:p>
+          <a:p>
+            <a:pPr marL="432000" indent="-324000">
+              <a:spcBef>
+                <a:spcPts val="1417"/>
+              </a:spcBef>
+              <a:buClr>
+                <a:srgbClr val="000000"/>
+              </a:buClr>
+              <a:buSzPct val="45000"/>
+              <a:buFont typeface="Wingdings" charset="2"/>
+              <a:buChar char=""/>
+            </a:pPr>
+            <a:r>
+              <a:rPr lang="en-US" sz="2800" b="0" strike="noStrike" spc="-1" dirty="0">
+                <a:solidFill>
+                  <a:srgbClr val="0066CC"/>
+                </a:solidFill>
+                <a:latin typeface="Arial"/>
+              </a:rPr>
+              <a:t>Uploading correct image formats</a:t>
+            </a:r>
+          </a:p>
+          <a:p>
+            <a:pPr marL="432000" indent="-324000">
+              <a:spcBef>
+                <a:spcPts val="1417"/>
+              </a:spcBef>
+              <a:buClr>
+                <a:srgbClr val="000000"/>
+              </a:buClr>
+              <a:buSzPct val="45000"/>
+              <a:buFont typeface="Wingdings" charset="2"/>
+              <a:buChar char=""/>
+            </a:pPr>
+            <a:r>
+              <a:rPr lang="en-US" sz="2800" spc="-1" dirty="0">
+                <a:solidFill>
+                  <a:srgbClr val="0066CC"/>
+                </a:solidFill>
+                <a:latin typeface="Arial"/>
+              </a:rPr>
+              <a:t>Find A Grave button directing to the website</a:t>
+            </a:r>
+            <a:endParaRPr lang="en-US" sz="2800" b="0" strike="noStrike" spc="-1" dirty="0">
+              <a:solidFill>
+                <a:srgbClr val="0066CC"/>
+              </a:solidFill>
+              <a:latin typeface="Arial"/>
+            </a:endParaRPr>
+          </a:p>
+          <a:p>
+            <a:endParaRPr lang="en-US" sz="3600" dirty="0"/>
+          </a:p>
+        </p:txBody>
+      </p:sp>
     </p:spTree>
+    <p:extLst>
+      <p:ext uri="{BB962C8B-B14F-4D97-AF65-F5344CB8AC3E}">
+        <p14:creationId xmlns:p14="http://schemas.microsoft.com/office/powerpoint/2010/main" val="1708194486"/>
+      </p:ext>
+    </p:extLst>
   </p:cSld>
   <p:clrMapOvr>
     <a:masterClrMapping/>
   </p:clrMapOvr>
-  <p:timing>
-    <p:tnLst>
-      <p:par>
-        <p:cTn id="1" dur="indefinite" restart="never" nodeType="tmRoot">
-          <p:childTnLst>
-            <p:seq>
-              <p:cTn id="2" dur="indefinite" nodeType="mainSeq"/>
-              <p:prevCondLst>
-                <p:cond evt="onPrev" delay="0">
-                  <p:tgtEl>
-                    <p:sldTgt/>
-                  </p:tgtEl>
-                </p:cond>
-              </p:prevCondLst>
-              <p:nextCondLst>
-                <p:cond evt="onNext" delay="0">
-                  <p:tgtEl>
-                    <p:sldTgt/>
-                  </p:tgtEl>
-                </p:cond>
-              </p:nextCondLst>
-            </p:seq>
-          </p:childTnLst>
-        </p:cTn>
-      </p:par>
-    </p:tnLst>
-  </p:timing>
 </p:sld>
 </file>
 
@@ -6922,7 +7091,7 @@
       </p:grpSpPr>
       <p:sp>
         <p:nvSpPr>
-          <p:cNvPr id="96" name="TextShape 1"/>
+          <p:cNvPr id="94" name="TextShape 1"/>
           <p:cNvSpPr txBox="1"/>
           <p:nvPr/>
         </p:nvSpPr>
@@ -6960,7 +7129,7 @@
       </p:sp>
       <p:pic>
         <p:nvPicPr>
-          <p:cNvPr id="97" name="Picture 96"/>
+          <p:cNvPr id="95" name="Picture 94"/>
           <p:cNvPicPr/>
           <p:nvPr/>
         </p:nvPicPr>
@@ -6970,8 +7139,8 @@
         </p:blipFill>
         <p:spPr>
           <a:xfrm>
-            <a:off x="182880" y="1070640"/>
-            <a:ext cx="9665640" cy="4872960"/>
+            <a:off x="299880" y="1188720"/>
+            <a:ext cx="9484200" cy="4781520"/>
           </a:xfrm>
           <a:prstGeom prst="rect">
             <a:avLst/>
@@ -7035,7 +7204,7 @@
       </p:grpSpPr>
       <p:sp>
         <p:nvSpPr>
-          <p:cNvPr id="98" name="TextShape 1"/>
+          <p:cNvPr id="96" name="TextShape 1"/>
           <p:cNvSpPr txBox="1"/>
           <p:nvPr/>
         </p:nvSpPr>
@@ -7073,7 +7242,7 @@
       </p:sp>
       <p:pic>
         <p:nvPicPr>
-          <p:cNvPr id="99" name="Picture 98"/>
+          <p:cNvPr id="97" name="Picture 96"/>
           <p:cNvPicPr/>
           <p:nvPr/>
         </p:nvPicPr>
@@ -7083,8 +7252,8 @@
         </p:blipFill>
         <p:spPr>
           <a:xfrm>
-            <a:off x="503640" y="2346120"/>
-            <a:ext cx="9071640" cy="3229560"/>
+            <a:off x="182880" y="1070640"/>
+            <a:ext cx="9665640" cy="4872960"/>
           </a:xfrm>
           <a:prstGeom prst="rect">
             <a:avLst/>
@@ -7148,7 +7317,7 @@
       </p:grpSpPr>
       <p:sp>
         <p:nvSpPr>
-          <p:cNvPr id="100" name="TextShape 1"/>
+          <p:cNvPr id="98" name="TextShape 1"/>
           <p:cNvSpPr txBox="1"/>
           <p:nvPr/>
         </p:nvSpPr>
@@ -7179,125 +7348,34 @@
                 </a:solidFill>
                 <a:latin typeface="Arial"/>
               </a:rPr>
-              <a:t>Application User Guide</a:t>
+              <a:t>SQL Backup Solution</a:t>
             </a:r>
           </a:p>
         </p:txBody>
       </p:sp>
-      <p:sp>
-        <p:nvSpPr>
-          <p:cNvPr id="101" name="TextShape 2"/>
-          <p:cNvSpPr txBox="1"/>
+      <p:pic>
+        <p:nvPicPr>
+          <p:cNvPr id="99" name="Picture 98"/>
+          <p:cNvPicPr/>
           <p:nvPr/>
-        </p:nvSpPr>
-        <p:spPr>
-          <a:xfrm>
-            <a:off x="504000" y="1769040"/>
-            <a:ext cx="9071640" cy="4384440"/>
-          </a:xfrm>
-          <a:prstGeom prst="rect">
-            <a:avLst/>
-          </a:prstGeom>
-          <a:noFill/>
+        </p:nvPicPr>
+        <p:blipFill>
+          <a:blip r:embed="rId2"/>
+          <a:stretch/>
+        </p:blipFill>
+        <p:spPr>
+          <a:xfrm>
+            <a:off x="503640" y="2346120"/>
+            <a:ext cx="9071640" cy="3229560"/>
+          </a:xfrm>
+          <a:prstGeom prst="rect">
+            <a:avLst/>
+          </a:prstGeom>
           <a:ln>
             <a:noFill/>
           </a:ln>
         </p:spPr>
-        <p:txBody>
-          <a:bodyPr lIns="0" tIns="0" rIns="0" bIns="0">
-            <a:noAutofit/>
-          </a:bodyPr>
-          <a:lstStyle/>
-          <a:p>
-            <a:pPr marL="432000" indent="-324000">
-              <a:spcBef>
-                <a:spcPts val="1417"/>
-              </a:spcBef>
-              <a:buClr>
-                <a:srgbClr val="000000"/>
-              </a:buClr>
-              <a:buSzPct val="45000"/>
-              <a:buFont typeface="Wingdings" charset="2"/>
-              <a:buChar char=""/>
-            </a:pPr>
-            <a:r>
-              <a:rPr lang="en-US" sz="3200" b="0" strike="noStrike" spc="-1">
-                <a:solidFill>
-                  <a:srgbClr val="0066CC"/>
-                </a:solidFill>
-                <a:latin typeface="Arial"/>
-              </a:rPr>
-              <a:t>The User Guide exists as a .pdf file.</a:t>
-            </a:r>
-          </a:p>
-          <a:p>
-            <a:pPr marL="432000" indent="-324000">
-              <a:spcBef>
-                <a:spcPts val="1417"/>
-              </a:spcBef>
-              <a:buClr>
-                <a:srgbClr val="000000"/>
-              </a:buClr>
-              <a:buSzPct val="45000"/>
-              <a:buFont typeface="Wingdings" charset="2"/>
-              <a:buChar char=""/>
-            </a:pPr>
-            <a:r>
-              <a:rPr lang="en-US" sz="3200" b="0" strike="noStrike" spc="-1">
-                <a:solidFill>
-                  <a:srgbClr val="0066CC"/>
-                </a:solidFill>
-                <a:latin typeface="Arial"/>
-              </a:rPr>
-              <a:t>It is installed to the disk by the installed batch file.</a:t>
-            </a:r>
-          </a:p>
-          <a:p>
-            <a:pPr marL="432000" indent="-324000">
-              <a:spcBef>
-                <a:spcPts val="1417"/>
-              </a:spcBef>
-              <a:buClr>
-                <a:srgbClr val="000000"/>
-              </a:buClr>
-              <a:buSzPct val="45000"/>
-              <a:buFont typeface="Wingdings" charset="2"/>
-              <a:buChar char=""/>
-            </a:pPr>
-            <a:r>
-              <a:rPr lang="en-US" sz="3200" b="0" strike="noStrike" spc="-1">
-                <a:solidFill>
-                  <a:srgbClr val="0066CC"/>
-                </a:solidFill>
-                <a:latin typeface="Arial"/>
-              </a:rPr>
-              <a:t>A browser shortcut is created on the desktop by the installer.</a:t>
-            </a:r>
-          </a:p>
-          <a:p>
-            <a:pPr marL="432000" indent="-324000">
-              <a:spcBef>
-                <a:spcPts val="1417"/>
-              </a:spcBef>
-              <a:buClr>
-                <a:srgbClr val="000000"/>
-              </a:buClr>
-              <a:buSzPct val="45000"/>
-              <a:buFont typeface="Wingdings" charset="2"/>
-              <a:buChar char=""/>
-            </a:pPr>
-            <a:r>
-              <a:rPr lang="en-US" sz="3200" b="0" strike="noStrike" spc="-1">
-                <a:solidFill>
-                  <a:srgbClr val="0066CC"/>
-                </a:solidFill>
-                <a:latin typeface="Arial"/>
-              </a:rPr>
-              <a:t>The shortcut opens the .pdf file using the systems internet browser.</a:t>
-            </a:r>
-          </a:p>
-        </p:txBody>
-      </p:sp>
+      </p:pic>
     </p:spTree>
   </p:cSld>
   <p:clrMapOvr>
@@ -7352,7 +7430,7 @@
       </p:grpSpPr>
       <p:sp>
         <p:nvSpPr>
-          <p:cNvPr id="102" name="TextShape 1"/>
+          <p:cNvPr id="100" name="TextShape 1"/>
           <p:cNvSpPr txBox="1"/>
           <p:nvPr/>
         </p:nvSpPr>
@@ -7383,34 +7461,125 @@
                 </a:solidFill>
                 <a:latin typeface="Arial"/>
               </a:rPr>
-              <a:t>Save Notification</a:t>
+              <a:t>Application User Guide</a:t>
             </a:r>
           </a:p>
         </p:txBody>
       </p:sp>
-      <p:pic>
-        <p:nvPicPr>
-          <p:cNvPr id="103" name="Picture 102"/>
-          <p:cNvPicPr/>
+      <p:sp>
+        <p:nvSpPr>
+          <p:cNvPr id="101" name="TextShape 2"/>
+          <p:cNvSpPr txBox="1"/>
           <p:nvPr/>
-        </p:nvPicPr>
-        <p:blipFill>
-          <a:blip r:embed="rId2"/>
-          <a:stretch/>
-        </p:blipFill>
-        <p:spPr>
-          <a:xfrm>
-            <a:off x="365760" y="1371600"/>
-            <a:ext cx="9302760" cy="4690080"/>
-          </a:xfrm>
-          <a:prstGeom prst="rect">
-            <a:avLst/>
-          </a:prstGeom>
+        </p:nvSpPr>
+        <p:spPr>
+          <a:xfrm>
+            <a:off x="504000" y="1769040"/>
+            <a:ext cx="9071640" cy="4384440"/>
+          </a:xfrm>
+          <a:prstGeom prst="rect">
+            <a:avLst/>
+          </a:prstGeom>
+          <a:noFill/>
           <a:ln>
             <a:noFill/>
           </a:ln>
         </p:spPr>
-      </p:pic>
+        <p:txBody>
+          <a:bodyPr lIns="0" tIns="0" rIns="0" bIns="0">
+            <a:noAutofit/>
+          </a:bodyPr>
+          <a:lstStyle/>
+          <a:p>
+            <a:pPr marL="432000" indent="-324000">
+              <a:spcBef>
+                <a:spcPts val="1417"/>
+              </a:spcBef>
+              <a:buClr>
+                <a:srgbClr val="000000"/>
+              </a:buClr>
+              <a:buSzPct val="45000"/>
+              <a:buFont typeface="Wingdings" charset="2"/>
+              <a:buChar char=""/>
+            </a:pPr>
+            <a:r>
+              <a:rPr lang="en-US" sz="3200" b="0" strike="noStrike" spc="-1">
+                <a:solidFill>
+                  <a:srgbClr val="0066CC"/>
+                </a:solidFill>
+                <a:latin typeface="Arial"/>
+              </a:rPr>
+              <a:t>The User Guide exists as a .pdf file.</a:t>
+            </a:r>
+          </a:p>
+          <a:p>
+            <a:pPr marL="432000" indent="-324000">
+              <a:spcBef>
+                <a:spcPts val="1417"/>
+              </a:spcBef>
+              <a:buClr>
+                <a:srgbClr val="000000"/>
+              </a:buClr>
+              <a:buSzPct val="45000"/>
+              <a:buFont typeface="Wingdings" charset="2"/>
+              <a:buChar char=""/>
+            </a:pPr>
+            <a:r>
+              <a:rPr lang="en-US" sz="3200" b="0" strike="noStrike" spc="-1">
+                <a:solidFill>
+                  <a:srgbClr val="0066CC"/>
+                </a:solidFill>
+                <a:latin typeface="Arial"/>
+              </a:rPr>
+              <a:t>It is installed to the disk by the installed batch file.</a:t>
+            </a:r>
+          </a:p>
+          <a:p>
+            <a:pPr marL="432000" indent="-324000">
+              <a:spcBef>
+                <a:spcPts val="1417"/>
+              </a:spcBef>
+              <a:buClr>
+                <a:srgbClr val="000000"/>
+              </a:buClr>
+              <a:buSzPct val="45000"/>
+              <a:buFont typeface="Wingdings" charset="2"/>
+              <a:buChar char=""/>
+            </a:pPr>
+            <a:r>
+              <a:rPr lang="en-US" sz="3200" b="0" strike="noStrike" spc="-1">
+                <a:solidFill>
+                  <a:srgbClr val="0066CC"/>
+                </a:solidFill>
+                <a:latin typeface="Arial"/>
+              </a:rPr>
+              <a:t>A browser shortcut is created on the desktop by the installer.</a:t>
+            </a:r>
+          </a:p>
+          <a:p>
+            <a:pPr marL="432000" indent="-324000">
+              <a:spcBef>
+                <a:spcPts val="1417"/>
+              </a:spcBef>
+              <a:buClr>
+                <a:srgbClr val="000000"/>
+              </a:buClr>
+              <a:buSzPct val="45000"/>
+              <a:buFont typeface="Wingdings" charset="2"/>
+              <a:buChar char=""/>
+            </a:pPr>
+            <a:r>
+              <a:rPr lang="en-US" sz="3200" b="0" strike="noStrike" spc="-1">
+                <a:solidFill>
+                  <a:srgbClr val="0066CC"/>
+                </a:solidFill>
+                <a:latin typeface="Arial"/>
+              </a:rPr>
+              <a:t>The shortcut opens the .pdf file using the systems internet browser.</a:t>
+            </a:r>
+          </a:p>
+        </p:txBody>
+      </p:sp>
     </p:spTree>
   </p:cSld>
   <p:clrMapOvr>
@@ -7465,7 +7634,7 @@
       </p:grpSpPr>
       <p:sp>
         <p:nvSpPr>
-          <p:cNvPr id="104" name="TextShape 1"/>
+          <p:cNvPr id="102" name="TextShape 1"/>
           <p:cNvSpPr txBox="1"/>
           <p:nvPr/>
         </p:nvSpPr>
@@ -7496,14 +7665,14 @@
                 </a:solidFill>
                 <a:latin typeface="Arial"/>
               </a:rPr>
-              <a:t>Clearing Forms</a:t>
+              <a:t>Save Notification</a:t>
             </a:r>
           </a:p>
         </p:txBody>
       </p:sp>
       <p:pic>
         <p:nvPicPr>
-          <p:cNvPr id="105" name="Picture 104"/>
+          <p:cNvPr id="103" name="Picture 102"/>
           <p:cNvPicPr/>
           <p:nvPr/>
         </p:nvPicPr>
@@ -7513,8 +7682,8 @@
         </p:blipFill>
         <p:spPr>
           <a:xfrm>
-            <a:off x="391320" y="1645920"/>
-            <a:ext cx="9484200" cy="4781520"/>
+            <a:off x="365760" y="1371600"/>
+            <a:ext cx="9302760" cy="4690080"/>
           </a:xfrm>
           <a:prstGeom prst="rect">
             <a:avLst/>
@@ -7524,43 +7693,6 @@
           </a:ln>
         </p:spPr>
       </p:pic>
-      <p:sp>
-        <p:nvSpPr>
-          <p:cNvPr id="106" name="TextShape 2"/>
-          <p:cNvSpPr txBox="1"/>
-          <p:nvPr/>
-        </p:nvSpPr>
-        <p:spPr>
-          <a:xfrm>
-            <a:off x="457200" y="1097280"/>
-            <a:ext cx="4114800" cy="346320"/>
-          </a:xfrm>
-          <a:prstGeom prst="rect">
-            <a:avLst/>
-          </a:prstGeom>
-          <a:noFill/>
-          <a:ln>
-            <a:noFill/>
-          </a:ln>
-        </p:spPr>
-        <p:txBody>
-          <a:bodyPr lIns="90000" tIns="45000" rIns="90000" bIns="45000">
-            <a:spAutoFit/>
-          </a:bodyPr>
-          <a:lstStyle/>
-          <a:p>
-            <a:r>
-              <a:rPr lang="en-US" sz="1800" b="0" strike="noStrike" spc="-1">
-                <a:solidFill>
-                  <a:srgbClr val="3465A4"/>
-                </a:solidFill>
-                <a:latin typeface="Arial"/>
-              </a:rPr>
-              <a:t>Existing GUI</a:t>
-            </a:r>
-          </a:p>
-        </p:txBody>
-      </p:sp>
     </p:spTree>
   </p:cSld>
   <p:clrMapOvr>

--- a/MiscFiles/Final Presentation V2.pptx
+++ b/MiscFiles/Final Presentation V2.pptx
@@ -6712,7 +6712,12 @@
             <p:ph type="body"/>
           </p:nvPr>
         </p:nvSpPr>
-        <p:spPr/>
+        <p:spPr>
+          <a:xfrm>
+            <a:off x="504491" y="3461057"/>
+            <a:ext cx="9071640" cy="637560"/>
+          </a:xfrm>
+        </p:spPr>
         <p:txBody>
           <a:bodyPr/>
           <a:lstStyle/>
